--- a/Circuitos Paralelo/Circuitos en Paralelo.pptx
+++ b/Circuitos Paralelo/Circuitos en Paralelo.pptx
@@ -16,10 +16,17 @@
     <p:sldId id="264" r:id="rId10"/>
     <p:sldId id="265" r:id="rId11"/>
     <p:sldId id="266" r:id="rId12"/>
-    <p:sldId id="267" r:id="rId13"/>
-    <p:sldId id="268" r:id="rId14"/>
-    <p:sldId id="269" r:id="rId15"/>
-    <p:sldId id="270" r:id="rId16"/>
+    <p:sldId id="271" r:id="rId13"/>
+    <p:sldId id="272" r:id="rId14"/>
+    <p:sldId id="267" r:id="rId15"/>
+    <p:sldId id="268" r:id="rId16"/>
+    <p:sldId id="273" r:id="rId17"/>
+    <p:sldId id="274" r:id="rId18"/>
+    <p:sldId id="275" r:id="rId19"/>
+    <p:sldId id="276" r:id="rId20"/>
+    <p:sldId id="269" r:id="rId21"/>
+    <p:sldId id="270" r:id="rId22"/>
+    <p:sldId id="277" r:id="rId23"/>
   </p:sldIdLst>
   <p:sldSz cx="12192000" cy="6858000"/>
   <p:notesSz cx="6858000" cy="9144000"/>
@@ -2930,20 +2937,16 @@
           <inkml:channelProperty channel="Y" name="resolution" value="1000" units="1/cm"/>
         </inkml:channelProperties>
       </inkml:inkSource>
-      <inkml:timestamp xml:id="ts0" timeString="2021-04-09T15:31:19.342"/>
+      <inkml:timestamp xml:id="ts0" timeString="2021-04-10T20:35:58.956"/>
     </inkml:context>
     <inkml:brush xml:id="br0">
-      <inkml:brushProperty name="width" value="0.1" units="cm"/>
-      <inkml:brushProperty name="height" value="0.1" units="cm"/>
-      <inkml:brushProperty name="color" value="#DA0C07"/>
+      <inkml:brushProperty name="width" value="0.025" units="cm"/>
+      <inkml:brushProperty name="height" value="0.025" units="cm"/>
+      <inkml:brushProperty name="color" value="#E71224"/>
       <inkml:brushProperty name="ignorePressure" value="1"/>
-      <inkml:brushProperty name="inkEffects" value="lava"/>
-      <inkml:brushProperty name="anchorX" value="-238921.23438"/>
-      <inkml:brushProperty name="anchorY" value="-194013.89063"/>
-      <inkml:brushProperty name="scaleFactor" value="0.5"/>
     </inkml:brush>
   </inkml:definitions>
-  <inkml:trace contextRef="#ctx0" brushRef="#br0">19 0,'0'0,"-3"0,-1 4,0 17,1 8,1 10,0 6,2 2,-1-5,1-5,0-7,1-4,-1-9</inkml:trace>
+  <inkml:trace contextRef="#ctx0" brushRef="#br0">1 138,'6'0,"2"-6,6-3,7-5,6-7,-2-6,2 1,-4 6,-6 6</inkml:trace>
 </inkml:ink>
 </file>
 
@@ -2961,20 +2964,16 @@
           <inkml:channelProperty channel="Y" name="resolution" value="1000" units="1/cm"/>
         </inkml:channelProperties>
       </inkml:inkSource>
-      <inkml:timestamp xml:id="ts0" timeString="2021-04-09T15:31:20.401"/>
+      <inkml:timestamp xml:id="ts0" timeString="2021-04-10T20:36:01.112"/>
     </inkml:context>
     <inkml:brush xml:id="br0">
-      <inkml:brushProperty name="width" value="0.1" units="cm"/>
-      <inkml:brushProperty name="height" value="0.1" units="cm"/>
-      <inkml:brushProperty name="color" value="#DA0C07"/>
+      <inkml:brushProperty name="width" value="0.025" units="cm"/>
+      <inkml:brushProperty name="height" value="0.025" units="cm"/>
+      <inkml:brushProperty name="color" value="#E71224"/>
       <inkml:brushProperty name="ignorePressure" value="1"/>
-      <inkml:brushProperty name="inkEffects" value="lava"/>
-      <inkml:brushProperty name="anchorX" value="-237632.92188"/>
-      <inkml:brushProperty name="anchorY" value="-193081.01563"/>
-      <inkml:brushProperty name="scaleFactor" value="0.5"/>
     </inkml:brush>
   </inkml:definitions>
-  <inkml:trace contextRef="#ctx0" brushRef="#br0">0 68,'0'0,"6"-2,6-6,2 1,3-3,1 1,1-2,-1 2,1 2,0 3,-5 4,-3 10,-4 4,-3 7,-2 1,-2 2,0-1,-1 2,-7 2,0-1,-3-1,-2-5,-3-3,0-4,-2-5,1-3,6 0,7 3,11 6,6 6,1 3,-2 0,-2 0,0-2,1-1,-1 0,-3-5</inkml:trace>
+  <inkml:trace contextRef="#ctx0" brushRef="#br0">0 1,'0'6,"0"8,0 9,0 6,0 4,0 3,0 2,0 1,0-1,0 0,0 0,0-1,0 0,0 0,0 0,0-6</inkml:trace>
 </inkml:ink>
 </file>
 
@@ -2992,20 +2991,16 @@
           <inkml:channelProperty channel="Y" name="resolution" value="1000" units="1/cm"/>
         </inkml:channelProperties>
       </inkml:inkSource>
-      <inkml:timestamp xml:id="ts0" timeString="2021-04-09T15:31:21.564"/>
+      <inkml:timestamp xml:id="ts0" timeString="2021-04-10T20:36:02.039"/>
     </inkml:context>
     <inkml:brush xml:id="br0">
-      <inkml:brushProperty name="width" value="0.1" units="cm"/>
-      <inkml:brushProperty name="height" value="0.1" units="cm"/>
-      <inkml:brushProperty name="color" value="#DA0C07"/>
+      <inkml:brushProperty name="width" value="0.025" units="cm"/>
+      <inkml:brushProperty name="height" value="0.025" units="cm"/>
+      <inkml:brushProperty name="color" value="#E71224"/>
       <inkml:brushProperty name="ignorePressure" value="1"/>
-      <inkml:brushProperty name="inkEffects" value="lava"/>
-      <inkml:brushProperty name="anchorX" value="-239053.54688"/>
-      <inkml:brushProperty name="anchorY" value="-194755.14063"/>
-      <inkml:brushProperty name="scaleFactor" value="0.5"/>
     </inkml:brush>
   </inkml:definitions>
-  <inkml:trace contextRef="#ctx0" brushRef="#br0">1 37,'0'0,"3"-3,4-5,4 1,3 0,2 2,1 2,1 0,0 2,1 5,-5 3,-3 4,-3 3,-4 6,-3 1,0 4,-1 0,-1-1,0-1,0-2,-3-5,-3-5,-4-3,-3-5,-2-1,-1-2,-1-1,0 0,-1 0,12 4,24 7,12 1,5-1,4-2,-2-2,-8-2</inkml:trace>
+  <inkml:trace contextRef="#ctx0" brushRef="#br0">1 1</inkml:trace>
 </inkml:ink>
 </file>
 
@@ -3023,20 +3018,16 @@
           <inkml:channelProperty channel="Y" name="resolution" value="1000" units="1/cm"/>
         </inkml:channelProperties>
       </inkml:inkSource>
-      <inkml:timestamp xml:id="ts0" timeString="2021-04-09T15:31:22.412"/>
+      <inkml:timestamp xml:id="ts0" timeString="2021-04-10T20:36:04.683"/>
     </inkml:context>
     <inkml:brush xml:id="br0">
-      <inkml:brushProperty name="width" value="0.1" units="cm"/>
-      <inkml:brushProperty name="height" value="0.1" units="cm"/>
-      <inkml:brushProperty name="color" value="#DA0C07"/>
+      <inkml:brushProperty name="width" value="0.025" units="cm"/>
+      <inkml:brushProperty name="height" value="0.025" units="cm"/>
+      <inkml:brushProperty name="color" value="#E71224"/>
       <inkml:brushProperty name="ignorePressure" value="1"/>
-      <inkml:brushProperty name="inkEffects" value="lava"/>
-      <inkml:brushProperty name="anchorX" value="-240534.0625"/>
-      <inkml:brushProperty name="anchorY" value="-196271.95313"/>
-      <inkml:brushProperty name="scaleFactor" value="0.5"/>
     </inkml:brush>
   </inkml:definitions>
-  <inkml:trace contextRef="#ctx0" brushRef="#br0">72 0,'0'0,"-3"0,-1 11,0 4,1 9,-2 7,0 3,0 7,-5 3,0-2,2-2,1-2,3-5,1-7</inkml:trace>
+  <inkml:trace contextRef="#ctx0" brushRef="#br0">59 94,'0'-7,"6"-1,3-6,-1-7,-8 0,-10 4,-3 11,-6 6,0 10,3 9,12 2,5-4</inkml:trace>
 </inkml:ink>
 </file>
 
@@ -3054,20 +3045,16 @@
           <inkml:channelProperty channel="Y" name="resolution" value="1000" units="1/cm"/>
         </inkml:channelProperties>
       </inkml:inkSource>
-      <inkml:timestamp xml:id="ts0" timeString="2021-04-09T15:31:23.622"/>
+      <inkml:timestamp xml:id="ts0" timeString="2021-04-10T20:36:10.810"/>
     </inkml:context>
     <inkml:brush xml:id="br0">
-      <inkml:brushProperty name="width" value="0.1" units="cm"/>
-      <inkml:brushProperty name="height" value="0.1" units="cm"/>
-      <inkml:brushProperty name="color" value="#DA0C07"/>
+      <inkml:brushProperty name="width" value="0.025" units="cm"/>
+      <inkml:brushProperty name="height" value="0.025" units="cm"/>
+      <inkml:brushProperty name="color" value="#E71224"/>
       <inkml:brushProperty name="ignorePressure" value="1"/>
-      <inkml:brushProperty name="inkEffects" value="lava"/>
-      <inkml:brushProperty name="anchorX" value="-239193.23438"/>
-      <inkml:brushProperty name="anchorY" value="-195380.0625"/>
-      <inkml:brushProperty name="scaleFactor" value="0.5"/>
     </inkml:brush>
   </inkml:definitions>
-  <inkml:trace contextRef="#ctx0" brushRef="#br0">1 18,'0'0,"0"-3,3-1,8 0,3 1,7 1,2 1,3 4,0 7,-1 1,-5 2,-6 3,-5 8,-5 0,-2 1,-1-1,-2-1,0 1,0-1,-4-5,1-1,-7-4,-3-1,-6-3,-2-3,-4-2,1-2,4 6,9-1,5 3,8-1,3 2,5 2,-1 1,3 1,-1 2,1 0,-3 1,3-4,-3 1,2-4,-2-4</inkml:trace>
+  <inkml:trace contextRef="#ctx0" brushRef="#br0">1 156,'0'-10,"0"0,0-1,0 0,1 1,1-1,4-20,-4 28,-1-1,1 1,0 0,-1 0,1 0,1 0,-1 1,0-1,1 1,-1-1,1 1,0 0,0 0,0 0,0 0,0 1,0-1,0 1,1 0,-1 0,0 0,5-1,8-1,-1 0,0 1,1 0,0 1,-1 1,26 3,-37-3,1 1,-1 0,0 0,0 0,0 0,0 0,0 1,0 0,0 0,0 0,0 0,-1 1,1-1,-1 1,0 0,0 0,0 0,0 1,0-1,-1 1,0-1,1 1,-1 0,-1 0,1 0,0 0,1 8,1 28,-1 0,-2 0,-2 0,-9 59,6-79,-1-1,0-1,-2 1,0-1,-1 0,-18 29,-7 15,28-50,-1 0,-1 0,0-1,-15 18,21-27,0-1,-1 1,1-1,-1 1,1-1,-1 0,1 0,-1 0,0 0,0 0,0 0,1-1,-1 1,0 0,0-1,0 0,-2 1,2-1,0-1,1 1,-1-1,0 0,1 0,-1 1,0-1,1 0,-1 0,1 0,0-1,-1 1,1 0,0 0,0-1,0 1,-1-1,2 1,-1-1,0 1,0-1,0 0,0-1,-3-9,1 1,-1-1,2 1,0-1,0 0,1 0,1 0,0 0,3-21,-3 29,1 0,0 0,0 0,0 0,0 0,1 0,0 0,-1 0,1 0,1 1,-1-1,1 1,3-5,-4 6,1 1,-1-1,0 1,0 0,1 0,-1 0,1 0,-1 0,1 1,-1-1,1 1,-1 0,1-1,0 1,-1 0,1 0,-1 1,1-1,0 1,-1-1,1 1,-1 0,5 2,-2-1,-1 1,1 0,-1 0,0 1,0-1,0 1,0 0,-1 0,0 0,1 0,-1 1,-1-1,1 1,-1 0,0 0,0 0,2 5,-2-3,1 0,0 0,0-1,1 1,-1-1,2 0,-1 0,1-1,8 9,-11-12,0 0,0-1,0 1,0-1,1 0,-1 1,0-1,1 0,-1 0,1 0,-1-1,1 1,0-1,-1 1,1-1,0 0,-1 0,1 0,-1 0,1-1,0 1,-1-1,5-1,0-1,-1-1,0 0,0-1,0 1,-1-1,10-10,23-20,-17 22</inkml:trace>
 </inkml:ink>
 </file>
 
@@ -3085,20 +3072,16 @@
           <inkml:channelProperty channel="Y" name="resolution" value="1000" units="1/cm"/>
         </inkml:channelProperties>
       </inkml:inkSource>
-      <inkml:timestamp xml:id="ts0" timeString="2021-04-09T15:31:24.989"/>
+      <inkml:timestamp xml:id="ts0" timeString="2021-04-10T20:36:15.434"/>
     </inkml:context>
     <inkml:brush xml:id="br0">
-      <inkml:brushProperty name="width" value="0.1" units="cm"/>
-      <inkml:brushProperty name="height" value="0.1" units="cm"/>
-      <inkml:brushProperty name="color" value="#DA0C07"/>
+      <inkml:brushProperty name="width" value="0.025" units="cm"/>
+      <inkml:brushProperty name="height" value="0.025" units="cm"/>
+      <inkml:brushProperty name="color" value="#E71224"/>
       <inkml:brushProperty name="ignorePressure" value="1"/>
-      <inkml:brushProperty name="inkEffects" value="lava"/>
-      <inkml:brushProperty name="anchorX" value="-240591.54688"/>
-      <inkml:brushProperty name="anchorY" value="-197120.64063"/>
-      <inkml:brushProperty name="scaleFactor" value="0.5"/>
     </inkml:brush>
   </inkml:definitions>
-  <inkml:trace contextRef="#ctx0" brushRef="#br0">17 0,'0'0,"3"0,5 0,3 0,2 0,3 0,1 0,1 0,-6 4,-5 3,-6 0,-4 3,3-1,4-2,3-2,5 2,-2 2,0 2,-3 3,-6-2,-2 5,-9 1,-4 0,-6 1,-2-3,3-2,0-2,2-4,-1-4,1-1,4-2</inkml:trace>
+  <inkml:trace contextRef="#ctx0" brushRef="#br0">1 413,'42'2,"42"-1,-79-2,0 1,0-1,0 0,0 0,0 0,0 0,-1-1,1 0,0 0,-1 0,0-1,8-4,-11 5,0 1,0 0,0-1,0 1,0-1,0 1,0-1,-1 0,1 1,0-1,-1 0,0 0,1 1,-1-1,0 0,0 0,0 1,0-1,0 0,0 0,0 1,-1-1,1 0,-2-2,-22-48,6 15,0-13,-9-31,25 75,1 0,0 0,0 0,1 0,0 0,0 0,0 0,1 0,-1 0,4-11,-2 13,-1 1,1 0,0 1,0-1,0 0,0 1,1-1,-1 1,1-1,-1 1,1 0,0 0,0 1,0-1,0 0,0 1,0 0,0 0,0 0,1 0,-1 0,6 0,9-1,0 0,0 2,19 1,-21-1,-3 1,-1-2,0 2,0-1,-1 2,1 0,18 5,-27-6,1 1,-1-1,0 1,0 0,0 0,0 0,-1 0,1 0,0 1,-1-1,0 1,1 0,-1 0,0 0,-1 0,1 0,0 0,-1 0,0 1,0-1,0 0,0 1,1 4,1 12,0 0,-2 0,0 0,-1 0,-1 0,0 1,-2-1,-1-1,0 1,-9 24,11-41,-1 1,1 0,-1-1,0 1,0-1,0 0,0 0,-1 0,-4 3,5-4,0 0,0 0,0 0,1 1,-1 0,1-1,-1 1,1 0,0 0,-3 5,5-7,0 0,1 0,-1-1,0 1,0 0,1 0,-1 0,0 0,1-1,-1 1,1 0,-1 0,1-1,-1 1,1 0,-1-1,1 1,0-1,0 1,-1-1,1 1,0-1,0 1,-1-1,1 0,0 1,0-1,0 0,0 0,-1 1,1-1,0 0,0 0,0 0,0 0,0 0,1-1,42 5,-41-4,70 0,-39-1</inkml:trace>
 </inkml:ink>
 </file>
 
@@ -3116,20 +3099,16 @@
           <inkml:channelProperty channel="Y" name="resolution" value="1000" units="1/cm"/>
         </inkml:channelProperties>
       </inkml:inkSource>
-      <inkml:timestamp xml:id="ts0" timeString="2021-04-09T15:31:25.894"/>
+      <inkml:timestamp xml:id="ts0" timeString="2021-04-10T20:36:41.276"/>
     </inkml:context>
     <inkml:brush xml:id="br0">
-      <inkml:brushProperty name="width" value="0.1" units="cm"/>
-      <inkml:brushProperty name="height" value="0.1" units="cm"/>
-      <inkml:brushProperty name="color" value="#DA0C07"/>
+      <inkml:brushProperty name="width" value="0.025" units="cm"/>
+      <inkml:brushProperty name="height" value="0.025" units="cm"/>
+      <inkml:brushProperty name="color" value="#E71224"/>
       <inkml:brushProperty name="ignorePressure" value="1"/>
-      <inkml:brushProperty name="inkEffects" value="lava"/>
-      <inkml:brushProperty name="anchorX" value="-239305.09375"/>
-      <inkml:brushProperty name="anchorY" value="-196082.125"/>
-      <inkml:brushProperty name="scaleFactor" value="0.5"/>
     </inkml:brush>
   </inkml:definitions>
-  <inkml:trace contextRef="#ctx0" brushRef="#br0">1 1,'0'0,"0"6,0 13,0 2,0 10,0 8,0 2,0 4,0 0,0 2,0-2,0 1,0-5,0-6,0-6,0-5,0-7</inkml:trace>
+  <inkml:trace contextRef="#ctx0" brushRef="#br0">153 253,'0'-27,"1"2,-1 0,-2 0,-5-30,7 50,-1 0,0 0,-1 0,1 1,-1-1,0 0,0 1,0 0,-1-1,0 1,0 0,0 0,0 0,0 1,-1-1,1 1,-1 0,0 0,0 0,-1 0,1 1,-6-3,8 4,0 1,0-1,0 1,0-1,0 1,0 0,0 0,0 0,0 0,0 0,-1 0,1 1,0-1,0 1,0-1,1 1,-1 0,0 0,0 0,0 0,0 0,1 0,-1 0,1 1,-1-1,1 1,-1-1,1 1,0-1,0 1,-1 0,1 0,0 0,1-1,-1 1,0 0,1 0,-1 0,1 0,-1 3,-3 9,2 0,-1 1,2 0,0 17,6 199,-4-226,-1 0,1 0,0-1,1 1,-1 0,1 0,0-1,0 1,1-1,-1 0,1 0,0 0,0 0,1 0,-1-1,1 1,-1-1,1 0,0 0,0 0,1 0,-1-1,0 0,1 0,0 0,-1 0,7 0,-7-1,0 0,1-1,-1 1,0-1,1 0,-1-1,0 1,1-1,-1 1,0-1,0-1,0 1,1-1,-1 1,-1-1,1 0,0 0,0-1,-1 1,1-1,-1 0,0 0,0 0,0 0,0-1,-1 1,1-1,-1 1,0-1,3-8,0-3,0 0,-1 0,-1-1,0 0,-1 0,-1 0,-1 0,0 0,-1 0,0 0,-2 1,0-1,-9-27,3 18</inkml:trace>
 </inkml:ink>
 </file>
 
@@ -3147,20 +3126,16 @@
           <inkml:channelProperty channel="Y" name="resolution" value="1000" units="1/cm"/>
         </inkml:channelProperties>
       </inkml:inkSource>
-      <inkml:timestamp xml:id="ts0" timeString="2021-04-09T15:31:27.020"/>
+      <inkml:timestamp xml:id="ts0" timeString="2021-04-10T20:36:43.124"/>
     </inkml:context>
     <inkml:brush xml:id="br0">
-      <inkml:brushProperty name="width" value="0.1" units="cm"/>
-      <inkml:brushProperty name="height" value="0.1" units="cm"/>
-      <inkml:brushProperty name="color" value="#DA0C07"/>
+      <inkml:brushProperty name="width" value="0.025" units="cm"/>
+      <inkml:brushProperty name="height" value="0.025" units="cm"/>
+      <inkml:brushProperty name="color" value="#E71224"/>
       <inkml:brushProperty name="ignorePressure" value="1"/>
-      <inkml:brushProperty name="inkEffects" value="lava"/>
-      <inkml:brushProperty name="anchorX" value="-240575.09375"/>
-      <inkml:brushProperty name="anchorY" value="-197883.71875"/>
-      <inkml:brushProperty name="scaleFactor" value="0.5"/>
     </inkml:brush>
   </inkml:definitions>
-  <inkml:trace contextRef="#ctx0" brushRef="#br0">1 73,'0'0,"3"0,5-3,2-1,4-3,5-3,2-3,1 2,-1 1,0 3,-1 3,-1 2,2 1,1 0,-1 5,-1 4,-4 3,-4 4,-4 1,-4 1,-3 1,0 8,-5 0,-4-1,0-1,-7-2,-5 2,-1-4,-2-2,-3-1,2-4,0-4,9-3,17-5,-2-2,0 1,0 0,0 0,0 0,0 0,0 0,0 0,0 0,1 0,-1 0,0 0,0 0,0 0,0 0,0 0,0 0,0 0,0 1,0-1,1 0,-1 0,0 0,0 0,0 0,0 0,0 0,0 0,0 0,0 0,0 0,0 0,0 0,0 0,0 0,0 1,0-1,0 0,0 0,0 0,1 0,-1 0,0 0,0 0,0 0,0 0,0 0,0 1,0-1,0 0,-1 0,1 0,0 0,0 0,0 0,0 0,0 0,0 0,0 0,0 1,13 0,11 6,6 10,1 4,-2 9,-6 1,-3 2,-2-2,-5-3,-1-3,-3-7</inkml:trace>
+  <inkml:trace contextRef="#ctx0" brushRef="#br0">9 123,'0'-6,"0"-9,0-7,-7-1,5 4,2-1,2 3</inkml:trace>
 </inkml:ink>
 </file>
 
@@ -3178,20 +3153,16 @@
           <inkml:channelProperty channel="Y" name="resolution" value="1000" units="1/cm"/>
         </inkml:channelProperties>
       </inkml:inkSource>
-      <inkml:timestamp xml:id="ts0" timeString="2021-04-09T15:31:27.836"/>
+      <inkml:timestamp xml:id="ts0" timeString="2021-04-10T20:36:46.832"/>
     </inkml:context>
     <inkml:brush xml:id="br0">
-      <inkml:brushProperty name="width" value="0.1" units="cm"/>
-      <inkml:brushProperty name="height" value="0.1" units="cm"/>
-      <inkml:brushProperty name="color" value="#DA0C07"/>
+      <inkml:brushProperty name="width" value="0.025" units="cm"/>
+      <inkml:brushProperty name="height" value="0.025" units="cm"/>
+      <inkml:brushProperty name="color" value="#E71224"/>
       <inkml:brushProperty name="ignorePressure" value="1"/>
-      <inkml:brushProperty name="inkEffects" value="lava"/>
-      <inkml:brushProperty name="anchorX" value="-242187.8125"/>
-      <inkml:brushProperty name="anchorY" value="-199645.4375"/>
-      <inkml:brushProperty name="scaleFactor" value="0.5"/>
     </inkml:brush>
   </inkml:definitions>
-  <inkml:trace contextRef="#ctx0" brushRef="#br0">44 1,'0'0,"4"0,3 0,0 7,0 7,-5 8,-6 2,-1 4,-4 6,-3-4,1 0,2-2,-1-7,2-2,6-6,9-4,5-5,8-2,2-1,1-2,0 1,2-5,-5-3,-4 0</inkml:trace>
+  <inkml:trace contextRef="#ctx0" brushRef="#br0">264 1,'-16'0,"0"0,0 1,0 1,0 1,0 0,-20 7,31-8,0 1,-1-1,1 1,0 0,1 0,-1 0,1 0,-1 1,1 0,0 0,0 0,1 1,-1-1,1 1,0 0,0 0,1 0,-1 0,1 0,0 1,-1 7,0-5,2 1,-1-1,2 1,-1 0,1-1,1 17,0-22,-1 0,1 0,0 0,0 0,0 0,0 0,1 0,-1 0,1 0,0 0,-1-1,1 1,0-1,1 0,-1 1,0-1,1 0,-1 0,1 0,0-1,4 3,33 13,-26-12,-1 0,0 2,25 14,-33-17,-1 0,1 0,-1 1,0-1,0 1,0 0,-1 0,1 1,-1-1,0 0,-1 1,0 0,2 6,1 3,-2 0,1 1,-2-1,0 1,-1 0,-1-1,-1 1,0 0,0 0,-8 29,7-42,1 0,-1 0,0-1,1 1,-1 0,0-1,-1 1,1-1,0 0,-1 1,1-1,-1 0,0-1,0 1,1 0,-1-1,-4 2,0-1,1 0,-1-1,1 0,-1 0,0 0,1-1,-1 0,-10-1,10 1,-1-1,1-1,0 1,-1-1,1 0,0-1,0 0,0 0,0 0,1-1,-1 0,1 0,0-1,0 0,1 0,-6-6,8 7,0 0,0-1,1 1,0-1,0 0,0 0,0 0,1 0,0 0,0 0,0 0,0 0,1-1,0 1,0 0,1 0,-1 0,1 0,0-1,0 1,1 0,0 1,0-1,0 0,0 0,1 1,-1-1,7-6,-2 2,2 0,-1 0,2 1,-1 0,1 1,0 0,0 0,1 1,0 1,0 0,14-5,-21 9,0-1,0 0,0 0,-1 0,1 0,0-1,-1 1,1-1,-1 0,0 0,0-1,0 1,-1 0,1-1,-1 0,0 1,0-1,0 0,3-8,-1-5,0 0,-1 0,2-31,1-9,1 20,-2 5</inkml:trace>
 </inkml:ink>
 </file>
 
@@ -3209,20 +3180,16 @@
           <inkml:channelProperty channel="Y" name="resolution" value="1000" units="1/cm"/>
         </inkml:channelProperties>
       </inkml:inkSource>
-      <inkml:timestamp xml:id="ts0" timeString="2021-04-09T15:31:28.595"/>
+      <inkml:timestamp xml:id="ts0" timeString="2021-04-10T20:36:50.365"/>
     </inkml:context>
     <inkml:brush xml:id="br0">
-      <inkml:brushProperty name="width" value="0.1" units="cm"/>
-      <inkml:brushProperty name="height" value="0.1" units="cm"/>
-      <inkml:brushProperty name="color" value="#DA0C07"/>
+      <inkml:brushProperty name="width" value="0.025" units="cm"/>
+      <inkml:brushProperty name="height" value="0.025" units="cm"/>
+      <inkml:brushProperty name="color" value="#E71224"/>
       <inkml:brushProperty name="ignorePressure" value="1"/>
-      <inkml:brushProperty name="inkEffects" value="lava"/>
-      <inkml:brushProperty name="anchorX" value="-243582.60938"/>
-      <inkml:brushProperty name="anchorY" value="-201180.10938"/>
-      <inkml:brushProperty name="scaleFactor" value="0.5"/>
     </inkml:brush>
   </inkml:definitions>
-  <inkml:trace contextRef="#ctx0" brushRef="#br0">0 1,'0'0,"3"0,1 3,0 11,-1 4,-1 10,-1 12,0 17,-1 3,0-6,0-3,0-7,0-7,0-6,0-6,0-5,0-1,0-2,0-1,0 4,0 0,0 4,0 0,0-5</inkml:trace>
+  <inkml:trace contextRef="#ctx0" brushRef="#br0">1 449,'37'-2,"0"-2,60-14,-51 8,-42 9,1 0,-1 0,0-1,0 1,0-1,0 0,0 0,0-1,-1 1,1-1,-1 0,1 0,-1 0,0 0,0 0,0-1,-1 1,1-1,-1 0,0 0,0 0,0 0,-1 0,0 0,1-1,-1 1,-1 0,1-1,0 1,-1-1,0 1,0 0,-1-1,1 1,-1-1,0 1,0 0,0-1,-1 1,1 0,-1 0,0 0,0 0,-6-6,-53-44,51 47,0 0,1 0,0-1,1-1,-1 1,1-1,1-1,0 1,-8-15,15 23,-1-1,1 1,-1-1,1 1,0-1,-1 1,1-1,0 1,0-1,0 0,0 1,1-1,-1 1,0-1,1 1,-1-1,1 1,-1 0,1-1,0 1,-1-1,1 1,2-2,0-1,0 1,1 0,-1 0,1 0,0 1,0 0,0-1,5-1,6-2,0 1,0 0,30-4,63-2,-96 11,0-1,0 2,0 0,0 0,-1 1,23 7,-31-7,0 0,1 0,-1 0,0 1,0-1,0 1,0 0,-1-1,1 1,-1 1,0-1,0 0,0 0,0 1,0-1,-1 1,1 0,-1-1,0 1,0 0,-1 0,1 6,1 11,-1 1,-4 41,2-34,0-24,1 1,-1-1,2 1,-1 0,1-1,-1 1,1-1,1 1,-1-1,1 1,0-1,0 0,1 0,3 5,-3-7,0 1,1-1,-1-1,1 1,0 0,0-1,0 0,0 0,0 0,1 0,-1-1,0 0,1 0,-1 0,1 0,0-1,8 1,22-1,-3 0</inkml:trace>
 </inkml:ink>
 </file>
 
@@ -3271,20 +3238,16 @@
           <inkml:channelProperty channel="Y" name="resolution" value="1000" units="1/cm"/>
         </inkml:channelProperties>
       </inkml:inkSource>
-      <inkml:timestamp xml:id="ts0" timeString="2021-04-09T15:57:06.179"/>
+      <inkml:timestamp xml:id="ts0" timeString="2021-04-10T20:39:21.902"/>
     </inkml:context>
     <inkml:brush xml:id="br0">
-      <inkml:brushProperty name="width" value="0.1" units="cm"/>
-      <inkml:brushProperty name="height" value="0.1" units="cm"/>
-      <inkml:brushProperty name="color" value="#0B868D"/>
+      <inkml:brushProperty name="width" value="0.025" units="cm"/>
+      <inkml:brushProperty name="height" value="0.025" units="cm"/>
+      <inkml:brushProperty name="color" value="#004F8B"/>
       <inkml:brushProperty name="ignorePressure" value="1"/>
-      <inkml:brushProperty name="inkEffects" value="ocean"/>
-      <inkml:brushProperty name="anchorX" value="0"/>
-      <inkml:brushProperty name="anchorY" value="0"/>
-      <inkml:brushProperty name="scaleFactor" value="0.5"/>
     </inkml:brush>
   </inkml:definitions>
-  <inkml:trace contextRef="#ctx0" brushRef="#br0">0 0,'0'0</inkml:trace>
+  <inkml:trace contextRef="#ctx0" brushRef="#br0">1 151,'1'-1,"-1"-1,1 1,0-1,-1 1,1-1,0 1,0-1,0 1,0 0,0-1,1 1,-1 0,0 0,0 0,1 0,-1 0,3-1,33-19,-22 12,16-9,0 1,48-19,-64 31,0 0,0 1,0 0,0 1,0 1,1 1,-1 0,19 2,-31-1,1 0,-1 0,0 1,0-1,0 1,1 0,-1 0,0 0,0 0,0 1,-1-1,1 1,0 0,0 0,-1 0,1 0,-1 0,0 0,0 1,0-1,0 1,0-1,0 1,0 0,-1 0,0 0,1 0,-1 0,0 0,-1 0,1 0,0 1,-1-1,0 0,0 0,0 1,0-1,0 0,-2 5,0 6,-1 1,0-1,-1 0,-1 0,0 0,-1-1,-11 19,-8 13,-50 77,64-107,0-1,-1-1,0 0,-1-1,0 0,-15 10,21-17,-1-1,1 0,-1-1,0 0,0 0,0 0,0-1,0-1,-1 1,1-1,-1-1,-13 0,19 0,-1 0,1 0,0-1,-1 1,1-1,0 0,-1 0,1 0,0-1,0 1,0-1,0 1,0-1,0 0,1 0,-1-1,0 1,1 0,0-1,0 0,0 1,0-1,0 0,0 0,1 0,-1 0,1-1,0 1,0 0,0 0,0-1,0-4,1 5,-1 0,1 1,0-1,0 1,0-1,1 0,-1 1,1-1,-1 0,1 1,0-1,0 1,0-1,0 1,0 0,0 0,1-1,-1 1,1 0,0 0,0 0,3-3,-1 2,1 1,-1 0,1-1,-1 2,1-1,0 0,0 1,0 0,-1 0,1 0,8 1,-2-1,-1 1,0 1,0 0,1 0,-1 1,0 1,0-1,-1 2,1-1,-1 1,16 9,-21-9,1 1,0-1,-1 1,0 0,0 1,-1-1,5 10,-6-11,1 1,0 0,-1-1,1 1,1-1,-1 0,1 0,-1-1,1 1,0-1,1 1,4 2,14 4</inkml:trace>
 </inkml:ink>
 </file>
 
@@ -3302,20 +3265,16 @@
           <inkml:channelProperty channel="Y" name="resolution" value="1000" units="1/cm"/>
         </inkml:channelProperties>
       </inkml:inkSource>
-      <inkml:timestamp xml:id="ts0" timeString="2021-04-09T15:57:08.828"/>
+      <inkml:timestamp xml:id="ts0" timeString="2021-04-10T20:39:26.185"/>
     </inkml:context>
     <inkml:brush xml:id="br0">
-      <inkml:brushProperty name="width" value="0.1" units="cm"/>
-      <inkml:brushProperty name="height" value="0.1" units="cm"/>
-      <inkml:brushProperty name="color" value="#0B868D"/>
+      <inkml:brushProperty name="width" value="0.025" units="cm"/>
+      <inkml:brushProperty name="height" value="0.025" units="cm"/>
+      <inkml:brushProperty name="color" value="#004F8B"/>
       <inkml:brushProperty name="ignorePressure" value="1"/>
-      <inkml:brushProperty name="inkEffects" value="ocean"/>
-      <inkml:brushProperty name="anchorX" value="-1270"/>
-      <inkml:brushProperty name="anchorY" value="-1270"/>
-      <inkml:brushProperty name="scaleFactor" value="0.5"/>
     </inkml:brush>
   </inkml:definitions>
-  <inkml:trace contextRef="#ctx0" brushRef="#br0">0 0,'0'0,"5"0,6 0,16 0,9 0,10 0,5 0,8 0,2 0,0 0,4 0,-7 0,-7 0,-8 0,-6 0,-1 0,-2 0,8 0,14 0,10 0,-3 0,-11 0</inkml:trace>
+  <inkml:trace contextRef="#ctx0" brushRef="#br0">1 445,'29'1,"-17"0,0-1,0 0,0-1,0 0,20-4,-30 4,0 0,1 0,-1 0,0 0,0 0,0 0,0-1,0 1,0-1,0 1,0-1,0 0,-1 0,1 0,-1 0,0 0,1 0,-1 0,0 0,0 0,0-1,-1 1,1 0,0-1,-1 1,0-1,1 1,-1-1,0 1,0 0,0-1,-1 1,0-4,-1-4,-1-1,0 1,0-1,-1 1,-1 0,0 0,-10-15,8 14,0-1,1 1,0-1,1-1,-5-19,8 26,1-1,0 1,1 0,0 0,0-1,0 1,1 0,-1 0,1-1,1 1,-1 0,1 0,1 0,-1 1,1-1,0 0,0 1,0 0,1-1,0 1,7-7,-5 7,0 0,0 0,1 1,0 0,0 0,0 1,0-1,0 2,1-1,-1 1,1 0,-1 1,1-1,0 2,0-1,15 2,-19-1,-1 1,1-1,0 1,-1 0,1 0,0 1,-1-1,1 1,-1 0,0-1,0 2,0-1,0 0,0 1,0-1,0 1,-1 0,1 0,-1 0,0 0,0 0,0 0,0 1,-1-1,1 1,-1-1,0 1,0 0,0-1,-1 1,1 4,2 15,-1 1,-1 0,-5 46,1-34,1 6,0-27,0-1,2 1,0 0,0-1,1 1,1-1,6 22,-7-33,1 0,-1 0,1 0,0-1,0 1,0-1,0 1,0-1,1 0,-1 0,1 0,0 0,-1 0,1 0,0-1,0 0,0 1,0-1,0 0,6 1,5 0,-1 0,0-1,22-1,-33 0,31 0</inkml:trace>
 </inkml:ink>
 </file>
 
@@ -3333,20 +3292,16 @@
           <inkml:channelProperty channel="Y" name="resolution" value="1000" units="1/cm"/>
         </inkml:channelProperties>
       </inkml:inkSource>
-      <inkml:timestamp xml:id="ts0" timeString="2021-04-09T15:57:09.821"/>
+      <inkml:timestamp xml:id="ts0" timeString="2021-04-10T20:39:38.034"/>
     </inkml:context>
     <inkml:brush xml:id="br0">
-      <inkml:brushProperty name="width" value="0.1" units="cm"/>
-      <inkml:brushProperty name="height" value="0.1" units="cm"/>
-      <inkml:brushProperty name="color" value="#0B868D"/>
+      <inkml:brushProperty name="width" value="0.025" units="cm"/>
+      <inkml:brushProperty name="height" value="0.025" units="cm"/>
+      <inkml:brushProperty name="color" value="#004F8B"/>
       <inkml:brushProperty name="ignorePressure" value="1"/>
-      <inkml:brushProperty name="inkEffects" value="ocean"/>
-      <inkml:brushProperty name="anchorX" value="-3499.93677"/>
-      <inkml:brushProperty name="anchorY" value="-2540"/>
-      <inkml:brushProperty name="scaleFactor" value="0.5"/>
     </inkml:brush>
   </inkml:definitions>
-  <inkml:trace contextRef="#ctx0" brushRef="#br0">0 0,'0'0,"5"0,6 0,16 0,9 0,4 0,1 0,-4 0,-2 0,-3 0,-2 0,-3 0,5 0,0 0,-1 0,0 0,-7 0</inkml:trace>
+  <inkml:trace contextRef="#ctx0" brushRef="#br0">179 2,'68'-1,"80"3,-146-2,0 0,-1 0,1 0,-1 1,1-1,0 0,-1 1,1-1,-1 1,1 0,-1-1,1 1,-1 0,1 0,-1 0,0 0,0 0,2 1,-3-1,1 0,-1 1,0-1,1 0,-1 0,0 0,0 0,0 0,1 0,-1 0,-1 0,1 0,0 0,0 0,0 0,0 0,-1 1,1-1,-1 0,0 1,-5 8,0-1,0 0,-1 0,-12 12,1-1,8-8,4-6,0 2,0-1,1 1,-6 11,10-18,0 0,1 0,-1 0,1 1,-1-1,1 0,0 0,0 0,-1 0,1 0,0 1,0-1,0 0,0 0,0 0,0 1,1-1,-1 0,0 0,1 0,-1 0,1 0,-1 0,1 1,-1-1,1 0,0 0,-1-1,1 1,0 0,0 0,0 0,0 0,-1-1,1 1,0 0,1-1,-1 1,0-1,0 1,2 0,12 4,-11-4,1 0,-1 1,1-1,-1 1,0 0,0 0,0 0,0 0,0 1,0 0,0 0,-1 0,0 0,0 0,1 1,-2-1,1 1,0 0,-1 0,0 0,0 0,0 0,2 8,-1-2,-1 0,0 0,0 0,-1 1,-1-1,0 0,0 1,-3 18,2-25,0-1,0 1,0 0,-1-1,0 1,1-1,-1 1,0-1,0 0,-1 0,1 0,-1 0,1 0,-1 0,0-1,0 0,0 1,-1-1,1 0,0 0,-1-1,1 1,-1-1,0 0,1 0,-6 1,-9 1,-1-1,0-1,1-1,-1-1,1 0,-1-1,1-1,0-1,0-1,0 0,0-1,-32-17,-36-6,78 26,8 1</inkml:trace>
 </inkml:ink>
 </file>
 
@@ -3364,20 +3319,16 @@
           <inkml:channelProperty channel="Y" name="resolution" value="1000" units="1/cm"/>
         </inkml:channelProperties>
       </inkml:inkSource>
-      <inkml:timestamp xml:id="ts0" timeString="2021-04-09T15:57:12.125"/>
+      <inkml:timestamp xml:id="ts0" timeString="2021-04-10T20:39:41.599"/>
     </inkml:context>
     <inkml:brush xml:id="br0">
-      <inkml:brushProperty name="width" value="0.1" units="cm"/>
-      <inkml:brushProperty name="height" value="0.1" units="cm"/>
-      <inkml:brushProperty name="color" value="#0B868D"/>
+      <inkml:brushProperty name="width" value="0.025" units="cm"/>
+      <inkml:brushProperty name="height" value="0.025" units="cm"/>
+      <inkml:brushProperty name="color" value="#004F8B"/>
       <inkml:brushProperty name="ignorePressure" value="1"/>
-      <inkml:brushProperty name="inkEffects" value="ocean"/>
-      <inkml:brushProperty name="anchorX" value="-5240.6001"/>
-      <inkml:brushProperty name="anchorY" value="-3810"/>
-      <inkml:brushProperty name="scaleFactor" value="0.5"/>
     </inkml:brush>
   </inkml:definitions>
-  <inkml:trace contextRef="#ctx0" brushRef="#br0">214 0,'0'0,"5"0,1 11,-1 5,-1 6,0 8,-8 8,0 1,-1-1,1 3,-5-3,2 3,-5-2,1 7,-3-7,2 2,3-4,2-3,3-2,2-2,1-3,-5 5,1 0,-5 4,-5 0,2 4,1 4,3-3,-2 3,3-3,-4 1,1-2,3-4,2-3,2-2,2-3,1-1,1-1,0 0,1 0,-1 0,1 0,-1 0,0 0,0 1,0-1,0 1,0-1,0-5</inkml:trace>
+  <inkml:trace contextRef="#ctx0" brushRef="#br0">1 585,'40'0,"110"-4,-130 2,-1-1,1-1,-1 0,0-2,29-11,-46 16,0 0,0 1,1-1,-1 0,0 0,-1 0,1-1,0 1,0 0,0-1,-1 1,1-1,-1 0,1 1,-1-1,0 0,1 0,-1 0,0 0,0 0,-1 0,1 0,1-4,-3 4,1 0,-1-1,0 1,0-1,0 1,0 0,-1 0,1 0,0-1,-1 1,0 1,1-1,-1 0,0 0,0 1,0-1,0 1,0-1,0 1,0 0,-4-1,-67-34,43 23,-50-31,73 39,0 1,1-1,0 0,0-1,0 1,0-1,1-1,0 1,0-1,1 0,0 0,-4-9,6 9,0-1,0 0,1 0,0 1,0-1,1 0,0 0,1 0,-1 0,2 0,-1 0,5-13,3-6,2 1,15-30,-24 52,0 0,0 0,1 0,-1 1,1-1,-1 1,1 0,0 0,0 0,1 0,-1 0,1 0,-1 1,1 0,0 0,0 0,0 0,0 1,4-2,-2 2,1 0,-1 1,0 0,1 0,-1 1,0-1,1 1,-1 1,0-1,0 1,10 4,10 7,0 1,-1 2,0 0,31 28,-55-43,7 6,0 1,-1 1,0-1,0 1,0 0,-1 1,-1-1,0 1,0 1,-1-1,0 0,-1 1,0 0,0 0,-1 0,-1 0,0 16,0 0,-2 1,-1-1,-1 1,-1-1,-16 53,17-60,10-12,24-18,-10 2,6 1,0 1,0 2,37-2,-30 4</inkml:trace>
 </inkml:ink>
 </file>
 
@@ -3395,20 +3346,20 @@
           <inkml:channelProperty channel="Y" name="resolution" value="1000" units="1/cm"/>
         </inkml:channelProperties>
       </inkml:inkSource>
-      <inkml:timestamp xml:id="ts0" timeString="2021-04-09T15:57:12.918"/>
+      <inkml:timestamp xml:id="ts0" timeString="2021-04-09T15:31:19.342"/>
     </inkml:context>
     <inkml:brush xml:id="br0">
       <inkml:brushProperty name="width" value="0.1" units="cm"/>
       <inkml:brushProperty name="height" value="0.1" units="cm"/>
-      <inkml:brushProperty name="color" value="#0B868D"/>
+      <inkml:brushProperty name="color" value="#DA0C07"/>
       <inkml:brushProperty name="ignorePressure" value="1"/>
-      <inkml:brushProperty name="inkEffects" value="ocean"/>
-      <inkml:brushProperty name="anchorX" value="-3758.65674"/>
-      <inkml:brushProperty name="anchorY" value="-4070.91113"/>
+      <inkml:brushProperty name="inkEffects" value="lava"/>
+      <inkml:brushProperty name="anchorX" value="-238921.23438"/>
+      <inkml:brushProperty name="anchorY" value="-194013.89063"/>
       <inkml:brushProperty name="scaleFactor" value="0.5"/>
     </inkml:brush>
   </inkml:definitions>
-  <inkml:trace contextRef="#ctx0" brushRef="#br0">0 48,'0'0,"0"5,6 1,10-1,11-1,4 0,8-2,0-1,-1-1,2 0,-2 0,3 0,-9-5,4-1,2 0,-1 2,-2 1,-2 1,2 1,0 0,3-9,-2-1,-1 0,-2 2,-8 3</inkml:trace>
+  <inkml:trace contextRef="#ctx0" brushRef="#br0">19 0,'0'0,"-3"0,-1 4,0 17,1 8,1 10,0 6,2 2,-1-5,1-5,0-7,1-4,-1-9</inkml:trace>
 </inkml:ink>
 </file>
 
@@ -3426,20 +3377,20 @@
           <inkml:channelProperty channel="Y" name="resolution" value="1000" units="1/cm"/>
         </inkml:channelProperties>
       </inkml:inkSource>
-      <inkml:timestamp xml:id="ts0" timeString="2021-04-09T15:57:13.765"/>
+      <inkml:timestamp xml:id="ts0" timeString="2021-04-09T15:31:20.401"/>
     </inkml:context>
     <inkml:brush xml:id="br0">
       <inkml:brushProperty name="width" value="0.1" units="cm"/>
       <inkml:brushProperty name="height" value="0.1" units="cm"/>
-      <inkml:brushProperty name="color" value="#0B868D"/>
+      <inkml:brushProperty name="color" value="#DA0C07"/>
       <inkml:brushProperty name="ignorePressure" value="1"/>
-      <inkml:brushProperty name="inkEffects" value="ocean"/>
-      <inkml:brushProperty name="anchorX" value="-5791.47559"/>
-      <inkml:brushProperty name="anchorY" value="-5292.91846"/>
+      <inkml:brushProperty name="inkEffects" value="lava"/>
+      <inkml:brushProperty name="anchorX" value="-237632.92188"/>
+      <inkml:brushProperty name="anchorY" value="-193081.01563"/>
       <inkml:brushProperty name="scaleFactor" value="0.5"/>
     </inkml:brush>
   </inkml:definitions>
-  <inkml:trace contextRef="#ctx0" brushRef="#br0">0 0,'0'0,"0"5,6 1,10 0,11 3,9 0,9-2,4-1,4-2,-4-2,6-1,-10-1</inkml:trace>
+  <inkml:trace contextRef="#ctx0" brushRef="#br0">0 68,'0'0,"6"-2,6-6,2 1,3-3,1 1,1-2,-1 2,1 2,0 3,-5 4,-3 10,-4 4,-3 7,-2 1,-2 2,0-1,-1 2,-7 2,0-1,-3-1,-2-5,-3-3,0-4,-2-5,1-3,6 0,7 3,11 6,6 6,1 3,-2 0,-2 0,0-2,1-1,-1 0,-3-5</inkml:trace>
 </inkml:ink>
 </file>
 
@@ -3457,20 +3408,20 @@
           <inkml:channelProperty channel="Y" name="resolution" value="1000" units="1/cm"/>
         </inkml:channelProperties>
       </inkml:inkSource>
-      <inkml:timestamp xml:id="ts0" timeString="2021-04-09T15:57:14.231"/>
+      <inkml:timestamp xml:id="ts0" timeString="2021-04-09T15:31:21.564"/>
     </inkml:context>
     <inkml:brush xml:id="br0">
       <inkml:brushProperty name="width" value="0.1" units="cm"/>
       <inkml:brushProperty name="height" value="0.1" units="cm"/>
-      <inkml:brushProperty name="color" value="#0B868D"/>
+      <inkml:brushProperty name="color" value="#DA0C07"/>
       <inkml:brushProperty name="ignorePressure" value="1"/>
-      <inkml:brushProperty name="inkEffects" value="ocean"/>
-      <inkml:brushProperty name="anchorX" value="-7442.11523"/>
-      <inkml:brushProperty name="anchorY" value="-6617.63623"/>
+      <inkml:brushProperty name="inkEffects" value="lava"/>
+      <inkml:brushProperty name="anchorX" value="-239053.54688"/>
+      <inkml:brushProperty name="anchorY" value="-194755.14063"/>
       <inkml:brushProperty name="scaleFactor" value="0.5"/>
     </inkml:brush>
   </inkml:definitions>
-  <inkml:trace contextRef="#ctx0" brushRef="#br0">0 0,'0'0</inkml:trace>
+  <inkml:trace contextRef="#ctx0" brushRef="#br0">1 37,'0'0,"3"-3,4-5,4 1,3 0,2 2,1 2,1 0,0 2,1 5,-5 3,-3 4,-3 3,-4 6,-3 1,0 4,-1 0,-1-1,0-1,0-2,-3-5,-3-5,-4-3,-3-5,-2-1,-1-2,-1-1,0 0,-1 0,12 4,24 7,12 1,5-1,4-2,-2-2,-8-2</inkml:trace>
 </inkml:ink>
 </file>
 
@@ -3488,20 +3439,20 @@
           <inkml:channelProperty channel="Y" name="resolution" value="1000" units="1/cm"/>
         </inkml:channelProperties>
       </inkml:inkSource>
-      <inkml:timestamp xml:id="ts0" timeString="2021-04-09T15:57:16.452"/>
+      <inkml:timestamp xml:id="ts0" timeString="2021-04-09T15:31:22.412"/>
     </inkml:context>
     <inkml:brush xml:id="br0">
       <inkml:brushProperty name="width" value="0.1" units="cm"/>
       <inkml:brushProperty name="height" value="0.1" units="cm"/>
-      <inkml:brushProperty name="color" value="#0B868D"/>
+      <inkml:brushProperty name="color" value="#DA0C07"/>
       <inkml:brushProperty name="ignorePressure" value="1"/>
-      <inkml:brushProperty name="inkEffects" value="ocean"/>
-      <inkml:brushProperty name="anchorX" value="-8712.11523"/>
-      <inkml:brushProperty name="anchorY" value="-7887.63623"/>
+      <inkml:brushProperty name="inkEffects" value="lava"/>
+      <inkml:brushProperty name="anchorX" value="-240534.0625"/>
+      <inkml:brushProperty name="anchorY" value="-196271.95313"/>
       <inkml:brushProperty name="scaleFactor" value="0.5"/>
     </inkml:brush>
   </inkml:definitions>
-  <inkml:trace contextRef="#ctx0" brushRef="#br0">0 685,'0'0,"0"-9,6-14,4-20,1-4,-1 0,3 2,-2-11,8 5,-3 3,-1 6,-4 6,-4 3,-3 4,-2 2,-1 1,-2 1,0 0,1-1,-1 0,1 6</inkml:trace>
+  <inkml:trace contextRef="#ctx0" brushRef="#br0">72 0,'0'0,"-3"0,-1 11,0 4,1 9,-2 7,0 3,0 7,-5 3,0-2,2-2,1-2,3-5,1-7</inkml:trace>
 </inkml:ink>
 </file>
 
@@ -3519,16 +3470,20 @@
           <inkml:channelProperty channel="Y" name="resolution" value="1000" units="1/cm"/>
         </inkml:channelProperties>
       </inkml:inkSource>
-      <inkml:timestamp xml:id="ts0" timeString="2021-04-09T15:59:28.068"/>
+      <inkml:timestamp xml:id="ts0" timeString="2021-04-09T15:31:23.622"/>
     </inkml:context>
     <inkml:brush xml:id="br0">
-      <inkml:brushProperty name="width" value="0.05" units="cm"/>
-      <inkml:brushProperty name="height" value="0.05" units="cm"/>
-      <inkml:brushProperty name="color" value="#CC0066"/>
+      <inkml:brushProperty name="width" value="0.1" units="cm"/>
+      <inkml:brushProperty name="height" value="0.1" units="cm"/>
+      <inkml:brushProperty name="color" value="#DA0C07"/>
       <inkml:brushProperty name="ignorePressure" value="1"/>
+      <inkml:brushProperty name="inkEffects" value="lava"/>
+      <inkml:brushProperty name="anchorX" value="-239193.23438"/>
+      <inkml:brushProperty name="anchorY" value="-195380.0625"/>
+      <inkml:brushProperty name="scaleFactor" value="0.5"/>
     </inkml:brush>
   </inkml:definitions>
-  <inkml:trace contextRef="#ctx0" brushRef="#br0">83 7543,'-1'88,"0"-7,3-1,14 97,-5-124,3 1,2-2,2 0,42 83,128 183,-126-222,5-2,153 163,-208-248,1-1,-1 0,1 0,1-2,-1 1,1-2,0 0,1-1,-1 0,21 2,16 6,19 7,266 65,-243-66,157 12,493-24,-421-9,-299 4,0-2,0 0,0-2,0 0,-1-2,1 0,-1-2,0 0,-1-1,0-2,28-16,389-271,-413 278,20-14,76-73,-17-6,127-123,-93 105,-81 73,3 2,1 3,127-82,-139 103,-1-2,-1-3,-2-1,-2-2,44-52,-19 17,-4-3,-3-2,85-146,-114 170,40-78,-65 116,-1 1,0-1,-1 0,-1 0,0 0,1-27,4-43,4 1,29-107,14-87,-11 62,-1 6,-38 176,2-1,1 2,2-1,18-39,73-134,-18 41,-84 167,19-41,27-43,-39 73,0 1,1 0,1 0,0 1,0 0,1 1,0 0,18-11,-19 15,0 1,0 0,0 0,1 1,0 1,-1-1,1 2,20-2,90 5,-58 1,109-5,142 7,-137 20,-108-13,87 3,353-14,-238-3,-85-12,-17 1,-130 10,0-2,62-15,14-2,242-33,-310 46,-1-2,60-22,-22 6,187-40,-211 54,-26 4,-1-1,-1-2,0-1,-1-1,37-23,-5-3,74-63,-110 79,-1 0,-1-2,-1 0,34-53,65-131,-78 129,273-555,-288 559,36-141,-43 134,-2-3,-5-1,5-115,-7 60,12-208,-22-385,-7 682,-1 0,-3 0,-3 1,-21-65,-87-198,105 281,-3 0,-1 1,-1 1,-2 1,-26-31,32 45,-1 1,0 1,-2 1,0 0,0 1,-1 1,-1 1,0 1,-40-16,-149-49,-3 10,-3 9,-325-44,376 86,-73-10,34-9,-380-13,-1331 50,1656 4,-309 48,-248 105,-233 140,868-238,-301 150,336-141,-581 314,663-346,-18 10,1 4,-143 124,-142 207,318-326,3 2,3 1,2 3,3 1,-30 79,-83 226,58-88,52-148,34-119,-121 425,74-125,35-185,-58 438,54-172,3-26,-1-169,6 217,11-385,-2-1,0 0,-10 33,5-26,-6 65,7 737,11-467,2-317,1-33</inkml:trace>
+  <inkml:trace contextRef="#ctx0" brushRef="#br0">1 18,'0'0,"0"-3,3-1,8 0,3 1,7 1,2 1,3 4,0 7,-1 1,-5 2,-6 3,-5 8,-5 0,-2 1,-1-1,-2-1,0 1,0-1,-4-5,1-1,-7-4,-3-1,-6-3,-2-3,-4-2,1-2,4 6,9-1,5 3,8-1,3 2,5 2,-1 1,3 1,-1 2,1 0,-3 1,3-4,-3 1,2-4,-2-4</inkml:trace>
 </inkml:ink>
 </file>
 
@@ -3546,16 +3501,20 @@
           <inkml:channelProperty channel="Y" name="resolution" value="1000" units="1/cm"/>
         </inkml:channelProperties>
       </inkml:inkSource>
-      <inkml:timestamp xml:id="ts0" timeString="2021-04-09T16:06:57.872"/>
+      <inkml:timestamp xml:id="ts0" timeString="2021-04-09T15:31:24.989"/>
     </inkml:context>
     <inkml:brush xml:id="br0">
-      <inkml:brushProperty name="width" value="0.05" units="cm"/>
-      <inkml:brushProperty name="height" value="0.05" units="cm"/>
-      <inkml:brushProperty name="color" value="#CC0066"/>
+      <inkml:brushProperty name="width" value="0.1" units="cm"/>
+      <inkml:brushProperty name="height" value="0.1" units="cm"/>
+      <inkml:brushProperty name="color" value="#DA0C07"/>
       <inkml:brushProperty name="ignorePressure" value="1"/>
+      <inkml:brushProperty name="inkEffects" value="lava"/>
+      <inkml:brushProperty name="anchorX" value="-240591.54688"/>
+      <inkml:brushProperty name="anchorY" value="-197120.64063"/>
+      <inkml:brushProperty name="scaleFactor" value="0.5"/>
     </inkml:brush>
   </inkml:definitions>
-  <inkml:trace contextRef="#ctx0" brushRef="#br0">497 0,'-14'2,"1"0,-1 1,1 1,0 0,0 1,0 0,-22 13,-18 6,16-9,0 2,0 2,2 1,0 2,-36 29,65-46,0 0,0 1,1-1,0 1,0 0,0 1,1-1,0 1,0 0,0 0,-2 9,5-13,0 1,0 0,1-1,0 1,0 0,0-1,0 1,0 0,1-1,0 1,0-1,0 1,0 0,0-1,1 0,-1 1,1-1,0 0,0 0,0 0,0 0,1 0,-1-1,1 1,4 3,8 6,1-1,1 0,0-1,0-1,0-1,1 0,1-1,-1-1,1-1,0-1,0 0,1-1,-1-1,0-1,1-1,37-5,-53 5,0-1,0 1,0-1,-1-1,1 1,0 0,-1-1,0 0,1 0,-1 0,0 0,0 0,0-1,0 1,4-6,-2 2,0-1,0 1,-1-1,0-1,-1 1,0-1,3-7,1-9,-2-1,0 1,2-48,-7-26,-1 58,0 32,0 13,-10 111,3-46,3 1,4 78,1-145,1 0,0 1,0-1,0 0,0 0,1 0,-1 0,1 0,0 0,0-1,1 1,-1-1,1 1,-1-1,5 4,-1-2,1 1,0-1,0 0,1-1,-1 0,1 0,9 3,5 0,0-1,0-1,1 0,41 1,-33-5</inkml:trace>
+  <inkml:trace contextRef="#ctx0" brushRef="#br0">17 0,'0'0,"3"0,5 0,3 0,2 0,3 0,1 0,1 0,-6 4,-5 3,-6 0,-4 3,3-1,4-2,3-2,5 2,-2 2,0 2,-3 3,-6-2,-2 5,-9 1,-4 0,-6 1,-2-3,3-2,0-2,2-4,-1-4,1-1,4-2</inkml:trace>
 </inkml:ink>
 </file>
 
@@ -3635,16 +3594,20 @@
           <inkml:channelProperty channel="Y" name="resolution" value="1000" units="1/cm"/>
         </inkml:channelProperties>
       </inkml:inkSource>
-      <inkml:timestamp xml:id="ts0" timeString="2021-04-09T16:06:59.516"/>
+      <inkml:timestamp xml:id="ts0" timeString="2021-04-09T15:31:25.894"/>
     </inkml:context>
     <inkml:brush xml:id="br0">
-      <inkml:brushProperty name="width" value="0.05" units="cm"/>
-      <inkml:brushProperty name="height" value="0.05" units="cm"/>
-      <inkml:brushProperty name="color" value="#CC0066"/>
+      <inkml:brushProperty name="width" value="0.1" units="cm"/>
+      <inkml:brushProperty name="height" value="0.1" units="cm"/>
+      <inkml:brushProperty name="color" value="#DA0C07"/>
       <inkml:brushProperty name="ignorePressure" value="1"/>
+      <inkml:brushProperty name="inkEffects" value="lava"/>
+      <inkml:brushProperty name="anchorX" value="-239305.09375"/>
+      <inkml:brushProperty name="anchorY" value="-196082.125"/>
+      <inkml:brushProperty name="scaleFactor" value="0.5"/>
     </inkml:brush>
   </inkml:definitions>
-  <inkml:trace contextRef="#ctx0" brushRef="#br0">117 0,'0'998,"-2"-1106,5-125,-3 230,1-1,-1 1,1-1,0 1,0-1,0 1,0 0,1-1,-1 1,1 0,0 0,0 0,0 0,1 1,-1-1,0 0,1 1,4-4,-2 3,0 0,1 0,-1 1,0 0,1 0,-1 0,1 0,0 1,0 0,10 0,-8 0,-1 1,1 0,-1 1,1-1,-1 2,1-1,-1 1,0 0,0 0,0 1,0 0,0 0,0 1,-1 0,0 0,1 0,-2 1,8 7,-6-3,-1 1,0-1,-1 1,0 1,-1-1,0 1,-1 0,0 0,0 0,-1 0,-1 0,0 1,0-1,-1 0,0 1,-3 14,0-12,1 0,-2-1,1 0,-2 1,0-1,0-1,-2 1,1-1,-1 0,-1 0,0-1,-19 20,21-27,0 1,0-1,-1 0,1-1,-1 0,0 0,0 0,0-1,0 0,0 0,-1-1,1 0,0 0,-16-1,-8-1,-1-1,-32-8,61 10,-35-7,4 1</inkml:trace>
+  <inkml:trace contextRef="#ctx0" brushRef="#br0">1 1,'0'0,"0"6,0 13,0 2,0 10,0 8,0 2,0 4,0 0,0 2,0-2,0 1,0-5,0-6,0-6,0-5,0-7</inkml:trace>
 </inkml:ink>
 </file>
 
@@ -3662,16 +3625,20 @@
           <inkml:channelProperty channel="Y" name="resolution" value="1000" units="1/cm"/>
         </inkml:channelProperties>
       </inkml:inkSource>
-      <inkml:timestamp xml:id="ts0" timeString="2021-04-09T16:07:01.127"/>
+      <inkml:timestamp xml:id="ts0" timeString="2021-04-09T15:31:27.020"/>
     </inkml:context>
     <inkml:brush xml:id="br0">
-      <inkml:brushProperty name="width" value="0.05" units="cm"/>
-      <inkml:brushProperty name="height" value="0.05" units="cm"/>
-      <inkml:brushProperty name="color" value="#CC0066"/>
+      <inkml:brushProperty name="width" value="0.1" units="cm"/>
+      <inkml:brushProperty name="height" value="0.1" units="cm"/>
+      <inkml:brushProperty name="color" value="#DA0C07"/>
       <inkml:brushProperty name="ignorePressure" value="1"/>
+      <inkml:brushProperty name="inkEffects" value="lava"/>
+      <inkml:brushProperty name="anchorX" value="-240575.09375"/>
+      <inkml:brushProperty name="anchorY" value="-197883.71875"/>
+      <inkml:brushProperty name="scaleFactor" value="0.5"/>
     </inkml:brush>
   </inkml:definitions>
-  <inkml:trace contextRef="#ctx0" brushRef="#br0">348 58,'0'-1,"-1"0,1 0,-1-1,1 1,-1 0,0 0,1 0,-1 0,0 0,0 0,0 0,0 0,0 0,0 1,0-1,0 0,0 1,0-1,-3 0,-26-13,26 13,-10-4,0 1,0 0,0 1,-1 0,0 1,-25 0,35 2,0 0,0 0,0 1,0-1,1 1,-1 0,0 1,0-1,1 1,-1 0,1 0,-1 0,1 1,0-1,0 1,0 0,0 0,1 1,-1-1,1 1,0 0,0 0,-4 5,-4 18,0 0,1 0,2 1,1 0,1 1,2-1,0 1,2 0,1 0,4 38,-2-63,0-1,0 0,1 1,-1-1,1 0,-1 0,1 0,0 0,0 0,0-1,1 1,-1 0,1-1,-1 0,1 0,0 0,0 0,0 0,0 0,0-1,0 1,4 0,12 5,0-1,32 7,-43-11,90 13,-68-12,1 2,-1 1,29 10,-53-14,-3-1,0 1,0-1,0 0,0 0,0 0,0 0,0-1,0 1,0-1,0 0,1 0,-1 0,0 0,0-1,0 1,0-1,6-2,1-5</inkml:trace>
+  <inkml:trace contextRef="#ctx0" brushRef="#br0">1 73,'0'0,"3"0,5-3,2-1,4-3,5-3,2-3,1 2,-1 1,0 3,-1 3,-1 2,2 1,1 0,-1 5,-1 4,-4 3,-4 4,-4 1,-4 1,-3 1,0 8,-5 0,-4-1,0-1,-7-2,-5 2,-1-4,-2-2,-3-1,2-4,0-4,9-3,17-5,-2-2,0 1,0 0,0 0,0 0,0 0,0 0,0 0,0 0,1 0,-1 0,0 0,0 0,0 0,0 0,0 0,0 0,0 0,0 1,0-1,1 0,-1 0,0 0,0 0,0 0,0 0,0 0,0 0,0 0,0 0,0 0,0 0,0 0,0 0,0 0,0 1,0-1,0 0,0 0,0 0,1 0,-1 0,0 0,0 0,0 0,0 0,0 0,0 1,0-1,0 0,-1 0,1 0,0 0,0 0,0 0,0 0,0 0,0 0,0 0,0 1,13 0,11 6,6 10,1 4,-2 9,-6 1,-3 2,-2-2,-5-3,-1-3,-3-7</inkml:trace>
 </inkml:ink>
 </file>
 
@@ -3689,16 +3656,20 @@
           <inkml:channelProperty channel="Y" name="resolution" value="1000" units="1/cm"/>
         </inkml:channelProperties>
       </inkml:inkSource>
-      <inkml:timestamp xml:id="ts0" timeString="2021-04-09T16:07:06.843"/>
+      <inkml:timestamp xml:id="ts0" timeString="2021-04-09T15:31:27.836"/>
     </inkml:context>
     <inkml:brush xml:id="br0">
-      <inkml:brushProperty name="width" value="0.05" units="cm"/>
-      <inkml:brushProperty name="height" value="0.05" units="cm"/>
-      <inkml:brushProperty name="color" value="#CC0066"/>
+      <inkml:brushProperty name="width" value="0.1" units="cm"/>
+      <inkml:brushProperty name="height" value="0.1" units="cm"/>
+      <inkml:brushProperty name="color" value="#DA0C07"/>
       <inkml:brushProperty name="ignorePressure" value="1"/>
+      <inkml:brushProperty name="inkEffects" value="lava"/>
+      <inkml:brushProperty name="anchorX" value="-242187.8125"/>
+      <inkml:brushProperty name="anchorY" value="-199645.4375"/>
+      <inkml:brushProperty name="scaleFactor" value="0.5"/>
     </inkml:brush>
   </inkml:definitions>
-  <inkml:trace contextRef="#ctx0" brushRef="#br0">0 0,'5'0,"0"0</inkml:trace>
+  <inkml:trace contextRef="#ctx0" brushRef="#br0">44 1,'0'0,"4"0,3 0,0 7,0 7,-5 8,-6 2,-1 4,-4 6,-3-4,1 0,2-2,-1-7,2-2,6-6,9-4,5-5,8-2,2-1,1-2,0 1,2-5,-5-3,-4 0</inkml:trace>
 </inkml:ink>
 </file>
 
@@ -3716,16 +3687,20 @@
           <inkml:channelProperty channel="Y" name="resolution" value="1000" units="1/cm"/>
         </inkml:channelProperties>
       </inkml:inkSource>
-      <inkml:timestamp xml:id="ts0" timeString="2021-04-09T16:07:07.186"/>
+      <inkml:timestamp xml:id="ts0" timeString="2021-04-09T15:31:28.595"/>
     </inkml:context>
     <inkml:brush xml:id="br0">
-      <inkml:brushProperty name="width" value="0.05" units="cm"/>
-      <inkml:brushProperty name="height" value="0.05" units="cm"/>
-      <inkml:brushProperty name="color" value="#CC0066"/>
+      <inkml:brushProperty name="width" value="0.1" units="cm"/>
+      <inkml:brushProperty name="height" value="0.1" units="cm"/>
+      <inkml:brushProperty name="color" value="#DA0C07"/>
       <inkml:brushProperty name="ignorePressure" value="1"/>
+      <inkml:brushProperty name="inkEffects" value="lava"/>
+      <inkml:brushProperty name="anchorX" value="-243582.60938"/>
+      <inkml:brushProperty name="anchorY" value="-201180.10938"/>
+      <inkml:brushProperty name="scaleFactor" value="0.5"/>
     </inkml:brush>
   </inkml:definitions>
-  <inkml:trace contextRef="#ctx0" brushRef="#br0">0 0,'0'0</inkml:trace>
+  <inkml:trace contextRef="#ctx0" brushRef="#br0">0 1,'0'0,"3"0,1 3,0 11,-1 4,-1 10,-1 12,0 17,-1 3,0-6,0-3,0-7,0-7,0-6,0-6,0-5,0-1,0-2,0-1,0 4,0 0,0 4,0 0,0-5</inkml:trace>
 </inkml:ink>
 </file>
 
@@ -3743,16 +3718,175 @@
           <inkml:channelProperty channel="Y" name="resolution" value="1000" units="1/cm"/>
         </inkml:channelProperties>
       </inkml:inkSource>
-      <inkml:timestamp xml:id="ts0" timeString="2021-04-09T16:07:07.531"/>
+      <inkml:timestamp xml:id="ts0" timeString="2021-04-09T15:57:06.179"/>
     </inkml:context>
     <inkml:brush xml:id="br0">
-      <inkml:brushProperty name="width" value="0.05" units="cm"/>
-      <inkml:brushProperty name="height" value="0.05" units="cm"/>
-      <inkml:brushProperty name="color" value="#CC0066"/>
+      <inkml:brushProperty name="width" value="0.1" units="cm"/>
+      <inkml:brushProperty name="height" value="0.1" units="cm"/>
+      <inkml:brushProperty name="color" value="#0B868D"/>
       <inkml:brushProperty name="ignorePressure" value="1"/>
+      <inkml:brushProperty name="inkEffects" value="ocean"/>
+      <inkml:brushProperty name="anchorX" value="0"/>
+      <inkml:brushProperty name="anchorY" value="0"/>
+      <inkml:brushProperty name="scaleFactor" value="0.5"/>
     </inkml:brush>
   </inkml:definitions>
   <inkml:trace contextRef="#ctx0" brushRef="#br0">0 0,'0'0</inkml:trace>
+</inkml:ink>
+</file>
+
+<file path=ppt/ink/ink205.xml><?xml version="1.0" encoding="utf-8"?>
+<inkml:ink xmlns:inkml="http://www.w3.org/2003/InkML">
+  <inkml:definitions>
+    <inkml:context xml:id="ctx0">
+      <inkml:inkSource xml:id="inkSrc0">
+        <inkml:traceFormat>
+          <inkml:channel name="X" type="integer" min="-2.14748E9" max="2.14748E9" units="cm"/>
+          <inkml:channel name="Y" type="integer" min="-2.14748E9" max="2.14748E9" units="cm"/>
+        </inkml:traceFormat>
+        <inkml:channelProperties>
+          <inkml:channelProperty channel="X" name="resolution" value="1000" units="1/cm"/>
+          <inkml:channelProperty channel="Y" name="resolution" value="1000" units="1/cm"/>
+        </inkml:channelProperties>
+      </inkml:inkSource>
+      <inkml:timestamp xml:id="ts0" timeString="2021-04-09T15:57:08.828"/>
+    </inkml:context>
+    <inkml:brush xml:id="br0">
+      <inkml:brushProperty name="width" value="0.1" units="cm"/>
+      <inkml:brushProperty name="height" value="0.1" units="cm"/>
+      <inkml:brushProperty name="color" value="#0B868D"/>
+      <inkml:brushProperty name="ignorePressure" value="1"/>
+      <inkml:brushProperty name="inkEffects" value="ocean"/>
+      <inkml:brushProperty name="anchorX" value="-1270"/>
+      <inkml:brushProperty name="anchorY" value="-1270"/>
+      <inkml:brushProperty name="scaleFactor" value="0.5"/>
+    </inkml:brush>
+  </inkml:definitions>
+  <inkml:trace contextRef="#ctx0" brushRef="#br0">0 0,'0'0,"5"0,6 0,16 0,9 0,10 0,5 0,8 0,2 0,0 0,4 0,-7 0,-7 0,-8 0,-6 0,-1 0,-2 0,8 0,14 0,10 0,-3 0,-11 0</inkml:trace>
+</inkml:ink>
+</file>
+
+<file path=ppt/ink/ink206.xml><?xml version="1.0" encoding="utf-8"?>
+<inkml:ink xmlns:inkml="http://www.w3.org/2003/InkML">
+  <inkml:definitions>
+    <inkml:context xml:id="ctx0">
+      <inkml:inkSource xml:id="inkSrc0">
+        <inkml:traceFormat>
+          <inkml:channel name="X" type="integer" min="-2.14748E9" max="2.14748E9" units="cm"/>
+          <inkml:channel name="Y" type="integer" min="-2.14748E9" max="2.14748E9" units="cm"/>
+        </inkml:traceFormat>
+        <inkml:channelProperties>
+          <inkml:channelProperty channel="X" name="resolution" value="1000" units="1/cm"/>
+          <inkml:channelProperty channel="Y" name="resolution" value="1000" units="1/cm"/>
+        </inkml:channelProperties>
+      </inkml:inkSource>
+      <inkml:timestamp xml:id="ts0" timeString="2021-04-09T15:57:09.821"/>
+    </inkml:context>
+    <inkml:brush xml:id="br0">
+      <inkml:brushProperty name="width" value="0.1" units="cm"/>
+      <inkml:brushProperty name="height" value="0.1" units="cm"/>
+      <inkml:brushProperty name="color" value="#0B868D"/>
+      <inkml:brushProperty name="ignorePressure" value="1"/>
+      <inkml:brushProperty name="inkEffects" value="ocean"/>
+      <inkml:brushProperty name="anchorX" value="-3499.93677"/>
+      <inkml:brushProperty name="anchorY" value="-2540"/>
+      <inkml:brushProperty name="scaleFactor" value="0.5"/>
+    </inkml:brush>
+  </inkml:definitions>
+  <inkml:trace contextRef="#ctx0" brushRef="#br0">0 0,'0'0,"5"0,6 0,16 0,9 0,4 0,1 0,-4 0,-2 0,-3 0,-2 0,-3 0,5 0,0 0,-1 0,0 0,-7 0</inkml:trace>
+</inkml:ink>
+</file>
+
+<file path=ppt/ink/ink207.xml><?xml version="1.0" encoding="utf-8"?>
+<inkml:ink xmlns:inkml="http://www.w3.org/2003/InkML">
+  <inkml:definitions>
+    <inkml:context xml:id="ctx0">
+      <inkml:inkSource xml:id="inkSrc0">
+        <inkml:traceFormat>
+          <inkml:channel name="X" type="integer" min="-2.14748E9" max="2.14748E9" units="cm"/>
+          <inkml:channel name="Y" type="integer" min="-2.14748E9" max="2.14748E9" units="cm"/>
+        </inkml:traceFormat>
+        <inkml:channelProperties>
+          <inkml:channelProperty channel="X" name="resolution" value="1000" units="1/cm"/>
+          <inkml:channelProperty channel="Y" name="resolution" value="1000" units="1/cm"/>
+        </inkml:channelProperties>
+      </inkml:inkSource>
+      <inkml:timestamp xml:id="ts0" timeString="2021-04-09T15:57:12.125"/>
+    </inkml:context>
+    <inkml:brush xml:id="br0">
+      <inkml:brushProperty name="width" value="0.1" units="cm"/>
+      <inkml:brushProperty name="height" value="0.1" units="cm"/>
+      <inkml:brushProperty name="color" value="#0B868D"/>
+      <inkml:brushProperty name="ignorePressure" value="1"/>
+      <inkml:brushProperty name="inkEffects" value="ocean"/>
+      <inkml:brushProperty name="anchorX" value="-5240.6001"/>
+      <inkml:brushProperty name="anchorY" value="-3810"/>
+      <inkml:brushProperty name="scaleFactor" value="0.5"/>
+    </inkml:brush>
+  </inkml:definitions>
+  <inkml:trace contextRef="#ctx0" brushRef="#br0">214 0,'0'0,"5"0,1 11,-1 5,-1 6,0 8,-8 8,0 1,-1-1,1 3,-5-3,2 3,-5-2,1 7,-3-7,2 2,3-4,2-3,3-2,2-2,1-3,-5 5,1 0,-5 4,-5 0,2 4,1 4,3-3,-2 3,3-3,-4 1,1-2,3-4,2-3,2-2,2-3,1-1,1-1,0 0,1 0,-1 0,1 0,-1 0,0 0,0 1,0-1,0 1,0-1,0-5</inkml:trace>
+</inkml:ink>
+</file>
+
+<file path=ppt/ink/ink208.xml><?xml version="1.0" encoding="utf-8"?>
+<inkml:ink xmlns:inkml="http://www.w3.org/2003/InkML">
+  <inkml:definitions>
+    <inkml:context xml:id="ctx0">
+      <inkml:inkSource xml:id="inkSrc0">
+        <inkml:traceFormat>
+          <inkml:channel name="X" type="integer" min="-2.14748E9" max="2.14748E9" units="cm"/>
+          <inkml:channel name="Y" type="integer" min="-2.14748E9" max="2.14748E9" units="cm"/>
+        </inkml:traceFormat>
+        <inkml:channelProperties>
+          <inkml:channelProperty channel="X" name="resolution" value="1000" units="1/cm"/>
+          <inkml:channelProperty channel="Y" name="resolution" value="1000" units="1/cm"/>
+        </inkml:channelProperties>
+      </inkml:inkSource>
+      <inkml:timestamp xml:id="ts0" timeString="2021-04-09T15:57:12.918"/>
+    </inkml:context>
+    <inkml:brush xml:id="br0">
+      <inkml:brushProperty name="width" value="0.1" units="cm"/>
+      <inkml:brushProperty name="height" value="0.1" units="cm"/>
+      <inkml:brushProperty name="color" value="#0B868D"/>
+      <inkml:brushProperty name="ignorePressure" value="1"/>
+      <inkml:brushProperty name="inkEffects" value="ocean"/>
+      <inkml:brushProperty name="anchorX" value="-3758.65674"/>
+      <inkml:brushProperty name="anchorY" value="-4070.91113"/>
+      <inkml:brushProperty name="scaleFactor" value="0.5"/>
+    </inkml:brush>
+  </inkml:definitions>
+  <inkml:trace contextRef="#ctx0" brushRef="#br0">0 48,'0'0,"0"5,6 1,10-1,11-1,4 0,8-2,0-1,-1-1,2 0,-2 0,3 0,-9-5,4-1,2 0,-1 2,-2 1,-2 1,2 1,0 0,3-9,-2-1,-1 0,-2 2,-8 3</inkml:trace>
+</inkml:ink>
+</file>
+
+<file path=ppt/ink/ink209.xml><?xml version="1.0" encoding="utf-8"?>
+<inkml:ink xmlns:inkml="http://www.w3.org/2003/InkML">
+  <inkml:definitions>
+    <inkml:context xml:id="ctx0">
+      <inkml:inkSource xml:id="inkSrc0">
+        <inkml:traceFormat>
+          <inkml:channel name="X" type="integer" min="-2.14748E9" max="2.14748E9" units="cm"/>
+          <inkml:channel name="Y" type="integer" min="-2.14748E9" max="2.14748E9" units="cm"/>
+        </inkml:traceFormat>
+        <inkml:channelProperties>
+          <inkml:channelProperty channel="X" name="resolution" value="1000" units="1/cm"/>
+          <inkml:channelProperty channel="Y" name="resolution" value="1000" units="1/cm"/>
+        </inkml:channelProperties>
+      </inkml:inkSource>
+      <inkml:timestamp xml:id="ts0" timeString="2021-04-09T15:57:13.765"/>
+    </inkml:context>
+    <inkml:brush xml:id="br0">
+      <inkml:brushProperty name="width" value="0.1" units="cm"/>
+      <inkml:brushProperty name="height" value="0.1" units="cm"/>
+      <inkml:brushProperty name="color" value="#0B868D"/>
+      <inkml:brushProperty name="ignorePressure" value="1"/>
+      <inkml:brushProperty name="inkEffects" value="ocean"/>
+      <inkml:brushProperty name="anchorX" value="-5791.47559"/>
+      <inkml:brushProperty name="anchorY" value="-5292.91846"/>
+      <inkml:brushProperty name="scaleFactor" value="0.5"/>
+    </inkml:brush>
+  </inkml:definitions>
+  <inkml:trace contextRef="#ctx0" brushRef="#br0">0 0,'0'0,"0"5,6 1,10 0,11 3,9 0,9-2,4-1,4-2,-4-2,6-1,-10-1</inkml:trace>
 </inkml:ink>
 </file>
 
@@ -3784,6 +3918,257 @@
     </inkml:brush>
   </inkml:definitions>
   <inkml:trace contextRef="#ctx0" brushRef="#br0">1 0,'0'0,"7"0,7 0,3 4,3 9,-3 9,5 16,-3 6,-5 9,-3 13,-5-4,-3-6,-2-10,-1-13</inkml:trace>
+</inkml:ink>
+</file>
+
+<file path=ppt/ink/ink210.xml><?xml version="1.0" encoding="utf-8"?>
+<inkml:ink xmlns:inkml="http://www.w3.org/2003/InkML">
+  <inkml:definitions>
+    <inkml:context xml:id="ctx0">
+      <inkml:inkSource xml:id="inkSrc0">
+        <inkml:traceFormat>
+          <inkml:channel name="X" type="integer" min="-2.14748E9" max="2.14748E9" units="cm"/>
+          <inkml:channel name="Y" type="integer" min="-2.14748E9" max="2.14748E9" units="cm"/>
+        </inkml:traceFormat>
+        <inkml:channelProperties>
+          <inkml:channelProperty channel="X" name="resolution" value="1000" units="1/cm"/>
+          <inkml:channelProperty channel="Y" name="resolution" value="1000" units="1/cm"/>
+        </inkml:channelProperties>
+      </inkml:inkSource>
+      <inkml:timestamp xml:id="ts0" timeString="2021-04-09T15:57:14.231"/>
+    </inkml:context>
+    <inkml:brush xml:id="br0">
+      <inkml:brushProperty name="width" value="0.1" units="cm"/>
+      <inkml:brushProperty name="height" value="0.1" units="cm"/>
+      <inkml:brushProperty name="color" value="#0B868D"/>
+      <inkml:brushProperty name="ignorePressure" value="1"/>
+      <inkml:brushProperty name="inkEffects" value="ocean"/>
+      <inkml:brushProperty name="anchorX" value="-7442.11523"/>
+      <inkml:brushProperty name="anchorY" value="-6617.63623"/>
+      <inkml:brushProperty name="scaleFactor" value="0.5"/>
+    </inkml:brush>
+  </inkml:definitions>
+  <inkml:trace contextRef="#ctx0" brushRef="#br0">0 0,'0'0</inkml:trace>
+</inkml:ink>
+</file>
+
+<file path=ppt/ink/ink211.xml><?xml version="1.0" encoding="utf-8"?>
+<inkml:ink xmlns:inkml="http://www.w3.org/2003/InkML">
+  <inkml:definitions>
+    <inkml:context xml:id="ctx0">
+      <inkml:inkSource xml:id="inkSrc0">
+        <inkml:traceFormat>
+          <inkml:channel name="X" type="integer" min="-2.14748E9" max="2.14748E9" units="cm"/>
+          <inkml:channel name="Y" type="integer" min="-2.14748E9" max="2.14748E9" units="cm"/>
+        </inkml:traceFormat>
+        <inkml:channelProperties>
+          <inkml:channelProperty channel="X" name="resolution" value="1000" units="1/cm"/>
+          <inkml:channelProperty channel="Y" name="resolution" value="1000" units="1/cm"/>
+        </inkml:channelProperties>
+      </inkml:inkSource>
+      <inkml:timestamp xml:id="ts0" timeString="2021-04-09T15:57:16.452"/>
+    </inkml:context>
+    <inkml:brush xml:id="br0">
+      <inkml:brushProperty name="width" value="0.1" units="cm"/>
+      <inkml:brushProperty name="height" value="0.1" units="cm"/>
+      <inkml:brushProperty name="color" value="#0B868D"/>
+      <inkml:brushProperty name="ignorePressure" value="1"/>
+      <inkml:brushProperty name="inkEffects" value="ocean"/>
+      <inkml:brushProperty name="anchorX" value="-8712.11523"/>
+      <inkml:brushProperty name="anchorY" value="-7887.63623"/>
+      <inkml:brushProperty name="scaleFactor" value="0.5"/>
+    </inkml:brush>
+  </inkml:definitions>
+  <inkml:trace contextRef="#ctx0" brushRef="#br0">0 685,'0'0,"0"-9,6-14,4-20,1-4,-1 0,3 2,-2-11,8 5,-3 3,-1 6,-4 6,-4 3,-3 4,-2 2,-1 1,-2 1,0 0,1-1,-1 0,1 6</inkml:trace>
+</inkml:ink>
+</file>
+
+<file path=ppt/ink/ink212.xml><?xml version="1.0" encoding="utf-8"?>
+<inkml:ink xmlns:inkml="http://www.w3.org/2003/InkML">
+  <inkml:definitions>
+    <inkml:context xml:id="ctx0">
+      <inkml:inkSource xml:id="inkSrc0">
+        <inkml:traceFormat>
+          <inkml:channel name="X" type="integer" min="-2.14748E9" max="2.14748E9" units="cm"/>
+          <inkml:channel name="Y" type="integer" min="-2.14748E9" max="2.14748E9" units="cm"/>
+        </inkml:traceFormat>
+        <inkml:channelProperties>
+          <inkml:channelProperty channel="X" name="resolution" value="1000" units="1/cm"/>
+          <inkml:channelProperty channel="Y" name="resolution" value="1000" units="1/cm"/>
+        </inkml:channelProperties>
+      </inkml:inkSource>
+      <inkml:timestamp xml:id="ts0" timeString="2021-04-09T15:59:28.068"/>
+    </inkml:context>
+    <inkml:brush xml:id="br0">
+      <inkml:brushProperty name="width" value="0.05" units="cm"/>
+      <inkml:brushProperty name="height" value="0.05" units="cm"/>
+      <inkml:brushProperty name="color" value="#CC0066"/>
+      <inkml:brushProperty name="ignorePressure" value="1"/>
+    </inkml:brush>
+  </inkml:definitions>
+  <inkml:trace contextRef="#ctx0" brushRef="#br0">83 7543,'-1'88,"0"-7,3-1,14 97,-5-124,3 1,2-2,2 0,42 83,128 183,-126-222,5-2,153 163,-208-248,1-1,-1 0,1 0,1-2,-1 1,1-2,0 0,1-1,-1 0,21 2,16 6,19 7,266 65,-243-66,157 12,493-24,-421-9,-299 4,0-2,0 0,0-2,0 0,-1-2,1 0,-1-2,0 0,-1-1,0-2,28-16,389-271,-413 278,20-14,76-73,-17-6,127-123,-93 105,-81 73,3 2,1 3,127-82,-139 103,-1-2,-1-3,-2-1,-2-2,44-52,-19 17,-4-3,-3-2,85-146,-114 170,40-78,-65 116,-1 1,0-1,-1 0,-1 0,0 0,1-27,4-43,4 1,29-107,14-87,-11 62,-1 6,-38 176,2-1,1 2,2-1,18-39,73-134,-18 41,-84 167,19-41,27-43,-39 73,0 1,1 0,1 0,0 1,0 0,1 1,0 0,18-11,-19 15,0 1,0 0,0 0,1 1,0 1,-1-1,1 2,20-2,90 5,-58 1,109-5,142 7,-137 20,-108-13,87 3,353-14,-238-3,-85-12,-17 1,-130 10,0-2,62-15,14-2,242-33,-310 46,-1-2,60-22,-22 6,187-40,-211 54,-26 4,-1-1,-1-2,0-1,-1-1,37-23,-5-3,74-63,-110 79,-1 0,-1-2,-1 0,34-53,65-131,-78 129,273-555,-288 559,36-141,-43 134,-2-3,-5-1,5-115,-7 60,12-208,-22-385,-7 682,-1 0,-3 0,-3 1,-21-65,-87-198,105 281,-3 0,-1 1,-1 1,-2 1,-26-31,32 45,-1 1,0 1,-2 1,0 0,0 1,-1 1,-1 1,0 1,-40-16,-149-49,-3 10,-3 9,-325-44,376 86,-73-10,34-9,-380-13,-1331 50,1656 4,-309 48,-248 105,-233 140,868-238,-301 150,336-141,-581 314,663-346,-18 10,1 4,-143 124,-142 207,318-326,3 2,3 1,2 3,3 1,-30 79,-83 226,58-88,52-148,34-119,-121 425,74-125,35-185,-58 438,54-172,3-26,-1-169,6 217,11-385,-2-1,0 0,-10 33,5-26,-6 65,7 737,11-467,2-317,1-33</inkml:trace>
+</inkml:ink>
+</file>
+
+<file path=ppt/ink/ink213.xml><?xml version="1.0" encoding="utf-8"?>
+<inkml:ink xmlns:inkml="http://www.w3.org/2003/InkML">
+  <inkml:definitions>
+    <inkml:context xml:id="ctx0">
+      <inkml:inkSource xml:id="inkSrc0">
+        <inkml:traceFormat>
+          <inkml:channel name="X" type="integer" min="-2.14748E9" max="2.14748E9" units="cm"/>
+          <inkml:channel name="Y" type="integer" min="-2.14748E9" max="2.14748E9" units="cm"/>
+        </inkml:traceFormat>
+        <inkml:channelProperties>
+          <inkml:channelProperty channel="X" name="resolution" value="1000" units="1/cm"/>
+          <inkml:channelProperty channel="Y" name="resolution" value="1000" units="1/cm"/>
+        </inkml:channelProperties>
+      </inkml:inkSource>
+      <inkml:timestamp xml:id="ts0" timeString="2021-04-09T16:06:57.872"/>
+    </inkml:context>
+    <inkml:brush xml:id="br0">
+      <inkml:brushProperty name="width" value="0.05" units="cm"/>
+      <inkml:brushProperty name="height" value="0.05" units="cm"/>
+      <inkml:brushProperty name="color" value="#CC0066"/>
+      <inkml:brushProperty name="ignorePressure" value="1"/>
+    </inkml:brush>
+  </inkml:definitions>
+  <inkml:trace contextRef="#ctx0" brushRef="#br0">497 0,'-14'2,"1"0,-1 1,1 1,0 0,0 1,0 0,-22 13,-18 6,16-9,0 2,0 2,2 1,0 2,-36 29,65-46,0 0,0 1,1-1,0 1,0 0,0 1,1-1,0 1,0 0,0 0,-2 9,5-13,0 1,0 0,1-1,0 1,0 0,0-1,0 1,0 0,1-1,0 1,0-1,0 1,0 0,0-1,1 0,-1 1,1-1,0 0,0 0,0 0,0 0,1 0,-1-1,1 1,4 3,8 6,1-1,1 0,0-1,0-1,0-1,1 0,1-1,-1-1,1-1,0-1,0 0,1-1,-1-1,0-1,1-1,37-5,-53 5,0-1,0 1,0-1,-1-1,1 1,0 0,-1-1,0 0,1 0,-1 0,0 0,0 0,0-1,0 1,4-6,-2 2,0-1,0 1,-1-1,0-1,-1 1,0-1,3-7,1-9,-2-1,0 1,2-48,-7-26,-1 58,0 32,0 13,-10 111,3-46,3 1,4 78,1-145,1 0,0 1,0-1,0 0,0 0,1 0,-1 0,1 0,0 0,0-1,1 1,-1-1,1 1,-1-1,5 4,-1-2,1 1,0-1,0 0,1-1,-1 0,1 0,9 3,5 0,0-1,0-1,1 0,41 1,-33-5</inkml:trace>
+</inkml:ink>
+</file>
+
+<file path=ppt/ink/ink214.xml><?xml version="1.0" encoding="utf-8"?>
+<inkml:ink xmlns:inkml="http://www.w3.org/2003/InkML">
+  <inkml:definitions>
+    <inkml:context xml:id="ctx0">
+      <inkml:inkSource xml:id="inkSrc0">
+        <inkml:traceFormat>
+          <inkml:channel name="X" type="integer" min="-2.14748E9" max="2.14748E9" units="cm"/>
+          <inkml:channel name="Y" type="integer" min="-2.14748E9" max="2.14748E9" units="cm"/>
+        </inkml:traceFormat>
+        <inkml:channelProperties>
+          <inkml:channelProperty channel="X" name="resolution" value="1000" units="1/cm"/>
+          <inkml:channelProperty channel="Y" name="resolution" value="1000" units="1/cm"/>
+        </inkml:channelProperties>
+      </inkml:inkSource>
+      <inkml:timestamp xml:id="ts0" timeString="2021-04-09T16:06:59.516"/>
+    </inkml:context>
+    <inkml:brush xml:id="br0">
+      <inkml:brushProperty name="width" value="0.05" units="cm"/>
+      <inkml:brushProperty name="height" value="0.05" units="cm"/>
+      <inkml:brushProperty name="color" value="#CC0066"/>
+      <inkml:brushProperty name="ignorePressure" value="1"/>
+    </inkml:brush>
+  </inkml:definitions>
+  <inkml:trace contextRef="#ctx0" brushRef="#br0">117 0,'0'998,"-2"-1106,5-125,-3 230,1-1,-1 1,1-1,0 1,0-1,0 1,0 0,1-1,-1 1,1 0,0 0,0 0,0 0,1 1,-1-1,0 0,1 1,4-4,-2 3,0 0,1 0,-1 1,0 0,1 0,-1 0,1 0,0 1,0 0,10 0,-8 0,-1 1,1 0,-1 1,1-1,-1 2,1-1,-1 1,0 0,0 0,0 1,0 0,0 0,0 1,-1 0,0 0,1 0,-2 1,8 7,-6-3,-1 1,0-1,-1 1,0 1,-1-1,0 1,-1 0,0 0,0 0,-1 0,-1 0,0 1,0-1,-1 0,0 1,-3 14,0-12,1 0,-2-1,1 0,-2 1,0-1,0-1,-2 1,1-1,-1 0,-1 0,0-1,-19 20,21-27,0 1,0-1,-1 0,1-1,-1 0,0 0,0 0,0-1,0 0,0 0,-1-1,1 0,0 0,-16-1,-8-1,-1-1,-32-8,61 10,-35-7,4 1</inkml:trace>
+</inkml:ink>
+</file>
+
+<file path=ppt/ink/ink215.xml><?xml version="1.0" encoding="utf-8"?>
+<inkml:ink xmlns:inkml="http://www.w3.org/2003/InkML">
+  <inkml:definitions>
+    <inkml:context xml:id="ctx0">
+      <inkml:inkSource xml:id="inkSrc0">
+        <inkml:traceFormat>
+          <inkml:channel name="X" type="integer" min="-2.14748E9" max="2.14748E9" units="cm"/>
+          <inkml:channel name="Y" type="integer" min="-2.14748E9" max="2.14748E9" units="cm"/>
+        </inkml:traceFormat>
+        <inkml:channelProperties>
+          <inkml:channelProperty channel="X" name="resolution" value="1000" units="1/cm"/>
+          <inkml:channelProperty channel="Y" name="resolution" value="1000" units="1/cm"/>
+        </inkml:channelProperties>
+      </inkml:inkSource>
+      <inkml:timestamp xml:id="ts0" timeString="2021-04-09T16:07:01.127"/>
+    </inkml:context>
+    <inkml:brush xml:id="br0">
+      <inkml:brushProperty name="width" value="0.05" units="cm"/>
+      <inkml:brushProperty name="height" value="0.05" units="cm"/>
+      <inkml:brushProperty name="color" value="#CC0066"/>
+      <inkml:brushProperty name="ignorePressure" value="1"/>
+    </inkml:brush>
+  </inkml:definitions>
+  <inkml:trace contextRef="#ctx0" brushRef="#br0">348 58,'0'-1,"-1"0,1 0,-1-1,1 1,-1 0,0 0,1 0,-1 0,0 0,0 0,0 0,0 0,0 0,0 1,0-1,0 0,0 1,0-1,-3 0,-26-13,26 13,-10-4,0 1,0 0,0 1,-1 0,0 1,-25 0,35 2,0 0,0 0,0 1,0-1,1 1,-1 0,0 1,0-1,1 1,-1 0,1 0,-1 0,1 1,0-1,0 1,0 0,0 0,1 1,-1-1,1 1,0 0,0 0,-4 5,-4 18,0 0,1 0,2 1,1 0,1 1,2-1,0 1,2 0,1 0,4 38,-2-63,0-1,0 0,1 1,-1-1,1 0,-1 0,1 0,0 0,0 0,0-1,1 1,-1 0,1-1,-1 0,1 0,0 0,0 0,0 0,0 0,0-1,0 1,4 0,12 5,0-1,32 7,-43-11,90 13,-68-12,1 2,-1 1,29 10,-53-14,-3-1,0 1,0-1,0 0,0 0,0 0,0 0,0-1,0 1,0-1,0 0,1 0,-1 0,0 0,0-1,0 1,0-1,6-2,1-5</inkml:trace>
+</inkml:ink>
+</file>
+
+<file path=ppt/ink/ink216.xml><?xml version="1.0" encoding="utf-8"?>
+<inkml:ink xmlns:inkml="http://www.w3.org/2003/InkML">
+  <inkml:definitions>
+    <inkml:context xml:id="ctx0">
+      <inkml:inkSource xml:id="inkSrc0">
+        <inkml:traceFormat>
+          <inkml:channel name="X" type="integer" min="-2.14748E9" max="2.14748E9" units="cm"/>
+          <inkml:channel name="Y" type="integer" min="-2.14748E9" max="2.14748E9" units="cm"/>
+        </inkml:traceFormat>
+        <inkml:channelProperties>
+          <inkml:channelProperty channel="X" name="resolution" value="1000" units="1/cm"/>
+          <inkml:channelProperty channel="Y" name="resolution" value="1000" units="1/cm"/>
+        </inkml:channelProperties>
+      </inkml:inkSource>
+      <inkml:timestamp xml:id="ts0" timeString="2021-04-09T16:07:06.843"/>
+    </inkml:context>
+    <inkml:brush xml:id="br0">
+      <inkml:brushProperty name="width" value="0.05" units="cm"/>
+      <inkml:brushProperty name="height" value="0.05" units="cm"/>
+      <inkml:brushProperty name="color" value="#CC0066"/>
+      <inkml:brushProperty name="ignorePressure" value="1"/>
+    </inkml:brush>
+  </inkml:definitions>
+  <inkml:trace contextRef="#ctx0" brushRef="#br0">0 0,'5'0,"0"0</inkml:trace>
+</inkml:ink>
+</file>
+
+<file path=ppt/ink/ink217.xml><?xml version="1.0" encoding="utf-8"?>
+<inkml:ink xmlns:inkml="http://www.w3.org/2003/InkML">
+  <inkml:definitions>
+    <inkml:context xml:id="ctx0">
+      <inkml:inkSource xml:id="inkSrc0">
+        <inkml:traceFormat>
+          <inkml:channel name="X" type="integer" min="-2.14748E9" max="2.14748E9" units="cm"/>
+          <inkml:channel name="Y" type="integer" min="-2.14748E9" max="2.14748E9" units="cm"/>
+        </inkml:traceFormat>
+        <inkml:channelProperties>
+          <inkml:channelProperty channel="X" name="resolution" value="1000" units="1/cm"/>
+          <inkml:channelProperty channel="Y" name="resolution" value="1000" units="1/cm"/>
+        </inkml:channelProperties>
+      </inkml:inkSource>
+      <inkml:timestamp xml:id="ts0" timeString="2021-04-09T16:07:07.186"/>
+    </inkml:context>
+    <inkml:brush xml:id="br0">
+      <inkml:brushProperty name="width" value="0.05" units="cm"/>
+      <inkml:brushProperty name="height" value="0.05" units="cm"/>
+      <inkml:brushProperty name="color" value="#CC0066"/>
+      <inkml:brushProperty name="ignorePressure" value="1"/>
+    </inkml:brush>
+  </inkml:definitions>
+  <inkml:trace contextRef="#ctx0" brushRef="#br0">0 0,'0'0</inkml:trace>
+</inkml:ink>
+</file>
+
+<file path=ppt/ink/ink218.xml><?xml version="1.0" encoding="utf-8"?>
+<inkml:ink xmlns:inkml="http://www.w3.org/2003/InkML">
+  <inkml:definitions>
+    <inkml:context xml:id="ctx0">
+      <inkml:inkSource xml:id="inkSrc0">
+        <inkml:traceFormat>
+          <inkml:channel name="X" type="integer" min="-2.14748E9" max="2.14748E9" units="cm"/>
+          <inkml:channel name="Y" type="integer" min="-2.14748E9" max="2.14748E9" units="cm"/>
+        </inkml:traceFormat>
+        <inkml:channelProperties>
+          <inkml:channelProperty channel="X" name="resolution" value="1000" units="1/cm"/>
+          <inkml:channelProperty channel="Y" name="resolution" value="1000" units="1/cm"/>
+        </inkml:channelProperties>
+      </inkml:inkSource>
+      <inkml:timestamp xml:id="ts0" timeString="2021-04-09T16:07:07.531"/>
+    </inkml:context>
+    <inkml:brush xml:id="br0">
+      <inkml:brushProperty name="width" value="0.05" units="cm"/>
+      <inkml:brushProperty name="height" value="0.05" units="cm"/>
+      <inkml:brushProperty name="color" value="#CC0066"/>
+      <inkml:brushProperty name="ignorePressure" value="1"/>
+    </inkml:brush>
+  </inkml:definitions>
+  <inkml:trace contextRef="#ctx0" brushRef="#br0">0 0,'0'0</inkml:trace>
 </inkml:ink>
 </file>
 
@@ -6639,7 +7024,7 @@
           <a:p>
             <a:fld id="{9AB3A824-1A51-4B26-AD58-A6D8E14F6C04}" type="datetimeFigureOut">
               <a:rPr lang="en-US" dirty="0"/>
-              <a:t>4/9/2021</a:t>
+              <a:t>4/20/2021</a:t>
             </a:fld>
             <a:endParaRPr lang="en-US" dirty="0"/>
           </a:p>
@@ -6973,7 +7358,7 @@
           <a:p>
             <a:fld id="{D857E33E-8B18-4087-B112-809917729534}" type="datetimeFigureOut">
               <a:rPr lang="en-US" dirty="0"/>
-              <a:t>4/9/2021</a:t>
+              <a:t>4/20/2021</a:t>
             </a:fld>
             <a:endParaRPr lang="en-US" dirty="0"/>
           </a:p>
@@ -7275,7 +7660,7 @@
           <a:p>
             <a:fld id="{D3FFE419-2371-464F-8239-3959401C3561}" type="datetimeFigureOut">
               <a:rPr lang="en-US" dirty="0"/>
-              <a:t>4/9/2021</a:t>
+              <a:t>4/20/2021</a:t>
             </a:fld>
             <a:endParaRPr lang="en-US" dirty="0"/>
           </a:p>
@@ -7522,7 +7907,7 @@
           <a:p>
             <a:fld id="{97D162C4-EDD9-4389-A98B-B87ECEA2A816}" type="datetimeFigureOut">
               <a:rPr lang="en-US" dirty="0"/>
-              <a:t>4/9/2021</a:t>
+              <a:t>4/20/2021</a:t>
             </a:fld>
             <a:endParaRPr lang="en-US" dirty="0"/>
           </a:p>
@@ -7929,7 +8314,7 @@
           <a:p>
             <a:fld id="{3E5059C3-6A89-4494-99FF-5A4D6FFD50EB}" type="datetimeFigureOut">
               <a:rPr lang="en-US" dirty="0"/>
-              <a:t>4/9/2021</a:t>
+              <a:t>4/20/2021</a:t>
             </a:fld>
             <a:endParaRPr lang="en-US" dirty="0"/>
           </a:p>
@@ -8243,7 +8628,7 @@
           <a:p>
             <a:fld id="{CA954B2F-12DE-47F5-8894-472B206D2E1E}" type="datetimeFigureOut">
               <a:rPr lang="en-US" dirty="0"/>
-              <a:t>4/9/2021</a:t>
+              <a:t>4/20/2021</a:t>
             </a:fld>
             <a:endParaRPr lang="en-US" dirty="0"/>
           </a:p>
@@ -8787,7 +9172,7 @@
           <a:p>
             <a:fld id="{3F30E46F-7819-4ACF-B48B-48222C2ACC88}" type="datetimeFigureOut">
               <a:rPr lang="en-US" dirty="0"/>
-              <a:t>4/9/2021</a:t>
+              <a:t>4/20/2021</a:t>
             </a:fld>
             <a:endParaRPr lang="en-US" dirty="0"/>
           </a:p>
@@ -8982,7 +9367,7 @@
           <a:p>
             <a:fld id="{1FAF3416-4057-4DAA-829D-4CA07428D088}" type="datetimeFigureOut">
               <a:rPr lang="en-US" dirty="0"/>
-              <a:t>4/9/2021</a:t>
+              <a:t>4/20/2021</a:t>
             </a:fld>
             <a:endParaRPr lang="en-US" dirty="0"/>
           </a:p>
@@ -9195,7 +9580,7 @@
           <a:p>
             <a:fld id="{921D9284-D300-4297-87F7-E791DCC15DB1}" type="datetimeFigureOut">
               <a:rPr lang="en-US" dirty="0"/>
-              <a:t>4/9/2021</a:t>
+              <a:t>4/20/2021</a:t>
             </a:fld>
             <a:endParaRPr lang="en-US" dirty="0"/>
           </a:p>
@@ -9564,7 +9949,7 @@
           <a:p>
             <a:fld id="{37D525BB-DA17-4BA0-B3C8-3AC3ABC827E6}" type="datetimeFigureOut">
               <a:rPr lang="en-US" dirty="0"/>
-              <a:t>4/9/2021</a:t>
+              <a:t>4/20/2021</a:t>
             </a:fld>
             <a:endParaRPr lang="en-US" dirty="0"/>
           </a:p>
@@ -9967,7 +10352,7 @@
           <a:p>
             <a:fld id="{B16C4C9A-3960-41CF-A4E9-2A8FB932454B}" type="datetimeFigureOut">
               <a:rPr lang="en-US" dirty="0"/>
-              <a:t>4/9/2021</a:t>
+              <a:t>4/20/2021</a:t>
             </a:fld>
             <a:endParaRPr lang="en-US" dirty="0"/>
           </a:p>
@@ -10278,7 +10663,7 @@
           <a:p>
             <a:fld id="{3CBC1C18-307B-4F68-A007-B5B542270E8D}" type="datetimeFigureOut">
               <a:rPr lang="en-US" dirty="0"/>
-              <a:t>4/9/2021</a:t>
+              <a:t>4/20/2021</a:t>
             </a:fld>
             <a:endParaRPr lang="en-US" dirty="0"/>
           </a:p>
@@ -11180,6 +11565,1138 @@
           <p:cNvPr id="2" name="Título 1">
             <a:extLst>
               <a:ext uri="{FF2B5EF4-FFF2-40B4-BE49-F238E27FC236}">
+                <a16:creationId xmlns:a16="http://schemas.microsoft.com/office/drawing/2014/main" id="{84CF54E5-6308-41A3-B520-DE5A812A6AD6}"/>
+              </a:ext>
+            </a:extLst>
+          </p:cNvPr>
+          <p:cNvSpPr>
+            <a:spLocks noGrp="1"/>
+          </p:cNvSpPr>
+          <p:nvPr>
+            <p:ph type="title"/>
+          </p:nvPr>
+        </p:nvSpPr>
+        <p:spPr/>
+        <p:txBody>
+          <a:bodyPr/>
+          <a:lstStyle/>
+          <a:p>
+            <a:r>
+              <a:rPr lang="es-MX" dirty="0"/>
+              <a:t>Ejercicio 3</a:t>
+            </a:r>
+          </a:p>
+        </p:txBody>
+      </p:sp>
+      <p:pic>
+        <p:nvPicPr>
+          <p:cNvPr id="5" name="Marcador de contenido 4" descr="Diagrama, Esquemático&#10;&#10;Descripción generada automáticamente">
+            <a:extLst>
+              <a:ext uri="{FF2B5EF4-FFF2-40B4-BE49-F238E27FC236}">
+                <a16:creationId xmlns:a16="http://schemas.microsoft.com/office/drawing/2014/main" id="{F184E10D-B10E-4C30-9D0F-D599279C91CD}"/>
+              </a:ext>
+            </a:extLst>
+          </p:cNvPr>
+          <p:cNvPicPr>
+            <a:picLocks noGrp="1" noChangeAspect="1"/>
+          </p:cNvPicPr>
+          <p:nvPr>
+            <p:ph idx="1"/>
+          </p:nvPr>
+        </p:nvPicPr>
+        <p:blipFill>
+          <a:blip r:embed="rId2"/>
+          <a:stretch>
+            <a:fillRect/>
+          </a:stretch>
+        </p:blipFill>
+        <p:spPr>
+          <a:xfrm>
+            <a:off x="0" y="1243673"/>
+            <a:ext cx="11302453" cy="3201718"/>
+          </a:xfrm>
+        </p:spPr>
+      </p:pic>
+      <p:sp>
+        <p:nvSpPr>
+          <p:cNvPr id="6" name="CuadroTexto 5">
+            <a:extLst>
+              <a:ext uri="{FF2B5EF4-FFF2-40B4-BE49-F238E27FC236}">
+                <a16:creationId xmlns:a16="http://schemas.microsoft.com/office/drawing/2014/main" id="{D6E9FA55-16C1-41DF-9104-EB603DAE4E9B}"/>
+              </a:ext>
+            </a:extLst>
+          </p:cNvPr>
+          <p:cNvSpPr txBox="1"/>
+          <p:nvPr/>
+        </p:nvSpPr>
+        <p:spPr>
+          <a:xfrm>
+            <a:off x="1026942" y="4598664"/>
+            <a:ext cx="9706707" cy="2308324"/>
+          </a:xfrm>
+          <a:prstGeom prst="rect">
+            <a:avLst/>
+          </a:prstGeom>
+          <a:noFill/>
+        </p:spPr>
+        <p:txBody>
+          <a:bodyPr wrap="square" rtlCol="0">
+            <a:spAutoFit/>
+          </a:bodyPr>
+          <a:lstStyle/>
+          <a:p>
+            <a:r>
+              <a:rPr lang="es-MX" dirty="0"/>
+              <a:t>a)Sí</a:t>
+            </a:r>
+          </a:p>
+          <a:p>
+            <a:r>
+              <a:rPr lang="es-MX" dirty="0"/>
+              <a:t>b)I2=3 A</a:t>
+            </a:r>
+          </a:p>
+          <a:p>
+            <a:r>
+              <a:rPr lang="es-MX" dirty="0"/>
+              <a:t>c)Sí porque ambas sumas reciben la misma cantidad de corriente</a:t>
+            </a:r>
+          </a:p>
+          <a:p>
+            <a:r>
+              <a:rPr lang="es-MX" dirty="0"/>
+              <a:t>d)V2=4V</a:t>
+            </a:r>
+          </a:p>
+          <a:p>
+            <a:r>
+              <a:rPr lang="es-MX" dirty="0"/>
+              <a:t>e)2 </a:t>
+            </a:r>
+            <a:r>
+              <a:rPr lang="es-MX" dirty="0" err="1"/>
+              <a:t>Ohms</a:t>
+            </a:r>
+            <a:endParaRPr lang="es-MX" dirty="0"/>
+          </a:p>
+          <a:p>
+            <a:r>
+              <a:rPr lang="es-MX" dirty="0"/>
+              <a:t>f)5 A</a:t>
+            </a:r>
+          </a:p>
+          <a:p>
+            <a:r>
+              <a:rPr lang="es-MX" dirty="0"/>
+              <a:t>g)PE=50W, Pr1=6V*6V/3=12W, Pr2=6V*6V/2=18W</a:t>
+            </a:r>
+          </a:p>
+          <a:p>
+            <a:r>
+              <a:rPr lang="es-MX" dirty="0" err="1"/>
+              <a:t>PrE</a:t>
+            </a:r>
+            <a:r>
+              <a:rPr lang="es-MX" dirty="0"/>
+              <a:t>=30W</a:t>
+            </a:r>
+          </a:p>
+        </p:txBody>
+      </p:sp>
+      <p:grpSp>
+        <p:nvGrpSpPr>
+          <p:cNvPr id="14" name="Grupo 13">
+            <a:extLst>
+              <a:ext uri="{FF2B5EF4-FFF2-40B4-BE49-F238E27FC236}">
+                <a16:creationId xmlns:a16="http://schemas.microsoft.com/office/drawing/2014/main" id="{99DF72DF-633E-4760-8CB0-184B881DD038}"/>
+              </a:ext>
+            </a:extLst>
+          </p:cNvPr>
+          <p:cNvGrpSpPr/>
+          <p:nvPr/>
+        </p:nvGrpSpPr>
+        <p:grpSpPr>
+          <a:xfrm>
+            <a:off x="7063169" y="2368466"/>
+            <a:ext cx="345600" cy="236520"/>
+            <a:chOff x="7063169" y="2368466"/>
+            <a:chExt cx="345600" cy="236520"/>
+          </a:xfrm>
+        </p:grpSpPr>
+        <mc:AlternateContent xmlns:mc="http://schemas.openxmlformats.org/markup-compatibility/2006" xmlns:p14="http://schemas.microsoft.com/office/powerpoint/2010/main">
+          <mc:Choice Requires="p14">
+            <p:contentPart p14:bwMode="auto" r:id="rId3">
+              <p14:nvContentPartPr>
+                <p14:cNvPr id="7" name="Entrada de lápiz 6">
+                  <a:extLst>
+                    <a:ext uri="{FF2B5EF4-FFF2-40B4-BE49-F238E27FC236}">
+                      <a16:creationId xmlns:a16="http://schemas.microsoft.com/office/drawing/2014/main" id="{E7A04CC0-09A2-431E-8A79-5C600CFAD54D}"/>
+                    </a:ext>
+                  </a:extLst>
+                </p14:cNvPr>
+                <p14:cNvContentPartPr/>
+                <p14:nvPr/>
+              </p14:nvContentPartPr>
+              <p14:xfrm>
+                <a:off x="7063169" y="2388626"/>
+                <a:ext cx="60840" cy="49680"/>
+              </p14:xfrm>
+            </p:contentPart>
+          </mc:Choice>
+          <mc:Fallback xmlns="">
+            <p:pic>
+              <p:nvPicPr>
+                <p:cNvPr id="7" name="Entrada de lápiz 6">
+                  <a:extLst>
+                    <a:ext uri="{FF2B5EF4-FFF2-40B4-BE49-F238E27FC236}">
+                      <a16:creationId xmlns:a16="http://schemas.microsoft.com/office/drawing/2014/main" id="{E7A04CC0-09A2-431E-8A79-5C600CFAD54D}"/>
+                    </a:ext>
+                  </a:extLst>
+                </p:cNvPr>
+                <p:cNvPicPr/>
+                <p:nvPr/>
+              </p:nvPicPr>
+              <p:blipFill>
+                <a:blip r:embed="rId4"/>
+                <a:stretch>
+                  <a:fillRect/>
+                </a:stretch>
+              </p:blipFill>
+              <p:spPr>
+                <a:xfrm>
+                  <a:off x="7058849" y="2384306"/>
+                  <a:ext cx="69480" cy="58320"/>
+                </a:xfrm>
+                <a:prstGeom prst="rect">
+                  <a:avLst/>
+                </a:prstGeom>
+              </p:spPr>
+            </p:pic>
+          </mc:Fallback>
+        </mc:AlternateContent>
+        <mc:AlternateContent xmlns:mc="http://schemas.openxmlformats.org/markup-compatibility/2006" xmlns:p14="http://schemas.microsoft.com/office/powerpoint/2010/main">
+          <mc:Choice Requires="p14">
+            <p:contentPart p14:bwMode="auto" r:id="rId5">
+              <p14:nvContentPartPr>
+                <p14:cNvPr id="8" name="Entrada de lápiz 7">
+                  <a:extLst>
+                    <a:ext uri="{FF2B5EF4-FFF2-40B4-BE49-F238E27FC236}">
+                      <a16:creationId xmlns:a16="http://schemas.microsoft.com/office/drawing/2014/main" id="{44DDF58D-ACF3-45BC-9452-F4C73E3B28EC}"/>
+                    </a:ext>
+                  </a:extLst>
+                </p14:cNvPr>
+                <p14:cNvContentPartPr/>
+                <p14:nvPr/>
+              </p14:nvContentPartPr>
+              <p14:xfrm>
+                <a:off x="7129409" y="2385026"/>
+                <a:ext cx="360" cy="184320"/>
+              </p14:xfrm>
+            </p:contentPart>
+          </mc:Choice>
+          <mc:Fallback xmlns="">
+            <p:pic>
+              <p:nvPicPr>
+                <p:cNvPr id="8" name="Entrada de lápiz 7">
+                  <a:extLst>
+                    <a:ext uri="{FF2B5EF4-FFF2-40B4-BE49-F238E27FC236}">
+                      <a16:creationId xmlns:a16="http://schemas.microsoft.com/office/drawing/2014/main" id="{44DDF58D-ACF3-45BC-9452-F4C73E3B28EC}"/>
+                    </a:ext>
+                  </a:extLst>
+                </p:cNvPr>
+                <p:cNvPicPr/>
+                <p:nvPr/>
+              </p:nvPicPr>
+              <p:blipFill>
+                <a:blip r:embed="rId6"/>
+                <a:stretch>
+                  <a:fillRect/>
+                </a:stretch>
+              </p:blipFill>
+              <p:spPr>
+                <a:xfrm>
+                  <a:off x="7125089" y="2380706"/>
+                  <a:ext cx="9000" cy="192960"/>
+                </a:xfrm>
+                <a:prstGeom prst="rect">
+                  <a:avLst/>
+                </a:prstGeom>
+              </p:spPr>
+            </p:pic>
+          </mc:Fallback>
+        </mc:AlternateContent>
+        <mc:AlternateContent xmlns:mc="http://schemas.openxmlformats.org/markup-compatibility/2006" xmlns:p14="http://schemas.microsoft.com/office/powerpoint/2010/main">
+          <mc:Choice Requires="p14">
+            <p:contentPart p14:bwMode="auto" r:id="rId7">
+              <p14:nvContentPartPr>
+                <p14:cNvPr id="9" name="Entrada de lápiz 8">
+                  <a:extLst>
+                    <a:ext uri="{FF2B5EF4-FFF2-40B4-BE49-F238E27FC236}">
+                      <a16:creationId xmlns:a16="http://schemas.microsoft.com/office/drawing/2014/main" id="{0DFB2583-947B-4626-832C-12EF0EF812A8}"/>
+                    </a:ext>
+                  </a:extLst>
+                </p14:cNvPr>
+                <p14:cNvContentPartPr/>
+                <p14:nvPr/>
+              </p14:nvContentPartPr>
+              <p14:xfrm>
+                <a:off x="7208969" y="2583746"/>
+                <a:ext cx="360" cy="360"/>
+              </p14:xfrm>
+            </p:contentPart>
+          </mc:Choice>
+          <mc:Fallback xmlns="">
+            <p:pic>
+              <p:nvPicPr>
+                <p:cNvPr id="9" name="Entrada de lápiz 8">
+                  <a:extLst>
+                    <a:ext uri="{FF2B5EF4-FFF2-40B4-BE49-F238E27FC236}">
+                      <a16:creationId xmlns:a16="http://schemas.microsoft.com/office/drawing/2014/main" id="{0DFB2583-947B-4626-832C-12EF0EF812A8}"/>
+                    </a:ext>
+                  </a:extLst>
+                </p:cNvPr>
+                <p:cNvPicPr/>
+                <p:nvPr/>
+              </p:nvPicPr>
+              <p:blipFill>
+                <a:blip r:embed="rId8"/>
+                <a:stretch>
+                  <a:fillRect/>
+                </a:stretch>
+              </p:blipFill>
+              <p:spPr>
+                <a:xfrm>
+                  <a:off x="7204649" y="2579426"/>
+                  <a:ext cx="9000" cy="9000"/>
+                </a:xfrm>
+                <a:prstGeom prst="rect">
+                  <a:avLst/>
+                </a:prstGeom>
+              </p:spPr>
+            </p:pic>
+          </mc:Fallback>
+        </mc:AlternateContent>
+        <mc:AlternateContent xmlns:mc="http://schemas.openxmlformats.org/markup-compatibility/2006" xmlns:p14="http://schemas.microsoft.com/office/powerpoint/2010/main">
+          <mc:Choice Requires="p14">
+            <p:contentPart p14:bwMode="auto" r:id="rId9">
+              <p14:nvContentPartPr>
+                <p14:cNvPr id="11" name="Entrada de lápiz 10">
+                  <a:extLst>
+                    <a:ext uri="{FF2B5EF4-FFF2-40B4-BE49-F238E27FC236}">
+                      <a16:creationId xmlns:a16="http://schemas.microsoft.com/office/drawing/2014/main" id="{2CD4FC0A-9109-463D-84CA-6C8549D16604}"/>
+                    </a:ext>
+                  </a:extLst>
+                </p14:cNvPr>
+                <p14:cNvContentPartPr/>
+                <p14:nvPr/>
+              </p14:nvContentPartPr>
+              <p14:xfrm>
+                <a:off x="7174409" y="2510306"/>
+                <a:ext cx="29880" cy="34200"/>
+              </p14:xfrm>
+            </p:contentPart>
+          </mc:Choice>
+          <mc:Fallback xmlns="">
+            <p:pic>
+              <p:nvPicPr>
+                <p:cNvPr id="11" name="Entrada de lápiz 10">
+                  <a:extLst>
+                    <a:ext uri="{FF2B5EF4-FFF2-40B4-BE49-F238E27FC236}">
+                      <a16:creationId xmlns:a16="http://schemas.microsoft.com/office/drawing/2014/main" id="{2CD4FC0A-9109-463D-84CA-6C8549D16604}"/>
+                    </a:ext>
+                  </a:extLst>
+                </p:cNvPr>
+                <p:cNvPicPr/>
+                <p:nvPr/>
+              </p:nvPicPr>
+              <p:blipFill>
+                <a:blip r:embed="rId10"/>
+                <a:stretch>
+                  <a:fillRect/>
+                </a:stretch>
+              </p:blipFill>
+              <p:spPr>
+                <a:xfrm>
+                  <a:off x="7170089" y="2505986"/>
+                  <a:ext cx="38520" cy="42840"/>
+                </a:xfrm>
+                <a:prstGeom prst="rect">
+                  <a:avLst/>
+                </a:prstGeom>
+              </p:spPr>
+            </p:pic>
+          </mc:Fallback>
+        </mc:AlternateContent>
+        <mc:AlternateContent xmlns:mc="http://schemas.openxmlformats.org/markup-compatibility/2006" xmlns:p14="http://schemas.microsoft.com/office/powerpoint/2010/main">
+          <mc:Choice Requires="p14">
+            <p:contentPart p14:bwMode="auto" r:id="rId11">
+              <p14:nvContentPartPr>
+                <p14:cNvPr id="13" name="Entrada de lápiz 12">
+                  <a:extLst>
+                    <a:ext uri="{FF2B5EF4-FFF2-40B4-BE49-F238E27FC236}">
+                      <a16:creationId xmlns:a16="http://schemas.microsoft.com/office/drawing/2014/main" id="{D19A6E1C-C812-4898-A7F8-1AB13460DD84}"/>
+                    </a:ext>
+                  </a:extLst>
+                </p14:cNvPr>
+                <p14:cNvContentPartPr/>
+                <p14:nvPr/>
+              </p14:nvContentPartPr>
+              <p14:xfrm>
+                <a:off x="7248209" y="2368466"/>
+                <a:ext cx="160560" cy="236520"/>
+              </p14:xfrm>
+            </p:contentPart>
+          </mc:Choice>
+          <mc:Fallback xmlns="">
+            <p:pic>
+              <p:nvPicPr>
+                <p:cNvPr id="13" name="Entrada de lápiz 12">
+                  <a:extLst>
+                    <a:ext uri="{FF2B5EF4-FFF2-40B4-BE49-F238E27FC236}">
+                      <a16:creationId xmlns:a16="http://schemas.microsoft.com/office/drawing/2014/main" id="{D19A6E1C-C812-4898-A7F8-1AB13460DD84}"/>
+                    </a:ext>
+                  </a:extLst>
+                </p:cNvPr>
+                <p:cNvPicPr/>
+                <p:nvPr/>
+              </p:nvPicPr>
+              <p:blipFill>
+                <a:blip r:embed="rId12"/>
+                <a:stretch>
+                  <a:fillRect/>
+                </a:stretch>
+              </p:blipFill>
+              <p:spPr>
+                <a:xfrm>
+                  <a:off x="7243889" y="2364146"/>
+                  <a:ext cx="169200" cy="245160"/>
+                </a:xfrm>
+                <a:prstGeom prst="rect">
+                  <a:avLst/>
+                </a:prstGeom>
+              </p:spPr>
+            </p:pic>
+          </mc:Fallback>
+        </mc:AlternateContent>
+      </p:grpSp>
+      <mc:AlternateContent xmlns:mc="http://schemas.openxmlformats.org/markup-compatibility/2006" xmlns:p14="http://schemas.microsoft.com/office/powerpoint/2010/main">
+        <mc:Choice Requires="p14">
+          <p:contentPart p14:bwMode="auto" r:id="rId13">
+            <p14:nvContentPartPr>
+              <p14:cNvPr id="15" name="Entrada de lápiz 14">
+                <a:extLst>
+                  <a:ext uri="{FF2B5EF4-FFF2-40B4-BE49-F238E27FC236}">
+                    <a16:creationId xmlns:a16="http://schemas.microsoft.com/office/drawing/2014/main" id="{2B0C71D9-5C92-4BED-92B6-015222D0C65D}"/>
+                  </a:ext>
+                </a:extLst>
+              </p14:cNvPr>
+              <p14:cNvContentPartPr/>
+              <p14:nvPr/>
+            </p14:nvContentPartPr>
+            <p14:xfrm>
+              <a:off x="7473929" y="2435426"/>
+              <a:ext cx="194760" cy="149760"/>
+            </p14:xfrm>
+          </p:contentPart>
+        </mc:Choice>
+        <mc:Fallback xmlns="">
+          <p:pic>
+            <p:nvPicPr>
+              <p:cNvPr id="15" name="Entrada de lápiz 14">
+                <a:extLst>
+                  <a:ext uri="{FF2B5EF4-FFF2-40B4-BE49-F238E27FC236}">
+                    <a16:creationId xmlns:a16="http://schemas.microsoft.com/office/drawing/2014/main" id="{2B0C71D9-5C92-4BED-92B6-015222D0C65D}"/>
+                  </a:ext>
+                </a:extLst>
+              </p:cNvPr>
+              <p:cNvPicPr/>
+              <p:nvPr/>
+            </p:nvPicPr>
+            <p:blipFill>
+              <a:blip r:embed="rId14"/>
+              <a:stretch>
+                <a:fillRect/>
+              </a:stretch>
+            </p:blipFill>
+            <p:spPr>
+              <a:xfrm>
+                <a:off x="7469609" y="2431106"/>
+                <a:ext cx="203400" cy="158400"/>
+              </a:xfrm>
+              <a:prstGeom prst="rect">
+                <a:avLst/>
+              </a:prstGeom>
+            </p:spPr>
+          </p:pic>
+        </mc:Fallback>
+      </mc:AlternateContent>
+      <p:grpSp>
+        <p:nvGrpSpPr>
+          <p:cNvPr id="21" name="Grupo 20">
+            <a:extLst>
+              <a:ext uri="{FF2B5EF4-FFF2-40B4-BE49-F238E27FC236}">
+                <a16:creationId xmlns:a16="http://schemas.microsoft.com/office/drawing/2014/main" id="{7A89926A-EEA1-4F56-88B7-3BCC66706CD3}"/>
+              </a:ext>
+            </a:extLst>
+          </p:cNvPr>
+          <p:cNvGrpSpPr/>
+          <p:nvPr/>
+        </p:nvGrpSpPr>
+        <p:grpSpPr>
+          <a:xfrm>
+            <a:off x="9380489" y="2292146"/>
+            <a:ext cx="255960" cy="227520"/>
+            <a:chOff x="9380489" y="2292146"/>
+            <a:chExt cx="255960" cy="227520"/>
+          </a:xfrm>
+        </p:grpSpPr>
+        <mc:AlternateContent xmlns:mc="http://schemas.openxmlformats.org/markup-compatibility/2006" xmlns:p14="http://schemas.microsoft.com/office/powerpoint/2010/main">
+          <mc:Choice Requires="p14">
+            <p:contentPart p14:bwMode="auto" r:id="rId15">
+              <p14:nvContentPartPr>
+                <p14:cNvPr id="16" name="Entrada de lápiz 15">
+                  <a:extLst>
+                    <a:ext uri="{FF2B5EF4-FFF2-40B4-BE49-F238E27FC236}">
+                      <a16:creationId xmlns:a16="http://schemas.microsoft.com/office/drawing/2014/main" id="{5BC7C20C-DC0C-4EE1-BE95-826F363F5282}"/>
+                    </a:ext>
+                  </a:extLst>
+                </p14:cNvPr>
+                <p14:cNvContentPartPr/>
+                <p14:nvPr/>
+              </p14:nvContentPartPr>
+              <p14:xfrm>
+                <a:off x="9380489" y="2307266"/>
+                <a:ext cx="84600" cy="168840"/>
+              </p14:xfrm>
+            </p:contentPart>
+          </mc:Choice>
+          <mc:Fallback xmlns="">
+            <p:pic>
+              <p:nvPicPr>
+                <p:cNvPr id="16" name="Entrada de lápiz 15">
+                  <a:extLst>
+                    <a:ext uri="{FF2B5EF4-FFF2-40B4-BE49-F238E27FC236}">
+                      <a16:creationId xmlns:a16="http://schemas.microsoft.com/office/drawing/2014/main" id="{5BC7C20C-DC0C-4EE1-BE95-826F363F5282}"/>
+                    </a:ext>
+                  </a:extLst>
+                </p:cNvPr>
+                <p:cNvPicPr/>
+                <p:nvPr/>
+              </p:nvPicPr>
+              <p:blipFill>
+                <a:blip r:embed="rId16"/>
+                <a:stretch>
+                  <a:fillRect/>
+                </a:stretch>
+              </p:blipFill>
+              <p:spPr>
+                <a:xfrm>
+                  <a:off x="9376169" y="2302946"/>
+                  <a:ext cx="93240" cy="177480"/>
+                </a:xfrm>
+                <a:prstGeom prst="rect">
+                  <a:avLst/>
+                </a:prstGeom>
+              </p:spPr>
+            </p:pic>
+          </mc:Fallback>
+        </mc:AlternateContent>
+        <mc:AlternateContent xmlns:mc="http://schemas.openxmlformats.org/markup-compatibility/2006" xmlns:p14="http://schemas.microsoft.com/office/powerpoint/2010/main">
+          <mc:Choice Requires="p14">
+            <p:contentPart p14:bwMode="auto" r:id="rId17">
+              <p14:nvContentPartPr>
+                <p14:cNvPr id="17" name="Entrada de lápiz 16">
+                  <a:extLst>
+                    <a:ext uri="{FF2B5EF4-FFF2-40B4-BE49-F238E27FC236}">
+                      <a16:creationId xmlns:a16="http://schemas.microsoft.com/office/drawing/2014/main" id="{437AD800-2660-4742-A914-F51FAA440667}"/>
+                    </a:ext>
+                  </a:extLst>
+                </p14:cNvPr>
+                <p14:cNvContentPartPr/>
+                <p14:nvPr/>
+              </p14:nvContentPartPr>
+              <p14:xfrm>
+                <a:off x="9498569" y="2433626"/>
+                <a:ext cx="3240" cy="44280"/>
+              </p14:xfrm>
+            </p:contentPart>
+          </mc:Choice>
+          <mc:Fallback xmlns="">
+            <p:pic>
+              <p:nvPicPr>
+                <p:cNvPr id="17" name="Entrada de lápiz 16">
+                  <a:extLst>
+                    <a:ext uri="{FF2B5EF4-FFF2-40B4-BE49-F238E27FC236}">
+                      <a16:creationId xmlns:a16="http://schemas.microsoft.com/office/drawing/2014/main" id="{437AD800-2660-4742-A914-F51FAA440667}"/>
+                    </a:ext>
+                  </a:extLst>
+                </p:cNvPr>
+                <p:cNvPicPr/>
+                <p:nvPr/>
+              </p:nvPicPr>
+              <p:blipFill>
+                <a:blip r:embed="rId18"/>
+                <a:stretch>
+                  <a:fillRect/>
+                </a:stretch>
+              </p:blipFill>
+              <p:spPr>
+                <a:xfrm>
+                  <a:off x="9494249" y="2429306"/>
+                  <a:ext cx="11880" cy="52920"/>
+                </a:xfrm>
+                <a:prstGeom prst="rect">
+                  <a:avLst/>
+                </a:prstGeom>
+              </p:spPr>
+            </p:pic>
+          </mc:Fallback>
+        </mc:AlternateContent>
+        <mc:AlternateContent xmlns:mc="http://schemas.openxmlformats.org/markup-compatibility/2006" xmlns:p14="http://schemas.microsoft.com/office/powerpoint/2010/main">
+          <mc:Choice Requires="p14">
+            <p:contentPart p14:bwMode="auto" r:id="rId19">
+              <p14:nvContentPartPr>
+                <p14:cNvPr id="19" name="Entrada de lápiz 18">
+                  <a:extLst>
+                    <a:ext uri="{FF2B5EF4-FFF2-40B4-BE49-F238E27FC236}">
+                      <a16:creationId xmlns:a16="http://schemas.microsoft.com/office/drawing/2014/main" id="{1D67BC57-3B49-4E0C-8503-BE2522FB0BFE}"/>
+                    </a:ext>
+                  </a:extLst>
+                </p14:cNvPr>
+                <p14:cNvContentPartPr/>
+                <p14:nvPr/>
+              </p14:nvContentPartPr>
+              <p14:xfrm>
+                <a:off x="9538889" y="2292146"/>
+                <a:ext cx="97560" cy="227520"/>
+              </p14:xfrm>
+            </p:contentPart>
+          </mc:Choice>
+          <mc:Fallback xmlns="">
+            <p:pic>
+              <p:nvPicPr>
+                <p:cNvPr id="19" name="Entrada de lápiz 18">
+                  <a:extLst>
+                    <a:ext uri="{FF2B5EF4-FFF2-40B4-BE49-F238E27FC236}">
+                      <a16:creationId xmlns:a16="http://schemas.microsoft.com/office/drawing/2014/main" id="{1D67BC57-3B49-4E0C-8503-BE2522FB0BFE}"/>
+                    </a:ext>
+                  </a:extLst>
+                </p:cNvPr>
+                <p:cNvPicPr/>
+                <p:nvPr/>
+              </p:nvPicPr>
+              <p:blipFill>
+                <a:blip r:embed="rId20"/>
+                <a:stretch>
+                  <a:fillRect/>
+                </a:stretch>
+              </p:blipFill>
+              <p:spPr>
+                <a:xfrm>
+                  <a:off x="9534569" y="2287826"/>
+                  <a:ext cx="106200" cy="236160"/>
+                </a:xfrm>
+                <a:prstGeom prst="rect">
+                  <a:avLst/>
+                </a:prstGeom>
+              </p:spPr>
+            </p:pic>
+          </mc:Fallback>
+        </mc:AlternateContent>
+      </p:grpSp>
+      <mc:AlternateContent xmlns:mc="http://schemas.openxmlformats.org/markup-compatibility/2006" xmlns:p14="http://schemas.microsoft.com/office/powerpoint/2010/main">
+        <mc:Choice Requires="p14">
+          <p:contentPart p14:bwMode="auto" r:id="rId21">
+            <p14:nvContentPartPr>
+              <p14:cNvPr id="20" name="Entrada de lápiz 19">
+                <a:extLst>
+                  <a:ext uri="{FF2B5EF4-FFF2-40B4-BE49-F238E27FC236}">
+                    <a16:creationId xmlns:a16="http://schemas.microsoft.com/office/drawing/2014/main" id="{29975C87-D683-485D-9972-F40B8DADE2CF}"/>
+                  </a:ext>
+                </a:extLst>
+              </p14:cNvPr>
+              <p14:cNvContentPartPr/>
+              <p14:nvPr/>
+            </p14:nvContentPartPr>
+            <p14:xfrm>
+              <a:off x="9700169" y="2316266"/>
+              <a:ext cx="248040" cy="161640"/>
+            </p14:xfrm>
+          </p:contentPart>
+        </mc:Choice>
+        <mc:Fallback xmlns="">
+          <p:pic>
+            <p:nvPicPr>
+              <p:cNvPr id="20" name="Entrada de lápiz 19">
+                <a:extLst>
+                  <a:ext uri="{FF2B5EF4-FFF2-40B4-BE49-F238E27FC236}">
+                    <a16:creationId xmlns:a16="http://schemas.microsoft.com/office/drawing/2014/main" id="{29975C87-D683-485D-9972-F40B8DADE2CF}"/>
+                  </a:ext>
+                </a:extLst>
+              </p:cNvPr>
+              <p:cNvPicPr/>
+              <p:nvPr/>
+            </p:nvPicPr>
+            <p:blipFill>
+              <a:blip r:embed="rId22"/>
+              <a:stretch>
+                <a:fillRect/>
+              </a:stretch>
+            </p:blipFill>
+            <p:spPr>
+              <a:xfrm>
+                <a:off x="9695849" y="2311946"/>
+                <a:ext cx="256680" cy="170280"/>
+              </a:xfrm>
+              <a:prstGeom prst="rect">
+                <a:avLst/>
+              </a:prstGeom>
+            </p:spPr>
+          </p:pic>
+        </mc:Fallback>
+      </mc:AlternateContent>
+      <mc:AlternateContent xmlns:mc="http://schemas.openxmlformats.org/markup-compatibility/2006" xmlns:p14="http://schemas.microsoft.com/office/powerpoint/2010/main">
+        <mc:Choice Requires="p14">
+          <p:contentPart p14:bwMode="auto" r:id="rId23">
+            <p14:nvContentPartPr>
+              <p14:cNvPr id="23" name="Entrada de lápiz 22">
+                <a:extLst>
+                  <a:ext uri="{FF2B5EF4-FFF2-40B4-BE49-F238E27FC236}">
+                    <a16:creationId xmlns:a16="http://schemas.microsoft.com/office/drawing/2014/main" id="{F361E6EC-ED09-434B-8F3D-954038B345C7}"/>
+                  </a:ext>
+                </a:extLst>
+              </p14:cNvPr>
+              <p14:cNvContentPartPr/>
+              <p14:nvPr/>
+            </p14:nvContentPartPr>
+            <p14:xfrm>
+              <a:off x="7394009" y="3152186"/>
+              <a:ext cx="160560" cy="188280"/>
+            </p14:xfrm>
+          </p:contentPart>
+        </mc:Choice>
+        <mc:Fallback xmlns="">
+          <p:pic>
+            <p:nvPicPr>
+              <p:cNvPr id="23" name="Entrada de lápiz 22">
+                <a:extLst>
+                  <a:ext uri="{FF2B5EF4-FFF2-40B4-BE49-F238E27FC236}">
+                    <a16:creationId xmlns:a16="http://schemas.microsoft.com/office/drawing/2014/main" id="{F361E6EC-ED09-434B-8F3D-954038B345C7}"/>
+                  </a:ext>
+                </a:extLst>
+              </p:cNvPr>
+              <p:cNvPicPr/>
+              <p:nvPr/>
+            </p:nvPicPr>
+            <p:blipFill>
+              <a:blip r:embed="rId24"/>
+              <a:stretch>
+                <a:fillRect/>
+              </a:stretch>
+            </p:blipFill>
+            <p:spPr>
+              <a:xfrm>
+                <a:off x="7389689" y="3147866"/>
+                <a:ext cx="169200" cy="196920"/>
+              </a:xfrm>
+              <a:prstGeom prst="rect">
+                <a:avLst/>
+              </a:prstGeom>
+            </p:spPr>
+          </p:pic>
+        </mc:Fallback>
+      </mc:AlternateContent>
+      <mc:AlternateContent xmlns:mc="http://schemas.openxmlformats.org/markup-compatibility/2006" xmlns:p14="http://schemas.microsoft.com/office/powerpoint/2010/main">
+        <mc:Choice Requires="p14">
+          <p:contentPart p14:bwMode="auto" r:id="rId25">
+            <p14:nvContentPartPr>
+              <p14:cNvPr id="24" name="Entrada de lápiz 23">
+                <a:extLst>
+                  <a:ext uri="{FF2B5EF4-FFF2-40B4-BE49-F238E27FC236}">
+                    <a16:creationId xmlns:a16="http://schemas.microsoft.com/office/drawing/2014/main" id="{CF4E8C20-FD03-40A4-AC14-A48737E2207D}"/>
+                  </a:ext>
+                </a:extLst>
+              </p14:cNvPr>
+              <p14:cNvContentPartPr/>
+              <p14:nvPr/>
+            </p14:nvContentPartPr>
+            <p14:xfrm>
+              <a:off x="7566449" y="3139226"/>
+              <a:ext cx="182160" cy="176400"/>
+            </p14:xfrm>
+          </p:contentPart>
+        </mc:Choice>
+        <mc:Fallback xmlns="">
+          <p:pic>
+            <p:nvPicPr>
+              <p:cNvPr id="24" name="Entrada de lápiz 23">
+                <a:extLst>
+                  <a:ext uri="{FF2B5EF4-FFF2-40B4-BE49-F238E27FC236}">
+                    <a16:creationId xmlns:a16="http://schemas.microsoft.com/office/drawing/2014/main" id="{CF4E8C20-FD03-40A4-AC14-A48737E2207D}"/>
+                  </a:ext>
+                </a:extLst>
+              </p:cNvPr>
+              <p:cNvPicPr/>
+              <p:nvPr/>
+            </p:nvPicPr>
+            <p:blipFill>
+              <a:blip r:embed="rId26"/>
+              <a:stretch>
+                <a:fillRect/>
+              </a:stretch>
+            </p:blipFill>
+            <p:spPr>
+              <a:xfrm>
+                <a:off x="7562129" y="3134906"/>
+                <a:ext cx="190800" cy="185040"/>
+              </a:xfrm>
+              <a:prstGeom prst="rect">
+                <a:avLst/>
+              </a:prstGeom>
+            </p:spPr>
+          </p:pic>
+        </mc:Fallback>
+      </mc:AlternateContent>
+      <mc:AlternateContent xmlns:mc="http://schemas.openxmlformats.org/markup-compatibility/2006" xmlns:p14="http://schemas.microsoft.com/office/powerpoint/2010/main">
+        <mc:Choice Requires="p14">
+          <p:contentPart p14:bwMode="auto" r:id="rId27">
+            <p14:nvContentPartPr>
+              <p14:cNvPr id="25" name="Entrada de lápiz 24">
+                <a:extLst>
+                  <a:ext uri="{FF2B5EF4-FFF2-40B4-BE49-F238E27FC236}">
+                    <a16:creationId xmlns:a16="http://schemas.microsoft.com/office/drawing/2014/main" id="{6E937E13-7B68-41C0-BB1A-D40B3F56027C}"/>
+                  </a:ext>
+                </a:extLst>
+              </p14:cNvPr>
+              <p14:cNvContentPartPr/>
+              <p14:nvPr/>
+            </p14:nvContentPartPr>
+            <p14:xfrm>
+              <a:off x="7356569" y="1880666"/>
+              <a:ext cx="159480" cy="175680"/>
+            </p14:xfrm>
+          </p:contentPart>
+        </mc:Choice>
+        <mc:Fallback xmlns="">
+          <p:pic>
+            <p:nvPicPr>
+              <p:cNvPr id="25" name="Entrada de lápiz 24">
+                <a:extLst>
+                  <a:ext uri="{FF2B5EF4-FFF2-40B4-BE49-F238E27FC236}">
+                    <a16:creationId xmlns:a16="http://schemas.microsoft.com/office/drawing/2014/main" id="{6E937E13-7B68-41C0-BB1A-D40B3F56027C}"/>
+                  </a:ext>
+                </a:extLst>
+              </p:cNvPr>
+              <p:cNvPicPr/>
+              <p:nvPr/>
+            </p:nvPicPr>
+            <p:blipFill>
+              <a:blip r:embed="rId28"/>
+              <a:stretch>
+                <a:fillRect/>
+              </a:stretch>
+            </p:blipFill>
+            <p:spPr>
+              <a:xfrm>
+                <a:off x="7352249" y="1876346"/>
+                <a:ext cx="168120" cy="184320"/>
+              </a:xfrm>
+              <a:prstGeom prst="rect">
+                <a:avLst/>
+              </a:prstGeom>
+            </p:spPr>
+          </p:pic>
+        </mc:Fallback>
+      </mc:AlternateContent>
+      <mc:AlternateContent xmlns:mc="http://schemas.openxmlformats.org/markup-compatibility/2006" xmlns:p14="http://schemas.microsoft.com/office/powerpoint/2010/main">
+        <mc:Choice Requires="p14">
+          <p:contentPart p14:bwMode="auto" r:id="rId29">
+            <p14:nvContentPartPr>
+              <p14:cNvPr id="26" name="Entrada de lápiz 25">
+                <a:extLst>
+                  <a:ext uri="{FF2B5EF4-FFF2-40B4-BE49-F238E27FC236}">
+                    <a16:creationId xmlns:a16="http://schemas.microsoft.com/office/drawing/2014/main" id="{9E699BFF-ABA7-437B-8E05-4E359A9B32B0}"/>
+                  </a:ext>
+                </a:extLst>
+              </p14:cNvPr>
+              <p14:cNvContentPartPr/>
+              <p14:nvPr/>
+            </p14:nvContentPartPr>
+            <p14:xfrm>
+              <a:off x="7553489" y="1816586"/>
+              <a:ext cx="262440" cy="210960"/>
+            </p14:xfrm>
+          </p:contentPart>
+        </mc:Choice>
+        <mc:Fallback xmlns="">
+          <p:pic>
+            <p:nvPicPr>
+              <p:cNvPr id="26" name="Entrada de lápiz 25">
+                <a:extLst>
+                  <a:ext uri="{FF2B5EF4-FFF2-40B4-BE49-F238E27FC236}">
+                    <a16:creationId xmlns:a16="http://schemas.microsoft.com/office/drawing/2014/main" id="{9E699BFF-ABA7-437B-8E05-4E359A9B32B0}"/>
+                  </a:ext>
+                </a:extLst>
+              </p:cNvPr>
+              <p:cNvPicPr/>
+              <p:nvPr/>
+            </p:nvPicPr>
+            <p:blipFill>
+              <a:blip r:embed="rId30"/>
+              <a:stretch>
+                <a:fillRect/>
+              </a:stretch>
+            </p:blipFill>
+            <p:spPr>
+              <a:xfrm>
+                <a:off x="7549169" y="1812266"/>
+                <a:ext cx="271080" cy="219600"/>
+              </a:xfrm>
+              <a:prstGeom prst="rect">
+                <a:avLst/>
+              </a:prstGeom>
+            </p:spPr>
+          </p:pic>
+        </mc:Fallback>
+      </mc:AlternateContent>
+    </p:spTree>
+    <p:extLst>
+      <p:ext uri="{BB962C8B-B14F-4D97-AF65-F5344CB8AC3E}">
+        <p14:creationId xmlns:p14="http://schemas.microsoft.com/office/powerpoint/2010/main" val="2954881122"/>
+      </p:ext>
+    </p:extLst>
+  </p:cSld>
+  <p:clrMapOvr>
+    <a:masterClrMapping/>
+  </p:clrMapOvr>
+</p:sld>
+</file>
+
+<file path=ppt/slides/slide13.xml><?xml version="1.0" encoding="utf-8"?>
+<p:sld xmlns:a="http://schemas.openxmlformats.org/drawingml/2006/main" xmlns:r="http://schemas.openxmlformats.org/officeDocument/2006/relationships" xmlns:p="http://schemas.openxmlformats.org/presentationml/2006/main">
+  <p:cSld>
+    <p:spTree>
+      <p:nvGrpSpPr>
+        <p:cNvPr id="1" name=""/>
+        <p:cNvGrpSpPr/>
+        <p:nvPr/>
+      </p:nvGrpSpPr>
+      <p:grpSpPr>
+        <a:xfrm>
+          <a:off x="0" y="0"/>
+          <a:ext cx="0" cy="0"/>
+          <a:chOff x="0" y="0"/>
+          <a:chExt cx="0" cy="0"/>
+        </a:xfrm>
+      </p:grpSpPr>
+      <p:sp>
+        <p:nvSpPr>
+          <p:cNvPr id="2" name="Título 1">
+            <a:extLst>
+              <a:ext uri="{FF2B5EF4-FFF2-40B4-BE49-F238E27FC236}">
+                <a16:creationId xmlns:a16="http://schemas.microsoft.com/office/drawing/2014/main" id="{74D48476-11AE-4919-AEDA-65CCFB94E778}"/>
+              </a:ext>
+            </a:extLst>
+          </p:cNvPr>
+          <p:cNvSpPr>
+            <a:spLocks noGrp="1"/>
+          </p:cNvSpPr>
+          <p:nvPr>
+            <p:ph type="title"/>
+          </p:nvPr>
+        </p:nvSpPr>
+        <p:spPr/>
+        <p:txBody>
+          <a:bodyPr/>
+          <a:lstStyle/>
+          <a:p>
+            <a:r>
+              <a:rPr lang="es-MX" dirty="0"/>
+              <a:t>Ejercicio 5</a:t>
+            </a:r>
+          </a:p>
+        </p:txBody>
+      </p:sp>
+      <p:pic>
+        <p:nvPicPr>
+          <p:cNvPr id="5" name="Marcador de contenido 4" descr="Texto&#10;&#10;Descripción generada automáticamente">
+            <a:extLst>
+              <a:ext uri="{FF2B5EF4-FFF2-40B4-BE49-F238E27FC236}">
+                <a16:creationId xmlns:a16="http://schemas.microsoft.com/office/drawing/2014/main" id="{90A34C7D-2871-4905-9D54-B58E91134BDA}"/>
+              </a:ext>
+            </a:extLst>
+          </p:cNvPr>
+          <p:cNvPicPr>
+            <a:picLocks noGrp="1" noChangeAspect="1"/>
+          </p:cNvPicPr>
+          <p:nvPr>
+            <p:ph idx="1"/>
+          </p:nvPr>
+        </p:nvPicPr>
+        <p:blipFill>
+          <a:blip r:embed="rId2"/>
+          <a:stretch>
+            <a:fillRect/>
+          </a:stretch>
+        </p:blipFill>
+        <p:spPr>
+          <a:xfrm>
+            <a:off x="1090975" y="262142"/>
+            <a:ext cx="3848128" cy="1623143"/>
+          </a:xfrm>
+        </p:spPr>
+      </p:pic>
+      <p:pic>
+        <p:nvPicPr>
+          <p:cNvPr id="7" name="Imagen 6" descr="Diagrama, Esquemático&#10;&#10;Descripción generada automáticamente">
+            <a:extLst>
+              <a:ext uri="{FF2B5EF4-FFF2-40B4-BE49-F238E27FC236}">
+                <a16:creationId xmlns:a16="http://schemas.microsoft.com/office/drawing/2014/main" id="{B1C4AA30-52F4-465D-B9CB-20EF593389FF}"/>
+              </a:ext>
+            </a:extLst>
+          </p:cNvPr>
+          <p:cNvPicPr>
+            <a:picLocks noChangeAspect="1"/>
+          </p:cNvPicPr>
+          <p:nvPr/>
+        </p:nvPicPr>
+        <p:blipFill>
+          <a:blip r:embed="rId3"/>
+          <a:stretch>
+            <a:fillRect/>
+          </a:stretch>
+        </p:blipFill>
+        <p:spPr>
+          <a:xfrm>
+            <a:off x="1090975" y="2246460"/>
+            <a:ext cx="4465764" cy="4265206"/>
+          </a:xfrm>
+          <a:prstGeom prst="rect">
+            <a:avLst/>
+          </a:prstGeom>
+        </p:spPr>
+      </p:pic>
+      <p:sp>
+        <p:nvSpPr>
+          <p:cNvPr id="8" name="CuadroTexto 7">
+            <a:extLst>
+              <a:ext uri="{FF2B5EF4-FFF2-40B4-BE49-F238E27FC236}">
+                <a16:creationId xmlns:a16="http://schemas.microsoft.com/office/drawing/2014/main" id="{2316E51F-5E86-488C-A793-42330045C887}"/>
+              </a:ext>
+            </a:extLst>
+          </p:cNvPr>
+          <p:cNvSpPr txBox="1"/>
+          <p:nvPr/>
+        </p:nvSpPr>
+        <p:spPr>
+          <a:xfrm>
+            <a:off x="6096000" y="1516741"/>
+            <a:ext cx="3982773" cy="3693319"/>
+          </a:xfrm>
+          <a:prstGeom prst="rect">
+            <a:avLst/>
+          </a:prstGeom>
+          <a:noFill/>
+        </p:spPr>
+        <p:txBody>
+          <a:bodyPr wrap="square" rtlCol="0">
+            <a:spAutoFit/>
+          </a:bodyPr>
+          <a:lstStyle/>
+          <a:p>
+            <a:r>
+              <a:rPr lang="es-MX" dirty="0"/>
+              <a:t>RT=4Ohms</a:t>
+            </a:r>
+          </a:p>
+          <a:p>
+            <a:endParaRPr lang="es-MX" dirty="0"/>
+          </a:p>
+          <a:p>
+            <a:r>
+              <a:rPr lang="es-MX" dirty="0"/>
+              <a:t>IT=36V/4Ohms = 9 A</a:t>
+            </a:r>
+          </a:p>
+          <a:p>
+            <a:endParaRPr lang="es-MX" dirty="0"/>
+          </a:p>
+          <a:p>
+            <a:r>
+              <a:rPr lang="es-MX" dirty="0"/>
+              <a:t>I1= 36V/6Ohms = 6 A</a:t>
+            </a:r>
+          </a:p>
+          <a:p>
+            <a:r>
+              <a:rPr lang="es-MX" dirty="0"/>
+              <a:t>I2= 36V/12Ohms = 3 A</a:t>
+            </a:r>
+          </a:p>
+          <a:p>
+            <a:endParaRPr lang="es-MX" dirty="0"/>
+          </a:p>
+          <a:p>
+            <a:r>
+              <a:rPr lang="es-MX" dirty="0"/>
+              <a:t>I1+I2=IT</a:t>
+            </a:r>
+          </a:p>
+          <a:p>
+            <a:endParaRPr lang="es-MX" dirty="0"/>
+          </a:p>
+          <a:p>
+            <a:r>
+              <a:rPr lang="es-MX" dirty="0"/>
+              <a:t>Va= Voltaje entre tierra y R4 = 6V</a:t>
+            </a:r>
+          </a:p>
+          <a:p>
+            <a:endParaRPr lang="es-MX" dirty="0"/>
+          </a:p>
+          <a:p>
+            <a:r>
+              <a:rPr lang="es-MX" dirty="0"/>
+              <a:t>Si me dan un solo punto, tomar en cuenta la tierra.</a:t>
+            </a:r>
+          </a:p>
+        </p:txBody>
+      </p:sp>
+    </p:spTree>
+    <p:extLst>
+      <p:ext uri="{BB962C8B-B14F-4D97-AF65-F5344CB8AC3E}">
+        <p14:creationId xmlns:p14="http://schemas.microsoft.com/office/powerpoint/2010/main" val="531654676"/>
+      </p:ext>
+    </p:extLst>
+  </p:cSld>
+  <p:clrMapOvr>
+    <a:masterClrMapping/>
+  </p:clrMapOvr>
+</p:sld>
+</file>
+
+<file path=ppt/slides/slide14.xml><?xml version="1.0" encoding="utf-8"?>
+<p:sld xmlns:a="http://schemas.openxmlformats.org/drawingml/2006/main" xmlns:r="http://schemas.openxmlformats.org/officeDocument/2006/relationships" xmlns:p="http://schemas.openxmlformats.org/presentationml/2006/main">
+  <p:cSld>
+    <p:spTree>
+      <p:nvGrpSpPr>
+        <p:cNvPr id="1" name=""/>
+        <p:cNvGrpSpPr/>
+        <p:nvPr/>
+      </p:nvGrpSpPr>
+      <p:grpSpPr>
+        <a:xfrm>
+          <a:off x="0" y="0"/>
+          <a:ext cx="0" cy="0"/>
+          <a:chOff x="0" y="0"/>
+          <a:chExt cx="0" cy="0"/>
+        </a:xfrm>
+      </p:grpSpPr>
+      <p:sp>
+        <p:nvSpPr>
+          <p:cNvPr id="2" name="Título 1">
+            <a:extLst>
+              <a:ext uri="{FF2B5EF4-FFF2-40B4-BE49-F238E27FC236}">
                 <a16:creationId xmlns:a16="http://schemas.microsoft.com/office/drawing/2014/main" id="{4FBFDD7E-CBBF-4536-9FB6-CDAA5FDB78B6}"/>
               </a:ext>
             </a:extLst>
@@ -11340,8 +12857,8 @@
             <a:chExt cx="140040" cy="227880"/>
           </a:xfrm>
         </p:grpSpPr>
-        <mc:AlternateContent xmlns:mc="http://schemas.openxmlformats.org/markup-compatibility/2006">
-          <mc:Choice xmlns:p14="http://schemas.microsoft.com/office/powerpoint/2010/main" xmlns:aink="http://schemas.microsoft.com/office/drawing/2016/ink" Requires="p14 aink">
+        <mc:AlternateContent xmlns:mc="http://schemas.openxmlformats.org/markup-compatibility/2006" xmlns:p14="http://schemas.microsoft.com/office/powerpoint/2010/main" xmlns:aink="http://schemas.microsoft.com/office/drawing/2016/ink">
+          <mc:Choice Requires="p14 aink">
             <p:contentPart p14:bwMode="auto" r:id="rId3">
               <p14:nvContentPartPr>
                 <p14:cNvPr id="8" name="Entrada de lápiz 7">
@@ -11360,7 +12877,7 @@
               </p14:xfrm>
             </p:contentPart>
           </mc:Choice>
-          <mc:Fallback>
+          <mc:Fallback xmlns="">
             <p:pic>
               <p:nvPicPr>
                 <p:cNvPr id="8" name="Entrada de lápiz 7">
@@ -11391,8 +12908,8 @@
             </p:pic>
           </mc:Fallback>
         </mc:AlternateContent>
-        <mc:AlternateContent xmlns:mc="http://schemas.openxmlformats.org/markup-compatibility/2006">
-          <mc:Choice xmlns:p14="http://schemas.microsoft.com/office/powerpoint/2010/main" xmlns:aink="http://schemas.microsoft.com/office/drawing/2016/ink" Requires="p14 aink">
+        <mc:AlternateContent xmlns:mc="http://schemas.openxmlformats.org/markup-compatibility/2006" xmlns:p14="http://schemas.microsoft.com/office/powerpoint/2010/main" xmlns:aink="http://schemas.microsoft.com/office/drawing/2016/ink">
+          <mc:Choice Requires="p14 aink">
             <p:contentPart p14:bwMode="auto" r:id="rId5">
               <p14:nvContentPartPr>
                 <p14:cNvPr id="9" name="Entrada de lápiz 8">
@@ -11411,7 +12928,7 @@
               </p14:xfrm>
             </p:contentPart>
           </mc:Choice>
-          <mc:Fallback>
+          <mc:Fallback xmlns="">
             <p:pic>
               <p:nvPicPr>
                 <p:cNvPr id="9" name="Entrada de lápiz 8">
@@ -11442,8 +12959,8 @@
             </p:pic>
           </mc:Fallback>
         </mc:AlternateContent>
-        <mc:AlternateContent xmlns:mc="http://schemas.openxmlformats.org/markup-compatibility/2006">
-          <mc:Choice xmlns:p14="http://schemas.microsoft.com/office/powerpoint/2010/main" xmlns:aink="http://schemas.microsoft.com/office/drawing/2016/ink" Requires="p14 aink">
+        <mc:AlternateContent xmlns:mc="http://schemas.openxmlformats.org/markup-compatibility/2006" xmlns:p14="http://schemas.microsoft.com/office/powerpoint/2010/main" xmlns:aink="http://schemas.microsoft.com/office/drawing/2016/ink">
+          <mc:Choice Requires="p14 aink">
             <p:contentPart p14:bwMode="auto" r:id="rId7">
               <p14:nvContentPartPr>
                 <p14:cNvPr id="10" name="Entrada de lápiz 9">
@@ -11462,7 +12979,7 @@
               </p14:xfrm>
             </p:contentPart>
           </mc:Choice>
-          <mc:Fallback>
+          <mc:Fallback xmlns="">
             <p:pic>
               <p:nvPicPr>
                 <p:cNvPr id="10" name="Entrada de lápiz 9">
@@ -11514,8 +13031,8 @@
             <a:chExt cx="119160" cy="229680"/>
           </a:xfrm>
         </p:grpSpPr>
-        <mc:AlternateContent xmlns:mc="http://schemas.openxmlformats.org/markup-compatibility/2006">
-          <mc:Choice xmlns:p14="http://schemas.microsoft.com/office/powerpoint/2010/main" xmlns:aink="http://schemas.microsoft.com/office/drawing/2016/ink" Requires="p14 aink">
+        <mc:AlternateContent xmlns:mc="http://schemas.openxmlformats.org/markup-compatibility/2006" xmlns:p14="http://schemas.microsoft.com/office/powerpoint/2010/main" xmlns:aink="http://schemas.microsoft.com/office/drawing/2016/ink">
+          <mc:Choice Requires="p14 aink">
             <p:contentPart p14:bwMode="auto" r:id="rId9">
               <p14:nvContentPartPr>
                 <p14:cNvPr id="11" name="Entrada de lápiz 10">
@@ -11534,7 +13051,7 @@
               </p14:xfrm>
             </p:contentPart>
           </mc:Choice>
-          <mc:Fallback>
+          <mc:Fallback xmlns="">
             <p:pic>
               <p:nvPicPr>
                 <p:cNvPr id="11" name="Entrada de lápiz 10">
@@ -11565,8 +13082,8 @@
             </p:pic>
           </mc:Fallback>
         </mc:AlternateContent>
-        <mc:AlternateContent xmlns:mc="http://schemas.openxmlformats.org/markup-compatibility/2006">
-          <mc:Choice xmlns:p14="http://schemas.microsoft.com/office/powerpoint/2010/main" xmlns:aink="http://schemas.microsoft.com/office/drawing/2016/ink" Requires="p14 aink">
+        <mc:AlternateContent xmlns:mc="http://schemas.openxmlformats.org/markup-compatibility/2006" xmlns:p14="http://schemas.microsoft.com/office/powerpoint/2010/main" xmlns:aink="http://schemas.microsoft.com/office/drawing/2016/ink">
+          <mc:Choice Requires="p14 aink">
             <p:contentPart p14:bwMode="auto" r:id="rId11">
               <p14:nvContentPartPr>
                 <p14:cNvPr id="12" name="Entrada de lápiz 11">
@@ -11585,7 +13102,7 @@
               </p14:xfrm>
             </p:contentPart>
           </mc:Choice>
-          <mc:Fallback>
+          <mc:Fallback xmlns="">
             <p:pic>
               <p:nvPicPr>
                 <p:cNvPr id="12" name="Entrada de lápiz 11">
@@ -11616,8 +13133,8 @@
             </p:pic>
           </mc:Fallback>
         </mc:AlternateContent>
-        <mc:AlternateContent xmlns:mc="http://schemas.openxmlformats.org/markup-compatibility/2006">
-          <mc:Choice xmlns:p14="http://schemas.microsoft.com/office/powerpoint/2010/main" xmlns:aink="http://schemas.microsoft.com/office/drawing/2016/ink" Requires="p14 aink">
+        <mc:AlternateContent xmlns:mc="http://schemas.openxmlformats.org/markup-compatibility/2006" xmlns:p14="http://schemas.microsoft.com/office/powerpoint/2010/main" xmlns:aink="http://schemas.microsoft.com/office/drawing/2016/ink">
+          <mc:Choice Requires="p14 aink">
             <p:contentPart p14:bwMode="auto" r:id="rId13">
               <p14:nvContentPartPr>
                 <p14:cNvPr id="13" name="Entrada de lápiz 12">
@@ -11636,7 +13153,7 @@
               </p14:xfrm>
             </p:contentPart>
           </mc:Choice>
-          <mc:Fallback>
+          <mc:Fallback xmlns="">
             <p:pic>
               <p:nvPicPr>
                 <p:cNvPr id="13" name="Entrada de lápiz 12">
@@ -11688,8 +13205,8 @@
             <a:chExt cx="216720" cy="308160"/>
           </a:xfrm>
         </p:grpSpPr>
-        <mc:AlternateContent xmlns:mc="http://schemas.openxmlformats.org/markup-compatibility/2006">
-          <mc:Choice xmlns:p14="http://schemas.microsoft.com/office/powerpoint/2010/main" xmlns:aink="http://schemas.microsoft.com/office/drawing/2016/ink" Requires="p14 aink">
+        <mc:AlternateContent xmlns:mc="http://schemas.openxmlformats.org/markup-compatibility/2006" xmlns:p14="http://schemas.microsoft.com/office/powerpoint/2010/main" xmlns:aink="http://schemas.microsoft.com/office/drawing/2016/ink">
+          <mc:Choice Requires="p14 aink">
             <p:contentPart p14:bwMode="auto" r:id="rId15">
               <p14:nvContentPartPr>
                 <p14:cNvPr id="14" name="Entrada de lápiz 13">
@@ -11708,7 +13225,7 @@
               </p14:xfrm>
             </p:contentPart>
           </mc:Choice>
-          <mc:Fallback>
+          <mc:Fallback xmlns="">
             <p:pic>
               <p:nvPicPr>
                 <p:cNvPr id="14" name="Entrada de lápiz 13">
@@ -11739,8 +13256,8 @@
             </p:pic>
           </mc:Fallback>
         </mc:AlternateContent>
-        <mc:AlternateContent xmlns:mc="http://schemas.openxmlformats.org/markup-compatibility/2006">
-          <mc:Choice xmlns:p14="http://schemas.microsoft.com/office/powerpoint/2010/main" xmlns:aink="http://schemas.microsoft.com/office/drawing/2016/ink" Requires="p14 aink">
+        <mc:AlternateContent xmlns:mc="http://schemas.openxmlformats.org/markup-compatibility/2006" xmlns:p14="http://schemas.microsoft.com/office/powerpoint/2010/main" xmlns:aink="http://schemas.microsoft.com/office/drawing/2016/ink">
+          <mc:Choice Requires="p14 aink">
             <p:contentPart p14:bwMode="auto" r:id="rId17">
               <p14:nvContentPartPr>
                 <p14:cNvPr id="15" name="Entrada de lápiz 14">
@@ -11759,7 +13276,7 @@
               </p14:xfrm>
             </p:contentPart>
           </mc:Choice>
-          <mc:Fallback>
+          <mc:Fallback xmlns="">
             <p:pic>
               <p:nvPicPr>
                 <p:cNvPr id="15" name="Entrada de lápiz 14">
@@ -11790,8 +13307,8 @@
             </p:pic>
           </mc:Fallback>
         </mc:AlternateContent>
-        <mc:AlternateContent xmlns:mc="http://schemas.openxmlformats.org/markup-compatibility/2006">
-          <mc:Choice xmlns:p14="http://schemas.microsoft.com/office/powerpoint/2010/main" xmlns:aink="http://schemas.microsoft.com/office/drawing/2016/ink" Requires="p14 aink">
+        <mc:AlternateContent xmlns:mc="http://schemas.openxmlformats.org/markup-compatibility/2006" xmlns:p14="http://schemas.microsoft.com/office/powerpoint/2010/main" xmlns:aink="http://schemas.microsoft.com/office/drawing/2016/ink">
+          <mc:Choice Requires="p14 aink">
             <p:contentPart p14:bwMode="auto" r:id="rId19">
               <p14:nvContentPartPr>
                 <p14:cNvPr id="16" name="Entrada de lápiz 15">
@@ -11810,7 +13327,7 @@
               </p14:xfrm>
             </p:contentPart>
           </mc:Choice>
-          <mc:Fallback>
+          <mc:Fallback xmlns="">
             <p:pic>
               <p:nvPicPr>
                 <p:cNvPr id="16" name="Entrada de lápiz 15">
@@ -11841,8 +13358,8 @@
             </p:pic>
           </mc:Fallback>
         </mc:AlternateContent>
-        <mc:AlternateContent xmlns:mc="http://schemas.openxmlformats.org/markup-compatibility/2006">
-          <mc:Choice xmlns:p14="http://schemas.microsoft.com/office/powerpoint/2010/main" xmlns:aink="http://schemas.microsoft.com/office/drawing/2016/ink" Requires="p14 aink">
+        <mc:AlternateContent xmlns:mc="http://schemas.openxmlformats.org/markup-compatibility/2006" xmlns:p14="http://schemas.microsoft.com/office/powerpoint/2010/main" xmlns:aink="http://schemas.microsoft.com/office/drawing/2016/ink">
+          <mc:Choice Requires="p14 aink">
             <p:contentPart p14:bwMode="auto" r:id="rId21">
               <p14:nvContentPartPr>
                 <p14:cNvPr id="17" name="Entrada de lápiz 16">
@@ -11861,7 +13378,7 @@
               </p14:xfrm>
             </p:contentPart>
           </mc:Choice>
-          <mc:Fallback>
+          <mc:Fallback xmlns="">
             <p:pic>
               <p:nvPicPr>
                 <p:cNvPr id="17" name="Entrada de lápiz 16">
@@ -11906,7 +13423,7 @@
 </p:sld>
 </file>
 
-<file path=ppt/slides/slide13.xml><?xml version="1.0" encoding="utf-8"?>
+<file path=ppt/slides/slide15.xml><?xml version="1.0" encoding="utf-8"?>
 <p:sld xmlns:a="http://schemas.openxmlformats.org/drawingml/2006/main" xmlns:r="http://schemas.openxmlformats.org/officeDocument/2006/relationships" xmlns:p="http://schemas.openxmlformats.org/presentationml/2006/main">
   <p:cSld>
     <p:spTree>
@@ -12177,7 +13694,7 @@
 </p:sld>
 </file>
 
-<file path=ppt/slides/slide14.xml><?xml version="1.0" encoding="utf-8"?>
+<file path=ppt/slides/slide16.xml><?xml version="1.0" encoding="utf-8"?>
 <p:sld xmlns:a="http://schemas.openxmlformats.org/drawingml/2006/main" xmlns:r="http://schemas.openxmlformats.org/officeDocument/2006/relationships" xmlns:p="http://schemas.openxmlformats.org/presentationml/2006/main">
   <p:cSld>
     <p:spTree>
@@ -12199,7 +13716,7 @@
           <p:cNvPr id="2" name="Título 1">
             <a:extLst>
               <a:ext uri="{FF2B5EF4-FFF2-40B4-BE49-F238E27FC236}">
-                <a16:creationId xmlns:a16="http://schemas.microsoft.com/office/drawing/2014/main" id="{51C83406-E944-473F-BC8F-EB6B1D2347D5}"/>
+                <a16:creationId xmlns:a16="http://schemas.microsoft.com/office/drawing/2014/main" id="{03D4BE01-E0A7-4102-8137-1761151954B6}"/>
               </a:ext>
             </a:extLst>
           </p:cNvPr>
@@ -12217,69 +13734,26 @@
           <a:p>
             <a:r>
               <a:rPr lang="es-MX" dirty="0"/>
-              <a:t>Ejercicio 17</a:t>
-            </a:r>
-          </a:p>
-        </p:txBody>
-      </p:sp>
-      <p:sp>
-        <p:nvSpPr>
-          <p:cNvPr id="3" name="Marcador de contenido 2">
-            <a:extLst>
-              <a:ext uri="{FF2B5EF4-FFF2-40B4-BE49-F238E27FC236}">
-                <a16:creationId xmlns:a16="http://schemas.microsoft.com/office/drawing/2014/main" id="{D85D15F3-B685-4406-819E-9D4D4DB3E921}"/>
-              </a:ext>
-            </a:extLst>
-          </p:cNvPr>
-          <p:cNvSpPr>
-            <a:spLocks noGrp="1"/>
-          </p:cNvSpPr>
-          <p:nvPr>
-            <p:ph idx="1"/>
-          </p:nvPr>
-        </p:nvSpPr>
-        <p:spPr>
-          <a:xfrm>
-            <a:off x="5372099" y="2052116"/>
-            <a:ext cx="6096001" cy="3997828"/>
-          </a:xfrm>
-        </p:spPr>
-        <p:txBody>
-          <a:bodyPr/>
-          <a:lstStyle/>
-          <a:p>
-            <a:r>
-              <a:rPr lang="es-MX" dirty="0"/>
-              <a:t>V= 24 v </a:t>
-            </a:r>
-          </a:p>
-          <a:p>
-            <a:r>
-              <a:rPr lang="es-MX" dirty="0"/>
-              <a:t>Vr3=24-8=16V</a:t>
-            </a:r>
-          </a:p>
-          <a:p>
-            <a:r>
-              <a:rPr lang="es-MX" dirty="0"/>
-              <a:t>I=16V/4Kohm=4mA</a:t>
+              <a:t>Ejercicio 9</a:t>
             </a:r>
           </a:p>
         </p:txBody>
       </p:sp>
       <p:pic>
         <p:nvPicPr>
-          <p:cNvPr id="5" name="Imagen 4">
+          <p:cNvPr id="5" name="Marcador de contenido 4" descr="Diagrama, Esquemático&#10;&#10;Descripción generada automáticamente">
             <a:extLst>
               <a:ext uri="{FF2B5EF4-FFF2-40B4-BE49-F238E27FC236}">
-                <a16:creationId xmlns:a16="http://schemas.microsoft.com/office/drawing/2014/main" id="{4A30A1D7-31A3-4690-AD00-15712733E4DC}"/>
+                <a16:creationId xmlns:a16="http://schemas.microsoft.com/office/drawing/2014/main" id="{01614497-A2E4-460F-81EF-79C8563D22F1}"/>
               </a:ext>
             </a:extLst>
           </p:cNvPr>
           <p:cNvPicPr>
-            <a:picLocks noChangeAspect="1"/>
+            <a:picLocks noGrp="1" noChangeAspect="1"/>
           </p:cNvPicPr>
-          <p:nvPr/>
+          <p:nvPr>
+            <p:ph idx="1"/>
+          </p:nvPr>
         </p:nvPicPr>
         <p:blipFill>
           <a:blip r:embed="rId2"/>
@@ -12289,519 +13763,210 @@
         </p:blipFill>
         <p:spPr>
           <a:xfrm>
-            <a:off x="423569" y="1346670"/>
-            <a:ext cx="4821560" cy="4482630"/>
+            <a:off x="180843" y="3118180"/>
+            <a:ext cx="5466788" cy="2575973"/>
+          </a:xfrm>
+        </p:spPr>
+      </p:pic>
+      <p:pic>
+        <p:nvPicPr>
+          <p:cNvPr id="7" name="Imagen 6" descr="Texto&#10;&#10;Descripción generada automáticamente">
+            <a:extLst>
+              <a:ext uri="{FF2B5EF4-FFF2-40B4-BE49-F238E27FC236}">
+                <a16:creationId xmlns:a16="http://schemas.microsoft.com/office/drawing/2014/main" id="{2C471584-3787-43DC-BB16-0BB85BE7A006}"/>
+              </a:ext>
+            </a:extLst>
+          </p:cNvPr>
+          <p:cNvPicPr>
+            <a:picLocks noChangeAspect="1"/>
+          </p:cNvPicPr>
+          <p:nvPr/>
+        </p:nvPicPr>
+        <p:blipFill rotWithShape="1">
+          <a:blip r:embed="rId3"/>
+          <a:srcRect l="4923"/>
+          <a:stretch/>
+        </p:blipFill>
+        <p:spPr>
+          <a:xfrm>
+            <a:off x="180843" y="396659"/>
+            <a:ext cx="5347856" cy="2620944"/>
           </a:xfrm>
           <a:prstGeom prst="rect">
             <a:avLst/>
           </a:prstGeom>
         </p:spPr>
       </p:pic>
-      <mc:AlternateContent xmlns:mc="http://schemas.openxmlformats.org/markup-compatibility/2006">
-        <mc:Choice xmlns:p14="http://schemas.microsoft.com/office/powerpoint/2010/main" xmlns:aink="http://schemas.microsoft.com/office/drawing/2016/ink" Requires="p14 aink">
-          <p:contentPart p14:bwMode="auto" r:id="rId3">
-            <p14:nvContentPartPr>
-              <p14:cNvPr id="6" name="Entrada de lápiz 5">
-                <a:extLst>
-                  <a:ext uri="{FF2B5EF4-FFF2-40B4-BE49-F238E27FC236}">
-                    <a16:creationId xmlns:a16="http://schemas.microsoft.com/office/drawing/2014/main" id="{26F8F4C7-74AC-4254-A124-701C1999D634}"/>
-                  </a:ext>
-                </a:extLst>
-              </p14:cNvPr>
-              <p14:cNvContentPartPr/>
-              <p14:nvPr/>
-            </p14:nvContentPartPr>
-            <p14:xfrm>
-              <a:off x="2581020" y="4362045"/>
-              <a:ext cx="360" cy="360"/>
-            </p14:xfrm>
-          </p:contentPart>
-        </mc:Choice>
-        <mc:Fallback>
-          <p:pic>
-            <p:nvPicPr>
-              <p:cNvPr id="6" name="Entrada de lápiz 5">
-                <a:extLst>
-                  <a:ext uri="{FF2B5EF4-FFF2-40B4-BE49-F238E27FC236}">
-                    <a16:creationId xmlns:a16="http://schemas.microsoft.com/office/drawing/2014/main" id="{26F8F4C7-74AC-4254-A124-701C1999D634}"/>
-                  </a:ext>
-                </a:extLst>
-              </p:cNvPr>
-              <p:cNvPicPr/>
-              <p:nvPr/>
-            </p:nvPicPr>
-            <p:blipFill>
-              <a:blip r:embed="rId4"/>
-              <a:stretch>
-                <a:fillRect/>
-              </a:stretch>
-            </p:blipFill>
-            <p:spPr>
-              <a:xfrm>
-                <a:off x="2563020" y="4344045"/>
-                <a:ext cx="36000" cy="36000"/>
-              </a:xfrm>
-              <a:prstGeom prst="rect">
-                <a:avLst/>
-              </a:prstGeom>
-            </p:spPr>
-          </p:pic>
-        </mc:Fallback>
-      </mc:AlternateContent>
-      <mc:AlternateContent xmlns:mc="http://schemas.openxmlformats.org/markup-compatibility/2006">
-        <mc:Choice xmlns:p14="http://schemas.microsoft.com/office/powerpoint/2010/main" xmlns:aink="http://schemas.microsoft.com/office/drawing/2016/ink" Requires="p14 aink">
-          <p:contentPart p14:bwMode="auto" r:id="rId5">
-            <p14:nvContentPartPr>
-              <p14:cNvPr id="7" name="Entrada de lápiz 6">
-                <a:extLst>
-                  <a:ext uri="{FF2B5EF4-FFF2-40B4-BE49-F238E27FC236}">
-                    <a16:creationId xmlns:a16="http://schemas.microsoft.com/office/drawing/2014/main" id="{4AE616B6-3AF6-42EB-95A0-C5E3CEA62D6F}"/>
-                  </a:ext>
-                </a:extLst>
-              </p14:cNvPr>
-              <p14:cNvContentPartPr/>
-              <p14:nvPr/>
-            </p14:nvContentPartPr>
-            <p14:xfrm>
-              <a:off x="1285740" y="3705045"/>
-              <a:ext cx="345960" cy="360"/>
-            </p14:xfrm>
-          </p:contentPart>
-        </mc:Choice>
-        <mc:Fallback>
-          <p:pic>
-            <p:nvPicPr>
-              <p:cNvPr id="7" name="Entrada de lápiz 6">
-                <a:extLst>
-                  <a:ext uri="{FF2B5EF4-FFF2-40B4-BE49-F238E27FC236}">
-                    <a16:creationId xmlns:a16="http://schemas.microsoft.com/office/drawing/2014/main" id="{4AE616B6-3AF6-42EB-95A0-C5E3CEA62D6F}"/>
-                  </a:ext>
-                </a:extLst>
-              </p:cNvPr>
-              <p:cNvPicPr/>
-              <p:nvPr/>
-            </p:nvPicPr>
-            <p:blipFill>
-              <a:blip r:embed="rId6"/>
-              <a:stretch>
-                <a:fillRect/>
-              </a:stretch>
-            </p:blipFill>
-            <p:spPr>
-              <a:xfrm>
-                <a:off x="1267740" y="3687045"/>
-                <a:ext cx="381600" cy="36000"/>
-              </a:xfrm>
-              <a:prstGeom prst="rect">
-                <a:avLst/>
-              </a:prstGeom>
-            </p:spPr>
-          </p:pic>
-        </mc:Fallback>
-      </mc:AlternateContent>
-      <p:grpSp>
-        <p:nvGrpSpPr>
-          <p:cNvPr id="14" name="Grupo 13">
+      <p:sp>
+        <p:nvSpPr>
+          <p:cNvPr id="8" name="CuadroTexto 7">
             <a:extLst>
               <a:ext uri="{FF2B5EF4-FFF2-40B4-BE49-F238E27FC236}">
-                <a16:creationId xmlns:a16="http://schemas.microsoft.com/office/drawing/2014/main" id="{5396AC3D-8149-472D-BA66-C2D19984EFD0}"/>
+                <a16:creationId xmlns:a16="http://schemas.microsoft.com/office/drawing/2014/main" id="{6053349E-D5F1-49E1-95B9-6D8AF7B0452A}"/>
               </a:ext>
             </a:extLst>
           </p:cNvPr>
-          <p:cNvGrpSpPr/>
+          <p:cNvSpPr txBox="1"/>
           <p:nvPr/>
-        </p:nvGrpSpPr>
-        <p:grpSpPr>
+        </p:nvSpPr>
+        <p:spPr>
           <a:xfrm>
-            <a:off x="1256940" y="3819165"/>
-            <a:ext cx="303480" cy="639000"/>
-            <a:chOff x="1256940" y="3819165"/>
-            <a:chExt cx="303480" cy="639000"/>
+            <a:off x="5767752" y="1525384"/>
+            <a:ext cx="5819336" cy="3970318"/>
           </a:xfrm>
-        </p:grpSpPr>
-        <mc:AlternateContent xmlns:mc="http://schemas.openxmlformats.org/markup-compatibility/2006">
-          <mc:Choice xmlns:p14="http://schemas.microsoft.com/office/powerpoint/2010/main" xmlns:aink="http://schemas.microsoft.com/office/drawing/2016/ink" Requires="p14 aink">
-            <p:contentPart p14:bwMode="auto" r:id="rId7">
-              <p14:nvContentPartPr>
-                <p14:cNvPr id="8" name="Entrada de lápiz 7">
-                  <a:extLst>
-                    <a:ext uri="{FF2B5EF4-FFF2-40B4-BE49-F238E27FC236}">
-                      <a16:creationId xmlns:a16="http://schemas.microsoft.com/office/drawing/2014/main" id="{3EBD3E90-69F3-4147-B640-30E2869F5899}"/>
-                    </a:ext>
-                  </a:extLst>
-                </p14:cNvPr>
-                <p14:cNvContentPartPr/>
-                <p14:nvPr/>
-              </p14:nvContentPartPr>
-              <p14:xfrm>
-                <a:off x="1390500" y="3819165"/>
-                <a:ext cx="169920" cy="360"/>
-              </p14:xfrm>
-            </p:contentPart>
-          </mc:Choice>
-          <mc:Fallback>
-            <p:pic>
-              <p:nvPicPr>
-                <p:cNvPr id="8" name="Entrada de lápiz 7">
-                  <a:extLst>
-                    <a:ext uri="{FF2B5EF4-FFF2-40B4-BE49-F238E27FC236}">
-                      <a16:creationId xmlns:a16="http://schemas.microsoft.com/office/drawing/2014/main" id="{3EBD3E90-69F3-4147-B640-30E2869F5899}"/>
-                    </a:ext>
-                  </a:extLst>
-                </p:cNvPr>
-                <p:cNvPicPr/>
-                <p:nvPr/>
-              </p:nvPicPr>
-              <p:blipFill>
-                <a:blip r:embed="rId8"/>
-                <a:stretch>
-                  <a:fillRect/>
-                </a:stretch>
-              </p:blipFill>
-              <p:spPr>
-                <a:xfrm>
-                  <a:off x="1372500" y="3801165"/>
-                  <a:ext cx="205560" cy="36000"/>
-                </a:xfrm>
-                <a:prstGeom prst="rect">
-                  <a:avLst/>
-                </a:prstGeom>
-              </p:spPr>
-            </p:pic>
-          </mc:Fallback>
-        </mc:AlternateContent>
-        <mc:AlternateContent xmlns:mc="http://schemas.openxmlformats.org/markup-compatibility/2006">
-          <mc:Choice xmlns:p14="http://schemas.microsoft.com/office/powerpoint/2010/main" xmlns:aink="http://schemas.microsoft.com/office/drawing/2016/ink" Requires="p14 aink">
-            <p:contentPart p14:bwMode="auto" r:id="rId9">
-              <p14:nvContentPartPr>
-                <p14:cNvPr id="9" name="Entrada de lápiz 8">
-                  <a:extLst>
-                    <a:ext uri="{FF2B5EF4-FFF2-40B4-BE49-F238E27FC236}">
-                      <a16:creationId xmlns:a16="http://schemas.microsoft.com/office/drawing/2014/main" id="{0600897C-C66D-401F-9E3D-AC7241144A04}"/>
-                    </a:ext>
-                  </a:extLst>
-                </p14:cNvPr>
-                <p14:cNvContentPartPr/>
-                <p14:nvPr/>
-              </p14:nvContentPartPr>
-              <p14:xfrm>
-                <a:off x="1380060" y="3838245"/>
-                <a:ext cx="85680" cy="551520"/>
-              </p14:xfrm>
-            </p:contentPart>
-          </mc:Choice>
-          <mc:Fallback>
-            <p:pic>
-              <p:nvPicPr>
-                <p:cNvPr id="9" name="Entrada de lápiz 8">
-                  <a:extLst>
-                    <a:ext uri="{FF2B5EF4-FFF2-40B4-BE49-F238E27FC236}">
-                      <a16:creationId xmlns:a16="http://schemas.microsoft.com/office/drawing/2014/main" id="{0600897C-C66D-401F-9E3D-AC7241144A04}"/>
-                    </a:ext>
-                  </a:extLst>
-                </p:cNvPr>
-                <p:cNvPicPr/>
-                <p:nvPr/>
-              </p:nvPicPr>
-              <p:blipFill>
-                <a:blip r:embed="rId10"/>
-                <a:stretch>
-                  <a:fillRect/>
-                </a:stretch>
-              </p:blipFill>
-              <p:spPr>
-                <a:xfrm>
-                  <a:off x="1362060" y="3820245"/>
-                  <a:ext cx="121320" cy="587160"/>
-                </a:xfrm>
-                <a:prstGeom prst="rect">
-                  <a:avLst/>
-                </a:prstGeom>
-              </p:spPr>
-            </p:pic>
-          </mc:Fallback>
-        </mc:AlternateContent>
-        <mc:AlternateContent xmlns:mc="http://schemas.openxmlformats.org/markup-compatibility/2006">
-          <mc:Choice xmlns:p14="http://schemas.microsoft.com/office/powerpoint/2010/main" xmlns:aink="http://schemas.microsoft.com/office/drawing/2016/ink" Requires="p14 aink">
-            <p:contentPart p14:bwMode="auto" r:id="rId11">
-              <p14:nvContentPartPr>
-                <p14:cNvPr id="10" name="Entrada de lápiz 9">
-                  <a:extLst>
-                    <a:ext uri="{FF2B5EF4-FFF2-40B4-BE49-F238E27FC236}">
-                      <a16:creationId xmlns:a16="http://schemas.microsoft.com/office/drawing/2014/main" id="{219C2CF1-24BC-471B-8C0C-469B5FCD9CA4}"/>
-                    </a:ext>
-                  </a:extLst>
-                </p14:cNvPr>
-                <p14:cNvContentPartPr/>
-                <p14:nvPr/>
-              </p14:nvContentPartPr>
-              <p14:xfrm>
-                <a:off x="1256940" y="4430805"/>
-                <a:ext cx="275040" cy="27360"/>
-              </p14:xfrm>
-            </p:contentPart>
-          </mc:Choice>
-          <mc:Fallback>
-            <p:pic>
-              <p:nvPicPr>
-                <p:cNvPr id="10" name="Entrada de lápiz 9">
-                  <a:extLst>
-                    <a:ext uri="{FF2B5EF4-FFF2-40B4-BE49-F238E27FC236}">
-                      <a16:creationId xmlns:a16="http://schemas.microsoft.com/office/drawing/2014/main" id="{219C2CF1-24BC-471B-8C0C-469B5FCD9CA4}"/>
-                    </a:ext>
-                  </a:extLst>
-                </p:cNvPr>
-                <p:cNvPicPr/>
-                <p:nvPr/>
-              </p:nvPicPr>
-              <p:blipFill>
-                <a:blip r:embed="rId12"/>
-                <a:stretch>
-                  <a:fillRect/>
-                </a:stretch>
-              </p:blipFill>
-              <p:spPr>
-                <a:xfrm>
-                  <a:off x="1238940" y="4412805"/>
-                  <a:ext cx="310680" cy="63000"/>
-                </a:xfrm>
-                <a:prstGeom prst="rect">
-                  <a:avLst/>
-                </a:prstGeom>
-              </p:spPr>
-            </p:pic>
-          </mc:Fallback>
-        </mc:AlternateContent>
-      </p:grpSp>
-      <p:grpSp>
-        <p:nvGrpSpPr>
-          <p:cNvPr id="13" name="Grupo 12">
-            <a:extLst>
-              <a:ext uri="{FF2B5EF4-FFF2-40B4-BE49-F238E27FC236}">
-                <a16:creationId xmlns:a16="http://schemas.microsoft.com/office/drawing/2014/main" id="{9FF24E76-3A67-4FC9-8C89-2329C8F41EC3}"/>
-              </a:ext>
-            </a:extLst>
-          </p:cNvPr>
-          <p:cNvGrpSpPr/>
-          <p:nvPr/>
-        </p:nvGrpSpPr>
-        <p:grpSpPr>
-          <a:xfrm>
-            <a:off x="1295100" y="4562205"/>
-            <a:ext cx="137520" cy="95760"/>
-            <a:chOff x="1295100" y="4562205"/>
-            <a:chExt cx="137520" cy="95760"/>
-          </a:xfrm>
-        </p:grpSpPr>
-        <mc:AlternateContent xmlns:mc="http://schemas.openxmlformats.org/markup-compatibility/2006">
-          <mc:Choice xmlns:p14="http://schemas.microsoft.com/office/powerpoint/2010/main" xmlns:aink="http://schemas.microsoft.com/office/drawing/2016/ink" Requires="p14 aink">
-            <p:contentPart p14:bwMode="auto" r:id="rId13">
-              <p14:nvContentPartPr>
-                <p14:cNvPr id="11" name="Entrada de lápiz 10">
-                  <a:extLst>
-                    <a:ext uri="{FF2B5EF4-FFF2-40B4-BE49-F238E27FC236}">
-                      <a16:creationId xmlns:a16="http://schemas.microsoft.com/office/drawing/2014/main" id="{997DB444-2CEC-47C0-A3EB-194787BC91BD}"/>
-                    </a:ext>
-                  </a:extLst>
-                </p14:cNvPr>
-                <p14:cNvContentPartPr/>
-                <p14:nvPr/>
-              </p14:nvContentPartPr>
-              <p14:xfrm>
-                <a:off x="1295100" y="4562205"/>
-                <a:ext cx="137520" cy="20160"/>
-              </p14:xfrm>
-            </p:contentPart>
-          </mc:Choice>
-          <mc:Fallback>
-            <p:pic>
-              <p:nvPicPr>
-                <p:cNvPr id="11" name="Entrada de lápiz 10">
-                  <a:extLst>
-                    <a:ext uri="{FF2B5EF4-FFF2-40B4-BE49-F238E27FC236}">
-                      <a16:creationId xmlns:a16="http://schemas.microsoft.com/office/drawing/2014/main" id="{997DB444-2CEC-47C0-A3EB-194787BC91BD}"/>
-                    </a:ext>
-                  </a:extLst>
-                </p:cNvPr>
-                <p:cNvPicPr/>
-                <p:nvPr/>
-              </p:nvPicPr>
-              <p:blipFill>
-                <a:blip r:embed="rId14"/>
-                <a:stretch>
-                  <a:fillRect/>
-                </a:stretch>
-              </p:blipFill>
-              <p:spPr>
-                <a:xfrm>
-                  <a:off x="1277100" y="4544205"/>
-                  <a:ext cx="173160" cy="55800"/>
-                </a:xfrm>
-                <a:prstGeom prst="rect">
-                  <a:avLst/>
-                </a:prstGeom>
-              </p:spPr>
-            </p:pic>
-          </mc:Fallback>
-        </mc:AlternateContent>
-        <mc:AlternateContent xmlns:mc="http://schemas.openxmlformats.org/markup-compatibility/2006">
-          <mc:Choice xmlns:p14="http://schemas.microsoft.com/office/powerpoint/2010/main" xmlns:aink="http://schemas.microsoft.com/office/drawing/2016/ink" Requires="p14 aink">
-            <p:contentPart p14:bwMode="auto" r:id="rId15">
-              <p14:nvContentPartPr>
-                <p14:cNvPr id="12" name="Entrada de lápiz 11">
-                  <a:extLst>
-                    <a:ext uri="{FF2B5EF4-FFF2-40B4-BE49-F238E27FC236}">
-                      <a16:creationId xmlns:a16="http://schemas.microsoft.com/office/drawing/2014/main" id="{0593749F-6207-4A74-9800-A0FCB998B21B}"/>
-                    </a:ext>
-                  </a:extLst>
-                </p14:cNvPr>
-                <p14:cNvContentPartPr/>
-                <p14:nvPr/>
-              </p14:nvContentPartPr>
-              <p14:xfrm>
-                <a:off x="1380780" y="4657605"/>
-                <a:ext cx="360" cy="360"/>
-              </p14:xfrm>
-            </p:contentPart>
-          </mc:Choice>
-          <mc:Fallback>
-            <p:pic>
-              <p:nvPicPr>
-                <p:cNvPr id="12" name="Entrada de lápiz 11">
-                  <a:extLst>
-                    <a:ext uri="{FF2B5EF4-FFF2-40B4-BE49-F238E27FC236}">
-                      <a16:creationId xmlns:a16="http://schemas.microsoft.com/office/drawing/2014/main" id="{0593749F-6207-4A74-9800-A0FCB998B21B}"/>
-                    </a:ext>
-                  </a:extLst>
-                </p:cNvPr>
-                <p:cNvPicPr/>
-                <p:nvPr/>
-              </p:nvPicPr>
-              <p:blipFill>
-                <a:blip r:embed="rId16"/>
-                <a:stretch>
-                  <a:fillRect/>
-                </a:stretch>
-              </p:blipFill>
-              <p:spPr>
-                <a:xfrm>
-                  <a:off x="1362780" y="4639605"/>
-                  <a:ext cx="36000" cy="36000"/>
-                </a:xfrm>
-                <a:prstGeom prst="rect">
-                  <a:avLst/>
-                </a:prstGeom>
-              </p:spPr>
-            </p:pic>
-          </mc:Fallback>
-        </mc:AlternateContent>
-      </p:grpSp>
-      <mc:AlternateContent xmlns:mc="http://schemas.openxmlformats.org/markup-compatibility/2006">
-        <mc:Choice xmlns:p14="http://schemas.microsoft.com/office/powerpoint/2010/main" xmlns:aink="http://schemas.microsoft.com/office/drawing/2016/ink" Requires="p14 aink">
-          <p:contentPart p14:bwMode="auto" r:id="rId17">
-            <p14:nvContentPartPr>
-              <p14:cNvPr id="15" name="Entrada de lápiz 14">
-                <a:extLst>
-                  <a:ext uri="{FF2B5EF4-FFF2-40B4-BE49-F238E27FC236}">
-                    <a16:creationId xmlns:a16="http://schemas.microsoft.com/office/drawing/2014/main" id="{C8EC6D88-7F1A-47C9-9F7E-8328D27C738C}"/>
-                  </a:ext>
-                </a:extLst>
-              </p14:cNvPr>
-              <p14:cNvContentPartPr/>
-              <p14:nvPr/>
-            </p14:nvContentPartPr>
-            <p14:xfrm>
-              <a:off x="1438020" y="3439365"/>
-              <a:ext cx="48960" cy="246600"/>
-            </p14:xfrm>
-          </p:contentPart>
-        </mc:Choice>
-        <mc:Fallback>
-          <p:pic>
-            <p:nvPicPr>
-              <p:cNvPr id="15" name="Entrada de lápiz 14">
-                <a:extLst>
-                  <a:ext uri="{FF2B5EF4-FFF2-40B4-BE49-F238E27FC236}">
-                    <a16:creationId xmlns:a16="http://schemas.microsoft.com/office/drawing/2014/main" id="{C8EC6D88-7F1A-47C9-9F7E-8328D27C738C}"/>
-                  </a:ext>
-                </a:extLst>
-              </p:cNvPr>
-              <p:cNvPicPr/>
-              <p:nvPr/>
-            </p:nvPicPr>
-            <p:blipFill>
-              <a:blip r:embed="rId18"/>
-              <a:stretch>
-                <a:fillRect/>
-              </a:stretch>
-            </p:blipFill>
-            <p:spPr>
-              <a:xfrm>
-                <a:off x="1420020" y="3421725"/>
-                <a:ext cx="84600" cy="282240"/>
-              </a:xfrm>
-              <a:prstGeom prst="rect">
-                <a:avLst/>
-              </a:prstGeom>
-            </p:spPr>
-          </p:pic>
-        </mc:Fallback>
-      </mc:AlternateContent>
-      <mc:AlternateContent xmlns:mc="http://schemas.openxmlformats.org/markup-compatibility/2006">
-        <mc:Choice xmlns:p14="http://schemas.microsoft.com/office/powerpoint/2010/main" Requires="p14">
-          <p:contentPart p14:bwMode="auto" r:id="rId19">
-            <p14:nvContentPartPr>
-              <p14:cNvPr id="16" name="Entrada de lápiz 15">
-                <a:extLst>
-                  <a:ext uri="{FF2B5EF4-FFF2-40B4-BE49-F238E27FC236}">
-                    <a16:creationId xmlns:a16="http://schemas.microsoft.com/office/drawing/2014/main" id="{9AB89512-0C94-4836-BD84-D87AD1978878}"/>
-                  </a:ext>
-                </a:extLst>
-              </p14:cNvPr>
-              <p14:cNvContentPartPr/>
-              <p14:nvPr/>
-            </p14:nvContentPartPr>
-            <p14:xfrm>
-              <a:off x="903420" y="1808565"/>
-              <a:ext cx="3887640" cy="3355200"/>
-            </p14:xfrm>
-          </p:contentPart>
-        </mc:Choice>
-        <mc:Fallback>
-          <p:pic>
-            <p:nvPicPr>
-              <p:cNvPr id="16" name="Entrada de lápiz 15">
-                <a:extLst>
-                  <a:ext uri="{FF2B5EF4-FFF2-40B4-BE49-F238E27FC236}">
-                    <a16:creationId xmlns:a16="http://schemas.microsoft.com/office/drawing/2014/main" id="{9AB89512-0C94-4836-BD84-D87AD1978878}"/>
-                  </a:ext>
-                </a:extLst>
-              </p:cNvPr>
-              <p:cNvPicPr/>
-              <p:nvPr/>
-            </p:nvPicPr>
-            <p:blipFill>
-              <a:blip r:embed="rId20"/>
-              <a:stretch>
-                <a:fillRect/>
-              </a:stretch>
-            </p:blipFill>
-            <p:spPr>
-              <a:xfrm>
-                <a:off x="894420" y="1799565"/>
-                <a:ext cx="3905280" cy="3372840"/>
-              </a:xfrm>
-              <a:prstGeom prst="rect">
-                <a:avLst/>
-              </a:prstGeom>
-            </p:spPr>
-          </p:pic>
-        </mc:Fallback>
-      </mc:AlternateContent>
+          <a:prstGeom prst="rect">
+            <a:avLst/>
+          </a:prstGeom>
+          <a:noFill/>
+        </p:spPr>
+        <p:txBody>
+          <a:bodyPr wrap="square" rtlCol="0">
+            <a:spAutoFit/>
+          </a:bodyPr>
+          <a:lstStyle/>
+          <a:p>
+            <a:pPr marL="342900" indent="-342900">
+              <a:buAutoNum type="alphaLcParenR"/>
+            </a:pPr>
+            <a:r>
+              <a:rPr lang="es-MX" dirty="0"/>
+              <a:t> </a:t>
+            </a:r>
+            <a:r>
+              <a:rPr lang="es-MX" dirty="0" err="1"/>
+              <a:t>Gt</a:t>
+            </a:r>
+            <a:r>
+              <a:rPr lang="es-MX" dirty="0"/>
+              <a:t>=1/3 + 1/6 + 2/3=1.1666 Sim</a:t>
+            </a:r>
+          </a:p>
+          <a:p>
+            <a:pPr lvl="1"/>
+            <a:r>
+              <a:rPr lang="es-MX" dirty="0" err="1"/>
+              <a:t>Rt</a:t>
+            </a:r>
+            <a:r>
+              <a:rPr lang="es-MX" dirty="0"/>
+              <a:t>=0.857 </a:t>
+            </a:r>
+            <a:r>
+              <a:rPr lang="es-MX" dirty="0" err="1"/>
+              <a:t>Ohms</a:t>
+            </a:r>
+            <a:endParaRPr lang="es-MX" dirty="0"/>
+          </a:p>
+          <a:p>
+            <a:pPr marL="342900" indent="-342900">
+              <a:buAutoNum type="alphaLcParenR"/>
+            </a:pPr>
+            <a:r>
+              <a:rPr lang="es-MX" dirty="0"/>
+              <a:t>  I=0.9V/0.857Ohms = 1.05 A</a:t>
+            </a:r>
+          </a:p>
+          <a:p>
+            <a:pPr lvl="1"/>
+            <a:r>
+              <a:rPr lang="es-MX" dirty="0"/>
+              <a:t>I1=0.3, I2=0.15, I3=0.6</a:t>
+            </a:r>
+          </a:p>
+          <a:p>
+            <a:pPr marL="342900" indent="-342900">
+              <a:buAutoNum type="alphaLcParenR"/>
+            </a:pPr>
+            <a:r>
+              <a:rPr lang="es-MX" dirty="0"/>
+              <a:t> I1+I2+I3=0.3+0.15+0.6=7.05=I</a:t>
+            </a:r>
+          </a:p>
+          <a:p>
+            <a:pPr marL="342900" indent="-342900">
+              <a:buAutoNum type="alphaLcParenR"/>
+            </a:pPr>
+            <a:r>
+              <a:rPr lang="es-MX" dirty="0"/>
+              <a:t> Er1=(0.3A)(0.3A)(3Ohms)=0.27W</a:t>
+            </a:r>
+          </a:p>
+          <a:p>
+            <a:pPr lvl="1"/>
+            <a:r>
+              <a:rPr lang="es-MX" dirty="0"/>
+              <a:t>Er2= (0.15A)(0.15A)(0.6Ohms) = 0.135W</a:t>
+            </a:r>
+          </a:p>
+          <a:p>
+            <a:pPr lvl="1"/>
+            <a:r>
+              <a:rPr lang="es-MX" dirty="0"/>
+              <a:t>Er3= (0.6A)(0.6A)(1.5Ohms) =0.54W</a:t>
+            </a:r>
+          </a:p>
+          <a:p>
+            <a:pPr lvl="1"/>
+            <a:r>
+              <a:rPr lang="es-MX" dirty="0" err="1"/>
+              <a:t>Ef</a:t>
+            </a:r>
+            <a:r>
+              <a:rPr lang="es-MX" dirty="0"/>
+              <a:t>=(0.9V)(1.05A)=0.945W</a:t>
+            </a:r>
+          </a:p>
+          <a:p>
+            <a:pPr lvl="1"/>
+            <a:r>
+              <a:rPr lang="es-MX" dirty="0"/>
+              <a:t>Er1+Er2+Er3=0.27W+0.135W+0.54W=0.945=</a:t>
+            </a:r>
+            <a:r>
+              <a:rPr lang="es-MX" dirty="0" err="1"/>
+              <a:t>Ef</a:t>
+            </a:r>
+            <a:endParaRPr lang="es-MX" dirty="0"/>
+          </a:p>
+          <a:p>
+            <a:pPr marL="342900" indent="-342900">
+              <a:buAutoNum type="alphaLcParenR"/>
+            </a:pPr>
+            <a:r>
+              <a:rPr lang="es-MX" dirty="0"/>
+              <a:t>?????????????????????</a:t>
+            </a:r>
+          </a:p>
+          <a:p>
+            <a:pPr marL="342900" indent="-342900">
+              <a:buAutoNum type="alphaLcParenR"/>
+            </a:pPr>
+            <a:r>
+              <a:rPr lang="es-MX" dirty="0"/>
+              <a:t>?</a:t>
+            </a:r>
+          </a:p>
+          <a:p>
+            <a:pPr marL="342900" indent="-342900">
+              <a:buAutoNum type="alphaLcParenR"/>
+            </a:pPr>
+            <a:r>
+              <a:rPr lang="es-MX" dirty="0"/>
+              <a:t>????????</a:t>
+            </a:r>
+          </a:p>
+          <a:p>
+            <a:pPr marL="342900" indent="-342900">
+              <a:buAutoNum type="alphaLcParenR"/>
+            </a:pPr>
+            <a:endParaRPr lang="es-MX" dirty="0"/>
+          </a:p>
+        </p:txBody>
+      </p:sp>
     </p:spTree>
     <p:extLst>
       <p:ext uri="{BB962C8B-B14F-4D97-AF65-F5344CB8AC3E}">
-        <p14:creationId xmlns:p14="http://schemas.microsoft.com/office/powerpoint/2010/main" val="568151137"/>
+        <p14:creationId xmlns:p14="http://schemas.microsoft.com/office/powerpoint/2010/main" val="1478812576"/>
       </p:ext>
     </p:extLst>
   </p:cSld>
@@ -12811,7 +13976,7 @@
 </p:sld>
 </file>
 
-<file path=ppt/slides/slide15.xml><?xml version="1.0" encoding="utf-8"?>
+<file path=ppt/slides/slide17.xml><?xml version="1.0" encoding="utf-8"?>
 <p:sld xmlns:a="http://schemas.openxmlformats.org/drawingml/2006/main" xmlns:r="http://schemas.openxmlformats.org/officeDocument/2006/relationships" xmlns:p="http://schemas.openxmlformats.org/presentationml/2006/main">
   <p:cSld>
     <p:spTree>
@@ -12833,7 +13998,7 @@
           <p:cNvPr id="2" name="Título 1">
             <a:extLst>
               <a:ext uri="{FF2B5EF4-FFF2-40B4-BE49-F238E27FC236}">
-                <a16:creationId xmlns:a16="http://schemas.microsoft.com/office/drawing/2014/main" id="{06E9ECA0-A8F3-4897-91A8-EADD49BC9043}"/>
+                <a16:creationId xmlns:a16="http://schemas.microsoft.com/office/drawing/2014/main" id="{AA1B5999-9237-4F11-8F48-12F2E6BF667A}"/>
               </a:ext>
             </a:extLst>
           </p:cNvPr>
@@ -12851,81 +14016,151 @@
           <a:p>
             <a:r>
               <a:rPr lang="es-MX" dirty="0"/>
-              <a:t>Ejercicio 18</a:t>
+              <a:t>Ejercicio 11</a:t>
             </a:r>
           </a:p>
         </p:txBody>
       </p:sp>
-      <p:sp>
-        <p:nvSpPr>
-          <p:cNvPr id="3" name="Marcador de contenido 2">
+      <p:pic>
+        <p:nvPicPr>
+          <p:cNvPr id="5" name="Marcador de contenido 4">
             <a:extLst>
               <a:ext uri="{FF2B5EF4-FFF2-40B4-BE49-F238E27FC236}">
-                <a16:creationId xmlns:a16="http://schemas.microsoft.com/office/drawing/2014/main" id="{F034174A-3E6C-457C-B4F0-F2CC6A8DF89B}"/>
+                <a16:creationId xmlns:a16="http://schemas.microsoft.com/office/drawing/2014/main" id="{1B68D8E2-E70F-4874-BE79-24033C7A4373}"/>
               </a:ext>
             </a:extLst>
           </p:cNvPr>
-          <p:cNvSpPr>
-            <a:spLocks noGrp="1"/>
-          </p:cNvSpPr>
+          <p:cNvPicPr>
+            <a:picLocks noGrp="1" noChangeAspect="1"/>
+          </p:cNvPicPr>
           <p:nvPr>
             <p:ph idx="1"/>
           </p:nvPr>
+        </p:nvPicPr>
+        <p:blipFill rotWithShape="1">
+          <a:blip r:embed="rId2"/>
+          <a:srcRect b="43553"/>
+          <a:stretch/>
+        </p:blipFill>
+        <p:spPr>
+          <a:xfrm>
+            <a:off x="147312" y="577012"/>
+            <a:ext cx="5948688" cy="3400827"/>
+          </a:xfrm>
+        </p:spPr>
+      </p:pic>
+      <p:sp>
+        <p:nvSpPr>
+          <p:cNvPr id="6" name="CuadroTexto 5">
+            <a:extLst>
+              <a:ext uri="{FF2B5EF4-FFF2-40B4-BE49-F238E27FC236}">
+                <a16:creationId xmlns:a16="http://schemas.microsoft.com/office/drawing/2014/main" id="{87D079F4-DB11-4C49-925F-0029F107341B}"/>
+              </a:ext>
+            </a:extLst>
+          </p:cNvPr>
+          <p:cNvSpPr txBox="1"/>
+          <p:nvPr/>
         </p:nvSpPr>
         <p:spPr>
           <a:xfrm>
-            <a:off x="5610225" y="1469395"/>
-            <a:ext cx="4959914" cy="3997828"/>
+            <a:off x="6214564" y="1612297"/>
+            <a:ext cx="5188404" cy="2585323"/>
           </a:xfrm>
+          <a:prstGeom prst="rect">
+            <a:avLst/>
+          </a:prstGeom>
+          <a:noFill/>
         </p:spPr>
         <p:txBody>
-          <a:bodyPr/>
+          <a:bodyPr wrap="square" rtlCol="0">
+            <a:spAutoFit/>
+          </a:bodyPr>
           <a:lstStyle/>
           <a:p>
+            <a:pPr marL="342900" indent="-342900">
+              <a:buAutoNum type="alphaLcParenR"/>
+            </a:pPr>
             <a:r>
               <a:rPr lang="es-MX" dirty="0"/>
-              <a:t>Nodo A:</a:t>
+              <a:t>I= 120V/(1.8KOhms/8)=533.33mA</a:t>
             </a:r>
           </a:p>
           <a:p>
+            <a:pPr marL="342900" indent="-342900">
+              <a:buAutoNum type="alphaLcParenR"/>
+            </a:pPr>
+            <a:r>
+              <a:rPr lang="es-MX" dirty="0" err="1"/>
+              <a:t>Rt</a:t>
+            </a:r>
             <a:r>
               <a:rPr lang="es-MX" dirty="0"/>
-              <a:t>12+9+4-i1=0 =&gt; i1=25 A</a:t>
+              <a:t>=(1.8kOhms)/8 = 225Ohms</a:t>
             </a:r>
           </a:p>
           <a:p>
+            <a:pPr marL="342900" indent="-342900">
+              <a:buAutoNum type="alphaLcParenR"/>
+            </a:pPr>
             <a:r>
               <a:rPr lang="es-MX" dirty="0"/>
-              <a:t>Nodo B:</a:t>
+              <a:t>E=VI=I^2 R</a:t>
             </a:r>
           </a:p>
           <a:p>
+            <a:pPr lvl="1"/>
+            <a:r>
+              <a:rPr lang="es-MX" dirty="0" err="1"/>
+              <a:t>Irx</a:t>
+            </a:r>
             <a:r>
               <a:rPr lang="es-MX" dirty="0"/>
-              <a:t>25+4-6-i2=0 =&gt;i2=23 A</a:t>
+              <a:t>=120V/1.8kOhms=66.666mA</a:t>
             </a:r>
           </a:p>
           <a:p>
+            <a:pPr lvl="1"/>
+            <a:r>
+              <a:rPr lang="es-MX" dirty="0" err="1"/>
+              <a:t>Erx</a:t>
+            </a:r>
             <a:r>
               <a:rPr lang="es-MX" dirty="0"/>
-              <a:t>Nodo C</a:t>
+              <a:t>=(66.666mA)(66.666mA)(1.8kOhms)=8W</a:t>
             </a:r>
           </a:p>
           <a:p>
+            <a:pPr marL="342900" indent="-342900">
+              <a:buAutoNum type="alphaLcParenR"/>
+            </a:pPr>
             <a:r>
-              <a:rPr lang="es-MX"/>
-              <a:t>23-3-i3=0 =&gt; i3=20 A</a:t>
+              <a:rPr lang="es-MX" dirty="0"/>
+              <a:t>Ninguno, tal vez que tengan más corriente</a:t>
             </a:r>
+          </a:p>
+          <a:p>
+            <a:pPr marL="342900" indent="-342900">
+              <a:buAutoNum type="alphaLcParenR"/>
+            </a:pPr>
+            <a:r>
+              <a:rPr lang="es-MX" dirty="0"/>
+              <a:t>Que si se funde un foco, los demás seguirán funcionando.</a:t>
+            </a:r>
+          </a:p>
+          <a:p>
+            <a:pPr marL="342900" indent="-342900">
+              <a:buAutoNum type="alphaLcParenR"/>
+            </a:pPr>
             <a:endParaRPr lang="es-MX" dirty="0"/>
           </a:p>
         </p:txBody>
       </p:sp>
       <p:pic>
         <p:nvPicPr>
-          <p:cNvPr id="5" name="Imagen 4">
+          <p:cNvPr id="8" name="Imagen 7">
             <a:extLst>
               <a:ext uri="{FF2B5EF4-FFF2-40B4-BE49-F238E27FC236}">
-                <a16:creationId xmlns:a16="http://schemas.microsoft.com/office/drawing/2014/main" id="{1068841A-F609-43AE-A7D2-ECC440148431}"/>
+                <a16:creationId xmlns:a16="http://schemas.microsoft.com/office/drawing/2014/main" id="{FB653757-FBE3-44DE-88DC-C2EBB0872184}"/>
               </a:ext>
             </a:extLst>
           </p:cNvPr>
@@ -12935,6 +14170,96 @@
           <p:nvPr/>
         </p:nvPicPr>
         <p:blipFill>
+          <a:blip r:embed="rId3"/>
+          <a:stretch>
+            <a:fillRect/>
+          </a:stretch>
+        </p:blipFill>
+        <p:spPr>
+          <a:xfrm>
+            <a:off x="789032" y="4358504"/>
+            <a:ext cx="4548856" cy="2174818"/>
+          </a:xfrm>
+          <a:prstGeom prst="rect">
+            <a:avLst/>
+          </a:prstGeom>
+        </p:spPr>
+      </p:pic>
+    </p:spTree>
+    <p:extLst>
+      <p:ext uri="{BB962C8B-B14F-4D97-AF65-F5344CB8AC3E}">
+        <p14:creationId xmlns:p14="http://schemas.microsoft.com/office/powerpoint/2010/main" val="42556471"/>
+      </p:ext>
+    </p:extLst>
+  </p:cSld>
+  <p:clrMapOvr>
+    <a:masterClrMapping/>
+  </p:clrMapOvr>
+</p:sld>
+</file>
+
+<file path=ppt/slides/slide18.xml><?xml version="1.0" encoding="utf-8"?>
+<p:sld xmlns:a="http://schemas.openxmlformats.org/drawingml/2006/main" xmlns:r="http://schemas.openxmlformats.org/officeDocument/2006/relationships" xmlns:p="http://schemas.openxmlformats.org/presentationml/2006/main">
+  <p:cSld>
+    <p:spTree>
+      <p:nvGrpSpPr>
+        <p:cNvPr id="1" name=""/>
+        <p:cNvGrpSpPr/>
+        <p:nvPr/>
+      </p:nvGrpSpPr>
+      <p:grpSpPr>
+        <a:xfrm>
+          <a:off x="0" y="0"/>
+          <a:ext cx="0" cy="0"/>
+          <a:chOff x="0" y="0"/>
+          <a:chExt cx="0" cy="0"/>
+        </a:xfrm>
+      </p:grpSpPr>
+      <p:sp>
+        <p:nvSpPr>
+          <p:cNvPr id="2" name="Título 1">
+            <a:extLst>
+              <a:ext uri="{FF2B5EF4-FFF2-40B4-BE49-F238E27FC236}">
+                <a16:creationId xmlns:a16="http://schemas.microsoft.com/office/drawing/2014/main" id="{3EE65A5C-D7BE-4979-B8C5-C56A4910EE60}"/>
+              </a:ext>
+            </a:extLst>
+          </p:cNvPr>
+          <p:cNvSpPr>
+            <a:spLocks noGrp="1"/>
+          </p:cNvSpPr>
+          <p:nvPr>
+            <p:ph type="title"/>
+          </p:nvPr>
+        </p:nvSpPr>
+        <p:spPr/>
+        <p:txBody>
+          <a:bodyPr/>
+          <a:lstStyle/>
+          <a:p>
+            <a:r>
+              <a:rPr lang="es-MX" dirty="0"/>
+              <a:t>Ejercicio 13</a:t>
+            </a:r>
+          </a:p>
+        </p:txBody>
+      </p:sp>
+      <p:pic>
+        <p:nvPicPr>
+          <p:cNvPr id="5" name="Marcador de contenido 4">
+            <a:extLst>
+              <a:ext uri="{FF2B5EF4-FFF2-40B4-BE49-F238E27FC236}">
+                <a16:creationId xmlns:a16="http://schemas.microsoft.com/office/drawing/2014/main" id="{1213D045-9C67-4CD3-B15E-724DB73C65D5}"/>
+              </a:ext>
+            </a:extLst>
+          </p:cNvPr>
+          <p:cNvPicPr>
+            <a:picLocks noGrp="1" noChangeAspect="1"/>
+          </p:cNvPicPr>
+          <p:nvPr>
+            <p:ph idx="1"/>
+          </p:nvPr>
+        </p:nvPicPr>
+        <p:blipFill>
           <a:blip r:embed="rId2"/>
           <a:stretch>
             <a:fillRect/>
@@ -12942,324 +14267,386 @@
         </p:blipFill>
         <p:spPr>
           <a:xfrm>
-            <a:off x="209317" y="1354968"/>
-            <a:ext cx="5311031" cy="4112255"/>
+            <a:off x="816095" y="808055"/>
+            <a:ext cx="5094375" cy="554031"/>
+          </a:xfrm>
+        </p:spPr>
+      </p:pic>
+      <p:pic>
+        <p:nvPicPr>
+          <p:cNvPr id="7" name="Imagen 6">
+            <a:extLst>
+              <a:ext uri="{FF2B5EF4-FFF2-40B4-BE49-F238E27FC236}">
+                <a16:creationId xmlns:a16="http://schemas.microsoft.com/office/drawing/2014/main" id="{6DB35409-9FC4-436A-BFA1-F586B33D47E1}"/>
+              </a:ext>
+            </a:extLst>
+          </p:cNvPr>
+          <p:cNvPicPr>
+            <a:picLocks noChangeAspect="1"/>
+          </p:cNvPicPr>
+          <p:nvPr/>
+        </p:nvPicPr>
+        <p:blipFill>
+          <a:blip r:embed="rId3"/>
+          <a:stretch>
+            <a:fillRect/>
+          </a:stretch>
+        </p:blipFill>
+        <p:spPr>
+          <a:xfrm>
+            <a:off x="816094" y="3994390"/>
+            <a:ext cx="2847627" cy="2657786"/>
           </a:xfrm>
           <a:prstGeom prst="rect">
             <a:avLst/>
           </a:prstGeom>
         </p:spPr>
       </p:pic>
-      <mc:AlternateContent xmlns:mc="http://schemas.openxmlformats.org/markup-compatibility/2006">
-        <mc:Choice xmlns:p14="http://schemas.microsoft.com/office/powerpoint/2010/main" Requires="p14">
-          <p:contentPart p14:bwMode="auto" r:id="rId3">
-            <p14:nvContentPartPr>
-              <p14:cNvPr id="6" name="Entrada de lápiz 5">
-                <a:extLst>
-                  <a:ext uri="{FF2B5EF4-FFF2-40B4-BE49-F238E27FC236}">
-                    <a16:creationId xmlns:a16="http://schemas.microsoft.com/office/drawing/2014/main" id="{0E7B51A9-4995-45BC-8110-BFB733866792}"/>
-                  </a:ext>
-                </a:extLst>
-              </p14:cNvPr>
-              <p14:cNvContentPartPr/>
-              <p14:nvPr/>
-            </p14:nvContentPartPr>
-            <p14:xfrm>
-              <a:off x="1220985" y="3133365"/>
-              <a:ext cx="271440" cy="230760"/>
-            </p14:xfrm>
-          </p:contentPart>
-        </mc:Choice>
-        <mc:Fallback>
-          <p:pic>
-            <p:nvPicPr>
-              <p:cNvPr id="6" name="Entrada de lápiz 5">
-                <a:extLst>
-                  <a:ext uri="{FF2B5EF4-FFF2-40B4-BE49-F238E27FC236}">
-                    <a16:creationId xmlns:a16="http://schemas.microsoft.com/office/drawing/2014/main" id="{0E7B51A9-4995-45BC-8110-BFB733866792}"/>
-                  </a:ext>
-                </a:extLst>
-              </p:cNvPr>
-              <p:cNvPicPr/>
-              <p:nvPr/>
-            </p:nvPicPr>
-            <p:blipFill>
-              <a:blip r:embed="rId4"/>
-              <a:stretch>
-                <a:fillRect/>
-              </a:stretch>
-            </p:blipFill>
-            <p:spPr>
-              <a:xfrm>
-                <a:off x="1212345" y="3124365"/>
-                <a:ext cx="289080" cy="248400"/>
-              </a:xfrm>
-              <a:prstGeom prst="rect">
-                <a:avLst/>
-              </a:prstGeom>
-            </p:spPr>
-          </p:pic>
-        </mc:Fallback>
-      </mc:AlternateContent>
-      <mc:AlternateContent xmlns:mc="http://schemas.openxmlformats.org/markup-compatibility/2006">
-        <mc:Choice xmlns:p14="http://schemas.microsoft.com/office/powerpoint/2010/main" Requires="p14">
-          <p:contentPart p14:bwMode="auto" r:id="rId5">
-            <p14:nvContentPartPr>
-              <p14:cNvPr id="7" name="Entrada de lápiz 6">
-                <a:extLst>
-                  <a:ext uri="{FF2B5EF4-FFF2-40B4-BE49-F238E27FC236}">
-                    <a16:creationId xmlns:a16="http://schemas.microsoft.com/office/drawing/2014/main" id="{38EF9786-7C77-4709-9CF1-54D5384E493E}"/>
-                  </a:ext>
-                </a:extLst>
-              </p14:cNvPr>
-              <p14:cNvContentPartPr/>
-              <p14:nvPr/>
-            </p14:nvContentPartPr>
-            <p14:xfrm>
-              <a:off x="3586545" y="2695245"/>
-              <a:ext cx="149040" cy="375840"/>
-            </p14:xfrm>
-          </p:contentPart>
-        </mc:Choice>
-        <mc:Fallback>
-          <p:pic>
-            <p:nvPicPr>
-              <p:cNvPr id="7" name="Entrada de lápiz 6">
-                <a:extLst>
-                  <a:ext uri="{FF2B5EF4-FFF2-40B4-BE49-F238E27FC236}">
-                    <a16:creationId xmlns:a16="http://schemas.microsoft.com/office/drawing/2014/main" id="{38EF9786-7C77-4709-9CF1-54D5384E493E}"/>
-                  </a:ext>
-                </a:extLst>
-              </p:cNvPr>
-              <p:cNvPicPr/>
-              <p:nvPr/>
-            </p:nvPicPr>
-            <p:blipFill>
-              <a:blip r:embed="rId6"/>
-              <a:stretch>
-                <a:fillRect/>
-              </a:stretch>
-            </p:blipFill>
-            <p:spPr>
-              <a:xfrm>
-                <a:off x="3577545" y="2686245"/>
-                <a:ext cx="166680" cy="393480"/>
-              </a:xfrm>
-              <a:prstGeom prst="rect">
-                <a:avLst/>
-              </a:prstGeom>
-            </p:spPr>
-          </p:pic>
-        </mc:Fallback>
-      </mc:AlternateContent>
-      <mc:AlternateContent xmlns:mc="http://schemas.openxmlformats.org/markup-compatibility/2006">
-        <mc:Choice xmlns:p14="http://schemas.microsoft.com/office/powerpoint/2010/main" Requires="p14">
-          <p:contentPart p14:bwMode="auto" r:id="rId7">
-            <p14:nvContentPartPr>
-              <p14:cNvPr id="8" name="Entrada de lápiz 7">
-                <a:extLst>
-                  <a:ext uri="{FF2B5EF4-FFF2-40B4-BE49-F238E27FC236}">
-                    <a16:creationId xmlns:a16="http://schemas.microsoft.com/office/drawing/2014/main" id="{00A62A9C-5B0A-4343-95C5-595D5F7DCA95}"/>
-                  </a:ext>
-                </a:extLst>
-              </p14:cNvPr>
-              <p14:cNvContentPartPr/>
-              <p14:nvPr/>
-            </p14:nvContentPartPr>
-            <p14:xfrm>
-              <a:off x="4256145" y="4065045"/>
-              <a:ext cx="173160" cy="197280"/>
-            </p14:xfrm>
-          </p:contentPart>
-        </mc:Choice>
-        <mc:Fallback>
-          <p:pic>
-            <p:nvPicPr>
-              <p:cNvPr id="8" name="Entrada de lápiz 7">
-                <a:extLst>
-                  <a:ext uri="{FF2B5EF4-FFF2-40B4-BE49-F238E27FC236}">
-                    <a16:creationId xmlns:a16="http://schemas.microsoft.com/office/drawing/2014/main" id="{00A62A9C-5B0A-4343-95C5-595D5F7DCA95}"/>
-                  </a:ext>
-                </a:extLst>
-              </p:cNvPr>
-              <p:cNvPicPr/>
-              <p:nvPr/>
-            </p:nvPicPr>
-            <p:blipFill>
-              <a:blip r:embed="rId8"/>
-              <a:stretch>
-                <a:fillRect/>
-              </a:stretch>
-            </p:blipFill>
-            <p:spPr>
-              <a:xfrm>
-                <a:off x="4247145" y="4056405"/>
-                <a:ext cx="190800" cy="214920"/>
-              </a:xfrm>
-              <a:prstGeom prst="rect">
-                <a:avLst/>
-              </a:prstGeom>
-            </p:spPr>
-          </p:pic>
-        </mc:Fallback>
-      </mc:AlternateContent>
-      <mc:AlternateContent xmlns:mc="http://schemas.openxmlformats.org/markup-compatibility/2006">
-        <mc:Choice xmlns:p14="http://schemas.microsoft.com/office/powerpoint/2010/main" Requires="p14">
-          <p:contentPart p14:bwMode="auto" r:id="rId9">
-            <p14:nvContentPartPr>
-              <p14:cNvPr id="9" name="Entrada de lápiz 8">
-                <a:extLst>
-                  <a:ext uri="{FF2B5EF4-FFF2-40B4-BE49-F238E27FC236}">
-                    <a16:creationId xmlns:a16="http://schemas.microsoft.com/office/drawing/2014/main" id="{96003CF9-925F-42C6-B2D1-48A1F7B4A961}"/>
-                  </a:ext>
-                </a:extLst>
-              </p14:cNvPr>
-              <p14:cNvContentPartPr/>
-              <p14:nvPr/>
-            </p14:nvContentPartPr>
-            <p14:xfrm>
-              <a:off x="6629265" y="3219045"/>
-              <a:ext cx="3960" cy="360"/>
-            </p14:xfrm>
-          </p:contentPart>
-        </mc:Choice>
-        <mc:Fallback>
-          <p:pic>
-            <p:nvPicPr>
-              <p:cNvPr id="9" name="Entrada de lápiz 8">
-                <a:extLst>
-                  <a:ext uri="{FF2B5EF4-FFF2-40B4-BE49-F238E27FC236}">
-                    <a16:creationId xmlns:a16="http://schemas.microsoft.com/office/drawing/2014/main" id="{96003CF9-925F-42C6-B2D1-48A1F7B4A961}"/>
-                  </a:ext>
-                </a:extLst>
-              </p:cNvPr>
-              <p:cNvPicPr/>
-              <p:nvPr/>
-            </p:nvPicPr>
-            <p:blipFill>
-              <a:blip r:embed="rId10"/>
-              <a:stretch>
-                <a:fillRect/>
-              </a:stretch>
-            </p:blipFill>
-            <p:spPr>
-              <a:xfrm>
-                <a:off x="6620265" y="3210045"/>
-                <a:ext cx="21600" cy="18000"/>
-              </a:xfrm>
-              <a:prstGeom prst="rect">
-                <a:avLst/>
-              </a:prstGeom>
-            </p:spPr>
-          </p:pic>
-        </mc:Fallback>
-      </mc:AlternateContent>
-      <mc:AlternateContent xmlns:mc="http://schemas.openxmlformats.org/markup-compatibility/2006">
-        <mc:Choice xmlns:p14="http://schemas.microsoft.com/office/powerpoint/2010/main" Requires="p14">
-          <p:contentPart p14:bwMode="auto" r:id="rId11">
-            <p14:nvContentPartPr>
-              <p14:cNvPr id="10" name="Entrada de lápiz 9">
-                <a:extLst>
-                  <a:ext uri="{FF2B5EF4-FFF2-40B4-BE49-F238E27FC236}">
-                    <a16:creationId xmlns:a16="http://schemas.microsoft.com/office/drawing/2014/main" id="{CD3EE6C6-3799-47CC-B05B-050BD35917A0}"/>
-                  </a:ext>
-                </a:extLst>
-              </p14:cNvPr>
-              <p14:cNvContentPartPr/>
-              <p14:nvPr/>
-            </p14:nvContentPartPr>
-            <p14:xfrm>
-              <a:off x="6295905" y="3314445"/>
-              <a:ext cx="360" cy="360"/>
-            </p14:xfrm>
-          </p:contentPart>
-        </mc:Choice>
-        <mc:Fallback>
-          <p:pic>
-            <p:nvPicPr>
-              <p:cNvPr id="10" name="Entrada de lápiz 9">
-                <a:extLst>
-                  <a:ext uri="{FF2B5EF4-FFF2-40B4-BE49-F238E27FC236}">
-                    <a16:creationId xmlns:a16="http://schemas.microsoft.com/office/drawing/2014/main" id="{CD3EE6C6-3799-47CC-B05B-050BD35917A0}"/>
-                  </a:ext>
-                </a:extLst>
-              </p:cNvPr>
-              <p:cNvPicPr/>
-              <p:nvPr/>
-            </p:nvPicPr>
-            <p:blipFill>
-              <a:blip r:embed="rId12"/>
-              <a:stretch>
-                <a:fillRect/>
-              </a:stretch>
-            </p:blipFill>
-            <p:spPr>
-              <a:xfrm>
-                <a:off x="6286905" y="3305445"/>
-                <a:ext cx="18000" cy="18000"/>
-              </a:xfrm>
-              <a:prstGeom prst="rect">
-                <a:avLst/>
-              </a:prstGeom>
-            </p:spPr>
-          </p:pic>
-        </mc:Fallback>
-      </mc:AlternateContent>
-      <mc:AlternateContent xmlns:mc="http://schemas.openxmlformats.org/markup-compatibility/2006">
-        <mc:Choice xmlns:p14="http://schemas.microsoft.com/office/powerpoint/2010/main" Requires="p14">
-          <p:contentPart p14:bwMode="auto" r:id="rId13">
-            <p14:nvContentPartPr>
-              <p14:cNvPr id="11" name="Entrada de lápiz 10">
-                <a:extLst>
-                  <a:ext uri="{FF2B5EF4-FFF2-40B4-BE49-F238E27FC236}">
-                    <a16:creationId xmlns:a16="http://schemas.microsoft.com/office/drawing/2014/main" id="{CE968FEF-8659-4967-A5CC-3C38A569F84B}"/>
-                  </a:ext>
-                </a:extLst>
-              </p14:cNvPr>
-              <p14:cNvContentPartPr/>
-              <p14:nvPr/>
-            </p14:nvContentPartPr>
-            <p14:xfrm>
-              <a:off x="6162345" y="3466725"/>
-              <a:ext cx="360" cy="360"/>
-            </p14:xfrm>
-          </p:contentPart>
-        </mc:Choice>
-        <mc:Fallback>
-          <p:pic>
-            <p:nvPicPr>
-              <p:cNvPr id="11" name="Entrada de lápiz 10">
-                <a:extLst>
-                  <a:ext uri="{FF2B5EF4-FFF2-40B4-BE49-F238E27FC236}">
-                    <a16:creationId xmlns:a16="http://schemas.microsoft.com/office/drawing/2014/main" id="{CE968FEF-8659-4967-A5CC-3C38A569F84B}"/>
-                  </a:ext>
-                </a:extLst>
-              </p:cNvPr>
-              <p:cNvPicPr/>
-              <p:nvPr/>
-            </p:nvPicPr>
-            <p:blipFill>
-              <a:blip r:embed="rId12"/>
-              <a:stretch>
-                <a:fillRect/>
-              </a:stretch>
-            </p:blipFill>
-            <p:spPr>
-              <a:xfrm>
-                <a:off x="6153345" y="3457725"/>
-                <a:ext cx="18000" cy="18000"/>
-              </a:xfrm>
-              <a:prstGeom prst="rect">
-                <a:avLst/>
-              </a:prstGeom>
-            </p:spPr>
-          </p:pic>
-        </mc:Fallback>
-      </mc:AlternateContent>
+      <p:pic>
+        <p:nvPicPr>
+          <p:cNvPr id="9" name="Imagen 8">
+            <a:extLst>
+              <a:ext uri="{FF2B5EF4-FFF2-40B4-BE49-F238E27FC236}">
+                <a16:creationId xmlns:a16="http://schemas.microsoft.com/office/drawing/2014/main" id="{5B70B175-5A44-4525-9DA4-35F19D419103}"/>
+              </a:ext>
+            </a:extLst>
+          </p:cNvPr>
+          <p:cNvPicPr>
+            <a:picLocks noChangeAspect="1"/>
+          </p:cNvPicPr>
+          <p:nvPr/>
+        </p:nvPicPr>
+        <p:blipFill rotWithShape="1">
+          <a:blip r:embed="rId4"/>
+          <a:srcRect l="6303"/>
+          <a:stretch/>
+        </p:blipFill>
+        <p:spPr>
+          <a:xfrm>
+            <a:off x="816094" y="1792518"/>
+            <a:ext cx="3342656" cy="1812073"/>
+          </a:xfrm>
+          <a:prstGeom prst="rect">
+            <a:avLst/>
+          </a:prstGeom>
+        </p:spPr>
+      </p:pic>
+      <p:sp>
+        <p:nvSpPr>
+          <p:cNvPr id="10" name="CuadroTexto 9">
+            <a:extLst>
+              <a:ext uri="{FF2B5EF4-FFF2-40B4-BE49-F238E27FC236}">
+                <a16:creationId xmlns:a16="http://schemas.microsoft.com/office/drawing/2014/main" id="{E7C5E3D8-B15F-4704-9941-77FD8727351A}"/>
+              </a:ext>
+            </a:extLst>
+          </p:cNvPr>
+          <p:cNvSpPr txBox="1"/>
+          <p:nvPr/>
+        </p:nvSpPr>
+        <p:spPr>
+          <a:xfrm>
+            <a:off x="4634497" y="2236889"/>
+            <a:ext cx="5459895" cy="923330"/>
+          </a:xfrm>
+          <a:prstGeom prst="rect">
+            <a:avLst/>
+          </a:prstGeom>
+          <a:noFill/>
+        </p:spPr>
+        <p:txBody>
+          <a:bodyPr wrap="square" rtlCol="0">
+            <a:spAutoFit/>
+          </a:bodyPr>
+          <a:lstStyle/>
+          <a:p>
+            <a:r>
+              <a:rPr lang="es-MX" dirty="0" err="1"/>
+              <a:t>Rt</a:t>
+            </a:r>
+            <a:r>
+              <a:rPr lang="es-MX" dirty="0"/>
+              <a:t>= 4Ohms</a:t>
+            </a:r>
+          </a:p>
+          <a:p>
+            <a:r>
+              <a:rPr lang="es-MX" dirty="0" err="1"/>
+              <a:t>Is</a:t>
+            </a:r>
+            <a:r>
+              <a:rPr lang="es-MX" dirty="0"/>
+              <a:t>= 30V/4Ohms=7.5A</a:t>
+            </a:r>
+          </a:p>
+          <a:p>
+            <a:r>
+              <a:rPr lang="es-MX" dirty="0"/>
+              <a:t>I1= 30V/20Ohms=1.5A</a:t>
+            </a:r>
+          </a:p>
+        </p:txBody>
+      </p:sp>
+      <p:sp>
+        <p:nvSpPr>
+          <p:cNvPr id="11" name="CuadroTexto 10">
+            <a:extLst>
+              <a:ext uri="{FF2B5EF4-FFF2-40B4-BE49-F238E27FC236}">
+                <a16:creationId xmlns:a16="http://schemas.microsoft.com/office/drawing/2014/main" id="{0D049C6E-E0FD-43AA-AF6E-09975B1E2139}"/>
+              </a:ext>
+            </a:extLst>
+          </p:cNvPr>
+          <p:cNvSpPr txBox="1"/>
+          <p:nvPr/>
+        </p:nvSpPr>
+        <p:spPr>
+          <a:xfrm>
+            <a:off x="4634497" y="4861618"/>
+            <a:ext cx="4240695" cy="923330"/>
+          </a:xfrm>
+          <a:prstGeom prst="rect">
+            <a:avLst/>
+          </a:prstGeom>
+          <a:noFill/>
+        </p:spPr>
+        <p:txBody>
+          <a:bodyPr wrap="square" rtlCol="0">
+            <a:spAutoFit/>
+          </a:bodyPr>
+          <a:lstStyle/>
+          <a:p>
+            <a:r>
+              <a:rPr lang="es-MX" dirty="0" err="1"/>
+              <a:t>Rt</a:t>
+            </a:r>
+            <a:r>
+              <a:rPr lang="es-MX" dirty="0"/>
+              <a:t>=833.33Ohms</a:t>
+            </a:r>
+          </a:p>
+          <a:p>
+            <a:r>
+              <a:rPr lang="es-MX" dirty="0" err="1"/>
+              <a:t>Is</a:t>
+            </a:r>
+            <a:r>
+              <a:rPr lang="es-MX" dirty="0"/>
+              <a:t>= 8V/833.33Ohms=9.6mA</a:t>
+            </a:r>
+          </a:p>
+          <a:p>
+            <a:r>
+              <a:rPr lang="es-MX" dirty="0"/>
+              <a:t>I1=8V/10kOhms=0.8mA</a:t>
+            </a:r>
+          </a:p>
+        </p:txBody>
+      </p:sp>
     </p:spTree>
     <p:extLst>
       <p:ext uri="{BB962C8B-B14F-4D97-AF65-F5344CB8AC3E}">
-        <p14:creationId xmlns:p14="http://schemas.microsoft.com/office/powerpoint/2010/main" val="1987033647"/>
+        <p14:creationId xmlns:p14="http://schemas.microsoft.com/office/powerpoint/2010/main" val="910652981"/>
+      </p:ext>
+    </p:extLst>
+  </p:cSld>
+  <p:clrMapOvr>
+    <a:masterClrMapping/>
+  </p:clrMapOvr>
+</p:sld>
+</file>
+
+<file path=ppt/slides/slide19.xml><?xml version="1.0" encoding="utf-8"?>
+<p:sld xmlns:a="http://schemas.openxmlformats.org/drawingml/2006/main" xmlns:r="http://schemas.openxmlformats.org/officeDocument/2006/relationships" xmlns:p="http://schemas.openxmlformats.org/presentationml/2006/main">
+  <p:cSld>
+    <p:spTree>
+      <p:nvGrpSpPr>
+        <p:cNvPr id="1" name=""/>
+        <p:cNvGrpSpPr/>
+        <p:nvPr/>
+      </p:nvGrpSpPr>
+      <p:grpSpPr>
+        <a:xfrm>
+          <a:off x="0" y="0"/>
+          <a:ext cx="0" cy="0"/>
+          <a:chOff x="0" y="0"/>
+          <a:chExt cx="0" cy="0"/>
+        </a:xfrm>
+      </p:grpSpPr>
+      <p:sp>
+        <p:nvSpPr>
+          <p:cNvPr id="2" name="Título 1">
+            <a:extLst>
+              <a:ext uri="{FF2B5EF4-FFF2-40B4-BE49-F238E27FC236}">
+                <a16:creationId xmlns:a16="http://schemas.microsoft.com/office/drawing/2014/main" id="{75E9EE52-165B-43D4-A179-C74253828EB6}"/>
+              </a:ext>
+            </a:extLst>
+          </p:cNvPr>
+          <p:cNvSpPr>
+            <a:spLocks noGrp="1"/>
+          </p:cNvSpPr>
+          <p:nvPr>
+            <p:ph type="title"/>
+          </p:nvPr>
+        </p:nvSpPr>
+        <p:spPr/>
+        <p:txBody>
+          <a:bodyPr/>
+          <a:lstStyle/>
+          <a:p>
+            <a:r>
+              <a:rPr lang="es-MX" dirty="0"/>
+              <a:t>Ejercicio 15</a:t>
+            </a:r>
+          </a:p>
+        </p:txBody>
+      </p:sp>
+      <p:pic>
+        <p:nvPicPr>
+          <p:cNvPr id="5" name="Marcador de contenido 4">
+            <a:extLst>
+              <a:ext uri="{FF2B5EF4-FFF2-40B4-BE49-F238E27FC236}">
+                <a16:creationId xmlns:a16="http://schemas.microsoft.com/office/drawing/2014/main" id="{4E24C124-E683-4225-86B4-D03A2AB30345}"/>
+              </a:ext>
+            </a:extLst>
+          </p:cNvPr>
+          <p:cNvPicPr>
+            <a:picLocks noGrp="1" noChangeAspect="1"/>
+          </p:cNvPicPr>
+          <p:nvPr>
+            <p:ph idx="1"/>
+          </p:nvPr>
+        </p:nvPicPr>
+        <p:blipFill>
+          <a:blip r:embed="rId2"/>
+          <a:stretch>
+            <a:fillRect/>
+          </a:stretch>
+        </p:blipFill>
+        <p:spPr>
+          <a:xfrm>
+            <a:off x="695329" y="1160906"/>
+            <a:ext cx="5249893" cy="575129"/>
+          </a:xfrm>
+        </p:spPr>
+      </p:pic>
+      <p:pic>
+        <p:nvPicPr>
+          <p:cNvPr id="7" name="Imagen 6">
+            <a:extLst>
+              <a:ext uri="{FF2B5EF4-FFF2-40B4-BE49-F238E27FC236}">
+                <a16:creationId xmlns:a16="http://schemas.microsoft.com/office/drawing/2014/main" id="{87B4F208-4D64-412C-B9DF-0C11B9553E98}"/>
+              </a:ext>
+            </a:extLst>
+          </p:cNvPr>
+          <p:cNvPicPr>
+            <a:picLocks noChangeAspect="1"/>
+          </p:cNvPicPr>
+          <p:nvPr/>
+        </p:nvPicPr>
+        <p:blipFill>
+          <a:blip r:embed="rId3"/>
+          <a:stretch>
+            <a:fillRect/>
+          </a:stretch>
+        </p:blipFill>
+        <p:spPr>
+          <a:xfrm>
+            <a:off x="729064" y="2084348"/>
+            <a:ext cx="3557613" cy="3965596"/>
+          </a:xfrm>
+          <a:prstGeom prst="rect">
+            <a:avLst/>
+          </a:prstGeom>
+        </p:spPr>
+      </p:pic>
+      <p:sp>
+        <p:nvSpPr>
+          <p:cNvPr id="8" name="CuadroTexto 7">
+            <a:extLst>
+              <a:ext uri="{FF2B5EF4-FFF2-40B4-BE49-F238E27FC236}">
+                <a16:creationId xmlns:a16="http://schemas.microsoft.com/office/drawing/2014/main" id="{A19250D8-FF26-47B7-94D3-85CCCA11EFF2}"/>
+              </a:ext>
+            </a:extLst>
+          </p:cNvPr>
+          <p:cNvSpPr txBox="1"/>
+          <p:nvPr/>
+        </p:nvSpPr>
+        <p:spPr>
+          <a:xfrm>
+            <a:off x="4638261" y="2505670"/>
+            <a:ext cx="5931878" cy="923330"/>
+          </a:xfrm>
+          <a:prstGeom prst="rect">
+            <a:avLst/>
+          </a:prstGeom>
+          <a:noFill/>
+        </p:spPr>
+        <p:txBody>
+          <a:bodyPr wrap="square" rtlCol="0">
+            <a:spAutoFit/>
+          </a:bodyPr>
+          <a:lstStyle/>
+          <a:p>
+            <a:r>
+              <a:rPr lang="es-MX" dirty="0" err="1"/>
+              <a:t>Rt</a:t>
+            </a:r>
+            <a:r>
+              <a:rPr lang="es-MX" dirty="0"/>
+              <a:t>=1/(1/20+1/10+1/5)=2.857Ohms</a:t>
+            </a:r>
+          </a:p>
+          <a:p>
+            <a:r>
+              <a:rPr lang="es-MX" dirty="0" err="1"/>
+              <a:t>It</a:t>
+            </a:r>
+            <a:r>
+              <a:rPr lang="es-MX" dirty="0"/>
+              <a:t>=21 A</a:t>
+            </a:r>
+          </a:p>
+          <a:p>
+            <a:r>
+              <a:rPr lang="es-MX" dirty="0"/>
+              <a:t>Et=(60V)(21 A)=1.260kW</a:t>
+            </a:r>
+          </a:p>
+        </p:txBody>
+      </p:sp>
+      <p:pic>
+        <p:nvPicPr>
+          <p:cNvPr id="13" name="Imagen 12" descr="Diagrama&#10;&#10;Descripción generada automáticamente">
+            <a:extLst>
+              <a:ext uri="{FF2B5EF4-FFF2-40B4-BE49-F238E27FC236}">
+                <a16:creationId xmlns:a16="http://schemas.microsoft.com/office/drawing/2014/main" id="{884DD0F4-DEC6-4671-B216-46692CE01D44}"/>
+              </a:ext>
+            </a:extLst>
+          </p:cNvPr>
+          <p:cNvPicPr>
+            <a:picLocks noChangeAspect="1"/>
+          </p:cNvPicPr>
+          <p:nvPr/>
+        </p:nvPicPr>
+        <p:blipFill>
+          <a:blip r:embed="rId4"/>
+          <a:stretch>
+            <a:fillRect/>
+          </a:stretch>
+        </p:blipFill>
+        <p:spPr>
+          <a:xfrm>
+            <a:off x="4894963" y="3945550"/>
+            <a:ext cx="3652689" cy="2497743"/>
+          </a:xfrm>
+          <a:prstGeom prst="rect">
+            <a:avLst/>
+          </a:prstGeom>
+        </p:spPr>
+      </p:pic>
+    </p:spTree>
+    <p:extLst>
+      <p:ext uri="{BB962C8B-B14F-4D97-AF65-F5344CB8AC3E}">
+        <p14:creationId xmlns:p14="http://schemas.microsoft.com/office/powerpoint/2010/main" val="3808993111"/>
       </p:ext>
     </p:extLst>
   </p:cSld>
@@ -13556,8 +14943,8 @@
             <a:chExt cx="3092760" cy="361440"/>
           </a:xfrm>
         </p:grpSpPr>
-        <mc:AlternateContent xmlns:mc="http://schemas.openxmlformats.org/markup-compatibility/2006">
-          <mc:Choice xmlns:p14="http://schemas.microsoft.com/office/powerpoint/2010/main" xmlns:aink="http://schemas.microsoft.com/office/drawing/2016/ink" Requires="p14 aink">
+        <mc:AlternateContent xmlns:mc="http://schemas.openxmlformats.org/markup-compatibility/2006" xmlns:p14="http://schemas.microsoft.com/office/powerpoint/2010/main" xmlns:aink="http://schemas.microsoft.com/office/drawing/2016/ink">
+          <mc:Choice Requires="p14 aink">
             <p:contentPart p14:bwMode="auto" r:id="rId6">
               <p14:nvContentPartPr>
                 <p14:cNvPr id="16" name="Entrada de lápiz 15">
@@ -13576,7 +14963,7 @@
               </p14:xfrm>
             </p:contentPart>
           </mc:Choice>
-          <mc:Fallback>
+          <mc:Fallback xmlns="">
             <p:pic>
               <p:nvPicPr>
                 <p:cNvPr id="16" name="Entrada de lápiz 15">
@@ -13607,8 +14994,8 @@
             </p:pic>
           </mc:Fallback>
         </mc:AlternateContent>
-        <mc:AlternateContent xmlns:mc="http://schemas.openxmlformats.org/markup-compatibility/2006">
-          <mc:Choice xmlns:p14="http://schemas.microsoft.com/office/powerpoint/2010/main" xmlns:aink="http://schemas.microsoft.com/office/drawing/2016/ink" Requires="p14 aink">
+        <mc:AlternateContent xmlns:mc="http://schemas.openxmlformats.org/markup-compatibility/2006" xmlns:p14="http://schemas.microsoft.com/office/powerpoint/2010/main" xmlns:aink="http://schemas.microsoft.com/office/drawing/2016/ink">
+          <mc:Choice Requires="p14 aink">
             <p:contentPart p14:bwMode="auto" r:id="rId8">
               <p14:nvContentPartPr>
                 <p14:cNvPr id="17" name="Entrada de lápiz 16">
@@ -13627,7 +15014,7 @@
               </p14:xfrm>
             </p:contentPart>
           </mc:Choice>
-          <mc:Fallback>
+          <mc:Fallback xmlns="">
             <p:pic>
               <p:nvPicPr>
                 <p:cNvPr id="17" name="Entrada de lápiz 16">
@@ -13658,8 +15045,8 @@
             </p:pic>
           </mc:Fallback>
         </mc:AlternateContent>
-        <mc:AlternateContent xmlns:mc="http://schemas.openxmlformats.org/markup-compatibility/2006">
-          <mc:Choice xmlns:p14="http://schemas.microsoft.com/office/powerpoint/2010/main" xmlns:aink="http://schemas.microsoft.com/office/drawing/2016/ink" Requires="p14 aink">
+        <mc:AlternateContent xmlns:mc="http://schemas.openxmlformats.org/markup-compatibility/2006" xmlns:p14="http://schemas.microsoft.com/office/powerpoint/2010/main" xmlns:aink="http://schemas.microsoft.com/office/drawing/2016/ink">
+          <mc:Choice Requires="p14 aink">
             <p:contentPart p14:bwMode="auto" r:id="rId10">
               <p14:nvContentPartPr>
                 <p14:cNvPr id="19" name="Entrada de lápiz 18">
@@ -13678,7 +15065,7 @@
               </p14:xfrm>
             </p:contentPart>
           </mc:Choice>
-          <mc:Fallback>
+          <mc:Fallback xmlns="">
             <p:pic>
               <p:nvPicPr>
                 <p:cNvPr id="19" name="Entrada de lápiz 18">
@@ -13709,8 +15096,8 @@
             </p:pic>
           </mc:Fallback>
         </mc:AlternateContent>
-        <mc:AlternateContent xmlns:mc="http://schemas.openxmlformats.org/markup-compatibility/2006">
-          <mc:Choice xmlns:p14="http://schemas.microsoft.com/office/powerpoint/2010/main" xmlns:aink="http://schemas.microsoft.com/office/drawing/2016/ink" Requires="p14 aink">
+        <mc:AlternateContent xmlns:mc="http://schemas.openxmlformats.org/markup-compatibility/2006" xmlns:p14="http://schemas.microsoft.com/office/powerpoint/2010/main" xmlns:aink="http://schemas.microsoft.com/office/drawing/2016/ink">
+          <mc:Choice Requires="p14 aink">
             <p:contentPart p14:bwMode="auto" r:id="rId12">
               <p14:nvContentPartPr>
                 <p14:cNvPr id="20" name="Entrada de lápiz 19">
@@ -13729,7 +15116,7 @@
               </p14:xfrm>
             </p:contentPart>
           </mc:Choice>
-          <mc:Fallback>
+          <mc:Fallback xmlns="">
             <p:pic>
               <p:nvPicPr>
                 <p:cNvPr id="20" name="Entrada de lápiz 19">
@@ -13760,8 +15147,8 @@
             </p:pic>
           </mc:Fallback>
         </mc:AlternateContent>
-        <mc:AlternateContent xmlns:mc="http://schemas.openxmlformats.org/markup-compatibility/2006">
-          <mc:Choice xmlns:p14="http://schemas.microsoft.com/office/powerpoint/2010/main" xmlns:aink="http://schemas.microsoft.com/office/drawing/2016/ink" Requires="p14 aink">
+        <mc:AlternateContent xmlns:mc="http://schemas.openxmlformats.org/markup-compatibility/2006" xmlns:p14="http://schemas.microsoft.com/office/powerpoint/2010/main" xmlns:aink="http://schemas.microsoft.com/office/drawing/2016/ink">
+          <mc:Choice Requires="p14 aink">
             <p:contentPart p14:bwMode="auto" r:id="rId14">
               <p14:nvContentPartPr>
                 <p14:cNvPr id="21" name="Entrada de lápiz 20">
@@ -13780,7 +15167,7 @@
               </p14:xfrm>
             </p:contentPart>
           </mc:Choice>
-          <mc:Fallback>
+          <mc:Fallback xmlns="">
             <p:pic>
               <p:nvPicPr>
                 <p:cNvPr id="21" name="Entrada de lápiz 20">
@@ -13832,8 +15219,8 @@
             <a:chExt cx="1043640" cy="209880"/>
           </a:xfrm>
         </p:grpSpPr>
-        <mc:AlternateContent xmlns:mc="http://schemas.openxmlformats.org/markup-compatibility/2006">
-          <mc:Choice xmlns:p14="http://schemas.microsoft.com/office/powerpoint/2010/main" xmlns:aink="http://schemas.microsoft.com/office/drawing/2016/ink" Requires="p14 aink">
+        <mc:AlternateContent xmlns:mc="http://schemas.openxmlformats.org/markup-compatibility/2006" xmlns:p14="http://schemas.microsoft.com/office/powerpoint/2010/main" xmlns:aink="http://schemas.microsoft.com/office/drawing/2016/ink">
+          <mc:Choice Requires="p14 aink">
             <p:contentPart p14:bwMode="auto" r:id="rId16">
               <p14:nvContentPartPr>
                 <p14:cNvPr id="23" name="Entrada de lápiz 22">
@@ -13852,7 +15239,7 @@
               </p14:xfrm>
             </p:contentPart>
           </mc:Choice>
-          <mc:Fallback>
+          <mc:Fallback xmlns="">
             <p:pic>
               <p:nvPicPr>
                 <p:cNvPr id="23" name="Entrada de lápiz 22">
@@ -13883,8 +15270,8 @@
             </p:pic>
           </mc:Fallback>
         </mc:AlternateContent>
-        <mc:AlternateContent xmlns:mc="http://schemas.openxmlformats.org/markup-compatibility/2006">
-          <mc:Choice xmlns:p14="http://schemas.microsoft.com/office/powerpoint/2010/main" xmlns:aink="http://schemas.microsoft.com/office/drawing/2016/ink" Requires="p14 aink">
+        <mc:AlternateContent xmlns:mc="http://schemas.openxmlformats.org/markup-compatibility/2006" xmlns:p14="http://schemas.microsoft.com/office/powerpoint/2010/main" xmlns:aink="http://schemas.microsoft.com/office/drawing/2016/ink">
+          <mc:Choice Requires="p14 aink">
             <p:contentPart p14:bwMode="auto" r:id="rId18">
               <p14:nvContentPartPr>
                 <p14:cNvPr id="24" name="Entrada de lápiz 23">
@@ -13903,7 +15290,7 @@
               </p14:xfrm>
             </p:contentPart>
           </mc:Choice>
-          <mc:Fallback>
+          <mc:Fallback xmlns="">
             <p:pic>
               <p:nvPicPr>
                 <p:cNvPr id="24" name="Entrada de lápiz 23">
@@ -13955,8 +15342,8 @@
             <a:chExt cx="1098360" cy="162720"/>
           </a:xfrm>
         </p:grpSpPr>
-        <mc:AlternateContent xmlns:mc="http://schemas.openxmlformats.org/markup-compatibility/2006">
-          <mc:Choice xmlns:p14="http://schemas.microsoft.com/office/powerpoint/2010/main" xmlns:aink="http://schemas.microsoft.com/office/drawing/2016/ink" Requires="p14 aink">
+        <mc:AlternateContent xmlns:mc="http://schemas.openxmlformats.org/markup-compatibility/2006" xmlns:p14="http://schemas.microsoft.com/office/powerpoint/2010/main" xmlns:aink="http://schemas.microsoft.com/office/drawing/2016/ink">
+          <mc:Choice Requires="p14 aink">
             <p:contentPart p14:bwMode="auto" r:id="rId20">
               <p14:nvContentPartPr>
                 <p14:cNvPr id="26" name="Entrada de lápiz 25">
@@ -13975,7 +15362,7 @@
               </p14:xfrm>
             </p:contentPart>
           </mc:Choice>
-          <mc:Fallback>
+          <mc:Fallback xmlns="">
             <p:pic>
               <p:nvPicPr>
                 <p:cNvPr id="26" name="Entrada de lápiz 25">
@@ -14006,8 +15393,8 @@
             </p:pic>
           </mc:Fallback>
         </mc:AlternateContent>
-        <mc:AlternateContent xmlns:mc="http://schemas.openxmlformats.org/markup-compatibility/2006">
-          <mc:Choice xmlns:p14="http://schemas.microsoft.com/office/powerpoint/2010/main" xmlns:aink="http://schemas.microsoft.com/office/drawing/2016/ink" Requires="p14 aink">
+        <mc:AlternateContent xmlns:mc="http://schemas.openxmlformats.org/markup-compatibility/2006" xmlns:p14="http://schemas.microsoft.com/office/powerpoint/2010/main" xmlns:aink="http://schemas.microsoft.com/office/drawing/2016/ink">
+          <mc:Choice Requires="p14 aink">
             <p:contentPart p14:bwMode="auto" r:id="rId22">
               <p14:nvContentPartPr>
                 <p14:cNvPr id="27" name="Entrada de lápiz 26">
@@ -14026,7 +15413,7 @@
               </p14:xfrm>
             </p:contentPart>
           </mc:Choice>
-          <mc:Fallback>
+          <mc:Fallback xmlns="">
             <p:pic>
               <p:nvPicPr>
                 <p:cNvPr id="27" name="Entrada de lápiz 26">
@@ -14062,6 +15449,1304 @@
     <p:extLst>
       <p:ext uri="{BB962C8B-B14F-4D97-AF65-F5344CB8AC3E}">
         <p14:creationId xmlns:p14="http://schemas.microsoft.com/office/powerpoint/2010/main" val="1117954179"/>
+      </p:ext>
+    </p:extLst>
+  </p:cSld>
+  <p:clrMapOvr>
+    <a:masterClrMapping/>
+  </p:clrMapOvr>
+</p:sld>
+</file>
+
+<file path=ppt/slides/slide20.xml><?xml version="1.0" encoding="utf-8"?>
+<p:sld xmlns:a="http://schemas.openxmlformats.org/drawingml/2006/main" xmlns:r="http://schemas.openxmlformats.org/officeDocument/2006/relationships" xmlns:p="http://schemas.openxmlformats.org/presentationml/2006/main">
+  <p:cSld>
+    <p:spTree>
+      <p:nvGrpSpPr>
+        <p:cNvPr id="1" name=""/>
+        <p:cNvGrpSpPr/>
+        <p:nvPr/>
+      </p:nvGrpSpPr>
+      <p:grpSpPr>
+        <a:xfrm>
+          <a:off x="0" y="0"/>
+          <a:ext cx="0" cy="0"/>
+          <a:chOff x="0" y="0"/>
+          <a:chExt cx="0" cy="0"/>
+        </a:xfrm>
+      </p:grpSpPr>
+      <p:sp>
+        <p:nvSpPr>
+          <p:cNvPr id="2" name="Título 1">
+            <a:extLst>
+              <a:ext uri="{FF2B5EF4-FFF2-40B4-BE49-F238E27FC236}">
+                <a16:creationId xmlns:a16="http://schemas.microsoft.com/office/drawing/2014/main" id="{51C83406-E944-473F-BC8F-EB6B1D2347D5}"/>
+              </a:ext>
+            </a:extLst>
+          </p:cNvPr>
+          <p:cNvSpPr>
+            <a:spLocks noGrp="1"/>
+          </p:cNvSpPr>
+          <p:nvPr>
+            <p:ph type="title"/>
+          </p:nvPr>
+        </p:nvSpPr>
+        <p:spPr/>
+        <p:txBody>
+          <a:bodyPr/>
+          <a:lstStyle/>
+          <a:p>
+            <a:r>
+              <a:rPr lang="es-MX" dirty="0"/>
+              <a:t>Ejercicio 17</a:t>
+            </a:r>
+          </a:p>
+        </p:txBody>
+      </p:sp>
+      <p:sp>
+        <p:nvSpPr>
+          <p:cNvPr id="3" name="Marcador de contenido 2">
+            <a:extLst>
+              <a:ext uri="{FF2B5EF4-FFF2-40B4-BE49-F238E27FC236}">
+                <a16:creationId xmlns:a16="http://schemas.microsoft.com/office/drawing/2014/main" id="{D85D15F3-B685-4406-819E-9D4D4DB3E921}"/>
+              </a:ext>
+            </a:extLst>
+          </p:cNvPr>
+          <p:cNvSpPr>
+            <a:spLocks noGrp="1"/>
+          </p:cNvSpPr>
+          <p:nvPr>
+            <p:ph idx="1"/>
+          </p:nvPr>
+        </p:nvSpPr>
+        <p:spPr>
+          <a:xfrm>
+            <a:off x="5372099" y="2052116"/>
+            <a:ext cx="6096001" cy="3997828"/>
+          </a:xfrm>
+        </p:spPr>
+        <p:txBody>
+          <a:bodyPr/>
+          <a:lstStyle/>
+          <a:p>
+            <a:r>
+              <a:rPr lang="es-MX" dirty="0"/>
+              <a:t>V= 24 v </a:t>
+            </a:r>
+          </a:p>
+          <a:p>
+            <a:r>
+              <a:rPr lang="es-MX" dirty="0"/>
+              <a:t>Vr3=24-8=16V</a:t>
+            </a:r>
+          </a:p>
+          <a:p>
+            <a:r>
+              <a:rPr lang="es-MX" dirty="0"/>
+              <a:t>I=16V/4Kohm=4mA</a:t>
+            </a:r>
+          </a:p>
+        </p:txBody>
+      </p:sp>
+      <p:pic>
+        <p:nvPicPr>
+          <p:cNvPr id="5" name="Imagen 4">
+            <a:extLst>
+              <a:ext uri="{FF2B5EF4-FFF2-40B4-BE49-F238E27FC236}">
+                <a16:creationId xmlns:a16="http://schemas.microsoft.com/office/drawing/2014/main" id="{4A30A1D7-31A3-4690-AD00-15712733E4DC}"/>
+              </a:ext>
+            </a:extLst>
+          </p:cNvPr>
+          <p:cNvPicPr>
+            <a:picLocks noChangeAspect="1"/>
+          </p:cNvPicPr>
+          <p:nvPr/>
+        </p:nvPicPr>
+        <p:blipFill>
+          <a:blip r:embed="rId2"/>
+          <a:stretch>
+            <a:fillRect/>
+          </a:stretch>
+        </p:blipFill>
+        <p:spPr>
+          <a:xfrm>
+            <a:off x="423569" y="1346670"/>
+            <a:ext cx="4821560" cy="4482630"/>
+          </a:xfrm>
+          <a:prstGeom prst="rect">
+            <a:avLst/>
+          </a:prstGeom>
+        </p:spPr>
+      </p:pic>
+      <mc:AlternateContent xmlns:mc="http://schemas.openxmlformats.org/markup-compatibility/2006" xmlns:p14="http://schemas.microsoft.com/office/powerpoint/2010/main" xmlns:aink="http://schemas.microsoft.com/office/drawing/2016/ink">
+        <mc:Choice Requires="p14 aink">
+          <p:contentPart p14:bwMode="auto" r:id="rId3">
+            <p14:nvContentPartPr>
+              <p14:cNvPr id="6" name="Entrada de lápiz 5">
+                <a:extLst>
+                  <a:ext uri="{FF2B5EF4-FFF2-40B4-BE49-F238E27FC236}">
+                    <a16:creationId xmlns:a16="http://schemas.microsoft.com/office/drawing/2014/main" id="{26F8F4C7-74AC-4254-A124-701C1999D634}"/>
+                  </a:ext>
+                </a:extLst>
+              </p14:cNvPr>
+              <p14:cNvContentPartPr/>
+              <p14:nvPr/>
+            </p14:nvContentPartPr>
+            <p14:xfrm>
+              <a:off x="2581020" y="4362045"/>
+              <a:ext cx="360" cy="360"/>
+            </p14:xfrm>
+          </p:contentPart>
+        </mc:Choice>
+        <mc:Fallback xmlns="">
+          <p:pic>
+            <p:nvPicPr>
+              <p:cNvPr id="6" name="Entrada de lápiz 5">
+                <a:extLst>
+                  <a:ext uri="{FF2B5EF4-FFF2-40B4-BE49-F238E27FC236}">
+                    <a16:creationId xmlns:a16="http://schemas.microsoft.com/office/drawing/2014/main" id="{26F8F4C7-74AC-4254-A124-701C1999D634}"/>
+                  </a:ext>
+                </a:extLst>
+              </p:cNvPr>
+              <p:cNvPicPr/>
+              <p:nvPr/>
+            </p:nvPicPr>
+            <p:blipFill>
+              <a:blip r:embed="rId4"/>
+              <a:stretch>
+                <a:fillRect/>
+              </a:stretch>
+            </p:blipFill>
+            <p:spPr>
+              <a:xfrm>
+                <a:off x="2563020" y="4344045"/>
+                <a:ext cx="36000" cy="36000"/>
+              </a:xfrm>
+              <a:prstGeom prst="rect">
+                <a:avLst/>
+              </a:prstGeom>
+            </p:spPr>
+          </p:pic>
+        </mc:Fallback>
+      </mc:AlternateContent>
+      <mc:AlternateContent xmlns:mc="http://schemas.openxmlformats.org/markup-compatibility/2006" xmlns:p14="http://schemas.microsoft.com/office/powerpoint/2010/main" xmlns:aink="http://schemas.microsoft.com/office/drawing/2016/ink">
+        <mc:Choice Requires="p14 aink">
+          <p:contentPart p14:bwMode="auto" r:id="rId5">
+            <p14:nvContentPartPr>
+              <p14:cNvPr id="7" name="Entrada de lápiz 6">
+                <a:extLst>
+                  <a:ext uri="{FF2B5EF4-FFF2-40B4-BE49-F238E27FC236}">
+                    <a16:creationId xmlns:a16="http://schemas.microsoft.com/office/drawing/2014/main" id="{4AE616B6-3AF6-42EB-95A0-C5E3CEA62D6F}"/>
+                  </a:ext>
+                </a:extLst>
+              </p14:cNvPr>
+              <p14:cNvContentPartPr/>
+              <p14:nvPr/>
+            </p14:nvContentPartPr>
+            <p14:xfrm>
+              <a:off x="1285740" y="3705045"/>
+              <a:ext cx="345960" cy="360"/>
+            </p14:xfrm>
+          </p:contentPart>
+        </mc:Choice>
+        <mc:Fallback xmlns="">
+          <p:pic>
+            <p:nvPicPr>
+              <p:cNvPr id="7" name="Entrada de lápiz 6">
+                <a:extLst>
+                  <a:ext uri="{FF2B5EF4-FFF2-40B4-BE49-F238E27FC236}">
+                    <a16:creationId xmlns:a16="http://schemas.microsoft.com/office/drawing/2014/main" id="{4AE616B6-3AF6-42EB-95A0-C5E3CEA62D6F}"/>
+                  </a:ext>
+                </a:extLst>
+              </p:cNvPr>
+              <p:cNvPicPr/>
+              <p:nvPr/>
+            </p:nvPicPr>
+            <p:blipFill>
+              <a:blip r:embed="rId6"/>
+              <a:stretch>
+                <a:fillRect/>
+              </a:stretch>
+            </p:blipFill>
+            <p:spPr>
+              <a:xfrm>
+                <a:off x="1267740" y="3687045"/>
+                <a:ext cx="381600" cy="36000"/>
+              </a:xfrm>
+              <a:prstGeom prst="rect">
+                <a:avLst/>
+              </a:prstGeom>
+            </p:spPr>
+          </p:pic>
+        </mc:Fallback>
+      </mc:AlternateContent>
+      <p:grpSp>
+        <p:nvGrpSpPr>
+          <p:cNvPr id="14" name="Grupo 13">
+            <a:extLst>
+              <a:ext uri="{FF2B5EF4-FFF2-40B4-BE49-F238E27FC236}">
+                <a16:creationId xmlns:a16="http://schemas.microsoft.com/office/drawing/2014/main" id="{5396AC3D-8149-472D-BA66-C2D19984EFD0}"/>
+              </a:ext>
+            </a:extLst>
+          </p:cNvPr>
+          <p:cNvGrpSpPr/>
+          <p:nvPr/>
+        </p:nvGrpSpPr>
+        <p:grpSpPr>
+          <a:xfrm>
+            <a:off x="1256940" y="3819165"/>
+            <a:ext cx="303480" cy="639000"/>
+            <a:chOff x="1256940" y="3819165"/>
+            <a:chExt cx="303480" cy="639000"/>
+          </a:xfrm>
+        </p:grpSpPr>
+        <mc:AlternateContent xmlns:mc="http://schemas.openxmlformats.org/markup-compatibility/2006" xmlns:p14="http://schemas.microsoft.com/office/powerpoint/2010/main" xmlns:aink="http://schemas.microsoft.com/office/drawing/2016/ink">
+          <mc:Choice Requires="p14 aink">
+            <p:contentPart p14:bwMode="auto" r:id="rId7">
+              <p14:nvContentPartPr>
+                <p14:cNvPr id="8" name="Entrada de lápiz 7">
+                  <a:extLst>
+                    <a:ext uri="{FF2B5EF4-FFF2-40B4-BE49-F238E27FC236}">
+                      <a16:creationId xmlns:a16="http://schemas.microsoft.com/office/drawing/2014/main" id="{3EBD3E90-69F3-4147-B640-30E2869F5899}"/>
+                    </a:ext>
+                  </a:extLst>
+                </p14:cNvPr>
+                <p14:cNvContentPartPr/>
+                <p14:nvPr/>
+              </p14:nvContentPartPr>
+              <p14:xfrm>
+                <a:off x="1390500" y="3819165"/>
+                <a:ext cx="169920" cy="360"/>
+              </p14:xfrm>
+            </p:contentPart>
+          </mc:Choice>
+          <mc:Fallback xmlns="">
+            <p:pic>
+              <p:nvPicPr>
+                <p:cNvPr id="8" name="Entrada de lápiz 7">
+                  <a:extLst>
+                    <a:ext uri="{FF2B5EF4-FFF2-40B4-BE49-F238E27FC236}">
+                      <a16:creationId xmlns:a16="http://schemas.microsoft.com/office/drawing/2014/main" id="{3EBD3E90-69F3-4147-B640-30E2869F5899}"/>
+                    </a:ext>
+                  </a:extLst>
+                </p:cNvPr>
+                <p:cNvPicPr/>
+                <p:nvPr/>
+              </p:nvPicPr>
+              <p:blipFill>
+                <a:blip r:embed="rId8"/>
+                <a:stretch>
+                  <a:fillRect/>
+                </a:stretch>
+              </p:blipFill>
+              <p:spPr>
+                <a:xfrm>
+                  <a:off x="1372500" y="3801165"/>
+                  <a:ext cx="205560" cy="36000"/>
+                </a:xfrm>
+                <a:prstGeom prst="rect">
+                  <a:avLst/>
+                </a:prstGeom>
+              </p:spPr>
+            </p:pic>
+          </mc:Fallback>
+        </mc:AlternateContent>
+        <mc:AlternateContent xmlns:mc="http://schemas.openxmlformats.org/markup-compatibility/2006" xmlns:p14="http://schemas.microsoft.com/office/powerpoint/2010/main" xmlns:aink="http://schemas.microsoft.com/office/drawing/2016/ink">
+          <mc:Choice Requires="p14 aink">
+            <p:contentPart p14:bwMode="auto" r:id="rId9">
+              <p14:nvContentPartPr>
+                <p14:cNvPr id="9" name="Entrada de lápiz 8">
+                  <a:extLst>
+                    <a:ext uri="{FF2B5EF4-FFF2-40B4-BE49-F238E27FC236}">
+                      <a16:creationId xmlns:a16="http://schemas.microsoft.com/office/drawing/2014/main" id="{0600897C-C66D-401F-9E3D-AC7241144A04}"/>
+                    </a:ext>
+                  </a:extLst>
+                </p14:cNvPr>
+                <p14:cNvContentPartPr/>
+                <p14:nvPr/>
+              </p14:nvContentPartPr>
+              <p14:xfrm>
+                <a:off x="1380060" y="3838245"/>
+                <a:ext cx="85680" cy="551520"/>
+              </p14:xfrm>
+            </p:contentPart>
+          </mc:Choice>
+          <mc:Fallback xmlns="">
+            <p:pic>
+              <p:nvPicPr>
+                <p:cNvPr id="9" name="Entrada de lápiz 8">
+                  <a:extLst>
+                    <a:ext uri="{FF2B5EF4-FFF2-40B4-BE49-F238E27FC236}">
+                      <a16:creationId xmlns:a16="http://schemas.microsoft.com/office/drawing/2014/main" id="{0600897C-C66D-401F-9E3D-AC7241144A04}"/>
+                    </a:ext>
+                  </a:extLst>
+                </p:cNvPr>
+                <p:cNvPicPr/>
+                <p:nvPr/>
+              </p:nvPicPr>
+              <p:blipFill>
+                <a:blip r:embed="rId10"/>
+                <a:stretch>
+                  <a:fillRect/>
+                </a:stretch>
+              </p:blipFill>
+              <p:spPr>
+                <a:xfrm>
+                  <a:off x="1362060" y="3820245"/>
+                  <a:ext cx="121320" cy="587160"/>
+                </a:xfrm>
+                <a:prstGeom prst="rect">
+                  <a:avLst/>
+                </a:prstGeom>
+              </p:spPr>
+            </p:pic>
+          </mc:Fallback>
+        </mc:AlternateContent>
+        <mc:AlternateContent xmlns:mc="http://schemas.openxmlformats.org/markup-compatibility/2006" xmlns:p14="http://schemas.microsoft.com/office/powerpoint/2010/main" xmlns:aink="http://schemas.microsoft.com/office/drawing/2016/ink">
+          <mc:Choice Requires="p14 aink">
+            <p:contentPart p14:bwMode="auto" r:id="rId11">
+              <p14:nvContentPartPr>
+                <p14:cNvPr id="10" name="Entrada de lápiz 9">
+                  <a:extLst>
+                    <a:ext uri="{FF2B5EF4-FFF2-40B4-BE49-F238E27FC236}">
+                      <a16:creationId xmlns:a16="http://schemas.microsoft.com/office/drawing/2014/main" id="{219C2CF1-24BC-471B-8C0C-469B5FCD9CA4}"/>
+                    </a:ext>
+                  </a:extLst>
+                </p14:cNvPr>
+                <p14:cNvContentPartPr/>
+                <p14:nvPr/>
+              </p14:nvContentPartPr>
+              <p14:xfrm>
+                <a:off x="1256940" y="4430805"/>
+                <a:ext cx="275040" cy="27360"/>
+              </p14:xfrm>
+            </p:contentPart>
+          </mc:Choice>
+          <mc:Fallback xmlns="">
+            <p:pic>
+              <p:nvPicPr>
+                <p:cNvPr id="10" name="Entrada de lápiz 9">
+                  <a:extLst>
+                    <a:ext uri="{FF2B5EF4-FFF2-40B4-BE49-F238E27FC236}">
+                      <a16:creationId xmlns:a16="http://schemas.microsoft.com/office/drawing/2014/main" id="{219C2CF1-24BC-471B-8C0C-469B5FCD9CA4}"/>
+                    </a:ext>
+                  </a:extLst>
+                </p:cNvPr>
+                <p:cNvPicPr/>
+                <p:nvPr/>
+              </p:nvPicPr>
+              <p:blipFill>
+                <a:blip r:embed="rId12"/>
+                <a:stretch>
+                  <a:fillRect/>
+                </a:stretch>
+              </p:blipFill>
+              <p:spPr>
+                <a:xfrm>
+                  <a:off x="1238940" y="4412805"/>
+                  <a:ext cx="310680" cy="63000"/>
+                </a:xfrm>
+                <a:prstGeom prst="rect">
+                  <a:avLst/>
+                </a:prstGeom>
+              </p:spPr>
+            </p:pic>
+          </mc:Fallback>
+        </mc:AlternateContent>
+      </p:grpSp>
+      <p:grpSp>
+        <p:nvGrpSpPr>
+          <p:cNvPr id="13" name="Grupo 12">
+            <a:extLst>
+              <a:ext uri="{FF2B5EF4-FFF2-40B4-BE49-F238E27FC236}">
+                <a16:creationId xmlns:a16="http://schemas.microsoft.com/office/drawing/2014/main" id="{9FF24E76-3A67-4FC9-8C89-2329C8F41EC3}"/>
+              </a:ext>
+            </a:extLst>
+          </p:cNvPr>
+          <p:cNvGrpSpPr/>
+          <p:nvPr/>
+        </p:nvGrpSpPr>
+        <p:grpSpPr>
+          <a:xfrm>
+            <a:off x="1295100" y="4562205"/>
+            <a:ext cx="137520" cy="95760"/>
+            <a:chOff x="1295100" y="4562205"/>
+            <a:chExt cx="137520" cy="95760"/>
+          </a:xfrm>
+        </p:grpSpPr>
+        <mc:AlternateContent xmlns:mc="http://schemas.openxmlformats.org/markup-compatibility/2006" xmlns:p14="http://schemas.microsoft.com/office/powerpoint/2010/main" xmlns:aink="http://schemas.microsoft.com/office/drawing/2016/ink">
+          <mc:Choice Requires="p14 aink">
+            <p:contentPart p14:bwMode="auto" r:id="rId13">
+              <p14:nvContentPartPr>
+                <p14:cNvPr id="11" name="Entrada de lápiz 10">
+                  <a:extLst>
+                    <a:ext uri="{FF2B5EF4-FFF2-40B4-BE49-F238E27FC236}">
+                      <a16:creationId xmlns:a16="http://schemas.microsoft.com/office/drawing/2014/main" id="{997DB444-2CEC-47C0-A3EB-194787BC91BD}"/>
+                    </a:ext>
+                  </a:extLst>
+                </p14:cNvPr>
+                <p14:cNvContentPartPr/>
+                <p14:nvPr/>
+              </p14:nvContentPartPr>
+              <p14:xfrm>
+                <a:off x="1295100" y="4562205"/>
+                <a:ext cx="137520" cy="20160"/>
+              </p14:xfrm>
+            </p:contentPart>
+          </mc:Choice>
+          <mc:Fallback xmlns="">
+            <p:pic>
+              <p:nvPicPr>
+                <p:cNvPr id="11" name="Entrada de lápiz 10">
+                  <a:extLst>
+                    <a:ext uri="{FF2B5EF4-FFF2-40B4-BE49-F238E27FC236}">
+                      <a16:creationId xmlns:a16="http://schemas.microsoft.com/office/drawing/2014/main" id="{997DB444-2CEC-47C0-A3EB-194787BC91BD}"/>
+                    </a:ext>
+                  </a:extLst>
+                </p:cNvPr>
+                <p:cNvPicPr/>
+                <p:nvPr/>
+              </p:nvPicPr>
+              <p:blipFill>
+                <a:blip r:embed="rId14"/>
+                <a:stretch>
+                  <a:fillRect/>
+                </a:stretch>
+              </p:blipFill>
+              <p:spPr>
+                <a:xfrm>
+                  <a:off x="1277100" y="4544205"/>
+                  <a:ext cx="173160" cy="55800"/>
+                </a:xfrm>
+                <a:prstGeom prst="rect">
+                  <a:avLst/>
+                </a:prstGeom>
+              </p:spPr>
+            </p:pic>
+          </mc:Fallback>
+        </mc:AlternateContent>
+        <mc:AlternateContent xmlns:mc="http://schemas.openxmlformats.org/markup-compatibility/2006" xmlns:p14="http://schemas.microsoft.com/office/powerpoint/2010/main" xmlns:aink="http://schemas.microsoft.com/office/drawing/2016/ink">
+          <mc:Choice Requires="p14 aink">
+            <p:contentPart p14:bwMode="auto" r:id="rId15">
+              <p14:nvContentPartPr>
+                <p14:cNvPr id="12" name="Entrada de lápiz 11">
+                  <a:extLst>
+                    <a:ext uri="{FF2B5EF4-FFF2-40B4-BE49-F238E27FC236}">
+                      <a16:creationId xmlns:a16="http://schemas.microsoft.com/office/drawing/2014/main" id="{0593749F-6207-4A74-9800-A0FCB998B21B}"/>
+                    </a:ext>
+                  </a:extLst>
+                </p14:cNvPr>
+                <p14:cNvContentPartPr/>
+                <p14:nvPr/>
+              </p14:nvContentPartPr>
+              <p14:xfrm>
+                <a:off x="1380780" y="4657605"/>
+                <a:ext cx="360" cy="360"/>
+              </p14:xfrm>
+            </p:contentPart>
+          </mc:Choice>
+          <mc:Fallback xmlns="">
+            <p:pic>
+              <p:nvPicPr>
+                <p:cNvPr id="12" name="Entrada de lápiz 11">
+                  <a:extLst>
+                    <a:ext uri="{FF2B5EF4-FFF2-40B4-BE49-F238E27FC236}">
+                      <a16:creationId xmlns:a16="http://schemas.microsoft.com/office/drawing/2014/main" id="{0593749F-6207-4A74-9800-A0FCB998B21B}"/>
+                    </a:ext>
+                  </a:extLst>
+                </p:cNvPr>
+                <p:cNvPicPr/>
+                <p:nvPr/>
+              </p:nvPicPr>
+              <p:blipFill>
+                <a:blip r:embed="rId16"/>
+                <a:stretch>
+                  <a:fillRect/>
+                </a:stretch>
+              </p:blipFill>
+              <p:spPr>
+                <a:xfrm>
+                  <a:off x="1362780" y="4639605"/>
+                  <a:ext cx="36000" cy="36000"/>
+                </a:xfrm>
+                <a:prstGeom prst="rect">
+                  <a:avLst/>
+                </a:prstGeom>
+              </p:spPr>
+            </p:pic>
+          </mc:Fallback>
+        </mc:AlternateContent>
+      </p:grpSp>
+      <mc:AlternateContent xmlns:mc="http://schemas.openxmlformats.org/markup-compatibility/2006" xmlns:p14="http://schemas.microsoft.com/office/powerpoint/2010/main" xmlns:aink="http://schemas.microsoft.com/office/drawing/2016/ink">
+        <mc:Choice Requires="p14 aink">
+          <p:contentPart p14:bwMode="auto" r:id="rId17">
+            <p14:nvContentPartPr>
+              <p14:cNvPr id="15" name="Entrada de lápiz 14">
+                <a:extLst>
+                  <a:ext uri="{FF2B5EF4-FFF2-40B4-BE49-F238E27FC236}">
+                    <a16:creationId xmlns:a16="http://schemas.microsoft.com/office/drawing/2014/main" id="{C8EC6D88-7F1A-47C9-9F7E-8328D27C738C}"/>
+                  </a:ext>
+                </a:extLst>
+              </p14:cNvPr>
+              <p14:cNvContentPartPr/>
+              <p14:nvPr/>
+            </p14:nvContentPartPr>
+            <p14:xfrm>
+              <a:off x="1438020" y="3439365"/>
+              <a:ext cx="48960" cy="246600"/>
+            </p14:xfrm>
+          </p:contentPart>
+        </mc:Choice>
+        <mc:Fallback xmlns="">
+          <p:pic>
+            <p:nvPicPr>
+              <p:cNvPr id="15" name="Entrada de lápiz 14">
+                <a:extLst>
+                  <a:ext uri="{FF2B5EF4-FFF2-40B4-BE49-F238E27FC236}">
+                    <a16:creationId xmlns:a16="http://schemas.microsoft.com/office/drawing/2014/main" id="{C8EC6D88-7F1A-47C9-9F7E-8328D27C738C}"/>
+                  </a:ext>
+                </a:extLst>
+              </p:cNvPr>
+              <p:cNvPicPr/>
+              <p:nvPr/>
+            </p:nvPicPr>
+            <p:blipFill>
+              <a:blip r:embed="rId18"/>
+              <a:stretch>
+                <a:fillRect/>
+              </a:stretch>
+            </p:blipFill>
+            <p:spPr>
+              <a:xfrm>
+                <a:off x="1420020" y="3421725"/>
+                <a:ext cx="84600" cy="282240"/>
+              </a:xfrm>
+              <a:prstGeom prst="rect">
+                <a:avLst/>
+              </a:prstGeom>
+            </p:spPr>
+          </p:pic>
+        </mc:Fallback>
+      </mc:AlternateContent>
+      <mc:AlternateContent xmlns:mc="http://schemas.openxmlformats.org/markup-compatibility/2006" xmlns:p14="http://schemas.microsoft.com/office/powerpoint/2010/main">
+        <mc:Choice Requires="p14">
+          <p:contentPart p14:bwMode="auto" r:id="rId19">
+            <p14:nvContentPartPr>
+              <p14:cNvPr id="16" name="Entrada de lápiz 15">
+                <a:extLst>
+                  <a:ext uri="{FF2B5EF4-FFF2-40B4-BE49-F238E27FC236}">
+                    <a16:creationId xmlns:a16="http://schemas.microsoft.com/office/drawing/2014/main" id="{9AB89512-0C94-4836-BD84-D87AD1978878}"/>
+                  </a:ext>
+                </a:extLst>
+              </p14:cNvPr>
+              <p14:cNvContentPartPr/>
+              <p14:nvPr/>
+            </p14:nvContentPartPr>
+            <p14:xfrm>
+              <a:off x="903420" y="1808565"/>
+              <a:ext cx="3887640" cy="3355200"/>
+            </p14:xfrm>
+          </p:contentPart>
+        </mc:Choice>
+        <mc:Fallback xmlns="">
+          <p:pic>
+            <p:nvPicPr>
+              <p:cNvPr id="16" name="Entrada de lápiz 15">
+                <a:extLst>
+                  <a:ext uri="{FF2B5EF4-FFF2-40B4-BE49-F238E27FC236}">
+                    <a16:creationId xmlns:a16="http://schemas.microsoft.com/office/drawing/2014/main" id="{9AB89512-0C94-4836-BD84-D87AD1978878}"/>
+                  </a:ext>
+                </a:extLst>
+              </p:cNvPr>
+              <p:cNvPicPr/>
+              <p:nvPr/>
+            </p:nvPicPr>
+            <p:blipFill>
+              <a:blip r:embed="rId20"/>
+              <a:stretch>
+                <a:fillRect/>
+              </a:stretch>
+            </p:blipFill>
+            <p:spPr>
+              <a:xfrm>
+                <a:off x="894420" y="1799565"/>
+                <a:ext cx="3905280" cy="3372840"/>
+              </a:xfrm>
+              <a:prstGeom prst="rect">
+                <a:avLst/>
+              </a:prstGeom>
+            </p:spPr>
+          </p:pic>
+        </mc:Fallback>
+      </mc:AlternateContent>
+    </p:spTree>
+    <p:extLst>
+      <p:ext uri="{BB962C8B-B14F-4D97-AF65-F5344CB8AC3E}">
+        <p14:creationId xmlns:p14="http://schemas.microsoft.com/office/powerpoint/2010/main" val="568151137"/>
+      </p:ext>
+    </p:extLst>
+  </p:cSld>
+  <p:clrMapOvr>
+    <a:masterClrMapping/>
+  </p:clrMapOvr>
+</p:sld>
+</file>
+
+<file path=ppt/slides/slide21.xml><?xml version="1.0" encoding="utf-8"?>
+<p:sld xmlns:a="http://schemas.openxmlformats.org/drawingml/2006/main" xmlns:r="http://schemas.openxmlformats.org/officeDocument/2006/relationships" xmlns:p="http://schemas.openxmlformats.org/presentationml/2006/main">
+  <p:cSld>
+    <p:spTree>
+      <p:nvGrpSpPr>
+        <p:cNvPr id="1" name=""/>
+        <p:cNvGrpSpPr/>
+        <p:nvPr/>
+      </p:nvGrpSpPr>
+      <p:grpSpPr>
+        <a:xfrm>
+          <a:off x="0" y="0"/>
+          <a:ext cx="0" cy="0"/>
+          <a:chOff x="0" y="0"/>
+          <a:chExt cx="0" cy="0"/>
+        </a:xfrm>
+      </p:grpSpPr>
+      <p:sp>
+        <p:nvSpPr>
+          <p:cNvPr id="2" name="Título 1">
+            <a:extLst>
+              <a:ext uri="{FF2B5EF4-FFF2-40B4-BE49-F238E27FC236}">
+                <a16:creationId xmlns:a16="http://schemas.microsoft.com/office/drawing/2014/main" id="{06E9ECA0-A8F3-4897-91A8-EADD49BC9043}"/>
+              </a:ext>
+            </a:extLst>
+          </p:cNvPr>
+          <p:cNvSpPr>
+            <a:spLocks noGrp="1"/>
+          </p:cNvSpPr>
+          <p:nvPr>
+            <p:ph type="title"/>
+          </p:nvPr>
+        </p:nvSpPr>
+        <p:spPr/>
+        <p:txBody>
+          <a:bodyPr/>
+          <a:lstStyle/>
+          <a:p>
+            <a:r>
+              <a:rPr lang="es-MX" dirty="0"/>
+              <a:t>Ejercicio 18</a:t>
+            </a:r>
+          </a:p>
+        </p:txBody>
+      </p:sp>
+      <p:sp>
+        <p:nvSpPr>
+          <p:cNvPr id="3" name="Marcador de contenido 2">
+            <a:extLst>
+              <a:ext uri="{FF2B5EF4-FFF2-40B4-BE49-F238E27FC236}">
+                <a16:creationId xmlns:a16="http://schemas.microsoft.com/office/drawing/2014/main" id="{F034174A-3E6C-457C-B4F0-F2CC6A8DF89B}"/>
+              </a:ext>
+            </a:extLst>
+          </p:cNvPr>
+          <p:cNvSpPr>
+            <a:spLocks noGrp="1"/>
+          </p:cNvSpPr>
+          <p:nvPr>
+            <p:ph idx="1"/>
+          </p:nvPr>
+        </p:nvSpPr>
+        <p:spPr>
+          <a:xfrm>
+            <a:off x="5610225" y="1469395"/>
+            <a:ext cx="4959914" cy="3997828"/>
+          </a:xfrm>
+        </p:spPr>
+        <p:txBody>
+          <a:bodyPr/>
+          <a:lstStyle/>
+          <a:p>
+            <a:r>
+              <a:rPr lang="es-MX" dirty="0"/>
+              <a:t>Nodo A:</a:t>
+            </a:r>
+          </a:p>
+          <a:p>
+            <a:r>
+              <a:rPr lang="es-MX" dirty="0"/>
+              <a:t>12+9+4-i1=0 =&gt; i1=25 A</a:t>
+            </a:r>
+          </a:p>
+          <a:p>
+            <a:r>
+              <a:rPr lang="es-MX" dirty="0"/>
+              <a:t>Nodo B:</a:t>
+            </a:r>
+          </a:p>
+          <a:p>
+            <a:r>
+              <a:rPr lang="es-MX" dirty="0"/>
+              <a:t>25+4-6-i2=0 =&gt;i2=23 A</a:t>
+            </a:r>
+          </a:p>
+          <a:p>
+            <a:r>
+              <a:rPr lang="es-MX" dirty="0"/>
+              <a:t>Nodo C</a:t>
+            </a:r>
+          </a:p>
+          <a:p>
+            <a:r>
+              <a:rPr lang="es-MX"/>
+              <a:t>23-3-i3=0 =&gt; i3=20 A</a:t>
+            </a:r>
+            <a:endParaRPr lang="es-MX" dirty="0"/>
+          </a:p>
+        </p:txBody>
+      </p:sp>
+      <p:pic>
+        <p:nvPicPr>
+          <p:cNvPr id="5" name="Imagen 4">
+            <a:extLst>
+              <a:ext uri="{FF2B5EF4-FFF2-40B4-BE49-F238E27FC236}">
+                <a16:creationId xmlns:a16="http://schemas.microsoft.com/office/drawing/2014/main" id="{1068841A-F609-43AE-A7D2-ECC440148431}"/>
+              </a:ext>
+            </a:extLst>
+          </p:cNvPr>
+          <p:cNvPicPr>
+            <a:picLocks noChangeAspect="1"/>
+          </p:cNvPicPr>
+          <p:nvPr/>
+        </p:nvPicPr>
+        <p:blipFill>
+          <a:blip r:embed="rId2"/>
+          <a:stretch>
+            <a:fillRect/>
+          </a:stretch>
+        </p:blipFill>
+        <p:spPr>
+          <a:xfrm>
+            <a:off x="209317" y="1354968"/>
+            <a:ext cx="5311031" cy="4112255"/>
+          </a:xfrm>
+          <a:prstGeom prst="rect">
+            <a:avLst/>
+          </a:prstGeom>
+        </p:spPr>
+      </p:pic>
+      <mc:AlternateContent xmlns:mc="http://schemas.openxmlformats.org/markup-compatibility/2006" xmlns:p14="http://schemas.microsoft.com/office/powerpoint/2010/main">
+        <mc:Choice Requires="p14">
+          <p:contentPart p14:bwMode="auto" r:id="rId3">
+            <p14:nvContentPartPr>
+              <p14:cNvPr id="6" name="Entrada de lápiz 5">
+                <a:extLst>
+                  <a:ext uri="{FF2B5EF4-FFF2-40B4-BE49-F238E27FC236}">
+                    <a16:creationId xmlns:a16="http://schemas.microsoft.com/office/drawing/2014/main" id="{0E7B51A9-4995-45BC-8110-BFB733866792}"/>
+                  </a:ext>
+                </a:extLst>
+              </p14:cNvPr>
+              <p14:cNvContentPartPr/>
+              <p14:nvPr/>
+            </p14:nvContentPartPr>
+            <p14:xfrm>
+              <a:off x="1220985" y="3133365"/>
+              <a:ext cx="271440" cy="230760"/>
+            </p14:xfrm>
+          </p:contentPart>
+        </mc:Choice>
+        <mc:Fallback xmlns="">
+          <p:pic>
+            <p:nvPicPr>
+              <p:cNvPr id="6" name="Entrada de lápiz 5">
+                <a:extLst>
+                  <a:ext uri="{FF2B5EF4-FFF2-40B4-BE49-F238E27FC236}">
+                    <a16:creationId xmlns:a16="http://schemas.microsoft.com/office/drawing/2014/main" id="{0E7B51A9-4995-45BC-8110-BFB733866792}"/>
+                  </a:ext>
+                </a:extLst>
+              </p:cNvPr>
+              <p:cNvPicPr/>
+              <p:nvPr/>
+            </p:nvPicPr>
+            <p:blipFill>
+              <a:blip r:embed="rId4"/>
+              <a:stretch>
+                <a:fillRect/>
+              </a:stretch>
+            </p:blipFill>
+            <p:spPr>
+              <a:xfrm>
+                <a:off x="1212345" y="3124365"/>
+                <a:ext cx="289080" cy="248400"/>
+              </a:xfrm>
+              <a:prstGeom prst="rect">
+                <a:avLst/>
+              </a:prstGeom>
+            </p:spPr>
+          </p:pic>
+        </mc:Fallback>
+      </mc:AlternateContent>
+      <mc:AlternateContent xmlns:mc="http://schemas.openxmlformats.org/markup-compatibility/2006" xmlns:p14="http://schemas.microsoft.com/office/powerpoint/2010/main">
+        <mc:Choice Requires="p14">
+          <p:contentPart p14:bwMode="auto" r:id="rId5">
+            <p14:nvContentPartPr>
+              <p14:cNvPr id="7" name="Entrada de lápiz 6">
+                <a:extLst>
+                  <a:ext uri="{FF2B5EF4-FFF2-40B4-BE49-F238E27FC236}">
+                    <a16:creationId xmlns:a16="http://schemas.microsoft.com/office/drawing/2014/main" id="{38EF9786-7C77-4709-9CF1-54D5384E493E}"/>
+                  </a:ext>
+                </a:extLst>
+              </p14:cNvPr>
+              <p14:cNvContentPartPr/>
+              <p14:nvPr/>
+            </p14:nvContentPartPr>
+            <p14:xfrm>
+              <a:off x="3586545" y="2695245"/>
+              <a:ext cx="149040" cy="375840"/>
+            </p14:xfrm>
+          </p:contentPart>
+        </mc:Choice>
+        <mc:Fallback xmlns="">
+          <p:pic>
+            <p:nvPicPr>
+              <p:cNvPr id="7" name="Entrada de lápiz 6">
+                <a:extLst>
+                  <a:ext uri="{FF2B5EF4-FFF2-40B4-BE49-F238E27FC236}">
+                    <a16:creationId xmlns:a16="http://schemas.microsoft.com/office/drawing/2014/main" id="{38EF9786-7C77-4709-9CF1-54D5384E493E}"/>
+                  </a:ext>
+                </a:extLst>
+              </p:cNvPr>
+              <p:cNvPicPr/>
+              <p:nvPr/>
+            </p:nvPicPr>
+            <p:blipFill>
+              <a:blip r:embed="rId6"/>
+              <a:stretch>
+                <a:fillRect/>
+              </a:stretch>
+            </p:blipFill>
+            <p:spPr>
+              <a:xfrm>
+                <a:off x="3577545" y="2686245"/>
+                <a:ext cx="166680" cy="393480"/>
+              </a:xfrm>
+              <a:prstGeom prst="rect">
+                <a:avLst/>
+              </a:prstGeom>
+            </p:spPr>
+          </p:pic>
+        </mc:Fallback>
+      </mc:AlternateContent>
+      <mc:AlternateContent xmlns:mc="http://schemas.openxmlformats.org/markup-compatibility/2006" xmlns:p14="http://schemas.microsoft.com/office/powerpoint/2010/main">
+        <mc:Choice Requires="p14">
+          <p:contentPart p14:bwMode="auto" r:id="rId7">
+            <p14:nvContentPartPr>
+              <p14:cNvPr id="8" name="Entrada de lápiz 7">
+                <a:extLst>
+                  <a:ext uri="{FF2B5EF4-FFF2-40B4-BE49-F238E27FC236}">
+                    <a16:creationId xmlns:a16="http://schemas.microsoft.com/office/drawing/2014/main" id="{00A62A9C-5B0A-4343-95C5-595D5F7DCA95}"/>
+                  </a:ext>
+                </a:extLst>
+              </p14:cNvPr>
+              <p14:cNvContentPartPr/>
+              <p14:nvPr/>
+            </p14:nvContentPartPr>
+            <p14:xfrm>
+              <a:off x="4256145" y="4065045"/>
+              <a:ext cx="173160" cy="197280"/>
+            </p14:xfrm>
+          </p:contentPart>
+        </mc:Choice>
+        <mc:Fallback xmlns="">
+          <p:pic>
+            <p:nvPicPr>
+              <p:cNvPr id="8" name="Entrada de lápiz 7">
+                <a:extLst>
+                  <a:ext uri="{FF2B5EF4-FFF2-40B4-BE49-F238E27FC236}">
+                    <a16:creationId xmlns:a16="http://schemas.microsoft.com/office/drawing/2014/main" id="{00A62A9C-5B0A-4343-95C5-595D5F7DCA95}"/>
+                  </a:ext>
+                </a:extLst>
+              </p:cNvPr>
+              <p:cNvPicPr/>
+              <p:nvPr/>
+            </p:nvPicPr>
+            <p:blipFill>
+              <a:blip r:embed="rId8"/>
+              <a:stretch>
+                <a:fillRect/>
+              </a:stretch>
+            </p:blipFill>
+            <p:spPr>
+              <a:xfrm>
+                <a:off x="4247145" y="4056405"/>
+                <a:ext cx="190800" cy="214920"/>
+              </a:xfrm>
+              <a:prstGeom prst="rect">
+                <a:avLst/>
+              </a:prstGeom>
+            </p:spPr>
+          </p:pic>
+        </mc:Fallback>
+      </mc:AlternateContent>
+      <mc:AlternateContent xmlns:mc="http://schemas.openxmlformats.org/markup-compatibility/2006" xmlns:p14="http://schemas.microsoft.com/office/powerpoint/2010/main">
+        <mc:Choice Requires="p14">
+          <p:contentPart p14:bwMode="auto" r:id="rId9">
+            <p14:nvContentPartPr>
+              <p14:cNvPr id="9" name="Entrada de lápiz 8">
+                <a:extLst>
+                  <a:ext uri="{FF2B5EF4-FFF2-40B4-BE49-F238E27FC236}">
+                    <a16:creationId xmlns:a16="http://schemas.microsoft.com/office/drawing/2014/main" id="{96003CF9-925F-42C6-B2D1-48A1F7B4A961}"/>
+                  </a:ext>
+                </a:extLst>
+              </p14:cNvPr>
+              <p14:cNvContentPartPr/>
+              <p14:nvPr/>
+            </p14:nvContentPartPr>
+            <p14:xfrm>
+              <a:off x="6629265" y="3219045"/>
+              <a:ext cx="3960" cy="360"/>
+            </p14:xfrm>
+          </p:contentPart>
+        </mc:Choice>
+        <mc:Fallback xmlns="">
+          <p:pic>
+            <p:nvPicPr>
+              <p:cNvPr id="9" name="Entrada de lápiz 8">
+                <a:extLst>
+                  <a:ext uri="{FF2B5EF4-FFF2-40B4-BE49-F238E27FC236}">
+                    <a16:creationId xmlns:a16="http://schemas.microsoft.com/office/drawing/2014/main" id="{96003CF9-925F-42C6-B2D1-48A1F7B4A961}"/>
+                  </a:ext>
+                </a:extLst>
+              </p:cNvPr>
+              <p:cNvPicPr/>
+              <p:nvPr/>
+            </p:nvPicPr>
+            <p:blipFill>
+              <a:blip r:embed="rId10"/>
+              <a:stretch>
+                <a:fillRect/>
+              </a:stretch>
+            </p:blipFill>
+            <p:spPr>
+              <a:xfrm>
+                <a:off x="6620265" y="3210045"/>
+                <a:ext cx="21600" cy="18000"/>
+              </a:xfrm>
+              <a:prstGeom prst="rect">
+                <a:avLst/>
+              </a:prstGeom>
+            </p:spPr>
+          </p:pic>
+        </mc:Fallback>
+      </mc:AlternateContent>
+      <mc:AlternateContent xmlns:mc="http://schemas.openxmlformats.org/markup-compatibility/2006" xmlns:p14="http://schemas.microsoft.com/office/powerpoint/2010/main">
+        <mc:Choice Requires="p14">
+          <p:contentPart p14:bwMode="auto" r:id="rId11">
+            <p14:nvContentPartPr>
+              <p14:cNvPr id="10" name="Entrada de lápiz 9">
+                <a:extLst>
+                  <a:ext uri="{FF2B5EF4-FFF2-40B4-BE49-F238E27FC236}">
+                    <a16:creationId xmlns:a16="http://schemas.microsoft.com/office/drawing/2014/main" id="{CD3EE6C6-3799-47CC-B05B-050BD35917A0}"/>
+                  </a:ext>
+                </a:extLst>
+              </p14:cNvPr>
+              <p14:cNvContentPartPr/>
+              <p14:nvPr/>
+            </p14:nvContentPartPr>
+            <p14:xfrm>
+              <a:off x="6295905" y="3314445"/>
+              <a:ext cx="360" cy="360"/>
+            </p14:xfrm>
+          </p:contentPart>
+        </mc:Choice>
+        <mc:Fallback xmlns="">
+          <p:pic>
+            <p:nvPicPr>
+              <p:cNvPr id="10" name="Entrada de lápiz 9">
+                <a:extLst>
+                  <a:ext uri="{FF2B5EF4-FFF2-40B4-BE49-F238E27FC236}">
+                    <a16:creationId xmlns:a16="http://schemas.microsoft.com/office/drawing/2014/main" id="{CD3EE6C6-3799-47CC-B05B-050BD35917A0}"/>
+                  </a:ext>
+                </a:extLst>
+              </p:cNvPr>
+              <p:cNvPicPr/>
+              <p:nvPr/>
+            </p:nvPicPr>
+            <p:blipFill>
+              <a:blip r:embed="rId12"/>
+              <a:stretch>
+                <a:fillRect/>
+              </a:stretch>
+            </p:blipFill>
+            <p:spPr>
+              <a:xfrm>
+                <a:off x="6286905" y="3305445"/>
+                <a:ext cx="18000" cy="18000"/>
+              </a:xfrm>
+              <a:prstGeom prst="rect">
+                <a:avLst/>
+              </a:prstGeom>
+            </p:spPr>
+          </p:pic>
+        </mc:Fallback>
+      </mc:AlternateContent>
+      <mc:AlternateContent xmlns:mc="http://schemas.openxmlformats.org/markup-compatibility/2006" xmlns:p14="http://schemas.microsoft.com/office/powerpoint/2010/main">
+        <mc:Choice Requires="p14">
+          <p:contentPart p14:bwMode="auto" r:id="rId13">
+            <p14:nvContentPartPr>
+              <p14:cNvPr id="11" name="Entrada de lápiz 10">
+                <a:extLst>
+                  <a:ext uri="{FF2B5EF4-FFF2-40B4-BE49-F238E27FC236}">
+                    <a16:creationId xmlns:a16="http://schemas.microsoft.com/office/drawing/2014/main" id="{CE968FEF-8659-4967-A5CC-3C38A569F84B}"/>
+                  </a:ext>
+                </a:extLst>
+              </p14:cNvPr>
+              <p14:cNvContentPartPr/>
+              <p14:nvPr/>
+            </p14:nvContentPartPr>
+            <p14:xfrm>
+              <a:off x="6162345" y="3466725"/>
+              <a:ext cx="360" cy="360"/>
+            </p14:xfrm>
+          </p:contentPart>
+        </mc:Choice>
+        <mc:Fallback xmlns="">
+          <p:pic>
+            <p:nvPicPr>
+              <p:cNvPr id="11" name="Entrada de lápiz 10">
+                <a:extLst>
+                  <a:ext uri="{FF2B5EF4-FFF2-40B4-BE49-F238E27FC236}">
+                    <a16:creationId xmlns:a16="http://schemas.microsoft.com/office/drawing/2014/main" id="{CE968FEF-8659-4967-A5CC-3C38A569F84B}"/>
+                  </a:ext>
+                </a:extLst>
+              </p:cNvPr>
+              <p:cNvPicPr/>
+              <p:nvPr/>
+            </p:nvPicPr>
+            <p:blipFill>
+              <a:blip r:embed="rId12"/>
+              <a:stretch>
+                <a:fillRect/>
+              </a:stretch>
+            </p:blipFill>
+            <p:spPr>
+              <a:xfrm>
+                <a:off x="6153345" y="3457725"/>
+                <a:ext cx="18000" cy="18000"/>
+              </a:xfrm>
+              <a:prstGeom prst="rect">
+                <a:avLst/>
+              </a:prstGeom>
+            </p:spPr>
+          </p:pic>
+        </mc:Fallback>
+      </mc:AlternateContent>
+    </p:spTree>
+    <p:extLst>
+      <p:ext uri="{BB962C8B-B14F-4D97-AF65-F5344CB8AC3E}">
+        <p14:creationId xmlns:p14="http://schemas.microsoft.com/office/powerpoint/2010/main" val="1987033647"/>
+      </p:ext>
+    </p:extLst>
+  </p:cSld>
+  <p:clrMapOvr>
+    <a:masterClrMapping/>
+  </p:clrMapOvr>
+</p:sld>
+</file>
+
+<file path=ppt/slides/slide22.xml><?xml version="1.0" encoding="utf-8"?>
+<p:sld xmlns:a="http://schemas.openxmlformats.org/drawingml/2006/main" xmlns:r="http://schemas.openxmlformats.org/officeDocument/2006/relationships" xmlns:p="http://schemas.openxmlformats.org/presentationml/2006/main">
+  <p:cSld>
+    <p:spTree>
+      <p:nvGrpSpPr>
+        <p:cNvPr id="1" name=""/>
+        <p:cNvGrpSpPr/>
+        <p:nvPr/>
+      </p:nvGrpSpPr>
+      <p:grpSpPr>
+        <a:xfrm>
+          <a:off x="0" y="0"/>
+          <a:ext cx="0" cy="0"/>
+          <a:chOff x="0" y="0"/>
+          <a:chExt cx="0" cy="0"/>
+        </a:xfrm>
+      </p:grpSpPr>
+      <p:sp>
+        <p:nvSpPr>
+          <p:cNvPr id="2" name="Título 1">
+            <a:extLst>
+              <a:ext uri="{FF2B5EF4-FFF2-40B4-BE49-F238E27FC236}">
+                <a16:creationId xmlns:a16="http://schemas.microsoft.com/office/drawing/2014/main" id="{070A857B-0438-44F8-8FE2-11AA3B0214EE}"/>
+              </a:ext>
+            </a:extLst>
+          </p:cNvPr>
+          <p:cNvSpPr>
+            <a:spLocks noGrp="1"/>
+          </p:cNvSpPr>
+          <p:nvPr>
+            <p:ph type="title"/>
+          </p:nvPr>
+        </p:nvSpPr>
+        <p:spPr/>
+        <p:txBody>
+          <a:bodyPr/>
+          <a:lstStyle/>
+          <a:p>
+            <a:r>
+              <a:rPr lang="es-MX" dirty="0"/>
+              <a:t>Ejercicio 19</a:t>
+            </a:r>
+          </a:p>
+        </p:txBody>
+      </p:sp>
+      <p:pic>
+        <p:nvPicPr>
+          <p:cNvPr id="5" name="Marcador de contenido 4">
+            <a:extLst>
+              <a:ext uri="{FF2B5EF4-FFF2-40B4-BE49-F238E27FC236}">
+                <a16:creationId xmlns:a16="http://schemas.microsoft.com/office/drawing/2014/main" id="{C14DA6EE-72CF-4388-842A-375477050EFD}"/>
+              </a:ext>
+            </a:extLst>
+          </p:cNvPr>
+          <p:cNvPicPr>
+            <a:picLocks noGrp="1" noChangeAspect="1"/>
+          </p:cNvPicPr>
+          <p:nvPr>
+            <p:ph idx="1"/>
+          </p:nvPr>
+        </p:nvPicPr>
+        <p:blipFill>
+          <a:blip r:embed="rId2"/>
+          <a:stretch>
+            <a:fillRect/>
+          </a:stretch>
+        </p:blipFill>
+        <p:spPr>
+          <a:xfrm>
+            <a:off x="653498" y="713171"/>
+            <a:ext cx="5020275" cy="651803"/>
+          </a:xfrm>
+        </p:spPr>
+      </p:pic>
+      <p:pic>
+        <p:nvPicPr>
+          <p:cNvPr id="7" name="Imagen 6" descr="Diagrama, Esquemático&#10;&#10;Descripción generada automáticamente">
+            <a:extLst>
+              <a:ext uri="{FF2B5EF4-FFF2-40B4-BE49-F238E27FC236}">
+                <a16:creationId xmlns:a16="http://schemas.microsoft.com/office/drawing/2014/main" id="{E6014B75-FE56-4F33-B4C0-78E388B77475}"/>
+              </a:ext>
+            </a:extLst>
+          </p:cNvPr>
+          <p:cNvPicPr>
+            <a:picLocks noChangeAspect="1"/>
+          </p:cNvPicPr>
+          <p:nvPr/>
+        </p:nvPicPr>
+        <p:blipFill>
+          <a:blip r:embed="rId3"/>
+          <a:stretch>
+            <a:fillRect/>
+          </a:stretch>
+        </p:blipFill>
+        <p:spPr>
+          <a:xfrm>
+            <a:off x="1485595" y="1454232"/>
+            <a:ext cx="2789902" cy="2356767"/>
+          </a:xfrm>
+          <a:prstGeom prst="rect">
+            <a:avLst/>
+          </a:prstGeom>
+        </p:spPr>
+      </p:pic>
+      <p:pic>
+        <p:nvPicPr>
+          <p:cNvPr id="9" name="Imagen 8" descr="Diagrama&#10;&#10;Descripción generada automáticamente">
+            <a:extLst>
+              <a:ext uri="{FF2B5EF4-FFF2-40B4-BE49-F238E27FC236}">
+                <a16:creationId xmlns:a16="http://schemas.microsoft.com/office/drawing/2014/main" id="{33680645-11BC-43C2-96EF-F94A6ABEBDB1}"/>
+              </a:ext>
+            </a:extLst>
+          </p:cNvPr>
+          <p:cNvPicPr>
+            <a:picLocks noChangeAspect="1"/>
+          </p:cNvPicPr>
+          <p:nvPr/>
+        </p:nvPicPr>
+        <p:blipFill rotWithShape="1">
+          <a:blip r:embed="rId4"/>
+          <a:srcRect r="5240"/>
+          <a:stretch/>
+        </p:blipFill>
+        <p:spPr>
+          <a:xfrm>
+            <a:off x="5794014" y="1039072"/>
+            <a:ext cx="2327941" cy="2426707"/>
+          </a:xfrm>
+          <a:prstGeom prst="rect">
+            <a:avLst/>
+          </a:prstGeom>
+        </p:spPr>
+      </p:pic>
+      <p:pic>
+        <p:nvPicPr>
+          <p:cNvPr id="12" name="Imagen 11" descr="Texto, Pizarra&#10;&#10;Descripción generada automáticamente">
+            <a:extLst>
+              <a:ext uri="{FF2B5EF4-FFF2-40B4-BE49-F238E27FC236}">
+                <a16:creationId xmlns:a16="http://schemas.microsoft.com/office/drawing/2014/main" id="{C3FE01A1-5994-4E51-BD79-36F9A201E44A}"/>
+              </a:ext>
+            </a:extLst>
+          </p:cNvPr>
+          <p:cNvPicPr>
+            <a:picLocks noChangeAspect="1"/>
+          </p:cNvPicPr>
+          <p:nvPr/>
+        </p:nvPicPr>
+        <p:blipFill>
+          <a:blip r:embed="rId5"/>
+          <a:stretch>
+            <a:fillRect/>
+          </a:stretch>
+        </p:blipFill>
+        <p:spPr>
+          <a:xfrm>
+            <a:off x="1298742" y="3875873"/>
+            <a:ext cx="3163609" cy="2740255"/>
+          </a:xfrm>
+          <a:prstGeom prst="rect">
+            <a:avLst/>
+          </a:prstGeom>
+        </p:spPr>
+      </p:pic>
+      <p:pic>
+        <p:nvPicPr>
+          <p:cNvPr id="14" name="Imagen 13">
+            <a:extLst>
+              <a:ext uri="{FF2B5EF4-FFF2-40B4-BE49-F238E27FC236}">
+                <a16:creationId xmlns:a16="http://schemas.microsoft.com/office/drawing/2014/main" id="{CEB9817B-9A69-4711-96F6-A214B0F9961C}"/>
+              </a:ext>
+            </a:extLst>
+          </p:cNvPr>
+          <p:cNvPicPr>
+            <a:picLocks noChangeAspect="1"/>
+          </p:cNvPicPr>
+          <p:nvPr/>
+        </p:nvPicPr>
+        <p:blipFill>
+          <a:blip r:embed="rId6"/>
+          <a:stretch>
+            <a:fillRect/>
+          </a:stretch>
+        </p:blipFill>
+        <p:spPr>
+          <a:xfrm>
+            <a:off x="5673773" y="3537107"/>
+            <a:ext cx="3422852" cy="3162144"/>
+          </a:xfrm>
+          <a:prstGeom prst="rect">
+            <a:avLst/>
+          </a:prstGeom>
+        </p:spPr>
+      </p:pic>
+    </p:spTree>
+    <p:extLst>
+      <p:ext uri="{BB962C8B-B14F-4D97-AF65-F5344CB8AC3E}">
+        <p14:creationId xmlns:p14="http://schemas.microsoft.com/office/powerpoint/2010/main" val="4151160075"/>
       </p:ext>
     </p:extLst>
   </p:cSld>
@@ -14226,8 +16911,8 @@
             <a:chExt cx="2751480" cy="1064880"/>
           </a:xfrm>
         </p:grpSpPr>
-        <mc:AlternateContent xmlns:mc="http://schemas.openxmlformats.org/markup-compatibility/2006">
-          <mc:Choice xmlns:p14="http://schemas.microsoft.com/office/powerpoint/2010/main" xmlns:aink="http://schemas.microsoft.com/office/drawing/2016/ink" Requires="p14 aink">
+        <mc:AlternateContent xmlns:mc="http://schemas.openxmlformats.org/markup-compatibility/2006" xmlns:p14="http://schemas.microsoft.com/office/powerpoint/2010/main" xmlns:aink="http://schemas.microsoft.com/office/drawing/2016/ink">
+          <mc:Choice Requires="p14 aink">
             <p:contentPart p14:bwMode="auto" r:id="rId5">
               <p14:nvContentPartPr>
                 <p14:cNvPr id="13" name="Entrada de lápiz 12">
@@ -14246,7 +16931,7 @@
               </p14:xfrm>
             </p:contentPart>
           </mc:Choice>
-          <mc:Fallback>
+          <mc:Fallback xmlns="">
             <p:pic>
               <p:nvPicPr>
                 <p:cNvPr id="13" name="Entrada de lápiz 12">
@@ -14277,8 +16962,8 @@
             </p:pic>
           </mc:Fallback>
         </mc:AlternateContent>
-        <mc:AlternateContent xmlns:mc="http://schemas.openxmlformats.org/markup-compatibility/2006">
-          <mc:Choice xmlns:p14="http://schemas.microsoft.com/office/powerpoint/2010/main" xmlns:aink="http://schemas.microsoft.com/office/drawing/2016/ink" Requires="p14 aink">
+        <mc:AlternateContent xmlns:mc="http://schemas.openxmlformats.org/markup-compatibility/2006" xmlns:p14="http://schemas.microsoft.com/office/powerpoint/2010/main" xmlns:aink="http://schemas.microsoft.com/office/drawing/2016/ink">
+          <mc:Choice Requires="p14 aink">
             <p:contentPart p14:bwMode="auto" r:id="rId7">
               <p14:nvContentPartPr>
                 <p14:cNvPr id="14" name="Entrada de lápiz 13">
@@ -14297,7 +16982,7 @@
               </p14:xfrm>
             </p:contentPart>
           </mc:Choice>
-          <mc:Fallback>
+          <mc:Fallback xmlns="">
             <p:pic>
               <p:nvPicPr>
                 <p:cNvPr id="14" name="Entrada de lápiz 13">
@@ -14328,8 +17013,8 @@
             </p:pic>
           </mc:Fallback>
         </mc:AlternateContent>
-        <mc:AlternateContent xmlns:mc="http://schemas.openxmlformats.org/markup-compatibility/2006">
-          <mc:Choice xmlns:p14="http://schemas.microsoft.com/office/powerpoint/2010/main" xmlns:aink="http://schemas.microsoft.com/office/drawing/2016/ink" Requires="p14 aink">
+        <mc:AlternateContent xmlns:mc="http://schemas.openxmlformats.org/markup-compatibility/2006" xmlns:p14="http://schemas.microsoft.com/office/powerpoint/2010/main" xmlns:aink="http://schemas.microsoft.com/office/drawing/2016/ink">
+          <mc:Choice Requires="p14 aink">
             <p:contentPart p14:bwMode="auto" r:id="rId9">
               <p14:nvContentPartPr>
                 <p14:cNvPr id="15" name="Entrada de lápiz 14">
@@ -14348,7 +17033,7 @@
               </p14:xfrm>
             </p:contentPart>
           </mc:Choice>
-          <mc:Fallback>
+          <mc:Fallback xmlns="">
             <p:pic>
               <p:nvPicPr>
                 <p:cNvPr id="15" name="Entrada de lápiz 14">
@@ -14379,8 +17064,8 @@
             </p:pic>
           </mc:Fallback>
         </mc:AlternateContent>
-        <mc:AlternateContent xmlns:mc="http://schemas.openxmlformats.org/markup-compatibility/2006">
-          <mc:Choice xmlns:p14="http://schemas.microsoft.com/office/powerpoint/2010/main" xmlns:aink="http://schemas.microsoft.com/office/drawing/2016/ink" Requires="p14 aink">
+        <mc:AlternateContent xmlns:mc="http://schemas.openxmlformats.org/markup-compatibility/2006" xmlns:p14="http://schemas.microsoft.com/office/powerpoint/2010/main" xmlns:aink="http://schemas.microsoft.com/office/drawing/2016/ink">
+          <mc:Choice Requires="p14 aink">
             <p:contentPart p14:bwMode="auto" r:id="rId11">
               <p14:nvContentPartPr>
                 <p14:cNvPr id="16" name="Entrada de lápiz 15">
@@ -14399,7 +17084,7 @@
               </p14:xfrm>
             </p:contentPart>
           </mc:Choice>
-          <mc:Fallback>
+          <mc:Fallback xmlns="">
             <p:pic>
               <p:nvPicPr>
                 <p:cNvPr id="16" name="Entrada de lápiz 15">
@@ -14430,8 +17115,8 @@
             </p:pic>
           </mc:Fallback>
         </mc:AlternateContent>
-        <mc:AlternateContent xmlns:mc="http://schemas.openxmlformats.org/markup-compatibility/2006">
-          <mc:Choice xmlns:p14="http://schemas.microsoft.com/office/powerpoint/2010/main" xmlns:aink="http://schemas.microsoft.com/office/drawing/2016/ink" Requires="p14 aink">
+        <mc:AlternateContent xmlns:mc="http://schemas.openxmlformats.org/markup-compatibility/2006" xmlns:p14="http://schemas.microsoft.com/office/powerpoint/2010/main" xmlns:aink="http://schemas.microsoft.com/office/drawing/2016/ink">
+          <mc:Choice Requires="p14 aink">
             <p:contentPart p14:bwMode="auto" r:id="rId13">
               <p14:nvContentPartPr>
                 <p14:cNvPr id="17" name="Entrada de lápiz 16">
@@ -14450,7 +17135,7 @@
               </p14:xfrm>
             </p:contentPart>
           </mc:Choice>
-          <mc:Fallback>
+          <mc:Fallback xmlns="">
             <p:pic>
               <p:nvPicPr>
                 <p:cNvPr id="17" name="Entrada de lápiz 16">
@@ -14481,8 +17166,8 @@
             </p:pic>
           </mc:Fallback>
         </mc:AlternateContent>
-        <mc:AlternateContent xmlns:mc="http://schemas.openxmlformats.org/markup-compatibility/2006">
-          <mc:Choice xmlns:p14="http://schemas.microsoft.com/office/powerpoint/2010/main" xmlns:aink="http://schemas.microsoft.com/office/drawing/2016/ink" Requires="p14 aink">
+        <mc:AlternateContent xmlns:mc="http://schemas.openxmlformats.org/markup-compatibility/2006" xmlns:p14="http://schemas.microsoft.com/office/powerpoint/2010/main" xmlns:aink="http://schemas.microsoft.com/office/drawing/2016/ink">
+          <mc:Choice Requires="p14 aink">
             <p:contentPart p14:bwMode="auto" r:id="rId15">
               <p14:nvContentPartPr>
                 <p14:cNvPr id="18" name="Entrada de lápiz 17">
@@ -14501,7 +17186,7 @@
               </p14:xfrm>
             </p:contentPart>
           </mc:Choice>
-          <mc:Fallback>
+          <mc:Fallback xmlns="">
             <p:pic>
               <p:nvPicPr>
                 <p:cNvPr id="18" name="Entrada de lápiz 17">
@@ -14532,8 +17217,8 @@
             </p:pic>
           </mc:Fallback>
         </mc:AlternateContent>
-        <mc:AlternateContent xmlns:mc="http://schemas.openxmlformats.org/markup-compatibility/2006">
-          <mc:Choice xmlns:p14="http://schemas.microsoft.com/office/powerpoint/2010/main" xmlns:aink="http://schemas.microsoft.com/office/drawing/2016/ink" Requires="p14 aink">
+        <mc:AlternateContent xmlns:mc="http://schemas.openxmlformats.org/markup-compatibility/2006" xmlns:p14="http://schemas.microsoft.com/office/powerpoint/2010/main" xmlns:aink="http://schemas.microsoft.com/office/drawing/2016/ink">
+          <mc:Choice Requires="p14 aink">
             <p:contentPart p14:bwMode="auto" r:id="rId17">
               <p14:nvContentPartPr>
                 <p14:cNvPr id="19" name="Entrada de lápiz 18">
@@ -14552,7 +17237,7 @@
               </p14:xfrm>
             </p:contentPart>
           </mc:Choice>
-          <mc:Fallback>
+          <mc:Fallback xmlns="">
             <p:pic>
               <p:nvPicPr>
                 <p:cNvPr id="19" name="Entrada de lápiz 18">
@@ -14583,8 +17268,8 @@
             </p:pic>
           </mc:Fallback>
         </mc:AlternateContent>
-        <mc:AlternateContent xmlns:mc="http://schemas.openxmlformats.org/markup-compatibility/2006">
-          <mc:Choice xmlns:p14="http://schemas.microsoft.com/office/powerpoint/2010/main" xmlns:aink="http://schemas.microsoft.com/office/drawing/2016/ink" Requires="p14 aink">
+        <mc:AlternateContent xmlns:mc="http://schemas.openxmlformats.org/markup-compatibility/2006" xmlns:p14="http://schemas.microsoft.com/office/powerpoint/2010/main" xmlns:aink="http://schemas.microsoft.com/office/drawing/2016/ink">
+          <mc:Choice Requires="p14 aink">
             <p:contentPart p14:bwMode="auto" r:id="rId19">
               <p14:nvContentPartPr>
                 <p14:cNvPr id="20" name="Entrada de lápiz 19">
@@ -14603,7 +17288,7 @@
               </p14:xfrm>
             </p:contentPart>
           </mc:Choice>
-          <mc:Fallback>
+          <mc:Fallback xmlns="">
             <p:pic>
               <p:nvPicPr>
                 <p:cNvPr id="20" name="Entrada de lápiz 19">
@@ -14634,8 +17319,8 @@
             </p:pic>
           </mc:Fallback>
         </mc:AlternateContent>
-        <mc:AlternateContent xmlns:mc="http://schemas.openxmlformats.org/markup-compatibility/2006">
-          <mc:Choice xmlns:p14="http://schemas.microsoft.com/office/powerpoint/2010/main" xmlns:aink="http://schemas.microsoft.com/office/drawing/2016/ink" Requires="p14 aink">
+        <mc:AlternateContent xmlns:mc="http://schemas.openxmlformats.org/markup-compatibility/2006" xmlns:p14="http://schemas.microsoft.com/office/powerpoint/2010/main" xmlns:aink="http://schemas.microsoft.com/office/drawing/2016/ink">
+          <mc:Choice Requires="p14 aink">
             <p:contentPart p14:bwMode="auto" r:id="rId21">
               <p14:nvContentPartPr>
                 <p14:cNvPr id="22" name="Entrada de lápiz 21">
@@ -14654,7 +17339,7 @@
               </p14:xfrm>
             </p:contentPart>
           </mc:Choice>
-          <mc:Fallback>
+          <mc:Fallback xmlns="">
             <p:pic>
               <p:nvPicPr>
                 <p:cNvPr id="22" name="Entrada de lápiz 21">
@@ -14685,8 +17370,8 @@
             </p:pic>
           </mc:Fallback>
         </mc:AlternateContent>
-        <mc:AlternateContent xmlns:mc="http://schemas.openxmlformats.org/markup-compatibility/2006">
-          <mc:Choice xmlns:p14="http://schemas.microsoft.com/office/powerpoint/2010/main" xmlns:aink="http://schemas.microsoft.com/office/drawing/2016/ink" Requires="p14 aink">
+        <mc:AlternateContent xmlns:mc="http://schemas.openxmlformats.org/markup-compatibility/2006" xmlns:p14="http://schemas.microsoft.com/office/powerpoint/2010/main" xmlns:aink="http://schemas.microsoft.com/office/drawing/2016/ink">
+          <mc:Choice Requires="p14 aink">
             <p:contentPart p14:bwMode="auto" r:id="rId23">
               <p14:nvContentPartPr>
                 <p14:cNvPr id="23" name="Entrada de lápiz 22">
@@ -14705,7 +17390,7 @@
               </p14:xfrm>
             </p:contentPart>
           </mc:Choice>
-          <mc:Fallback>
+          <mc:Fallback xmlns="">
             <p:pic>
               <p:nvPicPr>
                 <p:cNvPr id="23" name="Entrada de lápiz 22">
@@ -14736,8 +17421,8 @@
             </p:pic>
           </mc:Fallback>
         </mc:AlternateContent>
-        <mc:AlternateContent xmlns:mc="http://schemas.openxmlformats.org/markup-compatibility/2006">
-          <mc:Choice xmlns:p14="http://schemas.microsoft.com/office/powerpoint/2010/main" xmlns:aink="http://schemas.microsoft.com/office/drawing/2016/ink" Requires="p14 aink">
+        <mc:AlternateContent xmlns:mc="http://schemas.openxmlformats.org/markup-compatibility/2006" xmlns:p14="http://schemas.microsoft.com/office/powerpoint/2010/main" xmlns:aink="http://schemas.microsoft.com/office/drawing/2016/ink">
+          <mc:Choice Requires="p14 aink">
             <p:contentPart p14:bwMode="auto" r:id="rId25">
               <p14:nvContentPartPr>
                 <p14:cNvPr id="24" name="Entrada de lápiz 23">
@@ -14756,7 +17441,7 @@
               </p14:xfrm>
             </p:contentPart>
           </mc:Choice>
-          <mc:Fallback>
+          <mc:Fallback xmlns="">
             <p:pic>
               <p:nvPicPr>
                 <p:cNvPr id="24" name="Entrada de lápiz 23">
@@ -14787,8 +17472,8 @@
             </p:pic>
           </mc:Fallback>
         </mc:AlternateContent>
-        <mc:AlternateContent xmlns:mc="http://schemas.openxmlformats.org/markup-compatibility/2006">
-          <mc:Choice xmlns:p14="http://schemas.microsoft.com/office/powerpoint/2010/main" xmlns:aink="http://schemas.microsoft.com/office/drawing/2016/ink" Requires="p14 aink">
+        <mc:AlternateContent xmlns:mc="http://schemas.openxmlformats.org/markup-compatibility/2006" xmlns:p14="http://schemas.microsoft.com/office/powerpoint/2010/main" xmlns:aink="http://schemas.microsoft.com/office/drawing/2016/ink">
+          <mc:Choice Requires="p14 aink">
             <p:contentPart p14:bwMode="auto" r:id="rId27">
               <p14:nvContentPartPr>
                 <p14:cNvPr id="25" name="Entrada de lápiz 24">
@@ -14807,7 +17492,7 @@
               </p14:xfrm>
             </p:contentPart>
           </mc:Choice>
-          <mc:Fallback>
+          <mc:Fallback xmlns="">
             <p:pic>
               <p:nvPicPr>
                 <p:cNvPr id="25" name="Entrada de lápiz 24">
@@ -14838,8 +17523,8 @@
             </p:pic>
           </mc:Fallback>
         </mc:AlternateContent>
-        <mc:AlternateContent xmlns:mc="http://schemas.openxmlformats.org/markup-compatibility/2006">
-          <mc:Choice xmlns:p14="http://schemas.microsoft.com/office/powerpoint/2010/main" xmlns:aink="http://schemas.microsoft.com/office/drawing/2016/ink" Requires="p14 aink">
+        <mc:AlternateContent xmlns:mc="http://schemas.openxmlformats.org/markup-compatibility/2006" xmlns:p14="http://schemas.microsoft.com/office/powerpoint/2010/main" xmlns:aink="http://schemas.microsoft.com/office/drawing/2016/ink">
+          <mc:Choice Requires="p14 aink">
             <p:contentPart p14:bwMode="auto" r:id="rId29">
               <p14:nvContentPartPr>
                 <p14:cNvPr id="26" name="Entrada de lápiz 25">
@@ -14858,7 +17543,7 @@
               </p14:xfrm>
             </p:contentPart>
           </mc:Choice>
-          <mc:Fallback>
+          <mc:Fallback xmlns="">
             <p:pic>
               <p:nvPicPr>
                 <p:cNvPr id="26" name="Entrada de lápiz 25">
@@ -14889,8 +17574,8 @@
             </p:pic>
           </mc:Fallback>
         </mc:AlternateContent>
-        <mc:AlternateContent xmlns:mc="http://schemas.openxmlformats.org/markup-compatibility/2006">
-          <mc:Choice xmlns:p14="http://schemas.microsoft.com/office/powerpoint/2010/main" xmlns:aink="http://schemas.microsoft.com/office/drawing/2016/ink" Requires="p14 aink">
+        <mc:AlternateContent xmlns:mc="http://schemas.openxmlformats.org/markup-compatibility/2006" xmlns:p14="http://schemas.microsoft.com/office/powerpoint/2010/main" xmlns:aink="http://schemas.microsoft.com/office/drawing/2016/ink">
+          <mc:Choice Requires="p14 aink">
             <p:contentPart p14:bwMode="auto" r:id="rId31">
               <p14:nvContentPartPr>
                 <p14:cNvPr id="27" name="Entrada de lápiz 26">
@@ -14909,7 +17594,7 @@
               </p14:xfrm>
             </p:contentPart>
           </mc:Choice>
-          <mc:Fallback>
+          <mc:Fallback xmlns="">
             <p:pic>
               <p:nvPicPr>
                 <p:cNvPr id="27" name="Entrada de lápiz 26">
@@ -14940,8 +17625,8 @@
             </p:pic>
           </mc:Fallback>
         </mc:AlternateContent>
-        <mc:AlternateContent xmlns:mc="http://schemas.openxmlformats.org/markup-compatibility/2006">
-          <mc:Choice xmlns:p14="http://schemas.microsoft.com/office/powerpoint/2010/main" xmlns:aink="http://schemas.microsoft.com/office/drawing/2016/ink" Requires="p14 aink">
+        <mc:AlternateContent xmlns:mc="http://schemas.openxmlformats.org/markup-compatibility/2006" xmlns:p14="http://schemas.microsoft.com/office/powerpoint/2010/main" xmlns:aink="http://schemas.microsoft.com/office/drawing/2016/ink">
+          <mc:Choice Requires="p14 aink">
             <p:contentPart p14:bwMode="auto" r:id="rId33">
               <p14:nvContentPartPr>
                 <p14:cNvPr id="28" name="Entrada de lápiz 27">
@@ -14960,7 +17645,7 @@
               </p14:xfrm>
             </p:contentPart>
           </mc:Choice>
-          <mc:Fallback>
+          <mc:Fallback xmlns="">
             <p:pic>
               <p:nvPicPr>
                 <p:cNvPr id="28" name="Entrada de lápiz 27">
@@ -14991,8 +17676,8 @@
             </p:pic>
           </mc:Fallback>
         </mc:AlternateContent>
-        <mc:AlternateContent xmlns:mc="http://schemas.openxmlformats.org/markup-compatibility/2006">
-          <mc:Choice xmlns:p14="http://schemas.microsoft.com/office/powerpoint/2010/main" xmlns:aink="http://schemas.microsoft.com/office/drawing/2016/ink" Requires="p14 aink">
+        <mc:AlternateContent xmlns:mc="http://schemas.openxmlformats.org/markup-compatibility/2006" xmlns:p14="http://schemas.microsoft.com/office/powerpoint/2010/main" xmlns:aink="http://schemas.microsoft.com/office/drawing/2016/ink">
+          <mc:Choice Requires="p14 aink">
             <p:contentPart p14:bwMode="auto" r:id="rId35">
               <p14:nvContentPartPr>
                 <p14:cNvPr id="29" name="Entrada de lápiz 28">
@@ -15011,7 +17696,7 @@
               </p14:xfrm>
             </p:contentPart>
           </mc:Choice>
-          <mc:Fallback>
+          <mc:Fallback xmlns="">
             <p:pic>
               <p:nvPicPr>
                 <p:cNvPr id="29" name="Entrada de lápiz 28">
@@ -15042,8 +17727,8 @@
             </p:pic>
           </mc:Fallback>
         </mc:AlternateContent>
-        <mc:AlternateContent xmlns:mc="http://schemas.openxmlformats.org/markup-compatibility/2006">
-          <mc:Choice xmlns:p14="http://schemas.microsoft.com/office/powerpoint/2010/main" xmlns:aink="http://schemas.microsoft.com/office/drawing/2016/ink" Requires="p14 aink">
+        <mc:AlternateContent xmlns:mc="http://schemas.openxmlformats.org/markup-compatibility/2006" xmlns:p14="http://schemas.microsoft.com/office/powerpoint/2010/main" xmlns:aink="http://schemas.microsoft.com/office/drawing/2016/ink">
+          <mc:Choice Requires="p14 aink">
             <p:contentPart p14:bwMode="auto" r:id="rId37">
               <p14:nvContentPartPr>
                 <p14:cNvPr id="30" name="Entrada de lápiz 29">
@@ -15062,7 +17747,7 @@
               </p14:xfrm>
             </p:contentPart>
           </mc:Choice>
-          <mc:Fallback>
+          <mc:Fallback xmlns="">
             <p:pic>
               <p:nvPicPr>
                 <p:cNvPr id="30" name="Entrada de lápiz 29">
@@ -15093,8 +17778,8 @@
             </p:pic>
           </mc:Fallback>
         </mc:AlternateContent>
-        <mc:AlternateContent xmlns:mc="http://schemas.openxmlformats.org/markup-compatibility/2006">
-          <mc:Choice xmlns:p14="http://schemas.microsoft.com/office/powerpoint/2010/main" xmlns:aink="http://schemas.microsoft.com/office/drawing/2016/ink" Requires="p14 aink">
+        <mc:AlternateContent xmlns:mc="http://schemas.openxmlformats.org/markup-compatibility/2006" xmlns:p14="http://schemas.microsoft.com/office/powerpoint/2010/main" xmlns:aink="http://schemas.microsoft.com/office/drawing/2016/ink">
+          <mc:Choice Requires="p14 aink">
             <p:contentPart p14:bwMode="auto" r:id="rId39">
               <p14:nvContentPartPr>
                 <p14:cNvPr id="31" name="Entrada de lápiz 30">
@@ -15113,7 +17798,7 @@
               </p14:xfrm>
             </p:contentPart>
           </mc:Choice>
-          <mc:Fallback>
+          <mc:Fallback xmlns="">
             <p:pic>
               <p:nvPicPr>
                 <p:cNvPr id="31" name="Entrada de lápiz 30">
@@ -15144,8 +17829,8 @@
             </p:pic>
           </mc:Fallback>
         </mc:AlternateContent>
-        <mc:AlternateContent xmlns:mc="http://schemas.openxmlformats.org/markup-compatibility/2006">
-          <mc:Choice xmlns:p14="http://schemas.microsoft.com/office/powerpoint/2010/main" xmlns:aink="http://schemas.microsoft.com/office/drawing/2016/ink" Requires="p14 aink">
+        <mc:AlternateContent xmlns:mc="http://schemas.openxmlformats.org/markup-compatibility/2006" xmlns:p14="http://schemas.microsoft.com/office/powerpoint/2010/main" xmlns:aink="http://schemas.microsoft.com/office/drawing/2016/ink">
+          <mc:Choice Requires="p14 aink">
             <p:contentPart p14:bwMode="auto" r:id="rId41">
               <p14:nvContentPartPr>
                 <p14:cNvPr id="32" name="Entrada de lápiz 31">
@@ -15164,7 +17849,7 @@
               </p14:xfrm>
             </p:contentPart>
           </mc:Choice>
-          <mc:Fallback>
+          <mc:Fallback xmlns="">
             <p:pic>
               <p:nvPicPr>
                 <p:cNvPr id="32" name="Entrada de lápiz 31">
@@ -15195,8 +17880,8 @@
             </p:pic>
           </mc:Fallback>
         </mc:AlternateContent>
-        <mc:AlternateContent xmlns:mc="http://schemas.openxmlformats.org/markup-compatibility/2006">
-          <mc:Choice xmlns:p14="http://schemas.microsoft.com/office/powerpoint/2010/main" xmlns:aink="http://schemas.microsoft.com/office/drawing/2016/ink" Requires="p14 aink">
+        <mc:AlternateContent xmlns:mc="http://schemas.openxmlformats.org/markup-compatibility/2006" xmlns:p14="http://schemas.microsoft.com/office/powerpoint/2010/main" xmlns:aink="http://schemas.microsoft.com/office/drawing/2016/ink">
+          <mc:Choice Requires="p14 aink">
             <p:contentPart p14:bwMode="auto" r:id="rId43">
               <p14:nvContentPartPr>
                 <p14:cNvPr id="33" name="Entrada de lápiz 32">
@@ -15215,7 +17900,7 @@
               </p14:xfrm>
             </p:contentPart>
           </mc:Choice>
-          <mc:Fallback>
+          <mc:Fallback xmlns="">
             <p:pic>
               <p:nvPicPr>
                 <p:cNvPr id="33" name="Entrada de lápiz 32">
@@ -15246,8 +17931,8 @@
             </p:pic>
           </mc:Fallback>
         </mc:AlternateContent>
-        <mc:AlternateContent xmlns:mc="http://schemas.openxmlformats.org/markup-compatibility/2006">
-          <mc:Choice xmlns:p14="http://schemas.microsoft.com/office/powerpoint/2010/main" xmlns:aink="http://schemas.microsoft.com/office/drawing/2016/ink" Requires="p14 aink">
+        <mc:AlternateContent xmlns:mc="http://schemas.openxmlformats.org/markup-compatibility/2006" xmlns:p14="http://schemas.microsoft.com/office/powerpoint/2010/main" xmlns:aink="http://schemas.microsoft.com/office/drawing/2016/ink">
+          <mc:Choice Requires="p14 aink">
             <p:contentPart p14:bwMode="auto" r:id="rId45">
               <p14:nvContentPartPr>
                 <p14:cNvPr id="34" name="Entrada de lápiz 33">
@@ -15266,7 +17951,7 @@
               </p14:xfrm>
             </p:contentPart>
           </mc:Choice>
-          <mc:Fallback>
+          <mc:Fallback xmlns="">
             <p:pic>
               <p:nvPicPr>
                 <p:cNvPr id="34" name="Entrada de lápiz 33">
@@ -15297,8 +17982,8 @@
             </p:pic>
           </mc:Fallback>
         </mc:AlternateContent>
-        <mc:AlternateContent xmlns:mc="http://schemas.openxmlformats.org/markup-compatibility/2006">
-          <mc:Choice xmlns:p14="http://schemas.microsoft.com/office/powerpoint/2010/main" xmlns:aink="http://schemas.microsoft.com/office/drawing/2016/ink" Requires="p14 aink">
+        <mc:AlternateContent xmlns:mc="http://schemas.openxmlformats.org/markup-compatibility/2006" xmlns:p14="http://schemas.microsoft.com/office/powerpoint/2010/main" xmlns:aink="http://schemas.microsoft.com/office/drawing/2016/ink">
+          <mc:Choice Requires="p14 aink">
             <p:contentPart p14:bwMode="auto" r:id="rId47">
               <p14:nvContentPartPr>
                 <p14:cNvPr id="35" name="Entrada de lápiz 34">
@@ -15317,7 +18002,7 @@
               </p14:xfrm>
             </p:contentPart>
           </mc:Choice>
-          <mc:Fallback>
+          <mc:Fallback xmlns="">
             <p:pic>
               <p:nvPicPr>
                 <p:cNvPr id="35" name="Entrada de lápiz 34">
@@ -15348,8 +18033,8 @@
             </p:pic>
           </mc:Fallback>
         </mc:AlternateContent>
-        <mc:AlternateContent xmlns:mc="http://schemas.openxmlformats.org/markup-compatibility/2006">
-          <mc:Choice xmlns:p14="http://schemas.microsoft.com/office/powerpoint/2010/main" xmlns:aink="http://schemas.microsoft.com/office/drawing/2016/ink" Requires="p14 aink">
+        <mc:AlternateContent xmlns:mc="http://schemas.openxmlformats.org/markup-compatibility/2006" xmlns:p14="http://schemas.microsoft.com/office/powerpoint/2010/main" xmlns:aink="http://schemas.microsoft.com/office/drawing/2016/ink">
+          <mc:Choice Requires="p14 aink">
             <p:contentPart p14:bwMode="auto" r:id="rId49">
               <p14:nvContentPartPr>
                 <p14:cNvPr id="36" name="Entrada de lápiz 35">
@@ -15368,7 +18053,7 @@
               </p14:xfrm>
             </p:contentPart>
           </mc:Choice>
-          <mc:Fallback>
+          <mc:Fallback xmlns="">
             <p:pic>
               <p:nvPicPr>
                 <p:cNvPr id="36" name="Entrada de lápiz 35">
@@ -15399,8 +18084,8 @@
             </p:pic>
           </mc:Fallback>
         </mc:AlternateContent>
-        <mc:AlternateContent xmlns:mc="http://schemas.openxmlformats.org/markup-compatibility/2006">
-          <mc:Choice xmlns:p14="http://schemas.microsoft.com/office/powerpoint/2010/main" xmlns:aink="http://schemas.microsoft.com/office/drawing/2016/ink" Requires="p14 aink">
+        <mc:AlternateContent xmlns:mc="http://schemas.openxmlformats.org/markup-compatibility/2006" xmlns:p14="http://schemas.microsoft.com/office/powerpoint/2010/main" xmlns:aink="http://schemas.microsoft.com/office/drawing/2016/ink">
+          <mc:Choice Requires="p14 aink">
             <p:contentPart p14:bwMode="auto" r:id="rId51">
               <p14:nvContentPartPr>
                 <p14:cNvPr id="37" name="Entrada de lápiz 36">
@@ -15419,7 +18104,7 @@
               </p14:xfrm>
             </p:contentPart>
           </mc:Choice>
-          <mc:Fallback>
+          <mc:Fallback xmlns="">
             <p:pic>
               <p:nvPicPr>
                 <p:cNvPr id="37" name="Entrada de lápiz 36">
@@ -15450,8 +18135,8 @@
             </p:pic>
           </mc:Fallback>
         </mc:AlternateContent>
-        <mc:AlternateContent xmlns:mc="http://schemas.openxmlformats.org/markup-compatibility/2006">
-          <mc:Choice xmlns:p14="http://schemas.microsoft.com/office/powerpoint/2010/main" xmlns:aink="http://schemas.microsoft.com/office/drawing/2016/ink" Requires="p14 aink">
+        <mc:AlternateContent xmlns:mc="http://schemas.openxmlformats.org/markup-compatibility/2006" xmlns:p14="http://schemas.microsoft.com/office/powerpoint/2010/main" xmlns:aink="http://schemas.microsoft.com/office/drawing/2016/ink">
+          <mc:Choice Requires="p14 aink">
             <p:contentPart p14:bwMode="auto" r:id="rId53">
               <p14:nvContentPartPr>
                 <p14:cNvPr id="39" name="Entrada de lápiz 38">
@@ -15470,7 +18155,7 @@
               </p14:xfrm>
             </p:contentPart>
           </mc:Choice>
-          <mc:Fallback>
+          <mc:Fallback xmlns="">
             <p:pic>
               <p:nvPicPr>
                 <p:cNvPr id="39" name="Entrada de lápiz 38">
@@ -15501,8 +18186,8 @@
             </p:pic>
           </mc:Fallback>
         </mc:AlternateContent>
-        <mc:AlternateContent xmlns:mc="http://schemas.openxmlformats.org/markup-compatibility/2006">
-          <mc:Choice xmlns:p14="http://schemas.microsoft.com/office/powerpoint/2010/main" xmlns:aink="http://schemas.microsoft.com/office/drawing/2016/ink" Requires="p14 aink">
+        <mc:AlternateContent xmlns:mc="http://schemas.openxmlformats.org/markup-compatibility/2006" xmlns:p14="http://schemas.microsoft.com/office/powerpoint/2010/main" xmlns:aink="http://schemas.microsoft.com/office/drawing/2016/ink">
+          <mc:Choice Requires="p14 aink">
             <p:contentPart p14:bwMode="auto" r:id="rId55">
               <p14:nvContentPartPr>
                 <p14:cNvPr id="40" name="Entrada de lápiz 39">
@@ -15521,7 +18206,7 @@
               </p14:xfrm>
             </p:contentPart>
           </mc:Choice>
-          <mc:Fallback>
+          <mc:Fallback xmlns="">
             <p:pic>
               <p:nvPicPr>
                 <p:cNvPr id="40" name="Entrada de lápiz 39">
@@ -15552,8 +18237,8 @@
             </p:pic>
           </mc:Fallback>
         </mc:AlternateContent>
-        <mc:AlternateContent xmlns:mc="http://schemas.openxmlformats.org/markup-compatibility/2006">
-          <mc:Choice xmlns:p14="http://schemas.microsoft.com/office/powerpoint/2010/main" xmlns:aink="http://schemas.microsoft.com/office/drawing/2016/ink" Requires="p14 aink">
+        <mc:AlternateContent xmlns:mc="http://schemas.openxmlformats.org/markup-compatibility/2006" xmlns:p14="http://schemas.microsoft.com/office/powerpoint/2010/main" xmlns:aink="http://schemas.microsoft.com/office/drawing/2016/ink">
+          <mc:Choice Requires="p14 aink">
             <p:contentPart p14:bwMode="auto" r:id="rId57">
               <p14:nvContentPartPr>
                 <p14:cNvPr id="41" name="Entrada de lápiz 40">
@@ -15572,7 +18257,7 @@
               </p14:xfrm>
             </p:contentPart>
           </mc:Choice>
-          <mc:Fallback>
+          <mc:Fallback xmlns="">
             <p:pic>
               <p:nvPicPr>
                 <p:cNvPr id="41" name="Entrada de lápiz 40">
@@ -15603,8 +18288,8 @@
             </p:pic>
           </mc:Fallback>
         </mc:AlternateContent>
-        <mc:AlternateContent xmlns:mc="http://schemas.openxmlformats.org/markup-compatibility/2006">
-          <mc:Choice xmlns:p14="http://schemas.microsoft.com/office/powerpoint/2010/main" xmlns:aink="http://schemas.microsoft.com/office/drawing/2016/ink" Requires="p14 aink">
+        <mc:AlternateContent xmlns:mc="http://schemas.openxmlformats.org/markup-compatibility/2006" xmlns:p14="http://schemas.microsoft.com/office/powerpoint/2010/main" xmlns:aink="http://schemas.microsoft.com/office/drawing/2016/ink">
+          <mc:Choice Requires="p14 aink">
             <p:contentPart p14:bwMode="auto" r:id="rId59">
               <p14:nvContentPartPr>
                 <p14:cNvPr id="42" name="Entrada de lápiz 41">
@@ -15623,7 +18308,7 @@
               </p14:xfrm>
             </p:contentPart>
           </mc:Choice>
-          <mc:Fallback>
+          <mc:Fallback xmlns="">
             <p:pic>
               <p:nvPicPr>
                 <p:cNvPr id="42" name="Entrada de lápiz 41">
@@ -15654,8 +18339,8 @@
             </p:pic>
           </mc:Fallback>
         </mc:AlternateContent>
-        <mc:AlternateContent xmlns:mc="http://schemas.openxmlformats.org/markup-compatibility/2006">
-          <mc:Choice xmlns:p14="http://schemas.microsoft.com/office/powerpoint/2010/main" xmlns:aink="http://schemas.microsoft.com/office/drawing/2016/ink" Requires="p14 aink">
+        <mc:AlternateContent xmlns:mc="http://schemas.openxmlformats.org/markup-compatibility/2006" xmlns:p14="http://schemas.microsoft.com/office/powerpoint/2010/main" xmlns:aink="http://schemas.microsoft.com/office/drawing/2016/ink">
+          <mc:Choice Requires="p14 aink">
             <p:contentPart p14:bwMode="auto" r:id="rId61">
               <p14:nvContentPartPr>
                 <p14:cNvPr id="43" name="Entrada de lápiz 42">
@@ -15674,7 +18359,7 @@
               </p14:xfrm>
             </p:contentPart>
           </mc:Choice>
-          <mc:Fallback>
+          <mc:Fallback xmlns="">
             <p:pic>
               <p:nvPicPr>
                 <p:cNvPr id="43" name="Entrada de lápiz 42">
@@ -15705,8 +18390,8 @@
             </p:pic>
           </mc:Fallback>
         </mc:AlternateContent>
-        <mc:AlternateContent xmlns:mc="http://schemas.openxmlformats.org/markup-compatibility/2006">
-          <mc:Choice xmlns:p14="http://schemas.microsoft.com/office/powerpoint/2010/main" xmlns:aink="http://schemas.microsoft.com/office/drawing/2016/ink" Requires="p14 aink">
+        <mc:AlternateContent xmlns:mc="http://schemas.openxmlformats.org/markup-compatibility/2006" xmlns:p14="http://schemas.microsoft.com/office/powerpoint/2010/main" xmlns:aink="http://schemas.microsoft.com/office/drawing/2016/ink">
+          <mc:Choice Requires="p14 aink">
             <p:contentPart p14:bwMode="auto" r:id="rId63">
               <p14:nvContentPartPr>
                 <p14:cNvPr id="44" name="Entrada de lápiz 43">
@@ -15725,7 +18410,7 @@
               </p14:xfrm>
             </p:contentPart>
           </mc:Choice>
-          <mc:Fallback>
+          <mc:Fallback xmlns="">
             <p:pic>
               <p:nvPicPr>
                 <p:cNvPr id="44" name="Entrada de lápiz 43">
@@ -15756,8 +18441,8 @@
             </p:pic>
           </mc:Fallback>
         </mc:AlternateContent>
-        <mc:AlternateContent xmlns:mc="http://schemas.openxmlformats.org/markup-compatibility/2006">
-          <mc:Choice xmlns:p14="http://schemas.microsoft.com/office/powerpoint/2010/main" xmlns:aink="http://schemas.microsoft.com/office/drawing/2016/ink" Requires="p14 aink">
+        <mc:AlternateContent xmlns:mc="http://schemas.openxmlformats.org/markup-compatibility/2006" xmlns:p14="http://schemas.microsoft.com/office/powerpoint/2010/main" xmlns:aink="http://schemas.microsoft.com/office/drawing/2016/ink">
+          <mc:Choice Requires="p14 aink">
             <p:contentPart p14:bwMode="auto" r:id="rId65">
               <p14:nvContentPartPr>
                 <p14:cNvPr id="45" name="Entrada de lápiz 44">
@@ -15776,7 +18461,7 @@
               </p14:xfrm>
             </p:contentPart>
           </mc:Choice>
-          <mc:Fallback>
+          <mc:Fallback xmlns="">
             <p:pic>
               <p:nvPicPr>
                 <p:cNvPr id="45" name="Entrada de lápiz 44">
@@ -15807,8 +18492,8 @@
             </p:pic>
           </mc:Fallback>
         </mc:AlternateContent>
-        <mc:AlternateContent xmlns:mc="http://schemas.openxmlformats.org/markup-compatibility/2006">
-          <mc:Choice xmlns:p14="http://schemas.microsoft.com/office/powerpoint/2010/main" xmlns:aink="http://schemas.microsoft.com/office/drawing/2016/ink" Requires="p14 aink">
+        <mc:AlternateContent xmlns:mc="http://schemas.openxmlformats.org/markup-compatibility/2006" xmlns:p14="http://schemas.microsoft.com/office/powerpoint/2010/main" xmlns:aink="http://schemas.microsoft.com/office/drawing/2016/ink">
+          <mc:Choice Requires="p14 aink">
             <p:contentPart p14:bwMode="auto" r:id="rId67">
               <p14:nvContentPartPr>
                 <p14:cNvPr id="46" name="Entrada de lápiz 45">
@@ -15827,7 +18512,7 @@
               </p14:xfrm>
             </p:contentPart>
           </mc:Choice>
-          <mc:Fallback>
+          <mc:Fallback xmlns="">
             <p:pic>
               <p:nvPicPr>
                 <p:cNvPr id="46" name="Entrada de lápiz 45">
@@ -15858,8 +18543,8 @@
             </p:pic>
           </mc:Fallback>
         </mc:AlternateContent>
-        <mc:AlternateContent xmlns:mc="http://schemas.openxmlformats.org/markup-compatibility/2006">
-          <mc:Choice xmlns:p14="http://schemas.microsoft.com/office/powerpoint/2010/main" xmlns:aink="http://schemas.microsoft.com/office/drawing/2016/ink" Requires="p14 aink">
+        <mc:AlternateContent xmlns:mc="http://schemas.openxmlformats.org/markup-compatibility/2006" xmlns:p14="http://schemas.microsoft.com/office/powerpoint/2010/main" xmlns:aink="http://schemas.microsoft.com/office/drawing/2016/ink">
+          <mc:Choice Requires="p14 aink">
             <p:contentPart p14:bwMode="auto" r:id="rId69">
               <p14:nvContentPartPr>
                 <p14:cNvPr id="48" name="Entrada de lápiz 47">
@@ -15878,7 +18563,7 @@
               </p14:xfrm>
             </p:contentPart>
           </mc:Choice>
-          <mc:Fallback>
+          <mc:Fallback xmlns="">
             <p:pic>
               <p:nvPicPr>
                 <p:cNvPr id="48" name="Entrada de lápiz 47">
@@ -15930,8 +18615,8 @@
             <a:chExt cx="1961280" cy="526320"/>
           </a:xfrm>
         </p:grpSpPr>
-        <mc:AlternateContent xmlns:mc="http://schemas.openxmlformats.org/markup-compatibility/2006">
-          <mc:Choice xmlns:p14="http://schemas.microsoft.com/office/powerpoint/2010/main" xmlns:aink="http://schemas.microsoft.com/office/drawing/2016/ink" Requires="p14 aink">
+        <mc:AlternateContent xmlns:mc="http://schemas.openxmlformats.org/markup-compatibility/2006" xmlns:p14="http://schemas.microsoft.com/office/powerpoint/2010/main" xmlns:aink="http://schemas.microsoft.com/office/drawing/2016/ink">
+          <mc:Choice Requires="p14 aink">
             <p:contentPart p14:bwMode="auto" r:id="rId71">
               <p14:nvContentPartPr>
                 <p14:cNvPr id="50" name="Entrada de lápiz 49">
@@ -15950,7 +18635,7 @@
               </p14:xfrm>
             </p:contentPart>
           </mc:Choice>
-          <mc:Fallback>
+          <mc:Fallback xmlns="">
             <p:pic>
               <p:nvPicPr>
                 <p:cNvPr id="50" name="Entrada de lápiz 49">
@@ -15981,8 +18666,8 @@
             </p:pic>
           </mc:Fallback>
         </mc:AlternateContent>
-        <mc:AlternateContent xmlns:mc="http://schemas.openxmlformats.org/markup-compatibility/2006">
-          <mc:Choice xmlns:p14="http://schemas.microsoft.com/office/powerpoint/2010/main" xmlns:aink="http://schemas.microsoft.com/office/drawing/2016/ink" Requires="p14 aink">
+        <mc:AlternateContent xmlns:mc="http://schemas.openxmlformats.org/markup-compatibility/2006" xmlns:p14="http://schemas.microsoft.com/office/powerpoint/2010/main" xmlns:aink="http://schemas.microsoft.com/office/drawing/2016/ink">
+          <mc:Choice Requires="p14 aink">
             <p:contentPart p14:bwMode="auto" r:id="rId73">
               <p14:nvContentPartPr>
                 <p14:cNvPr id="51" name="Entrada de lápiz 50">
@@ -16001,7 +18686,7 @@
               </p14:xfrm>
             </p:contentPart>
           </mc:Choice>
-          <mc:Fallback>
+          <mc:Fallback xmlns="">
             <p:pic>
               <p:nvPicPr>
                 <p:cNvPr id="51" name="Entrada de lápiz 50">
@@ -16032,8 +18717,8 @@
             </p:pic>
           </mc:Fallback>
         </mc:AlternateContent>
-        <mc:AlternateContent xmlns:mc="http://schemas.openxmlformats.org/markup-compatibility/2006">
-          <mc:Choice xmlns:p14="http://schemas.microsoft.com/office/powerpoint/2010/main" xmlns:aink="http://schemas.microsoft.com/office/drawing/2016/ink" Requires="p14 aink">
+        <mc:AlternateContent xmlns:mc="http://schemas.openxmlformats.org/markup-compatibility/2006" xmlns:p14="http://schemas.microsoft.com/office/powerpoint/2010/main" xmlns:aink="http://schemas.microsoft.com/office/drawing/2016/ink">
+          <mc:Choice Requires="p14 aink">
             <p:contentPart p14:bwMode="auto" r:id="rId75">
               <p14:nvContentPartPr>
                 <p14:cNvPr id="52" name="Entrada de lápiz 51">
@@ -16052,7 +18737,7 @@
               </p14:xfrm>
             </p:contentPart>
           </mc:Choice>
-          <mc:Fallback>
+          <mc:Fallback xmlns="">
             <p:pic>
               <p:nvPicPr>
                 <p:cNvPr id="52" name="Entrada de lápiz 51">
@@ -16083,8 +18768,8 @@
             </p:pic>
           </mc:Fallback>
         </mc:AlternateContent>
-        <mc:AlternateContent xmlns:mc="http://schemas.openxmlformats.org/markup-compatibility/2006">
-          <mc:Choice xmlns:p14="http://schemas.microsoft.com/office/powerpoint/2010/main" xmlns:aink="http://schemas.microsoft.com/office/drawing/2016/ink" Requires="p14 aink">
+        <mc:AlternateContent xmlns:mc="http://schemas.openxmlformats.org/markup-compatibility/2006" xmlns:p14="http://schemas.microsoft.com/office/powerpoint/2010/main" xmlns:aink="http://schemas.microsoft.com/office/drawing/2016/ink">
+          <mc:Choice Requires="p14 aink">
             <p:contentPart p14:bwMode="auto" r:id="rId77">
               <p14:nvContentPartPr>
                 <p14:cNvPr id="53" name="Entrada de lápiz 52">
@@ -16103,7 +18788,7 @@
               </p14:xfrm>
             </p:contentPart>
           </mc:Choice>
-          <mc:Fallback>
+          <mc:Fallback xmlns="">
             <p:pic>
               <p:nvPicPr>
                 <p:cNvPr id="53" name="Entrada de lápiz 52">
@@ -16134,8 +18819,8 @@
             </p:pic>
           </mc:Fallback>
         </mc:AlternateContent>
-        <mc:AlternateContent xmlns:mc="http://schemas.openxmlformats.org/markup-compatibility/2006">
-          <mc:Choice xmlns:p14="http://schemas.microsoft.com/office/powerpoint/2010/main" xmlns:aink="http://schemas.microsoft.com/office/drawing/2016/ink" Requires="p14 aink">
+        <mc:AlternateContent xmlns:mc="http://schemas.openxmlformats.org/markup-compatibility/2006" xmlns:p14="http://schemas.microsoft.com/office/powerpoint/2010/main" xmlns:aink="http://schemas.microsoft.com/office/drawing/2016/ink">
+          <mc:Choice Requires="p14 aink">
             <p:contentPart p14:bwMode="auto" r:id="rId79">
               <p14:nvContentPartPr>
                 <p14:cNvPr id="54" name="Entrada de lápiz 53">
@@ -16154,7 +18839,7 @@
               </p14:xfrm>
             </p:contentPart>
           </mc:Choice>
-          <mc:Fallback>
+          <mc:Fallback xmlns="">
             <p:pic>
               <p:nvPicPr>
                 <p:cNvPr id="54" name="Entrada de lápiz 53">
@@ -16185,8 +18870,8 @@
             </p:pic>
           </mc:Fallback>
         </mc:AlternateContent>
-        <mc:AlternateContent xmlns:mc="http://schemas.openxmlformats.org/markup-compatibility/2006">
-          <mc:Choice xmlns:p14="http://schemas.microsoft.com/office/powerpoint/2010/main" xmlns:aink="http://schemas.microsoft.com/office/drawing/2016/ink" Requires="p14 aink">
+        <mc:AlternateContent xmlns:mc="http://schemas.openxmlformats.org/markup-compatibility/2006" xmlns:p14="http://schemas.microsoft.com/office/powerpoint/2010/main" xmlns:aink="http://schemas.microsoft.com/office/drawing/2016/ink">
+          <mc:Choice Requires="p14 aink">
             <p:contentPart p14:bwMode="auto" r:id="rId81">
               <p14:nvContentPartPr>
                 <p14:cNvPr id="55" name="Entrada de lápiz 54">
@@ -16205,7 +18890,7 @@
               </p14:xfrm>
             </p:contentPart>
           </mc:Choice>
-          <mc:Fallback>
+          <mc:Fallback xmlns="">
             <p:pic>
               <p:nvPicPr>
                 <p:cNvPr id="55" name="Entrada de lápiz 54">
@@ -16236,8 +18921,8 @@
             </p:pic>
           </mc:Fallback>
         </mc:AlternateContent>
-        <mc:AlternateContent xmlns:mc="http://schemas.openxmlformats.org/markup-compatibility/2006">
-          <mc:Choice xmlns:p14="http://schemas.microsoft.com/office/powerpoint/2010/main" xmlns:aink="http://schemas.microsoft.com/office/drawing/2016/ink" Requires="p14 aink">
+        <mc:AlternateContent xmlns:mc="http://schemas.openxmlformats.org/markup-compatibility/2006" xmlns:p14="http://schemas.microsoft.com/office/powerpoint/2010/main" xmlns:aink="http://schemas.microsoft.com/office/drawing/2016/ink">
+          <mc:Choice Requires="p14 aink">
             <p:contentPart p14:bwMode="auto" r:id="rId83">
               <p14:nvContentPartPr>
                 <p14:cNvPr id="56" name="Entrada de lápiz 55">
@@ -16256,7 +18941,7 @@
               </p14:xfrm>
             </p:contentPart>
           </mc:Choice>
-          <mc:Fallback>
+          <mc:Fallback xmlns="">
             <p:pic>
               <p:nvPicPr>
                 <p:cNvPr id="56" name="Entrada de lápiz 55">
@@ -16287,8 +18972,8 @@
             </p:pic>
           </mc:Fallback>
         </mc:AlternateContent>
-        <mc:AlternateContent xmlns:mc="http://schemas.openxmlformats.org/markup-compatibility/2006">
-          <mc:Choice xmlns:p14="http://schemas.microsoft.com/office/powerpoint/2010/main" xmlns:aink="http://schemas.microsoft.com/office/drawing/2016/ink" Requires="p14 aink">
+        <mc:AlternateContent xmlns:mc="http://schemas.openxmlformats.org/markup-compatibility/2006" xmlns:p14="http://schemas.microsoft.com/office/powerpoint/2010/main" xmlns:aink="http://schemas.microsoft.com/office/drawing/2016/ink">
+          <mc:Choice Requires="p14 aink">
             <p:contentPart p14:bwMode="auto" r:id="rId85">
               <p14:nvContentPartPr>
                 <p14:cNvPr id="57" name="Entrada de lápiz 56">
@@ -16307,7 +18992,7 @@
               </p14:xfrm>
             </p:contentPart>
           </mc:Choice>
-          <mc:Fallback>
+          <mc:Fallback xmlns="">
             <p:pic>
               <p:nvPicPr>
                 <p:cNvPr id="57" name="Entrada de lápiz 56">
@@ -16338,8 +19023,8 @@
             </p:pic>
           </mc:Fallback>
         </mc:AlternateContent>
-        <mc:AlternateContent xmlns:mc="http://schemas.openxmlformats.org/markup-compatibility/2006">
-          <mc:Choice xmlns:p14="http://schemas.microsoft.com/office/powerpoint/2010/main" xmlns:aink="http://schemas.microsoft.com/office/drawing/2016/ink" Requires="p14 aink">
+        <mc:AlternateContent xmlns:mc="http://schemas.openxmlformats.org/markup-compatibility/2006" xmlns:p14="http://schemas.microsoft.com/office/powerpoint/2010/main" xmlns:aink="http://schemas.microsoft.com/office/drawing/2016/ink">
+          <mc:Choice Requires="p14 aink">
             <p:contentPart p14:bwMode="auto" r:id="rId87">
               <p14:nvContentPartPr>
                 <p14:cNvPr id="59" name="Entrada de lápiz 58">
@@ -16358,7 +19043,7 @@
               </p14:xfrm>
             </p:contentPart>
           </mc:Choice>
-          <mc:Fallback>
+          <mc:Fallback xmlns="">
             <p:pic>
               <p:nvPicPr>
                 <p:cNvPr id="59" name="Entrada de lápiz 58">
@@ -16389,8 +19074,8 @@
             </p:pic>
           </mc:Fallback>
         </mc:AlternateContent>
-        <mc:AlternateContent xmlns:mc="http://schemas.openxmlformats.org/markup-compatibility/2006">
-          <mc:Choice xmlns:p14="http://schemas.microsoft.com/office/powerpoint/2010/main" xmlns:aink="http://schemas.microsoft.com/office/drawing/2016/ink" Requires="p14 aink">
+        <mc:AlternateContent xmlns:mc="http://schemas.openxmlformats.org/markup-compatibility/2006" xmlns:p14="http://schemas.microsoft.com/office/powerpoint/2010/main" xmlns:aink="http://schemas.microsoft.com/office/drawing/2016/ink">
+          <mc:Choice Requires="p14 aink">
             <p:contentPart p14:bwMode="auto" r:id="rId89">
               <p14:nvContentPartPr>
                 <p14:cNvPr id="61" name="Entrada de lápiz 60">
@@ -16409,7 +19094,7 @@
               </p14:xfrm>
             </p:contentPart>
           </mc:Choice>
-          <mc:Fallback>
+          <mc:Fallback xmlns="">
             <p:pic>
               <p:nvPicPr>
                 <p:cNvPr id="61" name="Entrada de lápiz 60">
@@ -16440,8 +19125,8 @@
             </p:pic>
           </mc:Fallback>
         </mc:AlternateContent>
-        <mc:AlternateContent xmlns:mc="http://schemas.openxmlformats.org/markup-compatibility/2006">
-          <mc:Choice xmlns:p14="http://schemas.microsoft.com/office/powerpoint/2010/main" xmlns:aink="http://schemas.microsoft.com/office/drawing/2016/ink" Requires="p14 aink">
+        <mc:AlternateContent xmlns:mc="http://schemas.openxmlformats.org/markup-compatibility/2006" xmlns:p14="http://schemas.microsoft.com/office/powerpoint/2010/main" xmlns:aink="http://schemas.microsoft.com/office/drawing/2016/ink">
+          <mc:Choice Requires="p14 aink">
             <p:contentPart p14:bwMode="auto" r:id="rId91">
               <p14:nvContentPartPr>
                 <p14:cNvPr id="63" name="Entrada de lápiz 62">
@@ -16460,7 +19145,7 @@
               </p14:xfrm>
             </p:contentPart>
           </mc:Choice>
-          <mc:Fallback>
+          <mc:Fallback xmlns="">
             <p:pic>
               <p:nvPicPr>
                 <p:cNvPr id="63" name="Entrada de lápiz 62">
@@ -16491,8 +19176,8 @@
             </p:pic>
           </mc:Fallback>
         </mc:AlternateContent>
-        <mc:AlternateContent xmlns:mc="http://schemas.openxmlformats.org/markup-compatibility/2006">
-          <mc:Choice xmlns:p14="http://schemas.microsoft.com/office/powerpoint/2010/main" xmlns:aink="http://schemas.microsoft.com/office/drawing/2016/ink" Requires="p14 aink">
+        <mc:AlternateContent xmlns:mc="http://schemas.openxmlformats.org/markup-compatibility/2006" xmlns:p14="http://schemas.microsoft.com/office/powerpoint/2010/main" xmlns:aink="http://schemas.microsoft.com/office/drawing/2016/ink">
+          <mc:Choice Requires="p14 aink">
             <p:contentPart p14:bwMode="auto" r:id="rId93">
               <p14:nvContentPartPr>
                 <p14:cNvPr id="64" name="Entrada de lápiz 63">
@@ -16511,7 +19196,7 @@
               </p14:xfrm>
             </p:contentPart>
           </mc:Choice>
-          <mc:Fallback>
+          <mc:Fallback xmlns="">
             <p:pic>
               <p:nvPicPr>
                 <p:cNvPr id="64" name="Entrada de lápiz 63">
@@ -16542,8 +19227,8 @@
             </p:pic>
           </mc:Fallback>
         </mc:AlternateContent>
-        <mc:AlternateContent xmlns:mc="http://schemas.openxmlformats.org/markup-compatibility/2006">
-          <mc:Choice xmlns:p14="http://schemas.microsoft.com/office/powerpoint/2010/main" xmlns:aink="http://schemas.microsoft.com/office/drawing/2016/ink" Requires="p14 aink">
+        <mc:AlternateContent xmlns:mc="http://schemas.openxmlformats.org/markup-compatibility/2006" xmlns:p14="http://schemas.microsoft.com/office/powerpoint/2010/main" xmlns:aink="http://schemas.microsoft.com/office/drawing/2016/ink">
+          <mc:Choice Requires="p14 aink">
             <p:contentPart p14:bwMode="auto" r:id="rId95">
               <p14:nvContentPartPr>
                 <p14:cNvPr id="65" name="Entrada de lápiz 64">
@@ -16562,7 +19247,7 @@
               </p14:xfrm>
             </p:contentPart>
           </mc:Choice>
-          <mc:Fallback>
+          <mc:Fallback xmlns="">
             <p:pic>
               <p:nvPicPr>
                 <p:cNvPr id="65" name="Entrada de lápiz 64">
@@ -16593,8 +19278,8 @@
             </p:pic>
           </mc:Fallback>
         </mc:AlternateContent>
-        <mc:AlternateContent xmlns:mc="http://schemas.openxmlformats.org/markup-compatibility/2006">
-          <mc:Choice xmlns:p14="http://schemas.microsoft.com/office/powerpoint/2010/main" xmlns:aink="http://schemas.microsoft.com/office/drawing/2016/ink" Requires="p14 aink">
+        <mc:AlternateContent xmlns:mc="http://schemas.openxmlformats.org/markup-compatibility/2006" xmlns:p14="http://schemas.microsoft.com/office/powerpoint/2010/main" xmlns:aink="http://schemas.microsoft.com/office/drawing/2016/ink">
+          <mc:Choice Requires="p14 aink">
             <p:contentPart p14:bwMode="auto" r:id="rId97">
               <p14:nvContentPartPr>
                 <p14:cNvPr id="66" name="Entrada de lápiz 65">
@@ -16613,7 +19298,7 @@
               </p14:xfrm>
             </p:contentPart>
           </mc:Choice>
-          <mc:Fallback>
+          <mc:Fallback xmlns="">
             <p:pic>
               <p:nvPicPr>
                 <p:cNvPr id="66" name="Entrada de lápiz 65">
@@ -16644,8 +19329,8 @@
             </p:pic>
           </mc:Fallback>
         </mc:AlternateContent>
-        <mc:AlternateContent xmlns:mc="http://schemas.openxmlformats.org/markup-compatibility/2006">
-          <mc:Choice xmlns:p14="http://schemas.microsoft.com/office/powerpoint/2010/main" xmlns:aink="http://schemas.microsoft.com/office/drawing/2016/ink" Requires="p14 aink">
+        <mc:AlternateContent xmlns:mc="http://schemas.openxmlformats.org/markup-compatibility/2006" xmlns:p14="http://schemas.microsoft.com/office/powerpoint/2010/main" xmlns:aink="http://schemas.microsoft.com/office/drawing/2016/ink">
+          <mc:Choice Requires="p14 aink">
             <p:contentPart p14:bwMode="auto" r:id="rId99">
               <p14:nvContentPartPr>
                 <p14:cNvPr id="67" name="Entrada de lápiz 66">
@@ -16664,7 +19349,7 @@
               </p14:xfrm>
             </p:contentPart>
           </mc:Choice>
-          <mc:Fallback>
+          <mc:Fallback xmlns="">
             <p:pic>
               <p:nvPicPr>
                 <p:cNvPr id="67" name="Entrada de lápiz 66">
@@ -16695,8 +19380,8 @@
             </p:pic>
           </mc:Fallback>
         </mc:AlternateContent>
-        <mc:AlternateContent xmlns:mc="http://schemas.openxmlformats.org/markup-compatibility/2006">
-          <mc:Choice xmlns:p14="http://schemas.microsoft.com/office/powerpoint/2010/main" xmlns:aink="http://schemas.microsoft.com/office/drawing/2016/ink" Requires="p14 aink">
+        <mc:AlternateContent xmlns:mc="http://schemas.openxmlformats.org/markup-compatibility/2006" xmlns:p14="http://schemas.microsoft.com/office/powerpoint/2010/main" xmlns:aink="http://schemas.microsoft.com/office/drawing/2016/ink">
+          <mc:Choice Requires="p14 aink">
             <p:contentPart p14:bwMode="auto" r:id="rId101">
               <p14:nvContentPartPr>
                 <p14:cNvPr id="68" name="Entrada de lápiz 67">
@@ -16715,7 +19400,7 @@
               </p14:xfrm>
             </p:contentPart>
           </mc:Choice>
-          <mc:Fallback>
+          <mc:Fallback xmlns="">
             <p:pic>
               <p:nvPicPr>
                 <p:cNvPr id="68" name="Entrada de lápiz 67">
@@ -16767,8 +19452,8 @@
             <a:chExt cx="100080" cy="153360"/>
           </a:xfrm>
         </p:grpSpPr>
-        <mc:AlternateContent xmlns:mc="http://schemas.openxmlformats.org/markup-compatibility/2006">
-          <mc:Choice xmlns:p14="http://schemas.microsoft.com/office/powerpoint/2010/main" xmlns:aink="http://schemas.microsoft.com/office/drawing/2016/ink" Requires="p14 aink">
+        <mc:AlternateContent xmlns:mc="http://schemas.openxmlformats.org/markup-compatibility/2006" xmlns:p14="http://schemas.microsoft.com/office/powerpoint/2010/main" xmlns:aink="http://schemas.microsoft.com/office/drawing/2016/ink">
+          <mc:Choice Requires="p14 aink">
             <p:contentPart p14:bwMode="auto" r:id="rId103">
               <p14:nvContentPartPr>
                 <p14:cNvPr id="70" name="Entrada de lápiz 69">
@@ -16787,7 +19472,7 @@
               </p14:xfrm>
             </p:contentPart>
           </mc:Choice>
-          <mc:Fallback>
+          <mc:Fallback xmlns="">
             <p:pic>
               <p:nvPicPr>
                 <p:cNvPr id="70" name="Entrada de lápiz 69">
@@ -16818,8 +19503,8 @@
             </p:pic>
           </mc:Fallback>
         </mc:AlternateContent>
-        <mc:AlternateContent xmlns:mc="http://schemas.openxmlformats.org/markup-compatibility/2006">
-          <mc:Choice xmlns:p14="http://schemas.microsoft.com/office/powerpoint/2010/main" xmlns:aink="http://schemas.microsoft.com/office/drawing/2016/ink" Requires="p14 aink">
+        <mc:AlternateContent xmlns:mc="http://schemas.openxmlformats.org/markup-compatibility/2006" xmlns:p14="http://schemas.microsoft.com/office/powerpoint/2010/main" xmlns:aink="http://schemas.microsoft.com/office/drawing/2016/ink">
+          <mc:Choice Requires="p14 aink">
             <p:contentPart p14:bwMode="auto" r:id="rId105">
               <p14:nvContentPartPr>
                 <p14:cNvPr id="71" name="Entrada de lápiz 70">
@@ -16838,7 +19523,7 @@
               </p14:xfrm>
             </p:contentPart>
           </mc:Choice>
-          <mc:Fallback>
+          <mc:Fallback xmlns="">
             <p:pic>
               <p:nvPicPr>
                 <p:cNvPr id="71" name="Entrada de lápiz 70">
@@ -16890,8 +19575,8 @@
             <a:chExt cx="130680" cy="211680"/>
           </a:xfrm>
         </p:grpSpPr>
-        <mc:AlternateContent xmlns:mc="http://schemas.openxmlformats.org/markup-compatibility/2006">
-          <mc:Choice xmlns:p14="http://schemas.microsoft.com/office/powerpoint/2010/main" xmlns:aink="http://schemas.microsoft.com/office/drawing/2016/ink" Requires="p14 aink">
+        <mc:AlternateContent xmlns:mc="http://schemas.openxmlformats.org/markup-compatibility/2006" xmlns:p14="http://schemas.microsoft.com/office/powerpoint/2010/main" xmlns:aink="http://schemas.microsoft.com/office/drawing/2016/ink">
+          <mc:Choice Requires="p14 aink">
             <p:contentPart p14:bwMode="auto" r:id="rId107">
               <p14:nvContentPartPr>
                 <p14:cNvPr id="72" name="Entrada de lápiz 71">
@@ -16910,7 +19595,7 @@
               </p14:xfrm>
             </p:contentPart>
           </mc:Choice>
-          <mc:Fallback>
+          <mc:Fallback xmlns="">
             <p:pic>
               <p:nvPicPr>
                 <p:cNvPr id="72" name="Entrada de lápiz 71">
@@ -16941,8 +19626,8 @@
             </p:pic>
           </mc:Fallback>
         </mc:AlternateContent>
-        <mc:AlternateContent xmlns:mc="http://schemas.openxmlformats.org/markup-compatibility/2006">
-          <mc:Choice xmlns:p14="http://schemas.microsoft.com/office/powerpoint/2010/main" xmlns:aink="http://schemas.microsoft.com/office/drawing/2016/ink" Requires="p14 aink">
+        <mc:AlternateContent xmlns:mc="http://schemas.openxmlformats.org/markup-compatibility/2006" xmlns:p14="http://schemas.microsoft.com/office/powerpoint/2010/main" xmlns:aink="http://schemas.microsoft.com/office/drawing/2016/ink">
+          <mc:Choice Requires="p14 aink">
             <p:contentPart p14:bwMode="auto" r:id="rId109">
               <p14:nvContentPartPr>
                 <p14:cNvPr id="73" name="Entrada de lápiz 72">
@@ -16961,7 +19646,7 @@
               </p14:xfrm>
             </p:contentPart>
           </mc:Choice>
-          <mc:Fallback>
+          <mc:Fallback xmlns="">
             <p:pic>
               <p:nvPicPr>
                 <p:cNvPr id="73" name="Entrada de lápiz 72">
@@ -17013,8 +19698,8 @@
             <a:chExt cx="99720" cy="159120"/>
           </a:xfrm>
         </p:grpSpPr>
-        <mc:AlternateContent xmlns:mc="http://schemas.openxmlformats.org/markup-compatibility/2006">
-          <mc:Choice xmlns:p14="http://schemas.microsoft.com/office/powerpoint/2010/main" xmlns:aink="http://schemas.microsoft.com/office/drawing/2016/ink" Requires="p14 aink">
+        <mc:AlternateContent xmlns:mc="http://schemas.openxmlformats.org/markup-compatibility/2006" xmlns:p14="http://schemas.microsoft.com/office/powerpoint/2010/main" xmlns:aink="http://schemas.microsoft.com/office/drawing/2016/ink">
+          <mc:Choice Requires="p14 aink">
             <p:contentPart p14:bwMode="auto" r:id="rId111">
               <p14:nvContentPartPr>
                 <p14:cNvPr id="74" name="Entrada de lápiz 73">
@@ -17033,7 +19718,7 @@
               </p14:xfrm>
             </p:contentPart>
           </mc:Choice>
-          <mc:Fallback>
+          <mc:Fallback xmlns="">
             <p:pic>
               <p:nvPicPr>
                 <p:cNvPr id="74" name="Entrada de lápiz 73">
@@ -17064,8 +19749,8 @@
             </p:pic>
           </mc:Fallback>
         </mc:AlternateContent>
-        <mc:AlternateContent xmlns:mc="http://schemas.openxmlformats.org/markup-compatibility/2006">
-          <mc:Choice xmlns:p14="http://schemas.microsoft.com/office/powerpoint/2010/main" xmlns:aink="http://schemas.microsoft.com/office/drawing/2016/ink" Requires="p14 aink">
+        <mc:AlternateContent xmlns:mc="http://schemas.openxmlformats.org/markup-compatibility/2006" xmlns:p14="http://schemas.microsoft.com/office/powerpoint/2010/main" xmlns:aink="http://schemas.microsoft.com/office/drawing/2016/ink">
+          <mc:Choice Requires="p14 aink">
             <p:contentPart p14:bwMode="auto" r:id="rId113">
               <p14:nvContentPartPr>
                 <p14:cNvPr id="75" name="Entrada de lápiz 74">
@@ -17084,7 +19769,7 @@
               </p14:xfrm>
             </p:contentPart>
           </mc:Choice>
-          <mc:Fallback>
+          <mc:Fallback xmlns="">
             <p:pic>
               <p:nvPicPr>
                 <p:cNvPr id="75" name="Entrada de lápiz 74">
@@ -17136,8 +19821,8 @@
             <a:chExt cx="67680" cy="154440"/>
           </a:xfrm>
         </p:grpSpPr>
-        <mc:AlternateContent xmlns:mc="http://schemas.openxmlformats.org/markup-compatibility/2006">
-          <mc:Choice xmlns:p14="http://schemas.microsoft.com/office/powerpoint/2010/main" xmlns:aink="http://schemas.microsoft.com/office/drawing/2016/ink" Requires="p14 aink">
+        <mc:AlternateContent xmlns:mc="http://schemas.openxmlformats.org/markup-compatibility/2006" xmlns:p14="http://schemas.microsoft.com/office/powerpoint/2010/main" xmlns:aink="http://schemas.microsoft.com/office/drawing/2016/ink">
+          <mc:Choice Requires="p14 aink">
             <p:contentPart p14:bwMode="auto" r:id="rId115">
               <p14:nvContentPartPr>
                 <p14:cNvPr id="76" name="Entrada de lápiz 75">
@@ -17156,7 +19841,7 @@
               </p14:xfrm>
             </p:contentPart>
           </mc:Choice>
-          <mc:Fallback>
+          <mc:Fallback xmlns="">
             <p:pic>
               <p:nvPicPr>
                 <p:cNvPr id="76" name="Entrada de lápiz 75">
@@ -17187,8 +19872,8 @@
             </p:pic>
           </mc:Fallback>
         </mc:AlternateContent>
-        <mc:AlternateContent xmlns:mc="http://schemas.openxmlformats.org/markup-compatibility/2006">
-          <mc:Choice xmlns:p14="http://schemas.microsoft.com/office/powerpoint/2010/main" xmlns:aink="http://schemas.microsoft.com/office/drawing/2016/ink" Requires="p14 aink">
+        <mc:AlternateContent xmlns:mc="http://schemas.openxmlformats.org/markup-compatibility/2006" xmlns:p14="http://schemas.microsoft.com/office/powerpoint/2010/main" xmlns:aink="http://schemas.microsoft.com/office/drawing/2016/ink">
+          <mc:Choice Requires="p14 aink">
             <p:contentPart p14:bwMode="auto" r:id="rId117">
               <p14:nvContentPartPr>
                 <p14:cNvPr id="77" name="Entrada de lápiz 76">
@@ -17207,7 +19892,7 @@
               </p14:xfrm>
             </p:contentPart>
           </mc:Choice>
-          <mc:Fallback>
+          <mc:Fallback xmlns="">
             <p:pic>
               <p:nvPicPr>
                 <p:cNvPr id="77" name="Entrada de lápiz 76">
@@ -17259,8 +19944,8 @@
             <a:chExt cx="123120" cy="205920"/>
           </a:xfrm>
         </p:grpSpPr>
-        <mc:AlternateContent xmlns:mc="http://schemas.openxmlformats.org/markup-compatibility/2006">
-          <mc:Choice xmlns:p14="http://schemas.microsoft.com/office/powerpoint/2010/main" xmlns:aink="http://schemas.microsoft.com/office/drawing/2016/ink" Requires="p14 aink">
+        <mc:AlternateContent xmlns:mc="http://schemas.openxmlformats.org/markup-compatibility/2006" xmlns:p14="http://schemas.microsoft.com/office/powerpoint/2010/main" xmlns:aink="http://schemas.microsoft.com/office/drawing/2016/ink">
+          <mc:Choice Requires="p14 aink">
             <p:contentPart p14:bwMode="auto" r:id="rId119">
               <p14:nvContentPartPr>
                 <p14:cNvPr id="78" name="Entrada de lápiz 77">
@@ -17279,7 +19964,7 @@
               </p14:xfrm>
             </p:contentPart>
           </mc:Choice>
-          <mc:Fallback>
+          <mc:Fallback xmlns="">
             <p:pic>
               <p:nvPicPr>
                 <p:cNvPr id="78" name="Entrada de lápiz 77">
@@ -17310,8 +19995,8 @@
             </p:pic>
           </mc:Fallback>
         </mc:AlternateContent>
-        <mc:AlternateContent xmlns:mc="http://schemas.openxmlformats.org/markup-compatibility/2006">
-          <mc:Choice xmlns:p14="http://schemas.microsoft.com/office/powerpoint/2010/main" xmlns:aink="http://schemas.microsoft.com/office/drawing/2016/ink" Requires="p14 aink">
+        <mc:AlternateContent xmlns:mc="http://schemas.openxmlformats.org/markup-compatibility/2006" xmlns:p14="http://schemas.microsoft.com/office/powerpoint/2010/main" xmlns:aink="http://schemas.microsoft.com/office/drawing/2016/ink">
+          <mc:Choice Requires="p14 aink">
             <p:contentPart p14:bwMode="auto" r:id="rId121">
               <p14:nvContentPartPr>
                 <p14:cNvPr id="79" name="Entrada de lápiz 78">
@@ -17330,7 +20015,7 @@
               </p14:xfrm>
             </p:contentPart>
           </mc:Choice>
-          <mc:Fallback>
+          <mc:Fallback xmlns="">
             <p:pic>
               <p:nvPicPr>
                 <p:cNvPr id="79" name="Entrada de lápiz 78">
@@ -17382,8 +20067,8 @@
             <a:chExt cx="875520" cy="259200"/>
           </a:xfrm>
         </p:grpSpPr>
-        <mc:AlternateContent xmlns:mc="http://schemas.openxmlformats.org/markup-compatibility/2006">
-          <mc:Choice xmlns:p14="http://schemas.microsoft.com/office/powerpoint/2010/main" xmlns:aink="http://schemas.microsoft.com/office/drawing/2016/ink" Requires="p14 aink">
+        <mc:AlternateContent xmlns:mc="http://schemas.openxmlformats.org/markup-compatibility/2006" xmlns:p14="http://schemas.microsoft.com/office/powerpoint/2010/main" xmlns:aink="http://schemas.microsoft.com/office/drawing/2016/ink">
+          <mc:Choice Requires="p14 aink">
             <p:contentPart p14:bwMode="auto" r:id="rId123">
               <p14:nvContentPartPr>
                 <p14:cNvPr id="85" name="Entrada de lápiz 84">
@@ -17402,7 +20087,7 @@
               </p14:xfrm>
             </p:contentPart>
           </mc:Choice>
-          <mc:Fallback>
+          <mc:Fallback xmlns="">
             <p:pic>
               <p:nvPicPr>
                 <p:cNvPr id="85" name="Entrada de lápiz 84">
@@ -17433,8 +20118,8 @@
             </p:pic>
           </mc:Fallback>
         </mc:AlternateContent>
-        <mc:AlternateContent xmlns:mc="http://schemas.openxmlformats.org/markup-compatibility/2006">
-          <mc:Choice xmlns:p14="http://schemas.microsoft.com/office/powerpoint/2010/main" xmlns:aink="http://schemas.microsoft.com/office/drawing/2016/ink" Requires="p14 aink">
+        <mc:AlternateContent xmlns:mc="http://schemas.openxmlformats.org/markup-compatibility/2006" xmlns:p14="http://schemas.microsoft.com/office/powerpoint/2010/main" xmlns:aink="http://schemas.microsoft.com/office/drawing/2016/ink">
+          <mc:Choice Requires="p14 aink">
             <p:contentPart p14:bwMode="auto" r:id="rId125">
               <p14:nvContentPartPr>
                 <p14:cNvPr id="86" name="Entrada de lápiz 85">
@@ -17453,7 +20138,7 @@
               </p14:xfrm>
             </p:contentPart>
           </mc:Choice>
-          <mc:Fallback>
+          <mc:Fallback xmlns="">
             <p:pic>
               <p:nvPicPr>
                 <p:cNvPr id="86" name="Entrada de lápiz 85">
@@ -17505,8 +20190,8 @@
             <a:chExt cx="798480" cy="183240"/>
           </a:xfrm>
         </p:grpSpPr>
-        <mc:AlternateContent xmlns:mc="http://schemas.openxmlformats.org/markup-compatibility/2006">
-          <mc:Choice xmlns:p14="http://schemas.microsoft.com/office/powerpoint/2010/main" xmlns:aink="http://schemas.microsoft.com/office/drawing/2016/ink" Requires="p14 aink">
+        <mc:AlternateContent xmlns:mc="http://schemas.openxmlformats.org/markup-compatibility/2006" xmlns:p14="http://schemas.microsoft.com/office/powerpoint/2010/main" xmlns:aink="http://schemas.microsoft.com/office/drawing/2016/ink">
+          <mc:Choice Requires="p14 aink">
             <p:contentPart p14:bwMode="auto" r:id="rId127">
               <p14:nvContentPartPr>
                 <p14:cNvPr id="87" name="Entrada de lápiz 86">
@@ -17525,7 +20210,7 @@
               </p14:xfrm>
             </p:contentPart>
           </mc:Choice>
-          <mc:Fallback>
+          <mc:Fallback xmlns="">
             <p:pic>
               <p:nvPicPr>
                 <p:cNvPr id="87" name="Entrada de lápiz 86">
@@ -17556,8 +20241,8 @@
             </p:pic>
           </mc:Fallback>
         </mc:AlternateContent>
-        <mc:AlternateContent xmlns:mc="http://schemas.openxmlformats.org/markup-compatibility/2006">
-          <mc:Choice xmlns:p14="http://schemas.microsoft.com/office/powerpoint/2010/main" xmlns:aink="http://schemas.microsoft.com/office/drawing/2016/ink" Requires="p14 aink">
+        <mc:AlternateContent xmlns:mc="http://schemas.openxmlformats.org/markup-compatibility/2006" xmlns:p14="http://schemas.microsoft.com/office/powerpoint/2010/main" xmlns:aink="http://schemas.microsoft.com/office/drawing/2016/ink">
+          <mc:Choice Requires="p14 aink">
             <p:contentPart p14:bwMode="auto" r:id="rId129">
               <p14:nvContentPartPr>
                 <p14:cNvPr id="88" name="Entrada de lápiz 87">
@@ -17576,7 +20261,7 @@
               </p14:xfrm>
             </p:contentPart>
           </mc:Choice>
-          <mc:Fallback>
+          <mc:Fallback xmlns="">
             <p:pic>
               <p:nvPicPr>
                 <p:cNvPr id="88" name="Entrada de lápiz 87">
@@ -17628,8 +20313,8 @@
             <a:chExt cx="831600" cy="200520"/>
           </a:xfrm>
         </p:grpSpPr>
-        <mc:AlternateContent xmlns:mc="http://schemas.openxmlformats.org/markup-compatibility/2006">
-          <mc:Choice xmlns:p14="http://schemas.microsoft.com/office/powerpoint/2010/main" xmlns:aink="http://schemas.microsoft.com/office/drawing/2016/ink" Requires="p14 aink">
+        <mc:AlternateContent xmlns:mc="http://schemas.openxmlformats.org/markup-compatibility/2006" xmlns:p14="http://schemas.microsoft.com/office/powerpoint/2010/main" xmlns:aink="http://schemas.microsoft.com/office/drawing/2016/ink">
+          <mc:Choice Requires="p14 aink">
             <p:contentPart p14:bwMode="auto" r:id="rId131">
               <p14:nvContentPartPr>
                 <p14:cNvPr id="91" name="Entrada de lápiz 90">
@@ -17648,7 +20333,7 @@
               </p14:xfrm>
             </p:contentPart>
           </mc:Choice>
-          <mc:Fallback>
+          <mc:Fallback xmlns="">
             <p:pic>
               <p:nvPicPr>
                 <p:cNvPr id="91" name="Entrada de lápiz 90">
@@ -17679,8 +20364,8 @@
             </p:pic>
           </mc:Fallback>
         </mc:AlternateContent>
-        <mc:AlternateContent xmlns:mc="http://schemas.openxmlformats.org/markup-compatibility/2006">
-          <mc:Choice xmlns:p14="http://schemas.microsoft.com/office/powerpoint/2010/main" xmlns:aink="http://schemas.microsoft.com/office/drawing/2016/ink" Requires="p14 aink">
+        <mc:AlternateContent xmlns:mc="http://schemas.openxmlformats.org/markup-compatibility/2006" xmlns:p14="http://schemas.microsoft.com/office/powerpoint/2010/main" xmlns:aink="http://schemas.microsoft.com/office/drawing/2016/ink">
+          <mc:Choice Requires="p14 aink">
             <p:contentPart p14:bwMode="auto" r:id="rId133">
               <p14:nvContentPartPr>
                 <p14:cNvPr id="92" name="Entrada de lápiz 91">
@@ -17699,7 +20384,7 @@
               </p14:xfrm>
             </p:contentPart>
           </mc:Choice>
-          <mc:Fallback>
+          <mc:Fallback xmlns="">
             <p:pic>
               <p:nvPicPr>
                 <p:cNvPr id="92" name="Entrada de lápiz 91">
@@ -17751,8 +20436,8 @@
             <a:chExt cx="733320" cy="326880"/>
           </a:xfrm>
         </p:grpSpPr>
-        <mc:AlternateContent xmlns:mc="http://schemas.openxmlformats.org/markup-compatibility/2006">
-          <mc:Choice xmlns:p14="http://schemas.microsoft.com/office/powerpoint/2010/main" xmlns:aink="http://schemas.microsoft.com/office/drawing/2016/ink" Requires="p14 aink">
+        <mc:AlternateContent xmlns:mc="http://schemas.openxmlformats.org/markup-compatibility/2006" xmlns:p14="http://schemas.microsoft.com/office/powerpoint/2010/main" xmlns:aink="http://schemas.microsoft.com/office/drawing/2016/ink">
+          <mc:Choice Requires="p14 aink">
             <p:contentPart p14:bwMode="auto" r:id="rId135">
               <p14:nvContentPartPr>
                 <p14:cNvPr id="93" name="Entrada de lápiz 92">
@@ -17771,7 +20456,7 @@
               </p14:xfrm>
             </p:contentPart>
           </mc:Choice>
-          <mc:Fallback>
+          <mc:Fallback xmlns="">
             <p:pic>
               <p:nvPicPr>
                 <p:cNvPr id="93" name="Entrada de lápiz 92">
@@ -17802,8 +20487,8 @@
             </p:pic>
           </mc:Fallback>
         </mc:AlternateContent>
-        <mc:AlternateContent xmlns:mc="http://schemas.openxmlformats.org/markup-compatibility/2006">
-          <mc:Choice xmlns:p14="http://schemas.microsoft.com/office/powerpoint/2010/main" xmlns:aink="http://schemas.microsoft.com/office/drawing/2016/ink" Requires="p14 aink">
+        <mc:AlternateContent xmlns:mc="http://schemas.openxmlformats.org/markup-compatibility/2006" xmlns:p14="http://schemas.microsoft.com/office/powerpoint/2010/main" xmlns:aink="http://schemas.microsoft.com/office/drawing/2016/ink">
+          <mc:Choice Requires="p14 aink">
             <p:contentPart p14:bwMode="auto" r:id="rId137">
               <p14:nvContentPartPr>
                 <p14:cNvPr id="94" name="Entrada de lápiz 93">
@@ -17822,7 +20507,7 @@
               </p14:xfrm>
             </p:contentPart>
           </mc:Choice>
-          <mc:Fallback>
+          <mc:Fallback xmlns="">
             <p:pic>
               <p:nvPicPr>
                 <p:cNvPr id="94" name="Entrada de lápiz 93">
@@ -17853,8 +20538,8 @@
             </p:pic>
           </mc:Fallback>
         </mc:AlternateContent>
-        <mc:AlternateContent xmlns:mc="http://schemas.openxmlformats.org/markup-compatibility/2006">
-          <mc:Choice xmlns:p14="http://schemas.microsoft.com/office/powerpoint/2010/main" xmlns:aink="http://schemas.microsoft.com/office/drawing/2016/ink" Requires="p14 aink">
+        <mc:AlternateContent xmlns:mc="http://schemas.openxmlformats.org/markup-compatibility/2006" xmlns:p14="http://schemas.microsoft.com/office/powerpoint/2010/main" xmlns:aink="http://schemas.microsoft.com/office/drawing/2016/ink">
+          <mc:Choice Requires="p14 aink">
             <p:contentPart p14:bwMode="auto" r:id="rId139">
               <p14:nvContentPartPr>
                 <p14:cNvPr id="95" name="Entrada de lápiz 94">
@@ -17873,7 +20558,7 @@
               </p14:xfrm>
             </p:contentPart>
           </mc:Choice>
-          <mc:Fallback>
+          <mc:Fallback xmlns="">
             <p:pic>
               <p:nvPicPr>
                 <p:cNvPr id="95" name="Entrada de lápiz 94">
@@ -17925,8 +20610,8 @@
             <a:chExt cx="1083600" cy="236880"/>
           </a:xfrm>
         </p:grpSpPr>
-        <mc:AlternateContent xmlns:mc="http://schemas.openxmlformats.org/markup-compatibility/2006">
-          <mc:Choice xmlns:p14="http://schemas.microsoft.com/office/powerpoint/2010/main" xmlns:aink="http://schemas.microsoft.com/office/drawing/2016/ink" Requires="p14 aink">
+        <mc:AlternateContent xmlns:mc="http://schemas.openxmlformats.org/markup-compatibility/2006" xmlns:p14="http://schemas.microsoft.com/office/powerpoint/2010/main" xmlns:aink="http://schemas.microsoft.com/office/drawing/2016/ink">
+          <mc:Choice Requires="p14 aink">
             <p:contentPart p14:bwMode="auto" r:id="rId141">
               <p14:nvContentPartPr>
                 <p14:cNvPr id="98" name="Entrada de lápiz 97">
@@ -17945,7 +20630,7 @@
               </p14:xfrm>
             </p:contentPart>
           </mc:Choice>
-          <mc:Fallback>
+          <mc:Fallback xmlns="">
             <p:pic>
               <p:nvPicPr>
                 <p:cNvPr id="98" name="Entrada de lápiz 97">
@@ -17976,8 +20661,8 @@
             </p:pic>
           </mc:Fallback>
         </mc:AlternateContent>
-        <mc:AlternateContent xmlns:mc="http://schemas.openxmlformats.org/markup-compatibility/2006">
-          <mc:Choice xmlns:p14="http://schemas.microsoft.com/office/powerpoint/2010/main" xmlns:aink="http://schemas.microsoft.com/office/drawing/2016/ink" Requires="p14 aink">
+        <mc:AlternateContent xmlns:mc="http://schemas.openxmlformats.org/markup-compatibility/2006" xmlns:p14="http://schemas.microsoft.com/office/powerpoint/2010/main" xmlns:aink="http://schemas.microsoft.com/office/drawing/2016/ink">
+          <mc:Choice Requires="p14 aink">
             <p:contentPart p14:bwMode="auto" r:id="rId143">
               <p14:nvContentPartPr>
                 <p14:cNvPr id="99" name="Entrada de lápiz 98">
@@ -17996,7 +20681,7 @@
               </p14:xfrm>
             </p:contentPart>
           </mc:Choice>
-          <mc:Fallback>
+          <mc:Fallback xmlns="">
             <p:pic>
               <p:nvPicPr>
                 <p:cNvPr id="99" name="Entrada de lápiz 98">
@@ -18048,8 +20733,8 @@
             <a:chExt cx="1191240" cy="194400"/>
           </a:xfrm>
         </p:grpSpPr>
-        <mc:AlternateContent xmlns:mc="http://schemas.openxmlformats.org/markup-compatibility/2006">
-          <mc:Choice xmlns:p14="http://schemas.microsoft.com/office/powerpoint/2010/main" xmlns:aink="http://schemas.microsoft.com/office/drawing/2016/ink" Requires="p14 aink">
+        <mc:AlternateContent xmlns:mc="http://schemas.openxmlformats.org/markup-compatibility/2006" xmlns:p14="http://schemas.microsoft.com/office/powerpoint/2010/main" xmlns:aink="http://schemas.microsoft.com/office/drawing/2016/ink">
+          <mc:Choice Requires="p14 aink">
             <p:contentPart p14:bwMode="auto" r:id="rId145">
               <p14:nvContentPartPr>
                 <p14:cNvPr id="100" name="Entrada de lápiz 99">
@@ -18068,7 +20753,7 @@
               </p14:xfrm>
             </p:contentPart>
           </mc:Choice>
-          <mc:Fallback>
+          <mc:Fallback xmlns="">
             <p:pic>
               <p:nvPicPr>
                 <p:cNvPr id="100" name="Entrada de lápiz 99">
@@ -18099,8 +20784,8 @@
             </p:pic>
           </mc:Fallback>
         </mc:AlternateContent>
-        <mc:AlternateContent xmlns:mc="http://schemas.openxmlformats.org/markup-compatibility/2006">
-          <mc:Choice xmlns:p14="http://schemas.microsoft.com/office/powerpoint/2010/main" xmlns:aink="http://schemas.microsoft.com/office/drawing/2016/ink" Requires="p14 aink">
+        <mc:AlternateContent xmlns:mc="http://schemas.openxmlformats.org/markup-compatibility/2006" xmlns:p14="http://schemas.microsoft.com/office/powerpoint/2010/main" xmlns:aink="http://schemas.microsoft.com/office/drawing/2016/ink">
+          <mc:Choice Requires="p14 aink">
             <p:contentPart p14:bwMode="auto" r:id="rId147">
               <p14:nvContentPartPr>
                 <p14:cNvPr id="101" name="Entrada de lápiz 100">
@@ -18119,7 +20804,7 @@
               </p14:xfrm>
             </p:contentPart>
           </mc:Choice>
-          <mc:Fallback>
+          <mc:Fallback xmlns="">
             <p:pic>
               <p:nvPicPr>
                 <p:cNvPr id="101" name="Entrada de lápiz 100">
@@ -18331,8 +21016,8 @@
           </a:prstGeom>
         </p:spPr>
       </p:pic>
-      <mc:AlternateContent xmlns:mc="http://schemas.openxmlformats.org/markup-compatibility/2006">
-        <mc:Choice xmlns:p14="http://schemas.microsoft.com/office/powerpoint/2010/main" xmlns:aink="http://schemas.microsoft.com/office/drawing/2016/ink" Requires="p14 aink">
+      <mc:AlternateContent xmlns:mc="http://schemas.openxmlformats.org/markup-compatibility/2006" xmlns:p14="http://schemas.microsoft.com/office/powerpoint/2010/main" xmlns:aink="http://schemas.microsoft.com/office/drawing/2016/ink">
+        <mc:Choice Requires="p14 aink">
           <p:contentPart p14:bwMode="auto" r:id="rId3">
             <p14:nvContentPartPr>
               <p14:cNvPr id="8" name="Entrada de lápiz 7">
@@ -18351,7 +21036,7 @@
             </p14:xfrm>
           </p:contentPart>
         </mc:Choice>
-        <mc:Fallback>
+        <mc:Fallback xmlns="">
           <p:pic>
             <p:nvPicPr>
               <p:cNvPr id="8" name="Entrada de lápiz 7">
@@ -18402,8 +21087,8 @@
             <a:chExt cx="153000" cy="249480"/>
           </a:xfrm>
         </p:grpSpPr>
-        <mc:AlternateContent xmlns:mc="http://schemas.openxmlformats.org/markup-compatibility/2006">
-          <mc:Choice xmlns:p14="http://schemas.microsoft.com/office/powerpoint/2010/main" xmlns:aink="http://schemas.microsoft.com/office/drawing/2016/ink" Requires="p14 aink">
+        <mc:AlternateContent xmlns:mc="http://schemas.openxmlformats.org/markup-compatibility/2006" xmlns:p14="http://schemas.microsoft.com/office/powerpoint/2010/main" xmlns:aink="http://schemas.microsoft.com/office/drawing/2016/ink">
+          <mc:Choice Requires="p14 aink">
             <p:contentPart p14:bwMode="auto" r:id="rId5">
               <p14:nvContentPartPr>
                 <p14:cNvPr id="9" name="Entrada de lápiz 8">
@@ -18422,7 +21107,7 @@
               </p14:xfrm>
             </p:contentPart>
           </mc:Choice>
-          <mc:Fallback>
+          <mc:Fallback xmlns="">
             <p:pic>
               <p:nvPicPr>
                 <p:cNvPr id="9" name="Entrada de lápiz 8">
@@ -18453,8 +21138,8 @@
             </p:pic>
           </mc:Fallback>
         </mc:AlternateContent>
-        <mc:AlternateContent xmlns:mc="http://schemas.openxmlformats.org/markup-compatibility/2006">
-          <mc:Choice xmlns:p14="http://schemas.microsoft.com/office/powerpoint/2010/main" xmlns:aink="http://schemas.microsoft.com/office/drawing/2016/ink" Requires="p14 aink">
+        <mc:AlternateContent xmlns:mc="http://schemas.openxmlformats.org/markup-compatibility/2006" xmlns:p14="http://schemas.microsoft.com/office/powerpoint/2010/main" xmlns:aink="http://schemas.microsoft.com/office/drawing/2016/ink">
+          <mc:Choice Requires="p14 aink">
             <p:contentPart p14:bwMode="auto" r:id="rId7">
               <p14:nvContentPartPr>
                 <p14:cNvPr id="10" name="Entrada de lápiz 9">
@@ -18473,7 +21158,7 @@
               </p14:xfrm>
             </p:contentPart>
           </mc:Choice>
-          <mc:Fallback>
+          <mc:Fallback xmlns="">
             <p:pic>
               <p:nvPicPr>
                 <p:cNvPr id="10" name="Entrada de lápiz 9">
@@ -18504,8 +21189,8 @@
             </p:pic>
           </mc:Fallback>
         </mc:AlternateContent>
-        <mc:AlternateContent xmlns:mc="http://schemas.openxmlformats.org/markup-compatibility/2006">
-          <mc:Choice xmlns:p14="http://schemas.microsoft.com/office/powerpoint/2010/main" xmlns:aink="http://schemas.microsoft.com/office/drawing/2016/ink" Requires="p14 aink">
+        <mc:AlternateContent xmlns:mc="http://schemas.openxmlformats.org/markup-compatibility/2006" xmlns:p14="http://schemas.microsoft.com/office/powerpoint/2010/main" xmlns:aink="http://schemas.microsoft.com/office/drawing/2016/ink">
+          <mc:Choice Requires="p14 aink">
             <p:contentPart p14:bwMode="auto" r:id="rId9">
               <p14:nvContentPartPr>
                 <p14:cNvPr id="11" name="Entrada de lápiz 10">
@@ -18524,7 +21209,7 @@
               </p14:xfrm>
             </p:contentPart>
           </mc:Choice>
-          <mc:Fallback>
+          <mc:Fallback xmlns="">
             <p:pic>
               <p:nvPicPr>
                 <p:cNvPr id="11" name="Entrada de lápiz 10">
@@ -18556,8 +21241,8 @@
           </mc:Fallback>
         </mc:AlternateContent>
       </p:grpSp>
-      <mc:AlternateContent xmlns:mc="http://schemas.openxmlformats.org/markup-compatibility/2006">
-        <mc:Choice xmlns:p14="http://schemas.microsoft.com/office/powerpoint/2010/main" xmlns:aink="http://schemas.microsoft.com/office/drawing/2016/ink" Requires="p14 aink">
+      <mc:AlternateContent xmlns:mc="http://schemas.openxmlformats.org/markup-compatibility/2006" xmlns:p14="http://schemas.microsoft.com/office/powerpoint/2010/main" xmlns:aink="http://schemas.microsoft.com/office/drawing/2016/ink">
+        <mc:Choice Requires="p14 aink">
           <p:contentPart p14:bwMode="auto" r:id="rId11">
             <p14:nvContentPartPr>
               <p14:cNvPr id="26" name="Entrada de lápiz 25">
@@ -18576,7 +21261,7 @@
             </p14:xfrm>
           </p:contentPart>
         </mc:Choice>
-        <mc:Fallback>
+        <mc:Fallback xmlns="">
           <p:pic>
             <p:nvPicPr>
               <p:cNvPr id="26" name="Entrada de lápiz 25">
@@ -18607,8 +21292,8 @@
           </p:pic>
         </mc:Fallback>
       </mc:AlternateContent>
-      <mc:AlternateContent xmlns:mc="http://schemas.openxmlformats.org/markup-compatibility/2006">
-        <mc:Choice xmlns:p14="http://schemas.microsoft.com/office/powerpoint/2010/main" xmlns:aink="http://schemas.microsoft.com/office/drawing/2016/ink" Requires="p14 aink">
+      <mc:AlternateContent xmlns:mc="http://schemas.openxmlformats.org/markup-compatibility/2006" xmlns:p14="http://schemas.microsoft.com/office/powerpoint/2010/main" xmlns:aink="http://schemas.microsoft.com/office/drawing/2016/ink">
+        <mc:Choice Requires="p14 aink">
           <p:contentPart p14:bwMode="auto" r:id="rId13">
             <p14:nvContentPartPr>
               <p14:cNvPr id="32" name="Entrada de lápiz 31">
@@ -18627,7 +21312,7 @@
             </p14:xfrm>
           </p:contentPart>
         </mc:Choice>
-        <mc:Fallback>
+        <mc:Fallback xmlns="">
           <p:pic>
             <p:nvPicPr>
               <p:cNvPr id="32" name="Entrada de lápiz 31">
@@ -18678,8 +21363,8 @@
             <a:chExt cx="2671560" cy="257760"/>
           </a:xfrm>
         </p:grpSpPr>
-        <mc:AlternateContent xmlns:mc="http://schemas.openxmlformats.org/markup-compatibility/2006">
-          <mc:Choice xmlns:p14="http://schemas.microsoft.com/office/powerpoint/2010/main" xmlns:aink="http://schemas.microsoft.com/office/drawing/2016/ink" Requires="p14 aink">
+        <mc:AlternateContent xmlns:mc="http://schemas.openxmlformats.org/markup-compatibility/2006" xmlns:p14="http://schemas.microsoft.com/office/powerpoint/2010/main" xmlns:aink="http://schemas.microsoft.com/office/drawing/2016/ink">
+          <mc:Choice Requires="p14 aink">
             <p:contentPart p14:bwMode="auto" r:id="rId15">
               <p14:nvContentPartPr>
                 <p14:cNvPr id="13" name="Entrada de lápiz 12">
@@ -18698,7 +21383,7 @@
               </p14:xfrm>
             </p:contentPart>
           </mc:Choice>
-          <mc:Fallback>
+          <mc:Fallback xmlns="">
             <p:pic>
               <p:nvPicPr>
                 <p:cNvPr id="13" name="Entrada de lápiz 12">
@@ -18729,8 +21414,8 @@
             </p:pic>
           </mc:Fallback>
         </mc:AlternateContent>
-        <mc:AlternateContent xmlns:mc="http://schemas.openxmlformats.org/markup-compatibility/2006">
-          <mc:Choice xmlns:p14="http://schemas.microsoft.com/office/powerpoint/2010/main" xmlns:aink="http://schemas.microsoft.com/office/drawing/2016/ink" Requires="p14 aink">
+        <mc:AlternateContent xmlns:mc="http://schemas.openxmlformats.org/markup-compatibility/2006" xmlns:p14="http://schemas.microsoft.com/office/powerpoint/2010/main" xmlns:aink="http://schemas.microsoft.com/office/drawing/2016/ink">
+          <mc:Choice Requires="p14 aink">
             <p:contentPart p14:bwMode="auto" r:id="rId17">
               <p14:nvContentPartPr>
                 <p14:cNvPr id="14" name="Entrada de lápiz 13">
@@ -18749,7 +21434,7 @@
               </p14:xfrm>
             </p:contentPart>
           </mc:Choice>
-          <mc:Fallback>
+          <mc:Fallback xmlns="">
             <p:pic>
               <p:nvPicPr>
                 <p:cNvPr id="14" name="Entrada de lápiz 13">
@@ -18780,8 +21465,8 @@
             </p:pic>
           </mc:Fallback>
         </mc:AlternateContent>
-        <mc:AlternateContent xmlns:mc="http://schemas.openxmlformats.org/markup-compatibility/2006">
-          <mc:Choice xmlns:p14="http://schemas.microsoft.com/office/powerpoint/2010/main" xmlns:aink="http://schemas.microsoft.com/office/drawing/2016/ink" Requires="p14 aink">
+        <mc:AlternateContent xmlns:mc="http://schemas.openxmlformats.org/markup-compatibility/2006" xmlns:p14="http://schemas.microsoft.com/office/powerpoint/2010/main" xmlns:aink="http://schemas.microsoft.com/office/drawing/2016/ink">
+          <mc:Choice Requires="p14 aink">
             <p:contentPart p14:bwMode="auto" r:id="rId19">
               <p14:nvContentPartPr>
                 <p14:cNvPr id="15" name="Entrada de lápiz 14">
@@ -18800,7 +21485,7 @@
               </p14:xfrm>
             </p:contentPart>
           </mc:Choice>
-          <mc:Fallback>
+          <mc:Fallback xmlns="">
             <p:pic>
               <p:nvPicPr>
                 <p:cNvPr id="15" name="Entrada de lápiz 14">
@@ -18831,8 +21516,8 @@
             </p:pic>
           </mc:Fallback>
         </mc:AlternateContent>
-        <mc:AlternateContent xmlns:mc="http://schemas.openxmlformats.org/markup-compatibility/2006">
-          <mc:Choice xmlns:p14="http://schemas.microsoft.com/office/powerpoint/2010/main" xmlns:aink="http://schemas.microsoft.com/office/drawing/2016/ink" Requires="p14 aink">
+        <mc:AlternateContent xmlns:mc="http://schemas.openxmlformats.org/markup-compatibility/2006" xmlns:p14="http://schemas.microsoft.com/office/powerpoint/2010/main" xmlns:aink="http://schemas.microsoft.com/office/drawing/2016/ink">
+          <mc:Choice Requires="p14 aink">
             <p:contentPart p14:bwMode="auto" r:id="rId21">
               <p14:nvContentPartPr>
                 <p14:cNvPr id="28" name="Entrada de lápiz 27">
@@ -18851,7 +21536,7 @@
               </p14:xfrm>
             </p:contentPart>
           </mc:Choice>
-          <mc:Fallback>
+          <mc:Fallback xmlns="">
             <p:pic>
               <p:nvPicPr>
                 <p:cNvPr id="28" name="Entrada de lápiz 27">
@@ -18882,8 +21567,8 @@
             </p:pic>
           </mc:Fallback>
         </mc:AlternateContent>
-        <mc:AlternateContent xmlns:mc="http://schemas.openxmlformats.org/markup-compatibility/2006">
-          <mc:Choice xmlns:p14="http://schemas.microsoft.com/office/powerpoint/2010/main" xmlns:aink="http://schemas.microsoft.com/office/drawing/2016/ink" Requires="p14 aink">
+        <mc:AlternateContent xmlns:mc="http://schemas.openxmlformats.org/markup-compatibility/2006" xmlns:p14="http://schemas.microsoft.com/office/powerpoint/2010/main" xmlns:aink="http://schemas.microsoft.com/office/drawing/2016/ink">
+          <mc:Choice Requires="p14 aink">
             <p:contentPart p14:bwMode="auto" r:id="rId23">
               <p14:nvContentPartPr>
                 <p14:cNvPr id="29" name="Entrada de lápiz 28">
@@ -18902,7 +21587,7 @@
               </p14:xfrm>
             </p:contentPart>
           </mc:Choice>
-          <mc:Fallback>
+          <mc:Fallback xmlns="">
             <p:pic>
               <p:nvPicPr>
                 <p:cNvPr id="29" name="Entrada de lápiz 28">
@@ -18933,8 +21618,8 @@
             </p:pic>
           </mc:Fallback>
         </mc:AlternateContent>
-        <mc:AlternateContent xmlns:mc="http://schemas.openxmlformats.org/markup-compatibility/2006">
-          <mc:Choice xmlns:p14="http://schemas.microsoft.com/office/powerpoint/2010/main" xmlns:aink="http://schemas.microsoft.com/office/drawing/2016/ink" Requires="p14 aink">
+        <mc:AlternateContent xmlns:mc="http://schemas.openxmlformats.org/markup-compatibility/2006" xmlns:p14="http://schemas.microsoft.com/office/powerpoint/2010/main" xmlns:aink="http://schemas.microsoft.com/office/drawing/2016/ink">
+          <mc:Choice Requires="p14 aink">
             <p:contentPart p14:bwMode="auto" r:id="rId25">
               <p14:nvContentPartPr>
                 <p14:cNvPr id="30" name="Entrada de lápiz 29">
@@ -18953,7 +21638,7 @@
               </p14:xfrm>
             </p:contentPart>
           </mc:Choice>
-          <mc:Fallback>
+          <mc:Fallback xmlns="">
             <p:pic>
               <p:nvPicPr>
                 <p:cNvPr id="30" name="Entrada de lápiz 29">
@@ -18984,8 +21669,8 @@
             </p:pic>
           </mc:Fallback>
         </mc:AlternateContent>
-        <mc:AlternateContent xmlns:mc="http://schemas.openxmlformats.org/markup-compatibility/2006">
-          <mc:Choice xmlns:p14="http://schemas.microsoft.com/office/powerpoint/2010/main" xmlns:aink="http://schemas.microsoft.com/office/drawing/2016/ink" Requires="p14 aink">
+        <mc:AlternateContent xmlns:mc="http://schemas.openxmlformats.org/markup-compatibility/2006" xmlns:p14="http://schemas.microsoft.com/office/powerpoint/2010/main" xmlns:aink="http://schemas.microsoft.com/office/drawing/2016/ink">
+          <mc:Choice Requires="p14 aink">
             <p:contentPart p14:bwMode="auto" r:id="rId27">
               <p14:nvContentPartPr>
                 <p14:cNvPr id="34" name="Entrada de lápiz 33">
@@ -19004,7 +21689,7 @@
               </p14:xfrm>
             </p:contentPart>
           </mc:Choice>
-          <mc:Fallback>
+          <mc:Fallback xmlns="">
             <p:pic>
               <p:nvPicPr>
                 <p:cNvPr id="34" name="Entrada de lápiz 33">
@@ -19036,8 +21721,8 @@
           </mc:Fallback>
         </mc:AlternateContent>
       </p:grpSp>
-      <mc:AlternateContent xmlns:mc="http://schemas.openxmlformats.org/markup-compatibility/2006">
-        <mc:Choice xmlns:p14="http://schemas.microsoft.com/office/powerpoint/2010/main" xmlns:aink="http://schemas.microsoft.com/office/drawing/2016/ink" Requires="p14 aink">
+      <mc:AlternateContent xmlns:mc="http://schemas.openxmlformats.org/markup-compatibility/2006" xmlns:p14="http://schemas.microsoft.com/office/powerpoint/2010/main" xmlns:aink="http://schemas.microsoft.com/office/drawing/2016/ink">
+        <mc:Choice Requires="p14 aink">
           <p:contentPart p14:bwMode="auto" r:id="rId29">
             <p14:nvContentPartPr>
               <p14:cNvPr id="17" name="Entrada de lápiz 16">
@@ -19056,7 +21741,7 @@
             </p14:xfrm>
           </p:contentPart>
         </mc:Choice>
-        <mc:Fallback>
+        <mc:Fallback xmlns="">
           <p:pic>
             <p:nvPicPr>
               <p:cNvPr id="17" name="Entrada de lápiz 16">
@@ -19087,8 +21772,8 @@
           </p:pic>
         </mc:Fallback>
       </mc:AlternateContent>
-      <mc:AlternateContent xmlns:mc="http://schemas.openxmlformats.org/markup-compatibility/2006">
-        <mc:Choice xmlns:p14="http://schemas.microsoft.com/office/powerpoint/2010/main" xmlns:aink="http://schemas.microsoft.com/office/drawing/2016/ink" Requires="p14 aink">
+      <mc:AlternateContent xmlns:mc="http://schemas.openxmlformats.org/markup-compatibility/2006" xmlns:p14="http://schemas.microsoft.com/office/powerpoint/2010/main" xmlns:aink="http://schemas.microsoft.com/office/drawing/2016/ink">
+        <mc:Choice Requires="p14 aink">
           <p:contentPart p14:bwMode="auto" r:id="rId31">
             <p14:nvContentPartPr>
               <p14:cNvPr id="18" name="Entrada de lápiz 17">
@@ -19107,7 +21792,7 @@
             </p14:xfrm>
           </p:contentPart>
         </mc:Choice>
-        <mc:Fallback>
+        <mc:Fallback xmlns="">
           <p:pic>
             <p:nvPicPr>
               <p:cNvPr id="18" name="Entrada de lápiz 17">
@@ -19138,8 +21823,8 @@
           </p:pic>
         </mc:Fallback>
       </mc:AlternateContent>
-      <mc:AlternateContent xmlns:mc="http://schemas.openxmlformats.org/markup-compatibility/2006">
-        <mc:Choice xmlns:p14="http://schemas.microsoft.com/office/powerpoint/2010/main" xmlns:aink="http://schemas.microsoft.com/office/drawing/2016/ink" Requires="p14 aink">
+      <mc:AlternateContent xmlns:mc="http://schemas.openxmlformats.org/markup-compatibility/2006" xmlns:p14="http://schemas.microsoft.com/office/powerpoint/2010/main" xmlns:aink="http://schemas.microsoft.com/office/drawing/2016/ink">
+        <mc:Choice Requires="p14 aink">
           <p:contentPart p14:bwMode="auto" r:id="rId33">
             <p14:nvContentPartPr>
               <p14:cNvPr id="20" name="Entrada de lápiz 19">
@@ -19158,7 +21843,7 @@
             </p14:xfrm>
           </p:contentPart>
         </mc:Choice>
-        <mc:Fallback>
+        <mc:Fallback xmlns="">
           <p:pic>
             <p:nvPicPr>
               <p:cNvPr id="20" name="Entrada de lápiz 19">
@@ -19189,8 +21874,8 @@
           </p:pic>
         </mc:Fallback>
       </mc:AlternateContent>
-      <mc:AlternateContent xmlns:mc="http://schemas.openxmlformats.org/markup-compatibility/2006">
-        <mc:Choice xmlns:p14="http://schemas.microsoft.com/office/powerpoint/2010/main" xmlns:aink="http://schemas.microsoft.com/office/drawing/2016/ink" Requires="p14 aink">
+      <mc:AlternateContent xmlns:mc="http://schemas.openxmlformats.org/markup-compatibility/2006" xmlns:p14="http://schemas.microsoft.com/office/powerpoint/2010/main" xmlns:aink="http://schemas.microsoft.com/office/drawing/2016/ink">
+        <mc:Choice Requires="p14 aink">
           <p:contentPart p14:bwMode="auto" r:id="rId35">
             <p14:nvContentPartPr>
               <p14:cNvPr id="38" name="Entrada de lápiz 37">
@@ -19209,7 +21894,7 @@
             </p14:xfrm>
           </p:contentPart>
         </mc:Choice>
-        <mc:Fallback>
+        <mc:Fallback xmlns="">
           <p:pic>
             <p:nvPicPr>
               <p:cNvPr id="38" name="Entrada de lápiz 37">
@@ -19260,8 +21945,8 @@
             <a:chExt cx="2863800" cy="336240"/>
           </a:xfrm>
         </p:grpSpPr>
-        <mc:AlternateContent xmlns:mc="http://schemas.openxmlformats.org/markup-compatibility/2006">
-          <mc:Choice xmlns:p14="http://schemas.microsoft.com/office/powerpoint/2010/main" xmlns:aink="http://schemas.microsoft.com/office/drawing/2016/ink" Requires="p14 aink">
+        <mc:AlternateContent xmlns:mc="http://schemas.openxmlformats.org/markup-compatibility/2006" xmlns:p14="http://schemas.microsoft.com/office/powerpoint/2010/main" xmlns:aink="http://schemas.microsoft.com/office/drawing/2016/ink">
+          <mc:Choice Requires="p14 aink">
             <p:contentPart p14:bwMode="auto" r:id="rId37">
               <p14:nvContentPartPr>
                 <p14:cNvPr id="22" name="Entrada de lápiz 21">
@@ -19280,7 +21965,7 @@
               </p14:xfrm>
             </p:contentPart>
           </mc:Choice>
-          <mc:Fallback>
+          <mc:Fallback xmlns="">
             <p:pic>
               <p:nvPicPr>
                 <p:cNvPr id="22" name="Entrada de lápiz 21">
@@ -19311,8 +21996,8 @@
             </p:pic>
           </mc:Fallback>
         </mc:AlternateContent>
-        <mc:AlternateContent xmlns:mc="http://schemas.openxmlformats.org/markup-compatibility/2006">
-          <mc:Choice xmlns:p14="http://schemas.microsoft.com/office/powerpoint/2010/main" xmlns:aink="http://schemas.microsoft.com/office/drawing/2016/ink" Requires="p14 aink">
+        <mc:AlternateContent xmlns:mc="http://schemas.openxmlformats.org/markup-compatibility/2006" xmlns:p14="http://schemas.microsoft.com/office/powerpoint/2010/main" xmlns:aink="http://schemas.microsoft.com/office/drawing/2016/ink">
+          <mc:Choice Requires="p14 aink">
             <p:contentPart p14:bwMode="auto" r:id="rId39">
               <p14:nvContentPartPr>
                 <p14:cNvPr id="23" name="Entrada de lápiz 22">
@@ -19331,7 +22016,7 @@
               </p14:xfrm>
             </p:contentPart>
           </mc:Choice>
-          <mc:Fallback>
+          <mc:Fallback xmlns="">
             <p:pic>
               <p:nvPicPr>
                 <p:cNvPr id="23" name="Entrada de lápiz 22">
@@ -19362,8 +22047,8 @@
             </p:pic>
           </mc:Fallback>
         </mc:AlternateContent>
-        <mc:AlternateContent xmlns:mc="http://schemas.openxmlformats.org/markup-compatibility/2006">
-          <mc:Choice xmlns:p14="http://schemas.microsoft.com/office/powerpoint/2010/main" xmlns:aink="http://schemas.microsoft.com/office/drawing/2016/ink" Requires="p14 aink">
+        <mc:AlternateContent xmlns:mc="http://schemas.openxmlformats.org/markup-compatibility/2006" xmlns:p14="http://schemas.microsoft.com/office/powerpoint/2010/main" xmlns:aink="http://schemas.microsoft.com/office/drawing/2016/ink">
+          <mc:Choice Requires="p14 aink">
             <p:contentPart p14:bwMode="auto" r:id="rId41">
               <p14:nvContentPartPr>
                 <p14:cNvPr id="24" name="Entrada de lápiz 23">
@@ -19382,7 +22067,7 @@
               </p14:xfrm>
             </p:contentPart>
           </mc:Choice>
-          <mc:Fallback>
+          <mc:Fallback xmlns="">
             <p:pic>
               <p:nvPicPr>
                 <p:cNvPr id="24" name="Entrada de lápiz 23">
@@ -19413,8 +22098,8 @@
             </p:pic>
           </mc:Fallback>
         </mc:AlternateContent>
-        <mc:AlternateContent xmlns:mc="http://schemas.openxmlformats.org/markup-compatibility/2006">
-          <mc:Choice xmlns:p14="http://schemas.microsoft.com/office/powerpoint/2010/main" xmlns:aink="http://schemas.microsoft.com/office/drawing/2016/ink" Requires="p14 aink">
+        <mc:AlternateContent xmlns:mc="http://schemas.openxmlformats.org/markup-compatibility/2006" xmlns:p14="http://schemas.microsoft.com/office/powerpoint/2010/main" xmlns:aink="http://schemas.microsoft.com/office/drawing/2016/ink">
+          <mc:Choice Requires="p14 aink">
             <p:contentPart p14:bwMode="auto" r:id="rId43">
               <p14:nvContentPartPr>
                 <p14:cNvPr id="40" name="Entrada de lápiz 39">
@@ -19433,7 +22118,7 @@
               </p14:xfrm>
             </p:contentPart>
           </mc:Choice>
-          <mc:Fallback>
+          <mc:Fallback xmlns="">
             <p:pic>
               <p:nvPicPr>
                 <p:cNvPr id="40" name="Entrada de lápiz 39">
@@ -19464,8 +22149,8 @@
             </p:pic>
           </mc:Fallback>
         </mc:AlternateContent>
-        <mc:AlternateContent xmlns:mc="http://schemas.openxmlformats.org/markup-compatibility/2006">
-          <mc:Choice xmlns:p14="http://schemas.microsoft.com/office/powerpoint/2010/main" xmlns:aink="http://schemas.microsoft.com/office/drawing/2016/ink" Requires="p14 aink">
+        <mc:AlternateContent xmlns:mc="http://schemas.openxmlformats.org/markup-compatibility/2006" xmlns:p14="http://schemas.microsoft.com/office/powerpoint/2010/main" xmlns:aink="http://schemas.microsoft.com/office/drawing/2016/ink">
+          <mc:Choice Requires="p14 aink">
             <p:contentPart p14:bwMode="auto" r:id="rId45">
               <p14:nvContentPartPr>
                 <p14:cNvPr id="41" name="Entrada de lápiz 40">
@@ -19484,7 +22169,7 @@
               </p14:xfrm>
             </p:contentPart>
           </mc:Choice>
-          <mc:Fallback>
+          <mc:Fallback xmlns="">
             <p:pic>
               <p:nvPicPr>
                 <p:cNvPr id="41" name="Entrada de lápiz 40">
@@ -19515,8 +22200,8 @@
             </p:pic>
           </mc:Fallback>
         </mc:AlternateContent>
-        <mc:AlternateContent xmlns:mc="http://schemas.openxmlformats.org/markup-compatibility/2006">
-          <mc:Choice xmlns:p14="http://schemas.microsoft.com/office/powerpoint/2010/main" xmlns:aink="http://schemas.microsoft.com/office/drawing/2016/ink" Requires="p14 aink">
+        <mc:AlternateContent xmlns:mc="http://schemas.openxmlformats.org/markup-compatibility/2006" xmlns:p14="http://schemas.microsoft.com/office/powerpoint/2010/main" xmlns:aink="http://schemas.microsoft.com/office/drawing/2016/ink">
+          <mc:Choice Requires="p14 aink">
             <p:contentPart p14:bwMode="auto" r:id="rId47">
               <p14:nvContentPartPr>
                 <p14:cNvPr id="42" name="Entrada de lápiz 41">
@@ -19535,7 +22220,7 @@
               </p14:xfrm>
             </p:contentPart>
           </mc:Choice>
-          <mc:Fallback>
+          <mc:Fallback xmlns="">
             <p:pic>
               <p:nvPicPr>
                 <p:cNvPr id="42" name="Entrada de lápiz 41">
@@ -19567,8 +22252,8 @@
           </mc:Fallback>
         </mc:AlternateContent>
       </p:grpSp>
-      <mc:AlternateContent xmlns:mc="http://schemas.openxmlformats.org/markup-compatibility/2006">
-        <mc:Choice xmlns:p14="http://schemas.microsoft.com/office/powerpoint/2010/main" xmlns:aink="http://schemas.microsoft.com/office/drawing/2016/ink" Requires="p14 aink">
+      <mc:AlternateContent xmlns:mc="http://schemas.openxmlformats.org/markup-compatibility/2006" xmlns:p14="http://schemas.microsoft.com/office/powerpoint/2010/main" xmlns:aink="http://schemas.microsoft.com/office/drawing/2016/ink">
+        <mc:Choice Requires="p14 aink">
           <p:contentPart p14:bwMode="auto" r:id="rId49">
             <p14:nvContentPartPr>
               <p14:cNvPr id="44" name="Entrada de lápiz 43">
@@ -19587,7 +22272,7 @@
             </p14:xfrm>
           </p:contentPart>
         </mc:Choice>
-        <mc:Fallback>
+        <mc:Fallback xmlns="">
           <p:pic>
             <p:nvPicPr>
               <p:cNvPr id="44" name="Entrada de lápiz 43">
@@ -19638,8 +22323,8 @@
             <a:chExt cx="1067760" cy="99360"/>
           </a:xfrm>
         </p:grpSpPr>
-        <mc:AlternateContent xmlns:mc="http://schemas.openxmlformats.org/markup-compatibility/2006">
-          <mc:Choice xmlns:p14="http://schemas.microsoft.com/office/powerpoint/2010/main" xmlns:aink="http://schemas.microsoft.com/office/drawing/2016/ink" Requires="p14 aink">
+        <mc:AlternateContent xmlns:mc="http://schemas.openxmlformats.org/markup-compatibility/2006" xmlns:p14="http://schemas.microsoft.com/office/powerpoint/2010/main" xmlns:aink="http://schemas.microsoft.com/office/drawing/2016/ink">
+          <mc:Choice Requires="p14 aink">
             <p:contentPart p14:bwMode="auto" r:id="rId51">
               <p14:nvContentPartPr>
                 <p14:cNvPr id="36" name="Entrada de lápiz 35">
@@ -19658,7 +22343,7 @@
               </p14:xfrm>
             </p:contentPart>
           </mc:Choice>
-          <mc:Fallback>
+          <mc:Fallback xmlns="">
             <p:pic>
               <p:nvPicPr>
                 <p:cNvPr id="36" name="Entrada de lápiz 35">
@@ -19689,8 +22374,8 @@
             </p:pic>
           </mc:Fallback>
         </mc:AlternateContent>
-        <mc:AlternateContent xmlns:mc="http://schemas.openxmlformats.org/markup-compatibility/2006">
-          <mc:Choice xmlns:p14="http://schemas.microsoft.com/office/powerpoint/2010/main" xmlns:aink="http://schemas.microsoft.com/office/drawing/2016/ink" Requires="p14 aink">
+        <mc:AlternateContent xmlns:mc="http://schemas.openxmlformats.org/markup-compatibility/2006" xmlns:p14="http://schemas.microsoft.com/office/powerpoint/2010/main" xmlns:aink="http://schemas.microsoft.com/office/drawing/2016/ink">
+          <mc:Choice Requires="p14 aink">
             <p:contentPart p14:bwMode="auto" r:id="rId53">
               <p14:nvContentPartPr>
                 <p14:cNvPr id="37" name="Entrada de lápiz 36">
@@ -19709,7 +22394,7 @@
               </p14:xfrm>
             </p:contentPart>
           </mc:Choice>
-          <mc:Fallback>
+          <mc:Fallback xmlns="">
             <p:pic>
               <p:nvPicPr>
                 <p:cNvPr id="37" name="Entrada de lápiz 36">
@@ -20209,8 +22894,8 @@
             <a:chExt cx="436320" cy="167760"/>
           </a:xfrm>
         </p:grpSpPr>
-        <mc:AlternateContent xmlns:mc="http://schemas.openxmlformats.org/markup-compatibility/2006">
-          <mc:Choice xmlns:p14="http://schemas.microsoft.com/office/powerpoint/2010/main" xmlns:aink="http://schemas.microsoft.com/office/drawing/2016/ink" Requires="p14 aink">
+        <mc:AlternateContent xmlns:mc="http://schemas.openxmlformats.org/markup-compatibility/2006" xmlns:p14="http://schemas.microsoft.com/office/powerpoint/2010/main" xmlns:aink="http://schemas.microsoft.com/office/drawing/2016/ink">
+          <mc:Choice Requires="p14 aink">
             <p:contentPart p14:bwMode="auto" r:id="rId3">
               <p14:nvContentPartPr>
                 <p14:cNvPr id="6" name="Entrada de lápiz 5">
@@ -20229,7 +22914,7 @@
               </p14:xfrm>
             </p:contentPart>
           </mc:Choice>
-          <mc:Fallback>
+          <mc:Fallback xmlns="">
             <p:pic>
               <p:nvPicPr>
                 <p:cNvPr id="6" name="Entrada de lápiz 5">
@@ -20260,8 +22945,8 @@
             </p:pic>
           </mc:Fallback>
         </mc:AlternateContent>
-        <mc:AlternateContent xmlns:mc="http://schemas.openxmlformats.org/markup-compatibility/2006">
-          <mc:Choice xmlns:p14="http://schemas.microsoft.com/office/powerpoint/2010/main" xmlns:aink="http://schemas.microsoft.com/office/drawing/2016/ink" Requires="p14 aink">
+        <mc:AlternateContent xmlns:mc="http://schemas.openxmlformats.org/markup-compatibility/2006" xmlns:p14="http://schemas.microsoft.com/office/powerpoint/2010/main" xmlns:aink="http://schemas.microsoft.com/office/drawing/2016/ink">
+          <mc:Choice Requires="p14 aink">
             <p:contentPart p14:bwMode="auto" r:id="rId5">
               <p14:nvContentPartPr>
                 <p14:cNvPr id="7" name="Entrada de lápiz 6">
@@ -20280,7 +22965,7 @@
               </p14:xfrm>
             </p:contentPart>
           </mc:Choice>
-          <mc:Fallback>
+          <mc:Fallback xmlns="">
             <p:pic>
               <p:nvPicPr>
                 <p:cNvPr id="7" name="Entrada de lápiz 6">
@@ -20312,8 +22997,8 @@
           </mc:Fallback>
         </mc:AlternateContent>
       </p:grpSp>
-      <mc:AlternateContent xmlns:mc="http://schemas.openxmlformats.org/markup-compatibility/2006">
-        <mc:Choice xmlns:p14="http://schemas.microsoft.com/office/powerpoint/2010/main" xmlns:aink="http://schemas.microsoft.com/office/drawing/2016/ink" Requires="p14 aink">
+      <mc:AlternateContent xmlns:mc="http://schemas.openxmlformats.org/markup-compatibility/2006" xmlns:p14="http://schemas.microsoft.com/office/powerpoint/2010/main" xmlns:aink="http://schemas.microsoft.com/office/drawing/2016/ink">
+        <mc:Choice Requires="p14 aink">
           <p:contentPart p14:bwMode="auto" r:id="rId7">
             <p14:nvContentPartPr>
               <p14:cNvPr id="9" name="Entrada de lápiz 8">
@@ -20332,7 +23017,7 @@
             </p14:xfrm>
           </p:contentPart>
         </mc:Choice>
-        <mc:Fallback>
+        <mc:Fallback xmlns="">
           <p:pic>
             <p:nvPicPr>
               <p:cNvPr id="9" name="Entrada de lápiz 8">
@@ -20383,8 +23068,8 @@
             <a:chExt cx="631440" cy="157680"/>
           </a:xfrm>
         </p:grpSpPr>
-        <mc:AlternateContent xmlns:mc="http://schemas.openxmlformats.org/markup-compatibility/2006">
-          <mc:Choice xmlns:p14="http://schemas.microsoft.com/office/powerpoint/2010/main" xmlns:aink="http://schemas.microsoft.com/office/drawing/2016/ink" Requires="p14 aink">
+        <mc:AlternateContent xmlns:mc="http://schemas.openxmlformats.org/markup-compatibility/2006" xmlns:p14="http://schemas.microsoft.com/office/powerpoint/2010/main" xmlns:aink="http://schemas.microsoft.com/office/drawing/2016/ink">
+          <mc:Choice Requires="p14 aink">
             <p:contentPart p14:bwMode="auto" r:id="rId9">
               <p14:nvContentPartPr>
                 <p14:cNvPr id="10" name="Entrada de lápiz 9">
@@ -20403,7 +23088,7 @@
               </p14:xfrm>
             </p:contentPart>
           </mc:Choice>
-          <mc:Fallback>
+          <mc:Fallback xmlns="">
             <p:pic>
               <p:nvPicPr>
                 <p:cNvPr id="10" name="Entrada de lápiz 9">
@@ -20434,8 +23119,8 @@
             </p:pic>
           </mc:Fallback>
         </mc:AlternateContent>
-        <mc:AlternateContent xmlns:mc="http://schemas.openxmlformats.org/markup-compatibility/2006">
-          <mc:Choice xmlns:p14="http://schemas.microsoft.com/office/powerpoint/2010/main" xmlns:aink="http://schemas.microsoft.com/office/drawing/2016/ink" Requires="p14 aink">
+        <mc:AlternateContent xmlns:mc="http://schemas.openxmlformats.org/markup-compatibility/2006" xmlns:p14="http://schemas.microsoft.com/office/powerpoint/2010/main" xmlns:aink="http://schemas.microsoft.com/office/drawing/2016/ink">
+          <mc:Choice Requires="p14 aink">
             <p:contentPart p14:bwMode="auto" r:id="rId11">
               <p14:nvContentPartPr>
                 <p14:cNvPr id="11" name="Entrada de lápiz 10">
@@ -20454,7 +23139,7 @@
               </p14:xfrm>
             </p:contentPart>
           </mc:Choice>
-          <mc:Fallback>
+          <mc:Fallback xmlns="">
             <p:pic>
               <p:nvPicPr>
                 <p:cNvPr id="11" name="Entrada de lápiz 10">
@@ -20506,8 +23191,8 @@
             <a:chExt cx="438840" cy="234720"/>
           </a:xfrm>
         </p:grpSpPr>
-        <mc:AlternateContent xmlns:mc="http://schemas.openxmlformats.org/markup-compatibility/2006">
-          <mc:Choice xmlns:p14="http://schemas.microsoft.com/office/powerpoint/2010/main" xmlns:aink="http://schemas.microsoft.com/office/drawing/2016/ink" Requires="p14 aink">
+        <mc:AlternateContent xmlns:mc="http://schemas.openxmlformats.org/markup-compatibility/2006" xmlns:p14="http://schemas.microsoft.com/office/powerpoint/2010/main" xmlns:aink="http://schemas.microsoft.com/office/drawing/2016/ink">
+          <mc:Choice Requires="p14 aink">
             <p:contentPart p14:bwMode="auto" r:id="rId13">
               <p14:nvContentPartPr>
                 <p14:cNvPr id="13" name="Entrada de lápiz 12">
@@ -20526,7 +23211,7 @@
               </p14:xfrm>
             </p:contentPart>
           </mc:Choice>
-          <mc:Fallback>
+          <mc:Fallback xmlns="">
             <p:pic>
               <p:nvPicPr>
                 <p:cNvPr id="13" name="Entrada de lápiz 12">
@@ -20557,8 +23242,8 @@
             </p:pic>
           </mc:Fallback>
         </mc:AlternateContent>
-        <mc:AlternateContent xmlns:mc="http://schemas.openxmlformats.org/markup-compatibility/2006">
-          <mc:Choice xmlns:p14="http://schemas.microsoft.com/office/powerpoint/2010/main" xmlns:aink="http://schemas.microsoft.com/office/drawing/2016/ink" Requires="p14 aink">
+        <mc:AlternateContent xmlns:mc="http://schemas.openxmlformats.org/markup-compatibility/2006" xmlns:p14="http://schemas.microsoft.com/office/powerpoint/2010/main" xmlns:aink="http://schemas.microsoft.com/office/drawing/2016/ink">
+          <mc:Choice Requires="p14 aink">
             <p:contentPart p14:bwMode="auto" r:id="rId15">
               <p14:nvContentPartPr>
                 <p14:cNvPr id="14" name="Entrada de lápiz 13">
@@ -20577,7 +23262,7 @@
               </p14:xfrm>
             </p:contentPart>
           </mc:Choice>
-          <mc:Fallback>
+          <mc:Fallback xmlns="">
             <p:pic>
               <p:nvPicPr>
                 <p:cNvPr id="14" name="Entrada de lápiz 13">
@@ -20608,8 +23293,8 @@
             </p:pic>
           </mc:Fallback>
         </mc:AlternateContent>
-        <mc:AlternateContent xmlns:mc="http://schemas.openxmlformats.org/markup-compatibility/2006">
-          <mc:Choice xmlns:p14="http://schemas.microsoft.com/office/powerpoint/2010/main" xmlns:aink="http://schemas.microsoft.com/office/drawing/2016/ink" Requires="p14 aink">
+        <mc:AlternateContent xmlns:mc="http://schemas.openxmlformats.org/markup-compatibility/2006" xmlns:p14="http://schemas.microsoft.com/office/powerpoint/2010/main" xmlns:aink="http://schemas.microsoft.com/office/drawing/2016/ink">
+          <mc:Choice Requires="p14 aink">
             <p:contentPart p14:bwMode="auto" r:id="rId17">
               <p14:nvContentPartPr>
                 <p14:cNvPr id="16" name="Entrada de lápiz 15">
@@ -20628,7 +23313,7 @@
               </p14:xfrm>
             </p:contentPart>
           </mc:Choice>
-          <mc:Fallback>
+          <mc:Fallback xmlns="">
             <p:pic>
               <p:nvPicPr>
                 <p:cNvPr id="16" name="Entrada de lápiz 15">
@@ -20659,8 +23344,8 @@
             </p:pic>
           </mc:Fallback>
         </mc:AlternateContent>
-        <mc:AlternateContent xmlns:mc="http://schemas.openxmlformats.org/markup-compatibility/2006">
-          <mc:Choice xmlns:p14="http://schemas.microsoft.com/office/powerpoint/2010/main" xmlns:aink="http://schemas.microsoft.com/office/drawing/2016/ink" Requires="p14 aink">
+        <mc:AlternateContent xmlns:mc="http://schemas.openxmlformats.org/markup-compatibility/2006" xmlns:p14="http://schemas.microsoft.com/office/powerpoint/2010/main" xmlns:aink="http://schemas.microsoft.com/office/drawing/2016/ink">
+          <mc:Choice Requires="p14 aink">
             <p:contentPart p14:bwMode="auto" r:id="rId19">
               <p14:nvContentPartPr>
                 <p14:cNvPr id="17" name="Entrada de lápiz 16">
@@ -20679,7 +23364,7 @@
               </p14:xfrm>
             </p:contentPart>
           </mc:Choice>
-          <mc:Fallback>
+          <mc:Fallback xmlns="">
             <p:pic>
               <p:nvPicPr>
                 <p:cNvPr id="17" name="Entrada de lápiz 16">
@@ -20710,8 +23395,8 @@
             </p:pic>
           </mc:Fallback>
         </mc:AlternateContent>
-        <mc:AlternateContent xmlns:mc="http://schemas.openxmlformats.org/markup-compatibility/2006">
-          <mc:Choice xmlns:p14="http://schemas.microsoft.com/office/powerpoint/2010/main" xmlns:aink="http://schemas.microsoft.com/office/drawing/2016/ink" Requires="p14 aink">
+        <mc:AlternateContent xmlns:mc="http://schemas.openxmlformats.org/markup-compatibility/2006" xmlns:p14="http://schemas.microsoft.com/office/powerpoint/2010/main" xmlns:aink="http://schemas.microsoft.com/office/drawing/2016/ink">
+          <mc:Choice Requires="p14 aink">
             <p:contentPart p14:bwMode="auto" r:id="rId21">
               <p14:nvContentPartPr>
                 <p14:cNvPr id="18" name="Entrada de lápiz 17">
@@ -20730,7 +23415,7 @@
               </p14:xfrm>
             </p:contentPart>
           </mc:Choice>
-          <mc:Fallback>
+          <mc:Fallback xmlns="">
             <p:pic>
               <p:nvPicPr>
                 <p:cNvPr id="18" name="Entrada de lápiz 17">
@@ -20761,8 +23446,8 @@
             </p:pic>
           </mc:Fallback>
         </mc:AlternateContent>
-        <mc:AlternateContent xmlns:mc="http://schemas.openxmlformats.org/markup-compatibility/2006">
-          <mc:Choice xmlns:p14="http://schemas.microsoft.com/office/powerpoint/2010/main" xmlns:aink="http://schemas.microsoft.com/office/drawing/2016/ink" Requires="p14 aink">
+        <mc:AlternateContent xmlns:mc="http://schemas.openxmlformats.org/markup-compatibility/2006" xmlns:p14="http://schemas.microsoft.com/office/powerpoint/2010/main" xmlns:aink="http://schemas.microsoft.com/office/drawing/2016/ink">
+          <mc:Choice Requires="p14 aink">
             <p:contentPart p14:bwMode="auto" r:id="rId23">
               <p14:nvContentPartPr>
                 <p14:cNvPr id="19" name="Entrada de lápiz 18">
@@ -20781,7 +23466,7 @@
               </p14:xfrm>
             </p:contentPart>
           </mc:Choice>
-          <mc:Fallback>
+          <mc:Fallback xmlns="">
             <p:pic>
               <p:nvPicPr>
                 <p:cNvPr id="19" name="Entrada de lápiz 18">
@@ -20956,8 +23641,8 @@
             <a:chExt cx="820440" cy="264600"/>
           </a:xfrm>
         </p:grpSpPr>
-        <mc:AlternateContent xmlns:mc="http://schemas.openxmlformats.org/markup-compatibility/2006">
-          <mc:Choice xmlns:p14="http://schemas.microsoft.com/office/powerpoint/2010/main" xmlns:aink="http://schemas.microsoft.com/office/drawing/2016/ink" Requires="p14 aink">
+        <mc:AlternateContent xmlns:mc="http://schemas.openxmlformats.org/markup-compatibility/2006" xmlns:p14="http://schemas.microsoft.com/office/powerpoint/2010/main" xmlns:aink="http://schemas.microsoft.com/office/drawing/2016/ink">
+          <mc:Choice Requires="p14 aink">
             <p:contentPart p14:bwMode="auto" r:id="rId4">
               <p14:nvContentPartPr>
                 <p14:cNvPr id="8" name="Entrada de lápiz 7">
@@ -20976,7 +23661,7 @@
               </p14:xfrm>
             </p:contentPart>
           </mc:Choice>
-          <mc:Fallback>
+          <mc:Fallback xmlns="">
             <p:pic>
               <p:nvPicPr>
                 <p:cNvPr id="8" name="Entrada de lápiz 7">
@@ -21007,8 +23692,8 @@
             </p:pic>
           </mc:Fallback>
         </mc:AlternateContent>
-        <mc:AlternateContent xmlns:mc="http://schemas.openxmlformats.org/markup-compatibility/2006">
-          <mc:Choice xmlns:p14="http://schemas.microsoft.com/office/powerpoint/2010/main" xmlns:aink="http://schemas.microsoft.com/office/drawing/2016/ink" Requires="p14 aink">
+        <mc:AlternateContent xmlns:mc="http://schemas.openxmlformats.org/markup-compatibility/2006" xmlns:p14="http://schemas.microsoft.com/office/powerpoint/2010/main" xmlns:aink="http://schemas.microsoft.com/office/drawing/2016/ink">
+          <mc:Choice Requires="p14 aink">
             <p:contentPart p14:bwMode="auto" r:id="rId6">
               <p14:nvContentPartPr>
                 <p14:cNvPr id="9" name="Entrada de lápiz 8">
@@ -21027,7 +23712,7 @@
               </p14:xfrm>
             </p:contentPart>
           </mc:Choice>
-          <mc:Fallback>
+          <mc:Fallback xmlns="">
             <p:pic>
               <p:nvPicPr>
                 <p:cNvPr id="9" name="Entrada de lápiz 8">
@@ -21058,8 +23743,8 @@
             </p:pic>
           </mc:Fallback>
         </mc:AlternateContent>
-        <mc:AlternateContent xmlns:mc="http://schemas.openxmlformats.org/markup-compatibility/2006">
-          <mc:Choice xmlns:p14="http://schemas.microsoft.com/office/powerpoint/2010/main" xmlns:aink="http://schemas.microsoft.com/office/drawing/2016/ink" Requires="p14 aink">
+        <mc:AlternateContent xmlns:mc="http://schemas.openxmlformats.org/markup-compatibility/2006" xmlns:p14="http://schemas.microsoft.com/office/powerpoint/2010/main" xmlns:aink="http://schemas.microsoft.com/office/drawing/2016/ink">
+          <mc:Choice Requires="p14 aink">
             <p:contentPart p14:bwMode="auto" r:id="rId8">
               <p14:nvContentPartPr>
                 <p14:cNvPr id="10" name="Entrada de lápiz 9">
@@ -21078,7 +23763,7 @@
               </p14:xfrm>
             </p:contentPart>
           </mc:Choice>
-          <mc:Fallback>
+          <mc:Fallback xmlns="">
             <p:pic>
               <p:nvPicPr>
                 <p:cNvPr id="10" name="Entrada de lápiz 9">
@@ -21109,8 +23794,8 @@
             </p:pic>
           </mc:Fallback>
         </mc:AlternateContent>
-        <mc:AlternateContent xmlns:mc="http://schemas.openxmlformats.org/markup-compatibility/2006">
-          <mc:Choice xmlns:p14="http://schemas.microsoft.com/office/powerpoint/2010/main" xmlns:aink="http://schemas.microsoft.com/office/drawing/2016/ink" Requires="p14 aink">
+        <mc:AlternateContent xmlns:mc="http://schemas.openxmlformats.org/markup-compatibility/2006" xmlns:p14="http://schemas.microsoft.com/office/powerpoint/2010/main" xmlns:aink="http://schemas.microsoft.com/office/drawing/2016/ink">
+          <mc:Choice Requires="p14 aink">
             <p:contentPart p14:bwMode="auto" r:id="rId10">
               <p14:nvContentPartPr>
                 <p14:cNvPr id="12" name="Entrada de lápiz 11">
@@ -21129,7 +23814,7 @@
               </p14:xfrm>
             </p:contentPart>
           </mc:Choice>
-          <mc:Fallback>
+          <mc:Fallback xmlns="">
             <p:pic>
               <p:nvPicPr>
                 <p:cNvPr id="12" name="Entrada de lápiz 11">
@@ -21160,8 +23845,8 @@
             </p:pic>
           </mc:Fallback>
         </mc:AlternateContent>
-        <mc:AlternateContent xmlns:mc="http://schemas.openxmlformats.org/markup-compatibility/2006">
-          <mc:Choice xmlns:p14="http://schemas.microsoft.com/office/powerpoint/2010/main" xmlns:aink="http://schemas.microsoft.com/office/drawing/2016/ink" Requires="p14 aink">
+        <mc:AlternateContent xmlns:mc="http://schemas.openxmlformats.org/markup-compatibility/2006" xmlns:p14="http://schemas.microsoft.com/office/powerpoint/2010/main" xmlns:aink="http://schemas.microsoft.com/office/drawing/2016/ink">
+          <mc:Choice Requires="p14 aink">
             <p:contentPart p14:bwMode="auto" r:id="rId12">
               <p14:nvContentPartPr>
                 <p14:cNvPr id="13" name="Entrada de lápiz 12">
@@ -21180,7 +23865,7 @@
               </p14:xfrm>
             </p:contentPart>
           </mc:Choice>
-          <mc:Fallback>
+          <mc:Fallback xmlns="">
             <p:pic>
               <p:nvPicPr>
                 <p:cNvPr id="13" name="Entrada de lápiz 12">
@@ -21212,8 +23897,8 @@
           </mc:Fallback>
         </mc:AlternateContent>
       </p:grpSp>
-      <mc:AlternateContent xmlns:mc="http://schemas.openxmlformats.org/markup-compatibility/2006">
-        <mc:Choice xmlns:p14="http://schemas.microsoft.com/office/powerpoint/2010/main" xmlns:aink="http://schemas.microsoft.com/office/drawing/2016/ink" Requires="p14 aink">
+      <mc:AlternateContent xmlns:mc="http://schemas.openxmlformats.org/markup-compatibility/2006" xmlns:p14="http://schemas.microsoft.com/office/powerpoint/2010/main" xmlns:aink="http://schemas.microsoft.com/office/drawing/2016/ink">
+        <mc:Choice Requires="p14 aink">
           <p:contentPart p14:bwMode="auto" r:id="rId14">
             <p14:nvContentPartPr>
               <p14:cNvPr id="18" name="Entrada de lápiz 17">
@@ -21232,7 +23917,7 @@
             </p14:xfrm>
           </p:contentPart>
         </mc:Choice>
-        <mc:Fallback>
+        <mc:Fallback xmlns="">
           <p:pic>
             <p:nvPicPr>
               <p:cNvPr id="18" name="Entrada de lápiz 17">
@@ -21283,8 +23968,8 @@
             <a:chExt cx="95400" cy="90000"/>
           </a:xfrm>
         </p:grpSpPr>
-        <mc:AlternateContent xmlns:mc="http://schemas.openxmlformats.org/markup-compatibility/2006">
-          <mc:Choice xmlns:p14="http://schemas.microsoft.com/office/powerpoint/2010/main" xmlns:aink="http://schemas.microsoft.com/office/drawing/2016/ink" Requires="p14 aink">
+        <mc:AlternateContent xmlns:mc="http://schemas.openxmlformats.org/markup-compatibility/2006" xmlns:p14="http://schemas.microsoft.com/office/powerpoint/2010/main" xmlns:aink="http://schemas.microsoft.com/office/drawing/2016/ink">
+          <mc:Choice Requires="p14 aink">
             <p:contentPart p14:bwMode="auto" r:id="rId16">
               <p14:nvContentPartPr>
                 <p14:cNvPr id="20" name="Entrada de lápiz 19">
@@ -21303,7 +23988,7 @@
               </p14:xfrm>
             </p:contentPart>
           </mc:Choice>
-          <mc:Fallback>
+          <mc:Fallback xmlns="">
             <p:pic>
               <p:nvPicPr>
                 <p:cNvPr id="20" name="Entrada de lápiz 19">
@@ -21334,8 +24019,8 @@
             </p:pic>
           </mc:Fallback>
         </mc:AlternateContent>
-        <mc:AlternateContent xmlns:mc="http://schemas.openxmlformats.org/markup-compatibility/2006">
-          <mc:Choice xmlns:p14="http://schemas.microsoft.com/office/powerpoint/2010/main" xmlns:aink="http://schemas.microsoft.com/office/drawing/2016/ink" Requires="p14 aink">
+        <mc:AlternateContent xmlns:mc="http://schemas.openxmlformats.org/markup-compatibility/2006" xmlns:p14="http://schemas.microsoft.com/office/powerpoint/2010/main" xmlns:aink="http://schemas.microsoft.com/office/drawing/2016/ink">
+          <mc:Choice Requires="p14 aink">
             <p:contentPart p14:bwMode="auto" r:id="rId18">
               <p14:nvContentPartPr>
                 <p14:cNvPr id="21" name="Entrada de lápiz 20">
@@ -21354,7 +24039,7 @@
               </p14:xfrm>
             </p:contentPart>
           </mc:Choice>
-          <mc:Fallback>
+          <mc:Fallback xmlns="">
             <p:pic>
               <p:nvPicPr>
                 <p:cNvPr id="21" name="Entrada de lápiz 20">
@@ -21406,8 +24091,8 @@
             <a:chExt cx="126720" cy="93960"/>
           </a:xfrm>
         </p:grpSpPr>
-        <mc:AlternateContent xmlns:mc="http://schemas.openxmlformats.org/markup-compatibility/2006">
-          <mc:Choice xmlns:p14="http://schemas.microsoft.com/office/powerpoint/2010/main" xmlns:aink="http://schemas.microsoft.com/office/drawing/2016/ink" Requires="p14 aink">
+        <mc:AlternateContent xmlns:mc="http://schemas.openxmlformats.org/markup-compatibility/2006" xmlns:p14="http://schemas.microsoft.com/office/powerpoint/2010/main" xmlns:aink="http://schemas.microsoft.com/office/drawing/2016/ink">
+          <mc:Choice Requires="p14 aink">
             <p:contentPart p14:bwMode="auto" r:id="rId20">
               <p14:nvContentPartPr>
                 <p14:cNvPr id="23" name="Entrada de lápiz 22">
@@ -21426,7 +24111,7 @@
               </p14:xfrm>
             </p:contentPart>
           </mc:Choice>
-          <mc:Fallback>
+          <mc:Fallback xmlns="">
             <p:pic>
               <p:nvPicPr>
                 <p:cNvPr id="23" name="Entrada de lápiz 22">
@@ -21457,8 +24142,8 @@
             </p:pic>
           </mc:Fallback>
         </mc:AlternateContent>
-        <mc:AlternateContent xmlns:mc="http://schemas.openxmlformats.org/markup-compatibility/2006">
-          <mc:Choice xmlns:p14="http://schemas.microsoft.com/office/powerpoint/2010/main" xmlns:aink="http://schemas.microsoft.com/office/drawing/2016/ink" Requires="p14 aink">
+        <mc:AlternateContent xmlns:mc="http://schemas.openxmlformats.org/markup-compatibility/2006" xmlns:p14="http://schemas.microsoft.com/office/powerpoint/2010/main" xmlns:aink="http://schemas.microsoft.com/office/drawing/2016/ink">
+          <mc:Choice Requires="p14 aink">
             <p:contentPart p14:bwMode="auto" r:id="rId22">
               <p14:nvContentPartPr>
                 <p14:cNvPr id="24" name="Entrada de lápiz 23">
@@ -21477,7 +24162,7 @@
               </p14:xfrm>
             </p:contentPart>
           </mc:Choice>
-          <mc:Fallback>
+          <mc:Fallback xmlns="">
             <p:pic>
               <p:nvPicPr>
                 <p:cNvPr id="24" name="Entrada de lápiz 23">
@@ -21529,8 +24214,8 @@
             <a:chExt cx="296280" cy="637920"/>
           </a:xfrm>
         </p:grpSpPr>
-        <mc:AlternateContent xmlns:mc="http://schemas.openxmlformats.org/markup-compatibility/2006">
-          <mc:Choice xmlns:p14="http://schemas.microsoft.com/office/powerpoint/2010/main" xmlns:aink="http://schemas.microsoft.com/office/drawing/2016/ink" Requires="p14 aink">
+        <mc:AlternateContent xmlns:mc="http://schemas.openxmlformats.org/markup-compatibility/2006" xmlns:p14="http://schemas.microsoft.com/office/powerpoint/2010/main" xmlns:aink="http://schemas.microsoft.com/office/drawing/2016/ink">
+          <mc:Choice Requires="p14 aink">
             <p:contentPart p14:bwMode="auto" r:id="rId24">
               <p14:nvContentPartPr>
                 <p14:cNvPr id="15" name="Entrada de lápiz 14">
@@ -21549,7 +24234,7 @@
               </p14:xfrm>
             </p:contentPart>
           </mc:Choice>
-          <mc:Fallback>
+          <mc:Fallback xmlns="">
             <p:pic>
               <p:nvPicPr>
                 <p:cNvPr id="15" name="Entrada de lápiz 14">
@@ -21580,8 +24265,8 @@
             </p:pic>
           </mc:Fallback>
         </mc:AlternateContent>
-        <mc:AlternateContent xmlns:mc="http://schemas.openxmlformats.org/markup-compatibility/2006">
-          <mc:Choice xmlns:p14="http://schemas.microsoft.com/office/powerpoint/2010/main" xmlns:aink="http://schemas.microsoft.com/office/drawing/2016/ink" Requires="p14 aink">
+        <mc:AlternateContent xmlns:mc="http://schemas.openxmlformats.org/markup-compatibility/2006" xmlns:p14="http://schemas.microsoft.com/office/powerpoint/2010/main" xmlns:aink="http://schemas.microsoft.com/office/drawing/2016/ink">
+          <mc:Choice Requires="p14 aink">
             <p:contentPart p14:bwMode="auto" r:id="rId26">
               <p14:nvContentPartPr>
                 <p14:cNvPr id="16" name="Entrada de lápiz 15">
@@ -21600,7 +24285,7 @@
               </p14:xfrm>
             </p:contentPart>
           </mc:Choice>
-          <mc:Fallback>
+          <mc:Fallback xmlns="">
             <p:pic>
               <p:nvPicPr>
                 <p:cNvPr id="16" name="Entrada de lápiz 15">
@@ -21631,8 +24316,8 @@
             </p:pic>
           </mc:Fallback>
         </mc:AlternateContent>
-        <mc:AlternateContent xmlns:mc="http://schemas.openxmlformats.org/markup-compatibility/2006">
-          <mc:Choice xmlns:p14="http://schemas.microsoft.com/office/powerpoint/2010/main" xmlns:aink="http://schemas.microsoft.com/office/drawing/2016/ink" Requires="p14 aink">
+        <mc:AlternateContent xmlns:mc="http://schemas.openxmlformats.org/markup-compatibility/2006" xmlns:p14="http://schemas.microsoft.com/office/powerpoint/2010/main" xmlns:aink="http://schemas.microsoft.com/office/drawing/2016/ink">
+          <mc:Choice Requires="p14 aink">
             <p:contentPart p14:bwMode="auto" r:id="rId28">
               <p14:nvContentPartPr>
                 <p14:cNvPr id="26" name="Entrada de lápiz 25">
@@ -21651,7 +24336,7 @@
               </p14:xfrm>
             </p:contentPart>
           </mc:Choice>
-          <mc:Fallback>
+          <mc:Fallback xmlns="">
             <p:pic>
               <p:nvPicPr>
                 <p:cNvPr id="26" name="Entrada de lápiz 25">
@@ -21683,8 +24368,8 @@
           </mc:Fallback>
         </mc:AlternateContent>
       </p:grpSp>
-      <mc:AlternateContent xmlns:mc="http://schemas.openxmlformats.org/markup-compatibility/2006">
-        <mc:Choice xmlns:p14="http://schemas.microsoft.com/office/powerpoint/2010/main" xmlns:aink="http://schemas.microsoft.com/office/drawing/2016/ink" Requires="p14 aink">
+      <mc:AlternateContent xmlns:mc="http://schemas.openxmlformats.org/markup-compatibility/2006" xmlns:p14="http://schemas.microsoft.com/office/powerpoint/2010/main" xmlns:aink="http://schemas.microsoft.com/office/drawing/2016/ink">
+        <mc:Choice Requires="p14 aink">
           <p:contentPart p14:bwMode="auto" r:id="rId30">
             <p14:nvContentPartPr>
               <p14:cNvPr id="27" name="Entrada de lápiz 26">
@@ -21703,7 +24388,7 @@
             </p14:xfrm>
           </p:contentPart>
         </mc:Choice>
-        <mc:Fallback>
+        <mc:Fallback xmlns="">
           <p:pic>
             <p:nvPicPr>
               <p:cNvPr id="27" name="Entrada de lápiz 26">
@@ -21754,8 +24439,8 @@
             <a:chExt cx="2934270" cy="1588820"/>
           </a:xfrm>
         </p:grpSpPr>
-        <mc:AlternateContent xmlns:mc="http://schemas.openxmlformats.org/markup-compatibility/2006">
-          <mc:Choice xmlns:p14="http://schemas.microsoft.com/office/powerpoint/2010/main" xmlns:aink="http://schemas.microsoft.com/office/drawing/2016/ink" Requires="p14 aink">
+        <mc:AlternateContent xmlns:mc="http://schemas.openxmlformats.org/markup-compatibility/2006" xmlns:p14="http://schemas.microsoft.com/office/powerpoint/2010/main" xmlns:aink="http://schemas.microsoft.com/office/drawing/2016/ink">
+          <mc:Choice Requires="p14 aink">
             <p:contentPart p14:bwMode="auto" r:id="rId32">
               <p14:nvContentPartPr>
                 <p14:cNvPr id="52" name="Entrada de lápiz 51">
@@ -21774,7 +24459,7 @@
               </p14:xfrm>
             </p:contentPart>
           </mc:Choice>
-          <mc:Fallback>
+          <mc:Fallback xmlns="">
             <p:pic>
               <p:nvPicPr>
                 <p:cNvPr id="52" name="Entrada de lápiz 51">
@@ -21805,8 +24490,8 @@
             </p:pic>
           </mc:Fallback>
         </mc:AlternateContent>
-        <mc:AlternateContent xmlns:mc="http://schemas.openxmlformats.org/markup-compatibility/2006">
-          <mc:Choice xmlns:p14="http://schemas.microsoft.com/office/powerpoint/2010/main" xmlns:aink="http://schemas.microsoft.com/office/drawing/2016/ink" Requires="p14 aink">
+        <mc:AlternateContent xmlns:mc="http://schemas.openxmlformats.org/markup-compatibility/2006" xmlns:p14="http://schemas.microsoft.com/office/powerpoint/2010/main" xmlns:aink="http://schemas.microsoft.com/office/drawing/2016/ink">
+          <mc:Choice Requires="p14 aink">
             <p:contentPart p14:bwMode="auto" r:id="rId34">
               <p14:nvContentPartPr>
                 <p14:cNvPr id="53" name="Entrada de lápiz 52">
@@ -21825,7 +24510,7 @@
               </p14:xfrm>
             </p:contentPart>
           </mc:Choice>
-          <mc:Fallback>
+          <mc:Fallback xmlns="">
             <p:pic>
               <p:nvPicPr>
                 <p:cNvPr id="53" name="Entrada de lápiz 52">
@@ -21856,8 +24541,8 @@
             </p:pic>
           </mc:Fallback>
         </mc:AlternateContent>
-        <mc:AlternateContent xmlns:mc="http://schemas.openxmlformats.org/markup-compatibility/2006">
-          <mc:Choice xmlns:p14="http://schemas.microsoft.com/office/powerpoint/2010/main" xmlns:aink="http://schemas.microsoft.com/office/drawing/2016/ink" Requires="p14 aink">
+        <mc:AlternateContent xmlns:mc="http://schemas.openxmlformats.org/markup-compatibility/2006" xmlns:p14="http://schemas.microsoft.com/office/powerpoint/2010/main" xmlns:aink="http://schemas.microsoft.com/office/drawing/2016/ink">
+          <mc:Choice Requires="p14 aink">
             <p:contentPart p14:bwMode="auto" r:id="rId36">
               <p14:nvContentPartPr>
                 <p14:cNvPr id="54" name="Entrada de lápiz 53">
@@ -21876,7 +24561,7 @@
               </p14:xfrm>
             </p:contentPart>
           </mc:Choice>
-          <mc:Fallback>
+          <mc:Fallback xmlns="">
             <p:pic>
               <p:nvPicPr>
                 <p:cNvPr id="54" name="Entrada de lápiz 53">
@@ -21907,8 +24592,8 @@
             </p:pic>
           </mc:Fallback>
         </mc:AlternateContent>
-        <mc:AlternateContent xmlns:mc="http://schemas.openxmlformats.org/markup-compatibility/2006">
-          <mc:Choice xmlns:p14="http://schemas.microsoft.com/office/powerpoint/2010/main" xmlns:aink="http://schemas.microsoft.com/office/drawing/2016/ink" Requires="p14 aink">
+        <mc:AlternateContent xmlns:mc="http://schemas.openxmlformats.org/markup-compatibility/2006" xmlns:p14="http://schemas.microsoft.com/office/powerpoint/2010/main" xmlns:aink="http://schemas.microsoft.com/office/drawing/2016/ink">
+          <mc:Choice Requires="p14 aink">
             <p:contentPart p14:bwMode="auto" r:id="rId38">
               <p14:nvContentPartPr>
                 <p14:cNvPr id="56" name="Entrada de lápiz 55">
@@ -21927,7 +24612,7 @@
               </p14:xfrm>
             </p:contentPart>
           </mc:Choice>
-          <mc:Fallback>
+          <mc:Fallback xmlns="">
             <p:pic>
               <p:nvPicPr>
                 <p:cNvPr id="56" name="Entrada de lápiz 55">
@@ -21958,8 +24643,8 @@
             </p:pic>
           </mc:Fallback>
         </mc:AlternateContent>
-        <mc:AlternateContent xmlns:mc="http://schemas.openxmlformats.org/markup-compatibility/2006">
-          <mc:Choice xmlns:p14="http://schemas.microsoft.com/office/powerpoint/2010/main" xmlns:aink="http://schemas.microsoft.com/office/drawing/2016/ink" Requires="p14 aink">
+        <mc:AlternateContent xmlns:mc="http://schemas.openxmlformats.org/markup-compatibility/2006" xmlns:p14="http://schemas.microsoft.com/office/powerpoint/2010/main" xmlns:aink="http://schemas.microsoft.com/office/drawing/2016/ink">
+          <mc:Choice Requires="p14 aink">
             <p:contentPart p14:bwMode="auto" r:id="rId40">
               <p14:nvContentPartPr>
                 <p14:cNvPr id="57" name="Entrada de lápiz 56">
@@ -21978,7 +24663,7 @@
               </p14:xfrm>
             </p:contentPart>
           </mc:Choice>
-          <mc:Fallback>
+          <mc:Fallback xmlns="">
             <p:pic>
               <p:nvPicPr>
                 <p:cNvPr id="57" name="Entrada de lápiz 56">
@@ -22009,8 +24694,8 @@
             </p:pic>
           </mc:Fallback>
         </mc:AlternateContent>
-        <mc:AlternateContent xmlns:mc="http://schemas.openxmlformats.org/markup-compatibility/2006">
-          <mc:Choice xmlns:p14="http://schemas.microsoft.com/office/powerpoint/2010/main" xmlns:aink="http://schemas.microsoft.com/office/drawing/2016/ink" Requires="p14 aink">
+        <mc:AlternateContent xmlns:mc="http://schemas.openxmlformats.org/markup-compatibility/2006" xmlns:p14="http://schemas.microsoft.com/office/powerpoint/2010/main" xmlns:aink="http://schemas.microsoft.com/office/drawing/2016/ink">
+          <mc:Choice Requires="p14 aink">
             <p:contentPart p14:bwMode="auto" r:id="rId42">
               <p14:nvContentPartPr>
                 <p14:cNvPr id="58" name="Entrada de lápiz 57">
@@ -22029,7 +24714,7 @@
               </p14:xfrm>
             </p:contentPart>
           </mc:Choice>
-          <mc:Fallback>
+          <mc:Fallback xmlns="">
             <p:pic>
               <p:nvPicPr>
                 <p:cNvPr id="58" name="Entrada de lápiz 57">
@@ -22060,8 +24745,8 @@
             </p:pic>
           </mc:Fallback>
         </mc:AlternateContent>
-        <mc:AlternateContent xmlns:mc="http://schemas.openxmlformats.org/markup-compatibility/2006">
-          <mc:Choice xmlns:p14="http://schemas.microsoft.com/office/powerpoint/2010/main" xmlns:aink="http://schemas.microsoft.com/office/drawing/2016/ink" Requires="p14 aink">
+        <mc:AlternateContent xmlns:mc="http://schemas.openxmlformats.org/markup-compatibility/2006" xmlns:p14="http://schemas.microsoft.com/office/powerpoint/2010/main" xmlns:aink="http://schemas.microsoft.com/office/drawing/2016/ink">
+          <mc:Choice Requires="p14 aink">
             <p:contentPart p14:bwMode="auto" r:id="rId44">
               <p14:nvContentPartPr>
                 <p14:cNvPr id="59" name="Entrada de lápiz 58">
@@ -22080,7 +24765,7 @@
               </p14:xfrm>
             </p:contentPart>
           </mc:Choice>
-          <mc:Fallback>
+          <mc:Fallback xmlns="">
             <p:pic>
               <p:nvPicPr>
                 <p:cNvPr id="59" name="Entrada de lápiz 58">
@@ -22111,8 +24796,8 @@
             </p:pic>
           </mc:Fallback>
         </mc:AlternateContent>
-        <mc:AlternateContent xmlns:mc="http://schemas.openxmlformats.org/markup-compatibility/2006">
-          <mc:Choice xmlns:p14="http://schemas.microsoft.com/office/powerpoint/2010/main" xmlns:aink="http://schemas.microsoft.com/office/drawing/2016/ink" Requires="p14 aink">
+        <mc:AlternateContent xmlns:mc="http://schemas.openxmlformats.org/markup-compatibility/2006" xmlns:p14="http://schemas.microsoft.com/office/powerpoint/2010/main" xmlns:aink="http://schemas.microsoft.com/office/drawing/2016/ink">
+          <mc:Choice Requires="p14 aink">
             <p:contentPart p14:bwMode="auto" r:id="rId46">
               <p14:nvContentPartPr>
                 <p14:cNvPr id="60" name="Entrada de lápiz 59">
@@ -22131,7 +24816,7 @@
               </p14:xfrm>
             </p:contentPart>
           </mc:Choice>
-          <mc:Fallback>
+          <mc:Fallback xmlns="">
             <p:pic>
               <p:nvPicPr>
                 <p:cNvPr id="60" name="Entrada de lápiz 59">
@@ -22162,8 +24847,8 @@
             </p:pic>
           </mc:Fallback>
         </mc:AlternateContent>
-        <mc:AlternateContent xmlns:mc="http://schemas.openxmlformats.org/markup-compatibility/2006">
-          <mc:Choice xmlns:p14="http://schemas.microsoft.com/office/powerpoint/2010/main" xmlns:aink="http://schemas.microsoft.com/office/drawing/2016/ink" Requires="p14 aink">
+        <mc:AlternateContent xmlns:mc="http://schemas.openxmlformats.org/markup-compatibility/2006" xmlns:p14="http://schemas.microsoft.com/office/powerpoint/2010/main" xmlns:aink="http://schemas.microsoft.com/office/drawing/2016/ink">
+          <mc:Choice Requires="p14 aink">
             <p:contentPart p14:bwMode="auto" r:id="rId48">
               <p14:nvContentPartPr>
                 <p14:cNvPr id="61" name="Entrada de lápiz 60">
@@ -22182,7 +24867,7 @@
               </p14:xfrm>
             </p:contentPart>
           </mc:Choice>
-          <mc:Fallback>
+          <mc:Fallback xmlns="">
             <p:pic>
               <p:nvPicPr>
                 <p:cNvPr id="61" name="Entrada de lápiz 60">
@@ -22213,8 +24898,8 @@
             </p:pic>
           </mc:Fallback>
         </mc:AlternateContent>
-        <mc:AlternateContent xmlns:mc="http://schemas.openxmlformats.org/markup-compatibility/2006">
-          <mc:Choice xmlns:p14="http://schemas.microsoft.com/office/powerpoint/2010/main" xmlns:aink="http://schemas.microsoft.com/office/drawing/2016/ink" Requires="p14 aink">
+        <mc:AlternateContent xmlns:mc="http://schemas.openxmlformats.org/markup-compatibility/2006" xmlns:p14="http://schemas.microsoft.com/office/powerpoint/2010/main" xmlns:aink="http://schemas.microsoft.com/office/drawing/2016/ink">
+          <mc:Choice Requires="p14 aink">
             <p:contentPart p14:bwMode="auto" r:id="rId50">
               <p14:nvContentPartPr>
                 <p14:cNvPr id="62" name="Entrada de lápiz 61">
@@ -22233,7 +24918,7 @@
               </p14:xfrm>
             </p:contentPart>
           </mc:Choice>
-          <mc:Fallback>
+          <mc:Fallback xmlns="">
             <p:pic>
               <p:nvPicPr>
                 <p:cNvPr id="62" name="Entrada de lápiz 61">
@@ -22264,8 +24949,8 @@
             </p:pic>
           </mc:Fallback>
         </mc:AlternateContent>
-        <mc:AlternateContent xmlns:mc="http://schemas.openxmlformats.org/markup-compatibility/2006">
-          <mc:Choice xmlns:p14="http://schemas.microsoft.com/office/powerpoint/2010/main" xmlns:aink="http://schemas.microsoft.com/office/drawing/2016/ink" Requires="p14 aink">
+        <mc:AlternateContent xmlns:mc="http://schemas.openxmlformats.org/markup-compatibility/2006" xmlns:p14="http://schemas.microsoft.com/office/powerpoint/2010/main" xmlns:aink="http://schemas.microsoft.com/office/drawing/2016/ink">
+          <mc:Choice Requires="p14 aink">
             <p:contentPart p14:bwMode="auto" r:id="rId52">
               <p14:nvContentPartPr>
                 <p14:cNvPr id="63" name="Entrada de lápiz 62">
@@ -22284,7 +24969,7 @@
               </p14:xfrm>
             </p:contentPart>
           </mc:Choice>
-          <mc:Fallback>
+          <mc:Fallback xmlns="">
             <p:pic>
               <p:nvPicPr>
                 <p:cNvPr id="63" name="Entrada de lápiz 62">
@@ -22315,8 +25000,8 @@
             </p:pic>
           </mc:Fallback>
         </mc:AlternateContent>
-        <mc:AlternateContent xmlns:mc="http://schemas.openxmlformats.org/markup-compatibility/2006">
-          <mc:Choice xmlns:p14="http://schemas.microsoft.com/office/powerpoint/2010/main" xmlns:aink="http://schemas.microsoft.com/office/drawing/2016/ink" Requires="p14 aink">
+        <mc:AlternateContent xmlns:mc="http://schemas.openxmlformats.org/markup-compatibility/2006" xmlns:p14="http://schemas.microsoft.com/office/powerpoint/2010/main" xmlns:aink="http://schemas.microsoft.com/office/drawing/2016/ink">
+          <mc:Choice Requires="p14 aink">
             <p:contentPart p14:bwMode="auto" r:id="rId54">
               <p14:nvContentPartPr>
                 <p14:cNvPr id="66" name="Entrada de lápiz 65">
@@ -22335,7 +25020,7 @@
               </p14:xfrm>
             </p:contentPart>
           </mc:Choice>
-          <mc:Fallback>
+          <mc:Fallback xmlns="">
             <p:pic>
               <p:nvPicPr>
                 <p:cNvPr id="66" name="Entrada de lápiz 65">
@@ -22366,8 +25051,8 @@
             </p:pic>
           </mc:Fallback>
         </mc:AlternateContent>
-        <mc:AlternateContent xmlns:mc="http://schemas.openxmlformats.org/markup-compatibility/2006">
-          <mc:Choice xmlns:p14="http://schemas.microsoft.com/office/powerpoint/2010/main" xmlns:aink="http://schemas.microsoft.com/office/drawing/2016/ink" Requires="p14 aink">
+        <mc:AlternateContent xmlns:mc="http://schemas.openxmlformats.org/markup-compatibility/2006" xmlns:p14="http://schemas.microsoft.com/office/powerpoint/2010/main" xmlns:aink="http://schemas.microsoft.com/office/drawing/2016/ink">
+          <mc:Choice Requires="p14 aink">
             <p:contentPart p14:bwMode="auto" r:id="rId56">
               <p14:nvContentPartPr>
                 <p14:cNvPr id="67" name="Entrada de lápiz 66">
@@ -22386,7 +25071,7 @@
               </p14:xfrm>
             </p:contentPart>
           </mc:Choice>
-          <mc:Fallback>
+          <mc:Fallback xmlns="">
             <p:pic>
               <p:nvPicPr>
                 <p:cNvPr id="67" name="Entrada de lápiz 66">
@@ -22417,8 +25102,8 @@
             </p:pic>
           </mc:Fallback>
         </mc:AlternateContent>
-        <mc:AlternateContent xmlns:mc="http://schemas.openxmlformats.org/markup-compatibility/2006">
-          <mc:Choice xmlns:p14="http://schemas.microsoft.com/office/powerpoint/2010/main" xmlns:aink="http://schemas.microsoft.com/office/drawing/2016/ink" Requires="p14 aink">
+        <mc:AlternateContent xmlns:mc="http://schemas.openxmlformats.org/markup-compatibility/2006" xmlns:p14="http://schemas.microsoft.com/office/powerpoint/2010/main" xmlns:aink="http://schemas.microsoft.com/office/drawing/2016/ink">
+          <mc:Choice Requires="p14 aink">
             <p:contentPart p14:bwMode="auto" r:id="rId58">
               <p14:nvContentPartPr>
                 <p14:cNvPr id="69" name="Entrada de lápiz 68">
@@ -22437,7 +25122,7 @@
               </p14:xfrm>
             </p:contentPart>
           </mc:Choice>
-          <mc:Fallback>
+          <mc:Fallback xmlns="">
             <p:pic>
               <p:nvPicPr>
                 <p:cNvPr id="69" name="Entrada de lápiz 68">
@@ -22468,8 +25153,8 @@
             </p:pic>
           </mc:Fallback>
         </mc:AlternateContent>
-        <mc:AlternateContent xmlns:mc="http://schemas.openxmlformats.org/markup-compatibility/2006">
-          <mc:Choice xmlns:p14="http://schemas.microsoft.com/office/powerpoint/2010/main" xmlns:aink="http://schemas.microsoft.com/office/drawing/2016/ink" Requires="p14 aink">
+        <mc:AlternateContent xmlns:mc="http://schemas.openxmlformats.org/markup-compatibility/2006" xmlns:p14="http://schemas.microsoft.com/office/powerpoint/2010/main" xmlns:aink="http://schemas.microsoft.com/office/drawing/2016/ink">
+          <mc:Choice Requires="p14 aink">
             <p:contentPart p14:bwMode="auto" r:id="rId60">
               <p14:nvContentPartPr>
                 <p14:cNvPr id="70" name="Entrada de lápiz 69">
@@ -22488,7 +25173,7 @@
               </p14:xfrm>
             </p:contentPart>
           </mc:Choice>
-          <mc:Fallback>
+          <mc:Fallback xmlns="">
             <p:pic>
               <p:nvPicPr>
                 <p:cNvPr id="70" name="Entrada de lápiz 69">
@@ -22519,8 +25204,8 @@
             </p:pic>
           </mc:Fallback>
         </mc:AlternateContent>
-        <mc:AlternateContent xmlns:mc="http://schemas.openxmlformats.org/markup-compatibility/2006">
-          <mc:Choice xmlns:p14="http://schemas.microsoft.com/office/powerpoint/2010/main" xmlns:aink="http://schemas.microsoft.com/office/drawing/2016/ink" Requires="p14 aink">
+        <mc:AlternateContent xmlns:mc="http://schemas.openxmlformats.org/markup-compatibility/2006" xmlns:p14="http://schemas.microsoft.com/office/powerpoint/2010/main" xmlns:aink="http://schemas.microsoft.com/office/drawing/2016/ink">
+          <mc:Choice Requires="p14 aink">
             <p:contentPart p14:bwMode="auto" r:id="rId62">
               <p14:nvContentPartPr>
                 <p14:cNvPr id="71" name="Entrada de lápiz 70">
@@ -22539,7 +25224,7 @@
               </p14:xfrm>
             </p:contentPart>
           </mc:Choice>
-          <mc:Fallback>
+          <mc:Fallback xmlns="">
             <p:pic>
               <p:nvPicPr>
                 <p:cNvPr id="71" name="Entrada de lápiz 70">
@@ -22570,8 +25255,8 @@
             </p:pic>
           </mc:Fallback>
         </mc:AlternateContent>
-        <mc:AlternateContent xmlns:mc="http://schemas.openxmlformats.org/markup-compatibility/2006">
-          <mc:Choice xmlns:p14="http://schemas.microsoft.com/office/powerpoint/2010/main" xmlns:aink="http://schemas.microsoft.com/office/drawing/2016/ink" Requires="p14 aink">
+        <mc:AlternateContent xmlns:mc="http://schemas.openxmlformats.org/markup-compatibility/2006" xmlns:p14="http://schemas.microsoft.com/office/powerpoint/2010/main" xmlns:aink="http://schemas.microsoft.com/office/drawing/2016/ink">
+          <mc:Choice Requires="p14 aink">
             <p:contentPart p14:bwMode="auto" r:id="rId64">
               <p14:nvContentPartPr>
                 <p14:cNvPr id="72" name="Entrada de lápiz 71">
@@ -22590,7 +25275,7 @@
               </p14:xfrm>
             </p:contentPart>
           </mc:Choice>
-          <mc:Fallback>
+          <mc:Fallback xmlns="">
             <p:pic>
               <p:nvPicPr>
                 <p:cNvPr id="72" name="Entrada de lápiz 71">
@@ -22621,8 +25306,8 @@
             </p:pic>
           </mc:Fallback>
         </mc:AlternateContent>
-        <mc:AlternateContent xmlns:mc="http://schemas.openxmlformats.org/markup-compatibility/2006">
-          <mc:Choice xmlns:p14="http://schemas.microsoft.com/office/powerpoint/2010/main" xmlns:aink="http://schemas.microsoft.com/office/drawing/2016/ink" Requires="p14 aink">
+        <mc:AlternateContent xmlns:mc="http://schemas.openxmlformats.org/markup-compatibility/2006" xmlns:p14="http://schemas.microsoft.com/office/powerpoint/2010/main" xmlns:aink="http://schemas.microsoft.com/office/drawing/2016/ink">
+          <mc:Choice Requires="p14 aink">
             <p:contentPart p14:bwMode="auto" r:id="rId66">
               <p14:nvContentPartPr>
                 <p14:cNvPr id="73" name="Entrada de lápiz 72">
@@ -22641,7 +25326,7 @@
               </p14:xfrm>
             </p:contentPart>
           </mc:Choice>
-          <mc:Fallback>
+          <mc:Fallback xmlns="">
             <p:pic>
               <p:nvPicPr>
                 <p:cNvPr id="73" name="Entrada de lápiz 72">
@@ -22672,8 +25357,8 @@
             </p:pic>
           </mc:Fallback>
         </mc:AlternateContent>
-        <mc:AlternateContent xmlns:mc="http://schemas.openxmlformats.org/markup-compatibility/2006">
-          <mc:Choice xmlns:p14="http://schemas.microsoft.com/office/powerpoint/2010/main" xmlns:aink="http://schemas.microsoft.com/office/drawing/2016/ink" Requires="p14 aink">
+        <mc:AlternateContent xmlns:mc="http://schemas.openxmlformats.org/markup-compatibility/2006" xmlns:p14="http://schemas.microsoft.com/office/powerpoint/2010/main" xmlns:aink="http://schemas.microsoft.com/office/drawing/2016/ink">
+          <mc:Choice Requires="p14 aink">
             <p:contentPart p14:bwMode="auto" r:id="rId68">
               <p14:nvContentPartPr>
                 <p14:cNvPr id="74" name="Entrada de lápiz 73">
@@ -22692,7 +25377,7 @@
               </p14:xfrm>
             </p:contentPart>
           </mc:Choice>
-          <mc:Fallback>
+          <mc:Fallback xmlns="">
             <p:pic>
               <p:nvPicPr>
                 <p:cNvPr id="74" name="Entrada de lápiz 73">
@@ -22723,8 +25408,8 @@
             </p:pic>
           </mc:Fallback>
         </mc:AlternateContent>
-        <mc:AlternateContent xmlns:mc="http://schemas.openxmlformats.org/markup-compatibility/2006">
-          <mc:Choice xmlns:p14="http://schemas.microsoft.com/office/powerpoint/2010/main" xmlns:aink="http://schemas.microsoft.com/office/drawing/2016/ink" Requires="p14 aink">
+        <mc:AlternateContent xmlns:mc="http://schemas.openxmlformats.org/markup-compatibility/2006" xmlns:p14="http://schemas.microsoft.com/office/powerpoint/2010/main" xmlns:aink="http://schemas.microsoft.com/office/drawing/2016/ink">
+          <mc:Choice Requires="p14 aink">
             <p:contentPart p14:bwMode="auto" r:id="rId70">
               <p14:nvContentPartPr>
                 <p14:cNvPr id="75" name="Entrada de lápiz 74">
@@ -22743,7 +25428,7 @@
               </p14:xfrm>
             </p:contentPart>
           </mc:Choice>
-          <mc:Fallback>
+          <mc:Fallback xmlns="">
             <p:pic>
               <p:nvPicPr>
                 <p:cNvPr id="75" name="Entrada de lápiz 74">
@@ -22774,8 +25459,8 @@
             </p:pic>
           </mc:Fallback>
         </mc:AlternateContent>
-        <mc:AlternateContent xmlns:mc="http://schemas.openxmlformats.org/markup-compatibility/2006">
-          <mc:Choice xmlns:p14="http://schemas.microsoft.com/office/powerpoint/2010/main" xmlns:aink="http://schemas.microsoft.com/office/drawing/2016/ink" Requires="p14 aink">
+        <mc:AlternateContent xmlns:mc="http://schemas.openxmlformats.org/markup-compatibility/2006" xmlns:p14="http://schemas.microsoft.com/office/powerpoint/2010/main" xmlns:aink="http://schemas.microsoft.com/office/drawing/2016/ink">
+          <mc:Choice Requires="p14 aink">
             <p:contentPart p14:bwMode="auto" r:id="rId72">
               <p14:nvContentPartPr>
                 <p14:cNvPr id="76" name="Entrada de lápiz 75">
@@ -22794,7 +25479,7 @@
               </p14:xfrm>
             </p:contentPart>
           </mc:Choice>
-          <mc:Fallback>
+          <mc:Fallback xmlns="">
             <p:pic>
               <p:nvPicPr>
                 <p:cNvPr id="76" name="Entrada de lápiz 75">
@@ -22825,8 +25510,8 @@
             </p:pic>
           </mc:Fallback>
         </mc:AlternateContent>
-        <mc:AlternateContent xmlns:mc="http://schemas.openxmlformats.org/markup-compatibility/2006">
-          <mc:Choice xmlns:p14="http://schemas.microsoft.com/office/powerpoint/2010/main" xmlns:aink="http://schemas.microsoft.com/office/drawing/2016/ink" Requires="p14 aink">
+        <mc:AlternateContent xmlns:mc="http://schemas.openxmlformats.org/markup-compatibility/2006" xmlns:p14="http://schemas.microsoft.com/office/powerpoint/2010/main" xmlns:aink="http://schemas.microsoft.com/office/drawing/2016/ink">
+          <mc:Choice Requires="p14 aink">
             <p:contentPart p14:bwMode="auto" r:id="rId74">
               <p14:nvContentPartPr>
                 <p14:cNvPr id="77" name="Entrada de lápiz 76">
@@ -22845,7 +25530,7 @@
               </p14:xfrm>
             </p:contentPart>
           </mc:Choice>
-          <mc:Fallback>
+          <mc:Fallback xmlns="">
             <p:pic>
               <p:nvPicPr>
                 <p:cNvPr id="77" name="Entrada de lápiz 76">
@@ -22876,8 +25561,8 @@
             </p:pic>
           </mc:Fallback>
         </mc:AlternateContent>
-        <mc:AlternateContent xmlns:mc="http://schemas.openxmlformats.org/markup-compatibility/2006">
-          <mc:Choice xmlns:p14="http://schemas.microsoft.com/office/powerpoint/2010/main" xmlns:aink="http://schemas.microsoft.com/office/drawing/2016/ink" Requires="p14 aink">
+        <mc:AlternateContent xmlns:mc="http://schemas.openxmlformats.org/markup-compatibility/2006" xmlns:p14="http://schemas.microsoft.com/office/powerpoint/2010/main" xmlns:aink="http://schemas.microsoft.com/office/drawing/2016/ink">
+          <mc:Choice Requires="p14 aink">
             <p:contentPart p14:bwMode="auto" r:id="rId76">
               <p14:nvContentPartPr>
                 <p14:cNvPr id="79" name="Entrada de lápiz 78">
@@ -22896,7 +25581,7 @@
               </p14:xfrm>
             </p:contentPart>
           </mc:Choice>
-          <mc:Fallback>
+          <mc:Fallback xmlns="">
             <p:pic>
               <p:nvPicPr>
                 <p:cNvPr id="79" name="Entrada de lápiz 78">
@@ -22927,8 +25612,8 @@
             </p:pic>
           </mc:Fallback>
         </mc:AlternateContent>
-        <mc:AlternateContent xmlns:mc="http://schemas.openxmlformats.org/markup-compatibility/2006">
-          <mc:Choice xmlns:p14="http://schemas.microsoft.com/office/powerpoint/2010/main" xmlns:aink="http://schemas.microsoft.com/office/drawing/2016/ink" Requires="p14 aink">
+        <mc:AlternateContent xmlns:mc="http://schemas.openxmlformats.org/markup-compatibility/2006" xmlns:p14="http://schemas.microsoft.com/office/powerpoint/2010/main" xmlns:aink="http://schemas.microsoft.com/office/drawing/2016/ink">
+          <mc:Choice Requires="p14 aink">
             <p:contentPart p14:bwMode="auto" r:id="rId78">
               <p14:nvContentPartPr>
                 <p14:cNvPr id="80" name="Entrada de lápiz 79">
@@ -22947,7 +25632,7 @@
               </p14:xfrm>
             </p:contentPart>
           </mc:Choice>
-          <mc:Fallback>
+          <mc:Fallback xmlns="">
             <p:pic>
               <p:nvPicPr>
                 <p:cNvPr id="80" name="Entrada de lápiz 79">
@@ -22978,8 +25663,8 @@
             </p:pic>
           </mc:Fallback>
         </mc:AlternateContent>
-        <mc:AlternateContent xmlns:mc="http://schemas.openxmlformats.org/markup-compatibility/2006">
-          <mc:Choice xmlns:p14="http://schemas.microsoft.com/office/powerpoint/2010/main" xmlns:aink="http://schemas.microsoft.com/office/drawing/2016/ink" Requires="p14 aink">
+        <mc:AlternateContent xmlns:mc="http://schemas.openxmlformats.org/markup-compatibility/2006" xmlns:p14="http://schemas.microsoft.com/office/powerpoint/2010/main" xmlns:aink="http://schemas.microsoft.com/office/drawing/2016/ink">
+          <mc:Choice Requires="p14 aink">
             <p:contentPart p14:bwMode="auto" r:id="rId80">
               <p14:nvContentPartPr>
                 <p14:cNvPr id="81" name="Entrada de lápiz 80">
@@ -22998,7 +25683,7 @@
               </p14:xfrm>
             </p:contentPart>
           </mc:Choice>
-          <mc:Fallback>
+          <mc:Fallback xmlns="">
             <p:pic>
               <p:nvPicPr>
                 <p:cNvPr id="81" name="Entrada de lápiz 80">
@@ -23029,8 +25714,8 @@
             </p:pic>
           </mc:Fallback>
         </mc:AlternateContent>
-        <mc:AlternateContent xmlns:mc="http://schemas.openxmlformats.org/markup-compatibility/2006">
-          <mc:Choice xmlns:p14="http://schemas.microsoft.com/office/powerpoint/2010/main" xmlns:aink="http://schemas.microsoft.com/office/drawing/2016/ink" Requires="p14 aink">
+        <mc:AlternateContent xmlns:mc="http://schemas.openxmlformats.org/markup-compatibility/2006" xmlns:p14="http://schemas.microsoft.com/office/powerpoint/2010/main" xmlns:aink="http://schemas.microsoft.com/office/drawing/2016/ink">
+          <mc:Choice Requires="p14 aink">
             <p:contentPart p14:bwMode="auto" r:id="rId82">
               <p14:nvContentPartPr>
                 <p14:cNvPr id="82" name="Entrada de lápiz 81">
@@ -23049,7 +25734,7 @@
               </p14:xfrm>
             </p:contentPart>
           </mc:Choice>
-          <mc:Fallback>
+          <mc:Fallback xmlns="">
             <p:pic>
               <p:nvPicPr>
                 <p:cNvPr id="82" name="Entrada de lápiz 81">
@@ -23080,8 +25765,8 @@
             </p:pic>
           </mc:Fallback>
         </mc:AlternateContent>
-        <mc:AlternateContent xmlns:mc="http://schemas.openxmlformats.org/markup-compatibility/2006">
-          <mc:Choice xmlns:p14="http://schemas.microsoft.com/office/powerpoint/2010/main" xmlns:aink="http://schemas.microsoft.com/office/drawing/2016/ink" Requires="p14 aink">
+        <mc:AlternateContent xmlns:mc="http://schemas.openxmlformats.org/markup-compatibility/2006" xmlns:p14="http://schemas.microsoft.com/office/powerpoint/2010/main" xmlns:aink="http://schemas.microsoft.com/office/drawing/2016/ink">
+          <mc:Choice Requires="p14 aink">
             <p:contentPart p14:bwMode="auto" r:id="rId84">
               <p14:nvContentPartPr>
                 <p14:cNvPr id="83" name="Entrada de lápiz 82">
@@ -23100,7 +25785,7 @@
               </p14:xfrm>
             </p:contentPart>
           </mc:Choice>
-          <mc:Fallback>
+          <mc:Fallback xmlns="">
             <p:pic>
               <p:nvPicPr>
                 <p:cNvPr id="83" name="Entrada de lápiz 82">
@@ -23131,8 +25816,8 @@
             </p:pic>
           </mc:Fallback>
         </mc:AlternateContent>
-        <mc:AlternateContent xmlns:mc="http://schemas.openxmlformats.org/markup-compatibility/2006">
-          <mc:Choice xmlns:p14="http://schemas.microsoft.com/office/powerpoint/2010/main" xmlns:aink="http://schemas.microsoft.com/office/drawing/2016/ink" Requires="p14 aink">
+        <mc:AlternateContent xmlns:mc="http://schemas.openxmlformats.org/markup-compatibility/2006" xmlns:p14="http://schemas.microsoft.com/office/powerpoint/2010/main" xmlns:aink="http://schemas.microsoft.com/office/drawing/2016/ink">
+          <mc:Choice Requires="p14 aink">
             <p:contentPart p14:bwMode="auto" r:id="rId86">
               <p14:nvContentPartPr>
                 <p14:cNvPr id="85" name="Entrada de lápiz 84">
@@ -23151,7 +25836,7 @@
               </p14:xfrm>
             </p:contentPart>
           </mc:Choice>
-          <mc:Fallback>
+          <mc:Fallback xmlns="">
             <p:pic>
               <p:nvPicPr>
                 <p:cNvPr id="85" name="Entrada de lápiz 84">
@@ -23182,8 +25867,8 @@
             </p:pic>
           </mc:Fallback>
         </mc:AlternateContent>
-        <mc:AlternateContent xmlns:mc="http://schemas.openxmlformats.org/markup-compatibility/2006">
-          <mc:Choice xmlns:p14="http://schemas.microsoft.com/office/powerpoint/2010/main" xmlns:aink="http://schemas.microsoft.com/office/drawing/2016/ink" Requires="p14 aink">
+        <mc:AlternateContent xmlns:mc="http://schemas.openxmlformats.org/markup-compatibility/2006" xmlns:p14="http://schemas.microsoft.com/office/powerpoint/2010/main" xmlns:aink="http://schemas.microsoft.com/office/drawing/2016/ink">
+          <mc:Choice Requires="p14 aink">
             <p:contentPart p14:bwMode="auto" r:id="rId88">
               <p14:nvContentPartPr>
                 <p14:cNvPr id="86" name="Entrada de lápiz 85">
@@ -23202,7 +25887,7 @@
               </p14:xfrm>
             </p:contentPart>
           </mc:Choice>
-          <mc:Fallback>
+          <mc:Fallback xmlns="">
             <p:pic>
               <p:nvPicPr>
                 <p:cNvPr id="86" name="Entrada de lápiz 85">
@@ -23233,8 +25918,8 @@
             </p:pic>
           </mc:Fallback>
         </mc:AlternateContent>
-        <mc:AlternateContent xmlns:mc="http://schemas.openxmlformats.org/markup-compatibility/2006">
-          <mc:Choice xmlns:p14="http://schemas.microsoft.com/office/powerpoint/2010/main" xmlns:aink="http://schemas.microsoft.com/office/drawing/2016/ink" Requires="p14 aink">
+        <mc:AlternateContent xmlns:mc="http://schemas.openxmlformats.org/markup-compatibility/2006" xmlns:p14="http://schemas.microsoft.com/office/powerpoint/2010/main" xmlns:aink="http://schemas.microsoft.com/office/drawing/2016/ink">
+          <mc:Choice Requires="p14 aink">
             <p:contentPart p14:bwMode="auto" r:id="rId90">
               <p14:nvContentPartPr>
                 <p14:cNvPr id="87" name="Entrada de lápiz 86">
@@ -23253,7 +25938,7 @@
               </p14:xfrm>
             </p:contentPart>
           </mc:Choice>
-          <mc:Fallback>
+          <mc:Fallback xmlns="">
             <p:pic>
               <p:nvPicPr>
                 <p:cNvPr id="87" name="Entrada de lápiz 86">
@@ -23284,8 +25969,8 @@
             </p:pic>
           </mc:Fallback>
         </mc:AlternateContent>
-        <mc:AlternateContent xmlns:mc="http://schemas.openxmlformats.org/markup-compatibility/2006">
-          <mc:Choice xmlns:p14="http://schemas.microsoft.com/office/powerpoint/2010/main" xmlns:aink="http://schemas.microsoft.com/office/drawing/2016/ink" Requires="p14 aink">
+        <mc:AlternateContent xmlns:mc="http://schemas.openxmlformats.org/markup-compatibility/2006" xmlns:p14="http://schemas.microsoft.com/office/powerpoint/2010/main" xmlns:aink="http://schemas.microsoft.com/office/drawing/2016/ink">
+          <mc:Choice Requires="p14 aink">
             <p:contentPart p14:bwMode="auto" r:id="rId92">
               <p14:nvContentPartPr>
                 <p14:cNvPr id="88" name="Entrada de lápiz 87">
@@ -23304,7 +25989,7 @@
               </p14:xfrm>
             </p:contentPart>
           </mc:Choice>
-          <mc:Fallback>
+          <mc:Fallback xmlns="">
             <p:pic>
               <p:nvPicPr>
                 <p:cNvPr id="88" name="Entrada de lápiz 87">
@@ -23335,8 +26020,8 @@
             </p:pic>
           </mc:Fallback>
         </mc:AlternateContent>
-        <mc:AlternateContent xmlns:mc="http://schemas.openxmlformats.org/markup-compatibility/2006">
-          <mc:Choice xmlns:p14="http://schemas.microsoft.com/office/powerpoint/2010/main" xmlns:aink="http://schemas.microsoft.com/office/drawing/2016/ink" Requires="p14 aink">
+        <mc:AlternateContent xmlns:mc="http://schemas.openxmlformats.org/markup-compatibility/2006" xmlns:p14="http://schemas.microsoft.com/office/powerpoint/2010/main" xmlns:aink="http://schemas.microsoft.com/office/drawing/2016/ink">
+          <mc:Choice Requires="p14 aink">
             <p:contentPart p14:bwMode="auto" r:id="rId94">
               <p14:nvContentPartPr>
                 <p14:cNvPr id="89" name="Entrada de lápiz 88">
@@ -23355,7 +26040,7 @@
               </p14:xfrm>
             </p:contentPart>
           </mc:Choice>
-          <mc:Fallback>
+          <mc:Fallback xmlns="">
             <p:pic>
               <p:nvPicPr>
                 <p:cNvPr id="89" name="Entrada de lápiz 88">
@@ -23386,8 +26071,8 @@
             </p:pic>
           </mc:Fallback>
         </mc:AlternateContent>
-        <mc:AlternateContent xmlns:mc="http://schemas.openxmlformats.org/markup-compatibility/2006">
-          <mc:Choice xmlns:p14="http://schemas.microsoft.com/office/powerpoint/2010/main" xmlns:aink="http://schemas.microsoft.com/office/drawing/2016/ink" Requires="p14 aink">
+        <mc:AlternateContent xmlns:mc="http://schemas.openxmlformats.org/markup-compatibility/2006" xmlns:p14="http://schemas.microsoft.com/office/powerpoint/2010/main" xmlns:aink="http://schemas.microsoft.com/office/drawing/2016/ink">
+          <mc:Choice Requires="p14 aink">
             <p:contentPart p14:bwMode="auto" r:id="rId96">
               <p14:nvContentPartPr>
                 <p14:cNvPr id="90" name="Entrada de lápiz 89">
@@ -23406,7 +26091,7 @@
               </p14:xfrm>
             </p:contentPart>
           </mc:Choice>
-          <mc:Fallback>
+          <mc:Fallback xmlns="">
             <p:pic>
               <p:nvPicPr>
                 <p:cNvPr id="90" name="Entrada de lápiz 89">
@@ -23437,8 +26122,8 @@
             </p:pic>
           </mc:Fallback>
         </mc:AlternateContent>
-        <mc:AlternateContent xmlns:mc="http://schemas.openxmlformats.org/markup-compatibility/2006">
-          <mc:Choice xmlns:p14="http://schemas.microsoft.com/office/powerpoint/2010/main" xmlns:aink="http://schemas.microsoft.com/office/drawing/2016/ink" Requires="p14 aink">
+        <mc:AlternateContent xmlns:mc="http://schemas.openxmlformats.org/markup-compatibility/2006" xmlns:p14="http://schemas.microsoft.com/office/powerpoint/2010/main" xmlns:aink="http://schemas.microsoft.com/office/drawing/2016/ink">
+          <mc:Choice Requires="p14 aink">
             <p:contentPart p14:bwMode="auto" r:id="rId98">
               <p14:nvContentPartPr>
                 <p14:cNvPr id="91" name="Entrada de lápiz 90">
@@ -23457,7 +26142,7 @@
               </p14:xfrm>
             </p:contentPart>
           </mc:Choice>
-          <mc:Fallback>
+          <mc:Fallback xmlns="">
             <p:pic>
               <p:nvPicPr>
                 <p:cNvPr id="91" name="Entrada de lápiz 90">
@@ -23488,8 +26173,8 @@
             </p:pic>
           </mc:Fallback>
         </mc:AlternateContent>
-        <mc:AlternateContent xmlns:mc="http://schemas.openxmlformats.org/markup-compatibility/2006">
-          <mc:Choice xmlns:p14="http://schemas.microsoft.com/office/powerpoint/2010/main" xmlns:aink="http://schemas.microsoft.com/office/drawing/2016/ink" Requires="p14 aink">
+        <mc:AlternateContent xmlns:mc="http://schemas.openxmlformats.org/markup-compatibility/2006" xmlns:p14="http://schemas.microsoft.com/office/powerpoint/2010/main" xmlns:aink="http://schemas.microsoft.com/office/drawing/2016/ink">
+          <mc:Choice Requires="p14 aink">
             <p:contentPart p14:bwMode="auto" r:id="rId100">
               <p14:nvContentPartPr>
                 <p14:cNvPr id="92" name="Entrada de lápiz 91">
@@ -23508,7 +26193,7 @@
               </p14:xfrm>
             </p:contentPart>
           </mc:Choice>
-          <mc:Fallback>
+          <mc:Fallback xmlns="">
             <p:pic>
               <p:nvPicPr>
                 <p:cNvPr id="92" name="Entrada de lápiz 91">
@@ -23539,8 +26224,8 @@
             </p:pic>
           </mc:Fallback>
         </mc:AlternateContent>
-        <mc:AlternateContent xmlns:mc="http://schemas.openxmlformats.org/markup-compatibility/2006">
-          <mc:Choice xmlns:p14="http://schemas.microsoft.com/office/powerpoint/2010/main" xmlns:aink="http://schemas.microsoft.com/office/drawing/2016/ink" Requires="p14 aink">
+        <mc:AlternateContent xmlns:mc="http://schemas.openxmlformats.org/markup-compatibility/2006" xmlns:p14="http://schemas.microsoft.com/office/powerpoint/2010/main" xmlns:aink="http://schemas.microsoft.com/office/drawing/2016/ink">
+          <mc:Choice Requires="p14 aink">
             <p:contentPart p14:bwMode="auto" r:id="rId102">
               <p14:nvContentPartPr>
                 <p14:cNvPr id="95" name="Entrada de lápiz 94">
@@ -23559,7 +26244,7 @@
               </p14:xfrm>
             </p:contentPart>
           </mc:Choice>
-          <mc:Fallback>
+          <mc:Fallback xmlns="">
             <p:pic>
               <p:nvPicPr>
                 <p:cNvPr id="95" name="Entrada de lápiz 94">
@@ -23590,8 +26275,8 @@
             </p:pic>
           </mc:Fallback>
         </mc:AlternateContent>
-        <mc:AlternateContent xmlns:mc="http://schemas.openxmlformats.org/markup-compatibility/2006">
-          <mc:Choice xmlns:p14="http://schemas.microsoft.com/office/powerpoint/2010/main" xmlns:aink="http://schemas.microsoft.com/office/drawing/2016/ink" Requires="p14 aink">
+        <mc:AlternateContent xmlns:mc="http://schemas.openxmlformats.org/markup-compatibility/2006" xmlns:p14="http://schemas.microsoft.com/office/powerpoint/2010/main" xmlns:aink="http://schemas.microsoft.com/office/drawing/2016/ink">
+          <mc:Choice Requires="p14 aink">
             <p:contentPart p14:bwMode="auto" r:id="rId104">
               <p14:nvContentPartPr>
                 <p14:cNvPr id="96" name="Entrada de lápiz 95">
@@ -23610,7 +26295,7 @@
               </p14:xfrm>
             </p:contentPart>
           </mc:Choice>
-          <mc:Fallback>
+          <mc:Fallback xmlns="">
             <p:pic>
               <p:nvPicPr>
                 <p:cNvPr id="96" name="Entrada de lápiz 95">
@@ -23641,8 +26326,8 @@
             </p:pic>
           </mc:Fallback>
         </mc:AlternateContent>
-        <mc:AlternateContent xmlns:mc="http://schemas.openxmlformats.org/markup-compatibility/2006">
-          <mc:Choice xmlns:p14="http://schemas.microsoft.com/office/powerpoint/2010/main" xmlns:aink="http://schemas.microsoft.com/office/drawing/2016/ink" Requires="p14 aink">
+        <mc:AlternateContent xmlns:mc="http://schemas.openxmlformats.org/markup-compatibility/2006" xmlns:p14="http://schemas.microsoft.com/office/powerpoint/2010/main" xmlns:aink="http://schemas.microsoft.com/office/drawing/2016/ink">
+          <mc:Choice Requires="p14 aink">
             <p:contentPart p14:bwMode="auto" r:id="rId106">
               <p14:nvContentPartPr>
                 <p14:cNvPr id="97" name="Entrada de lápiz 96">
@@ -23661,7 +26346,7 @@
               </p14:xfrm>
             </p:contentPart>
           </mc:Choice>
-          <mc:Fallback>
+          <mc:Fallback xmlns="">
             <p:pic>
               <p:nvPicPr>
                 <p:cNvPr id="97" name="Entrada de lápiz 96">
@@ -23692,8 +26377,8 @@
             </p:pic>
           </mc:Fallback>
         </mc:AlternateContent>
-        <mc:AlternateContent xmlns:mc="http://schemas.openxmlformats.org/markup-compatibility/2006">
-          <mc:Choice xmlns:p14="http://schemas.microsoft.com/office/powerpoint/2010/main" xmlns:aink="http://schemas.microsoft.com/office/drawing/2016/ink" Requires="p14 aink">
+        <mc:AlternateContent xmlns:mc="http://schemas.openxmlformats.org/markup-compatibility/2006" xmlns:p14="http://schemas.microsoft.com/office/powerpoint/2010/main" xmlns:aink="http://schemas.microsoft.com/office/drawing/2016/ink">
+          <mc:Choice Requires="p14 aink">
             <p:contentPart p14:bwMode="auto" r:id="rId108">
               <p14:nvContentPartPr>
                 <p14:cNvPr id="98" name="Entrada de lápiz 97">
@@ -23712,7 +26397,7 @@
               </p14:xfrm>
             </p:contentPart>
           </mc:Choice>
-          <mc:Fallback>
+          <mc:Fallback xmlns="">
             <p:pic>
               <p:nvPicPr>
                 <p:cNvPr id="98" name="Entrada de lápiz 97">
@@ -23743,8 +26428,8 @@
             </p:pic>
           </mc:Fallback>
         </mc:AlternateContent>
-        <mc:AlternateContent xmlns:mc="http://schemas.openxmlformats.org/markup-compatibility/2006">
-          <mc:Choice xmlns:p14="http://schemas.microsoft.com/office/powerpoint/2010/main" xmlns:aink="http://schemas.microsoft.com/office/drawing/2016/ink" Requires="p14 aink">
+        <mc:AlternateContent xmlns:mc="http://schemas.openxmlformats.org/markup-compatibility/2006" xmlns:p14="http://schemas.microsoft.com/office/powerpoint/2010/main" xmlns:aink="http://schemas.microsoft.com/office/drawing/2016/ink">
+          <mc:Choice Requires="p14 aink">
             <p:contentPart p14:bwMode="auto" r:id="rId110">
               <p14:nvContentPartPr>
                 <p14:cNvPr id="99" name="Entrada de lápiz 98">
@@ -23763,7 +26448,7 @@
               </p14:xfrm>
             </p:contentPart>
           </mc:Choice>
-          <mc:Fallback>
+          <mc:Fallback xmlns="">
             <p:pic>
               <p:nvPicPr>
                 <p:cNvPr id="99" name="Entrada de lápiz 98">
@@ -23794,8 +26479,8 @@
             </p:pic>
           </mc:Fallback>
         </mc:AlternateContent>
-        <mc:AlternateContent xmlns:mc="http://schemas.openxmlformats.org/markup-compatibility/2006">
-          <mc:Choice xmlns:p14="http://schemas.microsoft.com/office/powerpoint/2010/main" xmlns:aink="http://schemas.microsoft.com/office/drawing/2016/ink" Requires="p14 aink">
+        <mc:AlternateContent xmlns:mc="http://schemas.openxmlformats.org/markup-compatibility/2006" xmlns:p14="http://schemas.microsoft.com/office/powerpoint/2010/main" xmlns:aink="http://schemas.microsoft.com/office/drawing/2016/ink">
+          <mc:Choice Requires="p14 aink">
             <p:contentPart p14:bwMode="auto" r:id="rId112">
               <p14:nvContentPartPr>
                 <p14:cNvPr id="100" name="Entrada de lápiz 99">
@@ -23814,7 +26499,7 @@
               </p14:xfrm>
             </p:contentPart>
           </mc:Choice>
-          <mc:Fallback>
+          <mc:Fallback xmlns="">
             <p:pic>
               <p:nvPicPr>
                 <p:cNvPr id="100" name="Entrada de lápiz 99">
@@ -23845,8 +26530,8 @@
             </p:pic>
           </mc:Fallback>
         </mc:AlternateContent>
-        <mc:AlternateContent xmlns:mc="http://schemas.openxmlformats.org/markup-compatibility/2006">
-          <mc:Choice xmlns:p14="http://schemas.microsoft.com/office/powerpoint/2010/main" xmlns:aink="http://schemas.microsoft.com/office/drawing/2016/ink" Requires="p14 aink">
+        <mc:AlternateContent xmlns:mc="http://schemas.openxmlformats.org/markup-compatibility/2006" xmlns:p14="http://schemas.microsoft.com/office/powerpoint/2010/main" xmlns:aink="http://schemas.microsoft.com/office/drawing/2016/ink">
+          <mc:Choice Requires="p14 aink">
             <p:contentPart p14:bwMode="auto" r:id="rId114">
               <p14:nvContentPartPr>
                 <p14:cNvPr id="101" name="Entrada de lápiz 100">
@@ -23865,7 +26550,7 @@
               </p14:xfrm>
             </p:contentPart>
           </mc:Choice>
-          <mc:Fallback>
+          <mc:Fallback xmlns="">
             <p:pic>
               <p:nvPicPr>
                 <p:cNvPr id="101" name="Entrada de lápiz 100">
@@ -23896,8 +26581,8 @@
             </p:pic>
           </mc:Fallback>
         </mc:AlternateContent>
-        <mc:AlternateContent xmlns:mc="http://schemas.openxmlformats.org/markup-compatibility/2006">
-          <mc:Choice xmlns:p14="http://schemas.microsoft.com/office/powerpoint/2010/main" xmlns:aink="http://schemas.microsoft.com/office/drawing/2016/ink" Requires="p14 aink">
+        <mc:AlternateContent xmlns:mc="http://schemas.openxmlformats.org/markup-compatibility/2006" xmlns:p14="http://schemas.microsoft.com/office/powerpoint/2010/main" xmlns:aink="http://schemas.microsoft.com/office/drawing/2016/ink">
+          <mc:Choice Requires="p14 aink">
             <p:contentPart p14:bwMode="auto" r:id="rId116">
               <p14:nvContentPartPr>
                 <p14:cNvPr id="102" name="Entrada de lápiz 101">
@@ -23916,7 +26601,7 @@
               </p14:xfrm>
             </p:contentPart>
           </mc:Choice>
-          <mc:Fallback>
+          <mc:Fallback xmlns="">
             <p:pic>
               <p:nvPicPr>
                 <p:cNvPr id="102" name="Entrada de lápiz 101">
@@ -23947,8 +26632,8 @@
             </p:pic>
           </mc:Fallback>
         </mc:AlternateContent>
-        <mc:AlternateContent xmlns:mc="http://schemas.openxmlformats.org/markup-compatibility/2006">
-          <mc:Choice xmlns:p14="http://schemas.microsoft.com/office/powerpoint/2010/main" xmlns:aink="http://schemas.microsoft.com/office/drawing/2016/ink" Requires="p14 aink">
+        <mc:AlternateContent xmlns:mc="http://schemas.openxmlformats.org/markup-compatibility/2006" xmlns:p14="http://schemas.microsoft.com/office/powerpoint/2010/main" xmlns:aink="http://schemas.microsoft.com/office/drawing/2016/ink">
+          <mc:Choice Requires="p14 aink">
             <p:contentPart p14:bwMode="auto" r:id="rId118">
               <p14:nvContentPartPr>
                 <p14:cNvPr id="104" name="Entrada de lápiz 103">
@@ -23967,7 +26652,7 @@
               </p14:xfrm>
             </p:contentPart>
           </mc:Choice>
-          <mc:Fallback>
+          <mc:Fallback xmlns="">
             <p:pic>
               <p:nvPicPr>
                 <p:cNvPr id="104" name="Entrada de lápiz 103">
@@ -23998,8 +26683,8 @@
             </p:pic>
           </mc:Fallback>
         </mc:AlternateContent>
-        <mc:AlternateContent xmlns:mc="http://schemas.openxmlformats.org/markup-compatibility/2006">
-          <mc:Choice xmlns:p14="http://schemas.microsoft.com/office/powerpoint/2010/main" xmlns:aink="http://schemas.microsoft.com/office/drawing/2016/ink" Requires="p14 aink">
+        <mc:AlternateContent xmlns:mc="http://schemas.openxmlformats.org/markup-compatibility/2006" xmlns:p14="http://schemas.microsoft.com/office/powerpoint/2010/main" xmlns:aink="http://schemas.microsoft.com/office/drawing/2016/ink">
+          <mc:Choice Requires="p14 aink">
             <p:contentPart p14:bwMode="auto" r:id="rId120">
               <p14:nvContentPartPr>
                 <p14:cNvPr id="105" name="Entrada de lápiz 104">
@@ -24018,7 +26703,7 @@
               </p14:xfrm>
             </p:contentPart>
           </mc:Choice>
-          <mc:Fallback>
+          <mc:Fallback xmlns="">
             <p:pic>
               <p:nvPicPr>
                 <p:cNvPr id="105" name="Entrada de lápiz 104">
@@ -24070,8 +26755,8 @@
             <a:chExt cx="56520" cy="88200"/>
           </a:xfrm>
         </p:grpSpPr>
-        <mc:AlternateContent xmlns:mc="http://schemas.openxmlformats.org/markup-compatibility/2006">
-          <mc:Choice xmlns:p14="http://schemas.microsoft.com/office/powerpoint/2010/main" xmlns:aink="http://schemas.microsoft.com/office/drawing/2016/ink" Requires="p14 aink">
+        <mc:AlternateContent xmlns:mc="http://schemas.openxmlformats.org/markup-compatibility/2006" xmlns:p14="http://schemas.microsoft.com/office/powerpoint/2010/main" xmlns:aink="http://schemas.microsoft.com/office/drawing/2016/ink">
+          <mc:Choice Requires="p14 aink">
             <p:contentPart p14:bwMode="auto" r:id="rId122">
               <p14:nvContentPartPr>
                 <p14:cNvPr id="107" name="Entrada de lápiz 106">
@@ -24090,7 +26775,7 @@
               </p14:xfrm>
             </p:contentPart>
           </mc:Choice>
-          <mc:Fallback>
+          <mc:Fallback xmlns="">
             <p:pic>
               <p:nvPicPr>
                 <p:cNvPr id="107" name="Entrada de lápiz 106">
@@ -24121,8 +26806,8 @@
             </p:pic>
           </mc:Fallback>
         </mc:AlternateContent>
-        <mc:AlternateContent xmlns:mc="http://schemas.openxmlformats.org/markup-compatibility/2006">
-          <mc:Choice xmlns:p14="http://schemas.microsoft.com/office/powerpoint/2010/main" xmlns:aink="http://schemas.microsoft.com/office/drawing/2016/ink" Requires="p14 aink">
+        <mc:AlternateContent xmlns:mc="http://schemas.openxmlformats.org/markup-compatibility/2006" xmlns:p14="http://schemas.microsoft.com/office/powerpoint/2010/main" xmlns:aink="http://schemas.microsoft.com/office/drawing/2016/ink">
+          <mc:Choice Requires="p14 aink">
             <p:contentPart p14:bwMode="auto" r:id="rId124">
               <p14:nvContentPartPr>
                 <p14:cNvPr id="108" name="Entrada de lápiz 107">
@@ -24141,7 +26826,7 @@
               </p14:xfrm>
             </p:contentPart>
           </mc:Choice>
-          <mc:Fallback>
+          <mc:Fallback xmlns="">
             <p:pic>
               <p:nvPicPr>
                 <p:cNvPr id="108" name="Entrada de lápiz 107">
